--- a/materials/4-Recap_Pharmaverse_Workshop/Contributing_to_the_Pharmaverse_and_Recap.pptx
+++ b/materials/4-Recap_Pharmaverse_Workshop/Contributing_to_the_Pharmaverse_and_Recap.pptx
@@ -5,30 +5,34 @@
     <p:sldMasterId id="2147483648" r:id="rId1"/>
   </p:sldMasterIdLst>
   <p:notesMasterIdLst>
-    <p:notesMasterId r:id="rId23"/>
+    <p:notesMasterId r:id="rId27"/>
   </p:notesMasterIdLst>
   <p:sldIdLst>
     <p:sldId id="256" r:id="rId2"/>
-    <p:sldId id="281" r:id="rId3"/>
-    <p:sldId id="257" r:id="rId4"/>
-    <p:sldId id="258" r:id="rId5"/>
-    <p:sldId id="259" r:id="rId6"/>
-    <p:sldId id="277" r:id="rId7"/>
-    <p:sldId id="261" r:id="rId8"/>
-    <p:sldId id="272" r:id="rId9"/>
-    <p:sldId id="273" r:id="rId10"/>
-    <p:sldId id="264" r:id="rId11"/>
-    <p:sldId id="274" r:id="rId12"/>
-    <p:sldId id="275" r:id="rId13"/>
-    <p:sldId id="276" r:id="rId14"/>
-    <p:sldId id="279" r:id="rId15"/>
-    <p:sldId id="271" r:id="rId16"/>
-    <p:sldId id="278" r:id="rId17"/>
-    <p:sldId id="262" r:id="rId18"/>
-    <p:sldId id="263" r:id="rId19"/>
-    <p:sldId id="280" r:id="rId20"/>
-    <p:sldId id="267" r:id="rId21"/>
-    <p:sldId id="268" r:id="rId22"/>
+    <p:sldId id="2147375213" r:id="rId3"/>
+    <p:sldId id="2147375212" r:id="rId4"/>
+    <p:sldId id="2147375210" r:id="rId5"/>
+    <p:sldId id="2147375211" r:id="rId6"/>
+    <p:sldId id="2147375214" r:id="rId7"/>
+    <p:sldId id="257" r:id="rId8"/>
+    <p:sldId id="258" r:id="rId9"/>
+    <p:sldId id="259" r:id="rId10"/>
+    <p:sldId id="277" r:id="rId11"/>
+    <p:sldId id="261" r:id="rId12"/>
+    <p:sldId id="272" r:id="rId13"/>
+    <p:sldId id="273" r:id="rId14"/>
+    <p:sldId id="264" r:id="rId15"/>
+    <p:sldId id="274" r:id="rId16"/>
+    <p:sldId id="275" r:id="rId17"/>
+    <p:sldId id="276" r:id="rId18"/>
+    <p:sldId id="279" r:id="rId19"/>
+    <p:sldId id="271" r:id="rId20"/>
+    <p:sldId id="278" r:id="rId21"/>
+    <p:sldId id="262" r:id="rId22"/>
+    <p:sldId id="263" r:id="rId23"/>
+    <p:sldId id="280" r:id="rId24"/>
+    <p:sldId id="267" r:id="rId25"/>
+    <p:sldId id="268" r:id="rId26"/>
   </p:sldIdLst>
   <p:sldSz cx="12192000" cy="6858000"/>
   <p:notesSz cx="6858000" cy="9144000"/>
@@ -225,7 +229,7 @@
           <a:p>
             <a:fld id="{0B0FE49E-A995-5747-8F82-5779EB95019C}" type="datetimeFigureOut">
               <a:rPr lang="en-US" smtClean="0"/>
-              <a:t>8/8/2024</a:t>
+              <a:t>8/11/2024</a:t>
             </a:fld>
             <a:endParaRPr lang="en-US"/>
           </a:p>
@@ -1367,7 +1371,7 @@
           <a:p>
             <a:fld id="{6B20C4F4-914A-412E-A84A-52823570824D}" type="datetimeFigureOut">
               <a:rPr lang="en-US" smtClean="0"/>
-              <a:t>8/8/2024</a:t>
+              <a:t>8/11/2024</a:t>
             </a:fld>
             <a:endParaRPr lang="en-US"/>
           </a:p>
@@ -1565,7 +1569,7 @@
           <a:p>
             <a:fld id="{6B20C4F4-914A-412E-A84A-52823570824D}" type="datetimeFigureOut">
               <a:rPr lang="en-US" smtClean="0"/>
-              <a:t>8/8/2024</a:t>
+              <a:t>8/11/2024</a:t>
             </a:fld>
             <a:endParaRPr lang="en-US"/>
           </a:p>
@@ -1773,7 +1777,7 @@
           <a:p>
             <a:fld id="{6B20C4F4-914A-412E-A84A-52823570824D}" type="datetimeFigureOut">
               <a:rPr lang="en-US" smtClean="0"/>
-              <a:t>8/8/2024</a:t>
+              <a:t>8/11/2024</a:t>
             </a:fld>
             <a:endParaRPr lang="en-US"/>
           </a:p>
@@ -2566,7 +2570,7 @@
           <a:p>
             <a:fld id="{6B20C4F4-914A-412E-A84A-52823570824D}" type="datetimeFigureOut">
               <a:rPr lang="en-US" smtClean="0"/>
-              <a:t>8/8/2024</a:t>
+              <a:t>8/11/2024</a:t>
             </a:fld>
             <a:endParaRPr lang="en-US"/>
           </a:p>
@@ -2841,7 +2845,7 @@
           <a:p>
             <a:fld id="{6B20C4F4-914A-412E-A84A-52823570824D}" type="datetimeFigureOut">
               <a:rPr lang="en-US" smtClean="0"/>
-              <a:t>8/8/2024</a:t>
+              <a:t>8/11/2024</a:t>
             </a:fld>
             <a:endParaRPr lang="en-US"/>
           </a:p>
@@ -3106,7 +3110,7 @@
           <a:p>
             <a:fld id="{6B20C4F4-914A-412E-A84A-52823570824D}" type="datetimeFigureOut">
               <a:rPr lang="en-US" smtClean="0"/>
-              <a:t>8/8/2024</a:t>
+              <a:t>8/11/2024</a:t>
             </a:fld>
             <a:endParaRPr lang="en-US"/>
           </a:p>
@@ -3518,7 +3522,7 @@
           <a:p>
             <a:fld id="{6B20C4F4-914A-412E-A84A-52823570824D}" type="datetimeFigureOut">
               <a:rPr lang="en-US" smtClean="0"/>
-              <a:t>8/8/2024</a:t>
+              <a:t>8/11/2024</a:t>
             </a:fld>
             <a:endParaRPr lang="en-US"/>
           </a:p>
@@ -3659,7 +3663,7 @@
           <a:p>
             <a:fld id="{6B20C4F4-914A-412E-A84A-52823570824D}" type="datetimeFigureOut">
               <a:rPr lang="en-US" smtClean="0"/>
-              <a:t>8/8/2024</a:t>
+              <a:t>8/11/2024</a:t>
             </a:fld>
             <a:endParaRPr lang="en-US"/>
           </a:p>
@@ -3772,7 +3776,7 @@
           <a:p>
             <a:fld id="{6B20C4F4-914A-412E-A84A-52823570824D}" type="datetimeFigureOut">
               <a:rPr lang="en-US" smtClean="0"/>
-              <a:t>8/8/2024</a:t>
+              <a:t>8/11/2024</a:t>
             </a:fld>
             <a:endParaRPr lang="en-US"/>
           </a:p>
@@ -4083,7 +4087,7 @@
           <a:p>
             <a:fld id="{6B20C4F4-914A-412E-A84A-52823570824D}" type="datetimeFigureOut">
               <a:rPr lang="en-US" smtClean="0"/>
-              <a:t>8/8/2024</a:t>
+              <a:t>8/11/2024</a:t>
             </a:fld>
             <a:endParaRPr lang="en-US"/>
           </a:p>
@@ -4371,7 +4375,7 @@
           <a:p>
             <a:fld id="{6B20C4F4-914A-412E-A84A-52823570824D}" type="datetimeFigureOut">
               <a:rPr lang="en-US" smtClean="0"/>
-              <a:t>8/8/2024</a:t>
+              <a:t>8/11/2024</a:t>
             </a:fld>
             <a:endParaRPr lang="en-US"/>
           </a:p>
@@ -4612,7 +4616,7 @@
           <a:p>
             <a:fld id="{6B20C4F4-914A-412E-A84A-52823570824D}" type="datetimeFigureOut">
               <a:rPr lang="en-US" smtClean="0"/>
-              <a:t>8/8/2024</a:t>
+              <a:t>8/11/2024</a:t>
             </a:fld>
             <a:endParaRPr lang="en-US"/>
           </a:p>
@@ -5311,6 +5315,1015 @@
   <p:cSld>
     <p:spTree>
       <p:nvGrpSpPr>
+        <p:cNvPr id="1" name=""/>
+        <p:cNvGrpSpPr/>
+        <p:nvPr/>
+      </p:nvGrpSpPr>
+      <p:grpSpPr>
+        <a:xfrm>
+          <a:off x="0" y="0"/>
+          <a:ext cx="0" cy="0"/>
+          <a:chOff x="0" y="0"/>
+          <a:chExt cx="0" cy="0"/>
+        </a:xfrm>
+      </p:grpSpPr>
+      <p:sp>
+        <p:nvSpPr>
+          <p:cNvPr id="2" name="Title 1">
+            <a:extLst>
+              <a:ext uri="{FF2B5EF4-FFF2-40B4-BE49-F238E27FC236}">
+                <a16:creationId xmlns:a16="http://schemas.microsoft.com/office/drawing/2014/main" id="{9D486CFA-7D61-139F-D867-E6F4DAECF596}"/>
+              </a:ext>
+            </a:extLst>
+          </p:cNvPr>
+          <p:cNvSpPr>
+            <a:spLocks noGrp="1"/>
+          </p:cNvSpPr>
+          <p:nvPr>
+            <p:ph type="title"/>
+          </p:nvPr>
+        </p:nvSpPr>
+        <p:spPr/>
+        <p:txBody>
+          <a:bodyPr/>
+          <a:lstStyle/>
+          <a:p>
+            <a:r>
+              <a:rPr lang="en-US" b="1" dirty="0"/>
+              <a:t>Why contribute</a:t>
+            </a:r>
+            <a:r>
+              <a:rPr lang="en-US" dirty="0"/>
+              <a:t> to the </a:t>
+            </a:r>
+            <a:r>
+              <a:rPr lang="en-US" dirty="0" err="1"/>
+              <a:t>pharmaverse</a:t>
+            </a:r>
+            <a:r>
+              <a:rPr lang="en-US" dirty="0"/>
+              <a:t>?</a:t>
+            </a:r>
+          </a:p>
+        </p:txBody>
+      </p:sp>
+      <p:sp>
+        <p:nvSpPr>
+          <p:cNvPr id="3" name="Content Placeholder 2">
+            <a:extLst>
+              <a:ext uri="{FF2B5EF4-FFF2-40B4-BE49-F238E27FC236}">
+                <a16:creationId xmlns:a16="http://schemas.microsoft.com/office/drawing/2014/main" id="{94BF499B-E905-8927-ACC6-A4DAB2D58F85}"/>
+              </a:ext>
+            </a:extLst>
+          </p:cNvPr>
+          <p:cNvSpPr>
+            <a:spLocks noGrp="1"/>
+          </p:cNvSpPr>
+          <p:nvPr>
+            <p:ph idx="1"/>
+          </p:nvPr>
+        </p:nvSpPr>
+        <p:spPr/>
+        <p:txBody>
+          <a:bodyPr/>
+          <a:lstStyle/>
+          <a:p>
+            <a:r>
+              <a:rPr lang="en-US" dirty="0"/>
+              <a:t>So many reasons…</a:t>
+            </a:r>
+          </a:p>
+        </p:txBody>
+      </p:sp>
+      <p:sp>
+        <p:nvSpPr>
+          <p:cNvPr id="4" name="Title 1">
+            <a:extLst>
+              <a:ext uri="{FF2B5EF4-FFF2-40B4-BE49-F238E27FC236}">
+                <a16:creationId xmlns:a16="http://schemas.microsoft.com/office/drawing/2014/main" id="{927D2DE0-5A5B-5A51-9851-9536B6995530}"/>
+              </a:ext>
+            </a:extLst>
+          </p:cNvPr>
+          <p:cNvSpPr txBox="1">
+            <a:spLocks/>
+          </p:cNvSpPr>
+          <p:nvPr/>
+        </p:nvSpPr>
+        <p:spPr>
+          <a:xfrm>
+            <a:off x="838200" y="812006"/>
+            <a:ext cx="10515600" cy="1325563"/>
+          </a:xfrm>
+          <a:prstGeom prst="rect">
+            <a:avLst/>
+          </a:prstGeom>
+        </p:spPr>
+        <p:txBody>
+          <a:bodyPr vert="horz" lIns="91440" tIns="45720" rIns="91440" bIns="45720" rtlCol="0" anchor="ctr">
+            <a:normAutofit/>
+          </a:bodyPr>
+          <a:lstStyle>
+            <a:lvl1pPr algn="l" defTabSz="914400" rtl="0" eaLnBrk="1" latinLnBrk="0" hangingPunct="1">
+              <a:lnSpc>
+                <a:spcPct val="90000"/>
+              </a:lnSpc>
+              <a:spcBef>
+                <a:spcPct val="0"/>
+              </a:spcBef>
+              <a:buNone/>
+              <a:defRPr sz="4400" kern="1200">
+                <a:solidFill>
+                  <a:schemeClr val="tx1"/>
+                </a:solidFill>
+                <a:latin typeface="+mj-lt"/>
+                <a:ea typeface="+mj-ea"/>
+                <a:cs typeface="+mj-cs"/>
+              </a:defRPr>
+            </a:lvl1pPr>
+          </a:lstStyle>
+          <a:p>
+            <a:r>
+              <a:rPr lang="en-US" sz="2400" b="1" dirty="0"/>
+              <a:t>…or open-source in general</a:t>
+            </a:r>
+            <a:endParaRPr lang="en-US" sz="2400" dirty="0"/>
+          </a:p>
+        </p:txBody>
+      </p:sp>
+    </p:spTree>
+    <p:extLst>
+      <p:ext uri="{BB962C8B-B14F-4D97-AF65-F5344CB8AC3E}">
+        <p14:creationId xmlns:p14="http://schemas.microsoft.com/office/powerpoint/2010/main" val="628924105"/>
+      </p:ext>
+    </p:extLst>
+  </p:cSld>
+  <p:clrMapOvr>
+    <a:masterClrMapping/>
+  </p:clrMapOvr>
+</p:sld>
+</file>
+
+<file path=ppt/slides/slide11.xml><?xml version="1.0" encoding="utf-8"?>
+<p:sld xmlns:a="http://schemas.openxmlformats.org/drawingml/2006/main" xmlns:r="http://schemas.openxmlformats.org/officeDocument/2006/relationships" xmlns:p="http://schemas.openxmlformats.org/presentationml/2006/main">
+  <p:cSld>
+    <p:spTree>
+      <p:nvGrpSpPr>
+        <p:cNvPr id="1" name="Shape 229"/>
+        <p:cNvGrpSpPr/>
+        <p:nvPr/>
+      </p:nvGrpSpPr>
+      <p:grpSpPr>
+        <a:xfrm>
+          <a:off x="0" y="0"/>
+          <a:ext cx="0" cy="0"/>
+          <a:chOff x="0" y="0"/>
+          <a:chExt cx="0" cy="0"/>
+        </a:xfrm>
+      </p:grpSpPr>
+      <p:pic>
+        <p:nvPicPr>
+          <p:cNvPr id="230" name="Google Shape;230;p21" descr="A picture containing electronics&#10;&#10;Description automatically generated"/>
+          <p:cNvPicPr preferRelativeResize="0"/>
+          <p:nvPr/>
+        </p:nvPicPr>
+        <p:blipFill rotWithShape="1">
+          <a:blip r:embed="rId3">
+            <a:alphaModFix/>
+          </a:blip>
+          <a:srcRect t="13406" b="32624"/>
+          <a:stretch/>
+        </p:blipFill>
+        <p:spPr>
+          <a:xfrm>
+            <a:off x="0" y="2916185"/>
+            <a:ext cx="12192000" cy="2495551"/>
+          </a:xfrm>
+          <a:custGeom>
+            <a:avLst/>
+            <a:gdLst/>
+            <a:ahLst/>
+            <a:cxnLst/>
+            <a:rect l="l" t="t" r="r" b="b"/>
+            <a:pathLst>
+              <a:path w="9144000" h="1871663" extrusionOk="0">
+                <a:moveTo>
+                  <a:pt x="0" y="0"/>
+                </a:moveTo>
+                <a:lnTo>
+                  <a:pt x="9144000" y="0"/>
+                </a:lnTo>
+                <a:lnTo>
+                  <a:pt x="9144000" y="1871663"/>
+                </a:lnTo>
+                <a:lnTo>
+                  <a:pt x="0" y="1871663"/>
+                </a:lnTo>
+                <a:close/>
+              </a:path>
+            </a:pathLst>
+          </a:custGeom>
+          <a:noFill/>
+          <a:ln>
+            <a:noFill/>
+          </a:ln>
+        </p:spPr>
+      </p:pic>
+      <p:sp>
+        <p:nvSpPr>
+          <p:cNvPr id="231" name="Google Shape;231;p21" descr="Chapter Title"/>
+          <p:cNvSpPr txBox="1">
+            <a:spLocks noGrp="1"/>
+          </p:cNvSpPr>
+          <p:nvPr>
+            <p:ph type="title"/>
+          </p:nvPr>
+        </p:nvSpPr>
+        <p:spPr>
+          <a:xfrm>
+            <a:off x="761933" y="576900"/>
+            <a:ext cx="9908800" cy="508800"/>
+          </a:xfrm>
+          <a:prstGeom prst="rect">
+            <a:avLst/>
+          </a:prstGeom>
+        </p:spPr>
+        <p:txBody>
+          <a:bodyPr spcFirstLastPara="1" vert="horz" wrap="square" lIns="0" tIns="121900" rIns="121900" bIns="121900" rtlCol="0" anchor="t" anchorCtr="0">
+            <a:noAutofit/>
+          </a:bodyPr>
+          <a:lstStyle/>
+          <a:p>
+            <a:r>
+              <a:rPr lang="en" dirty="0"/>
+              <a:t>I. Collaboration</a:t>
+            </a:r>
+            <a:endParaRPr dirty="0"/>
+          </a:p>
+        </p:txBody>
+      </p:sp>
+      <p:sp>
+        <p:nvSpPr>
+          <p:cNvPr id="232" name="Google Shape;232;p21"/>
+          <p:cNvSpPr txBox="1">
+            <a:spLocks noGrp="1"/>
+          </p:cNvSpPr>
+          <p:nvPr>
+            <p:ph type="subTitle" idx="1"/>
+          </p:nvPr>
+        </p:nvSpPr>
+        <p:spPr>
+          <a:xfrm>
+            <a:off x="761933" y="1084800"/>
+            <a:ext cx="9908800" cy="432000"/>
+          </a:xfrm>
+          <a:prstGeom prst="rect">
+            <a:avLst/>
+          </a:prstGeom>
+        </p:spPr>
+        <p:txBody>
+          <a:bodyPr spcFirstLastPara="1" vert="horz" wrap="square" lIns="0" tIns="0" rIns="121900" bIns="24000" rtlCol="0" anchor="t" anchorCtr="0">
+            <a:noAutofit/>
+          </a:bodyPr>
+          <a:lstStyle/>
+          <a:p>
+            <a:pPr marL="0" indent="0"/>
+            <a:endParaRPr dirty="0"/>
+          </a:p>
+        </p:txBody>
+      </p:sp>
+      <p:sp>
+        <p:nvSpPr>
+          <p:cNvPr id="233" name="Google Shape;233;p21"/>
+          <p:cNvSpPr/>
+          <p:nvPr/>
+        </p:nvSpPr>
+        <p:spPr>
+          <a:xfrm>
+            <a:off x="0" y="2916167"/>
+            <a:ext cx="12192000" cy="2495600"/>
+          </a:xfrm>
+          <a:prstGeom prst="rect">
+            <a:avLst/>
+          </a:prstGeom>
+          <a:solidFill>
+            <a:srgbClr val="022366">
+              <a:alpha val="84710"/>
+            </a:srgbClr>
+          </a:solidFill>
+          <a:ln>
+            <a:noFill/>
+          </a:ln>
+          <a:effectLst>
+            <a:outerShdw blurRad="57150" dist="19050" dir="5400000" algn="bl" rotWithShape="0">
+              <a:srgbClr val="000000">
+                <a:alpha val="30000"/>
+              </a:srgbClr>
+            </a:outerShdw>
+          </a:effectLst>
+        </p:spPr>
+        <p:txBody>
+          <a:bodyPr spcFirstLastPara="1" wrap="square" lIns="121900" tIns="60933" rIns="121900" bIns="60933" anchor="ctr" anchorCtr="0">
+            <a:noAutofit/>
+          </a:bodyPr>
+          <a:lstStyle/>
+          <a:p>
+            <a:pPr algn="ctr"/>
+            <a:endParaRPr sz="1867" dirty="0">
+              <a:solidFill>
+                <a:srgbClr val="1482FA"/>
+              </a:solidFill>
+              <a:latin typeface="Arial"/>
+              <a:ea typeface="Arial"/>
+              <a:cs typeface="Arial"/>
+              <a:sym typeface="Arial"/>
+            </a:endParaRPr>
+          </a:p>
+        </p:txBody>
+      </p:sp>
+      <p:sp>
+        <p:nvSpPr>
+          <p:cNvPr id="234" name="Google Shape;234;p21"/>
+          <p:cNvSpPr txBox="1">
+            <a:spLocks noGrp="1"/>
+          </p:cNvSpPr>
+          <p:nvPr>
+            <p:ph type="body" idx="2"/>
+          </p:nvPr>
+        </p:nvSpPr>
+        <p:spPr>
+          <a:xfrm>
+            <a:off x="761933" y="1923567"/>
+            <a:ext cx="10972800" cy="4480800"/>
+          </a:xfrm>
+          <a:prstGeom prst="rect">
+            <a:avLst/>
+          </a:prstGeom>
+        </p:spPr>
+        <p:txBody>
+          <a:bodyPr spcFirstLastPara="1" vert="horz" wrap="square" lIns="0" tIns="0" rIns="0" bIns="0" rtlCol="0" anchor="ctr" anchorCtr="0">
+            <a:noAutofit/>
+          </a:bodyPr>
+          <a:lstStyle/>
+          <a:p>
+            <a:pPr marL="0" indent="0" algn="ctr">
+              <a:spcAft>
+                <a:spcPts val="400"/>
+              </a:spcAft>
+              <a:buNone/>
+            </a:pPr>
+            <a:r>
+              <a:rPr lang="en" sz="2667" dirty="0">
+                <a:solidFill>
+                  <a:srgbClr val="FFFFFF"/>
+                </a:solidFill>
+              </a:rPr>
+              <a:t> Open-source software </a:t>
+            </a:r>
+            <a:r>
+              <a:rPr lang="en" sz="2667" b="1" dirty="0">
+                <a:solidFill>
+                  <a:srgbClr val="FFFFFF"/>
+                </a:solidFill>
+                <a:latin typeface="Roche Sans"/>
+                <a:ea typeface="Roche Sans"/>
+                <a:cs typeface="Roche Sans"/>
+                <a:sym typeface="Roche Sans"/>
+              </a:rPr>
+              <a:t>enables collaboration</a:t>
+            </a:r>
+            <a:r>
+              <a:rPr lang="en" sz="2667" dirty="0">
+                <a:solidFill>
+                  <a:srgbClr val="FFFFFF"/>
+                </a:solidFill>
+              </a:rPr>
+              <a:t> with other organizations, which can lead to </a:t>
+            </a:r>
+            <a:r>
+              <a:rPr lang="en" sz="2667" b="1" dirty="0">
+                <a:solidFill>
+                  <a:srgbClr val="FFFFFF"/>
+                </a:solidFill>
+                <a:latin typeface="Roche Sans"/>
+                <a:ea typeface="Roche Sans"/>
+                <a:cs typeface="Roche Sans"/>
+                <a:sym typeface="Roche Sans"/>
+              </a:rPr>
+              <a:t>faster development</a:t>
+            </a:r>
+            <a:r>
+              <a:rPr lang="en" sz="2667" dirty="0">
+                <a:solidFill>
+                  <a:srgbClr val="FFFFFF"/>
+                </a:solidFill>
+              </a:rPr>
+              <a:t> and more </a:t>
+            </a:r>
+            <a:r>
+              <a:rPr lang="en" sz="2667" b="1" dirty="0">
+                <a:solidFill>
+                  <a:srgbClr val="FFFFFF"/>
+                </a:solidFill>
+                <a:latin typeface="Roche Sans"/>
+                <a:ea typeface="Roche Sans"/>
+                <a:cs typeface="Roche Sans"/>
+                <a:sym typeface="Roche Sans"/>
+              </a:rPr>
+              <a:t>comprehensive testing and validation</a:t>
+            </a:r>
+            <a:r>
+              <a:rPr lang="en" sz="2667" dirty="0">
+                <a:solidFill>
+                  <a:srgbClr val="FFFFFF"/>
+                </a:solidFill>
+              </a:rPr>
+              <a:t> of the software.</a:t>
+            </a:r>
+            <a:endParaRPr sz="2667" dirty="0">
+              <a:solidFill>
+                <a:srgbClr val="FFFFFF"/>
+              </a:solidFill>
+            </a:endParaRPr>
+          </a:p>
+        </p:txBody>
+      </p:sp>
+    </p:spTree>
+  </p:cSld>
+  <p:clrMapOvr>
+    <a:masterClrMapping/>
+  </p:clrMapOvr>
+</p:sld>
+</file>
+
+<file path=ppt/slides/slide12.xml><?xml version="1.0" encoding="utf-8"?>
+<p:sld xmlns:a="http://schemas.openxmlformats.org/drawingml/2006/main" xmlns:r="http://schemas.openxmlformats.org/officeDocument/2006/relationships" xmlns:p="http://schemas.openxmlformats.org/presentationml/2006/main">
+  <p:cSld>
+    <p:spTree>
+      <p:nvGrpSpPr>
+        <p:cNvPr id="1" name="Shape 238"/>
+        <p:cNvGrpSpPr/>
+        <p:nvPr/>
+      </p:nvGrpSpPr>
+      <p:grpSpPr>
+        <a:xfrm>
+          <a:off x="0" y="0"/>
+          <a:ext cx="0" cy="0"/>
+          <a:chOff x="0" y="0"/>
+          <a:chExt cx="0" cy="0"/>
+        </a:xfrm>
+      </p:grpSpPr>
+      <p:pic>
+        <p:nvPicPr>
+          <p:cNvPr id="239" name="Google Shape;239;p22" descr="A picture containing electronics&#10;&#10;Description automatically generated"/>
+          <p:cNvPicPr preferRelativeResize="0"/>
+          <p:nvPr/>
+        </p:nvPicPr>
+        <p:blipFill rotWithShape="1">
+          <a:blip r:embed="rId3">
+            <a:alphaModFix/>
+          </a:blip>
+          <a:srcRect t="13406" b="32624"/>
+          <a:stretch/>
+        </p:blipFill>
+        <p:spPr>
+          <a:xfrm>
+            <a:off x="0" y="2916185"/>
+            <a:ext cx="12192000" cy="2495551"/>
+          </a:xfrm>
+          <a:custGeom>
+            <a:avLst/>
+            <a:gdLst/>
+            <a:ahLst/>
+            <a:cxnLst/>
+            <a:rect l="l" t="t" r="r" b="b"/>
+            <a:pathLst>
+              <a:path w="9144000" h="1871663" extrusionOk="0">
+                <a:moveTo>
+                  <a:pt x="0" y="0"/>
+                </a:moveTo>
+                <a:lnTo>
+                  <a:pt x="9144000" y="0"/>
+                </a:lnTo>
+                <a:lnTo>
+                  <a:pt x="9144000" y="1871663"/>
+                </a:lnTo>
+                <a:lnTo>
+                  <a:pt x="0" y="1871663"/>
+                </a:lnTo>
+                <a:close/>
+              </a:path>
+            </a:pathLst>
+          </a:custGeom>
+          <a:noFill/>
+          <a:ln>
+            <a:noFill/>
+          </a:ln>
+        </p:spPr>
+      </p:pic>
+      <p:sp>
+        <p:nvSpPr>
+          <p:cNvPr id="240" name="Google Shape;240;p22"/>
+          <p:cNvSpPr txBox="1">
+            <a:spLocks noGrp="1"/>
+          </p:cNvSpPr>
+          <p:nvPr>
+            <p:ph type="title"/>
+          </p:nvPr>
+        </p:nvSpPr>
+        <p:spPr>
+          <a:xfrm>
+            <a:off x="761933" y="576900"/>
+            <a:ext cx="9908800" cy="508800"/>
+          </a:xfrm>
+          <a:prstGeom prst="rect">
+            <a:avLst/>
+          </a:prstGeom>
+        </p:spPr>
+        <p:txBody>
+          <a:bodyPr spcFirstLastPara="1" vert="horz" wrap="square" lIns="0" tIns="121900" rIns="121900" bIns="121900" rtlCol="0" anchor="t" anchorCtr="0">
+            <a:noAutofit/>
+          </a:bodyPr>
+          <a:lstStyle/>
+          <a:p>
+            <a:r>
+              <a:rPr lang="en"/>
+              <a:t>II. Rapid Innovation</a:t>
+            </a:r>
+            <a:endParaRPr/>
+          </a:p>
+        </p:txBody>
+      </p:sp>
+      <p:sp>
+        <p:nvSpPr>
+          <p:cNvPr id="241" name="Google Shape;241;p22"/>
+          <p:cNvSpPr txBox="1">
+            <a:spLocks noGrp="1"/>
+          </p:cNvSpPr>
+          <p:nvPr>
+            <p:ph type="subTitle" idx="1"/>
+          </p:nvPr>
+        </p:nvSpPr>
+        <p:spPr>
+          <a:xfrm>
+            <a:off x="761933" y="1084800"/>
+            <a:ext cx="9908800" cy="432000"/>
+          </a:xfrm>
+          <a:prstGeom prst="rect">
+            <a:avLst/>
+          </a:prstGeom>
+        </p:spPr>
+        <p:txBody>
+          <a:bodyPr spcFirstLastPara="1" vert="horz" wrap="square" lIns="0" tIns="0" rIns="121900" bIns="24000" rtlCol="0" anchor="t" anchorCtr="0">
+            <a:noAutofit/>
+          </a:bodyPr>
+          <a:lstStyle/>
+          <a:p>
+            <a:pPr marL="0" indent="0"/>
+            <a:endParaRPr/>
+          </a:p>
+        </p:txBody>
+      </p:sp>
+      <p:sp>
+        <p:nvSpPr>
+          <p:cNvPr id="242" name="Google Shape;242;p22"/>
+          <p:cNvSpPr/>
+          <p:nvPr/>
+        </p:nvSpPr>
+        <p:spPr>
+          <a:xfrm>
+            <a:off x="0" y="2916167"/>
+            <a:ext cx="12192000" cy="2495600"/>
+          </a:xfrm>
+          <a:prstGeom prst="rect">
+            <a:avLst/>
+          </a:prstGeom>
+          <a:solidFill>
+            <a:srgbClr val="022366">
+              <a:alpha val="84710"/>
+            </a:srgbClr>
+          </a:solidFill>
+          <a:ln>
+            <a:noFill/>
+          </a:ln>
+          <a:effectLst>
+            <a:outerShdw blurRad="57150" dist="19050" dir="5400000" algn="bl" rotWithShape="0">
+              <a:srgbClr val="000000">
+                <a:alpha val="30000"/>
+              </a:srgbClr>
+            </a:outerShdw>
+          </a:effectLst>
+        </p:spPr>
+        <p:txBody>
+          <a:bodyPr spcFirstLastPara="1" wrap="square" lIns="121900" tIns="60933" rIns="121900" bIns="60933" anchor="ctr" anchorCtr="0">
+            <a:noAutofit/>
+          </a:bodyPr>
+          <a:lstStyle/>
+          <a:p>
+            <a:pPr algn="ctr"/>
+            <a:endParaRPr sz="1867">
+              <a:solidFill>
+                <a:srgbClr val="1482FA"/>
+              </a:solidFill>
+              <a:latin typeface="Arial"/>
+              <a:ea typeface="Arial"/>
+              <a:cs typeface="Arial"/>
+              <a:sym typeface="Arial"/>
+            </a:endParaRPr>
+          </a:p>
+        </p:txBody>
+      </p:sp>
+      <p:sp>
+        <p:nvSpPr>
+          <p:cNvPr id="243" name="Google Shape;243;p22"/>
+          <p:cNvSpPr txBox="1">
+            <a:spLocks noGrp="1"/>
+          </p:cNvSpPr>
+          <p:nvPr>
+            <p:ph type="body" idx="2"/>
+          </p:nvPr>
+        </p:nvSpPr>
+        <p:spPr>
+          <a:xfrm>
+            <a:off x="761933" y="1923567"/>
+            <a:ext cx="10972800" cy="4480800"/>
+          </a:xfrm>
+          <a:prstGeom prst="rect">
+            <a:avLst/>
+          </a:prstGeom>
+        </p:spPr>
+        <p:txBody>
+          <a:bodyPr spcFirstLastPara="1" vert="horz" wrap="square" lIns="0" tIns="0" rIns="0" bIns="0" rtlCol="0" anchor="ctr" anchorCtr="0">
+            <a:noAutofit/>
+          </a:bodyPr>
+          <a:lstStyle/>
+          <a:p>
+            <a:pPr marL="0" indent="0" algn="ctr">
+              <a:spcAft>
+                <a:spcPts val="400"/>
+              </a:spcAft>
+              <a:buNone/>
+            </a:pPr>
+            <a:r>
+              <a:rPr lang="en" sz="2667">
+                <a:solidFill>
+                  <a:srgbClr val="FFFFFF"/>
+                </a:solidFill>
+              </a:rPr>
+              <a:t>Because open-source software is often developed collaboratively, it can benefit from a </a:t>
+            </a:r>
+            <a:r>
+              <a:rPr lang="en" sz="2667" b="1">
+                <a:solidFill>
+                  <a:srgbClr val="FFFFFF"/>
+                </a:solidFill>
+                <a:latin typeface="Roche Sans"/>
+                <a:ea typeface="Roche Sans"/>
+                <a:cs typeface="Roche Sans"/>
+                <a:sym typeface="Roche Sans"/>
+              </a:rPr>
+              <a:t>faster pace of innovation</a:t>
+            </a:r>
+            <a:r>
+              <a:rPr lang="en" sz="2667">
+                <a:solidFill>
+                  <a:srgbClr val="FFFFFF"/>
+                </a:solidFill>
+              </a:rPr>
+              <a:t> than proprietary software. New features and capabilities can be added more </a:t>
+            </a:r>
+            <a:r>
+              <a:rPr lang="en" sz="2667" b="1">
+                <a:solidFill>
+                  <a:srgbClr val="FFFFFF"/>
+                </a:solidFill>
+                <a:latin typeface="Roche Sans"/>
+                <a:ea typeface="Roche Sans"/>
+                <a:cs typeface="Roche Sans"/>
+                <a:sym typeface="Roche Sans"/>
+              </a:rPr>
+              <a:t>quickly</a:t>
+            </a:r>
+            <a:r>
+              <a:rPr lang="en" sz="2667">
+                <a:solidFill>
+                  <a:srgbClr val="FFFFFF"/>
+                </a:solidFill>
+              </a:rPr>
+              <a:t>, and bugs and issues can be addressed more </a:t>
+            </a:r>
+            <a:r>
+              <a:rPr lang="en" sz="2667" b="1">
+                <a:solidFill>
+                  <a:srgbClr val="FFFFFF"/>
+                </a:solidFill>
+                <a:latin typeface="Roche Sans"/>
+                <a:ea typeface="Roche Sans"/>
+                <a:cs typeface="Roche Sans"/>
+                <a:sym typeface="Roche Sans"/>
+              </a:rPr>
+              <a:t>efficiently</a:t>
+            </a:r>
+            <a:r>
+              <a:rPr lang="en" sz="2667">
+                <a:solidFill>
+                  <a:srgbClr val="FFFFFF"/>
+                </a:solidFill>
+              </a:rPr>
+              <a:t>.</a:t>
+            </a:r>
+            <a:endParaRPr sz="2667">
+              <a:solidFill>
+                <a:srgbClr val="FFFFFF"/>
+              </a:solidFill>
+            </a:endParaRPr>
+          </a:p>
+        </p:txBody>
+      </p:sp>
+    </p:spTree>
+  </p:cSld>
+  <p:clrMapOvr>
+    <a:masterClrMapping/>
+  </p:clrMapOvr>
+</p:sld>
+</file>
+
+<file path=ppt/slides/slide13.xml><?xml version="1.0" encoding="utf-8"?>
+<p:sld xmlns:a="http://schemas.openxmlformats.org/drawingml/2006/main" xmlns:r="http://schemas.openxmlformats.org/officeDocument/2006/relationships" xmlns:p="http://schemas.openxmlformats.org/presentationml/2006/main">
+  <p:cSld>
+    <p:spTree>
+      <p:nvGrpSpPr>
+        <p:cNvPr id="1" name="Shape 247"/>
+        <p:cNvGrpSpPr/>
+        <p:nvPr/>
+      </p:nvGrpSpPr>
+      <p:grpSpPr>
+        <a:xfrm>
+          <a:off x="0" y="0"/>
+          <a:ext cx="0" cy="0"/>
+          <a:chOff x="0" y="0"/>
+          <a:chExt cx="0" cy="0"/>
+        </a:xfrm>
+      </p:grpSpPr>
+      <p:pic>
+        <p:nvPicPr>
+          <p:cNvPr id="248" name="Google Shape;248;p23" descr="A picture containing electronics&#10;&#10;Description automatically generated"/>
+          <p:cNvPicPr preferRelativeResize="0"/>
+          <p:nvPr/>
+        </p:nvPicPr>
+        <p:blipFill rotWithShape="1">
+          <a:blip r:embed="rId3">
+            <a:alphaModFix/>
+          </a:blip>
+          <a:srcRect t="13406" b="32624"/>
+          <a:stretch/>
+        </p:blipFill>
+        <p:spPr>
+          <a:xfrm>
+            <a:off x="0" y="2916185"/>
+            <a:ext cx="12192000" cy="2495551"/>
+          </a:xfrm>
+          <a:custGeom>
+            <a:avLst/>
+            <a:gdLst/>
+            <a:ahLst/>
+            <a:cxnLst/>
+            <a:rect l="l" t="t" r="r" b="b"/>
+            <a:pathLst>
+              <a:path w="9144000" h="1871663" extrusionOk="0">
+                <a:moveTo>
+                  <a:pt x="0" y="0"/>
+                </a:moveTo>
+                <a:lnTo>
+                  <a:pt x="9144000" y="0"/>
+                </a:lnTo>
+                <a:lnTo>
+                  <a:pt x="9144000" y="1871663"/>
+                </a:lnTo>
+                <a:lnTo>
+                  <a:pt x="0" y="1871663"/>
+                </a:lnTo>
+                <a:close/>
+              </a:path>
+            </a:pathLst>
+          </a:custGeom>
+          <a:noFill/>
+          <a:ln>
+            <a:noFill/>
+          </a:ln>
+        </p:spPr>
+      </p:pic>
+      <p:sp>
+        <p:nvSpPr>
+          <p:cNvPr id="249" name="Google Shape;249;p23"/>
+          <p:cNvSpPr txBox="1">
+            <a:spLocks noGrp="1"/>
+          </p:cNvSpPr>
+          <p:nvPr>
+            <p:ph type="title"/>
+          </p:nvPr>
+        </p:nvSpPr>
+        <p:spPr>
+          <a:xfrm>
+            <a:off x="761933" y="576900"/>
+            <a:ext cx="9908800" cy="508800"/>
+          </a:xfrm>
+          <a:prstGeom prst="rect">
+            <a:avLst/>
+          </a:prstGeom>
+        </p:spPr>
+        <p:txBody>
+          <a:bodyPr spcFirstLastPara="1" vert="horz" wrap="square" lIns="0" tIns="121900" rIns="121900" bIns="121900" rtlCol="0" anchor="t" anchorCtr="0">
+            <a:noAutofit/>
+          </a:bodyPr>
+          <a:lstStyle/>
+          <a:p>
+            <a:r>
+              <a:rPr lang="en"/>
+              <a:t>III. Cost Savings</a:t>
+            </a:r>
+            <a:endParaRPr/>
+          </a:p>
+        </p:txBody>
+      </p:sp>
+      <p:sp>
+        <p:nvSpPr>
+          <p:cNvPr id="250" name="Google Shape;250;p23"/>
+          <p:cNvSpPr txBox="1">
+            <a:spLocks noGrp="1"/>
+          </p:cNvSpPr>
+          <p:nvPr>
+            <p:ph type="subTitle" idx="1"/>
+          </p:nvPr>
+        </p:nvSpPr>
+        <p:spPr>
+          <a:xfrm>
+            <a:off x="761933" y="1084800"/>
+            <a:ext cx="9908800" cy="432000"/>
+          </a:xfrm>
+          <a:prstGeom prst="rect">
+            <a:avLst/>
+          </a:prstGeom>
+        </p:spPr>
+        <p:txBody>
+          <a:bodyPr spcFirstLastPara="1" vert="horz" wrap="square" lIns="0" tIns="0" rIns="121900" bIns="24000" rtlCol="0" anchor="t" anchorCtr="0">
+            <a:noAutofit/>
+          </a:bodyPr>
+          <a:lstStyle/>
+          <a:p>
+            <a:pPr marL="0" indent="0"/>
+            <a:endParaRPr/>
+          </a:p>
+        </p:txBody>
+      </p:sp>
+      <p:sp>
+        <p:nvSpPr>
+          <p:cNvPr id="251" name="Google Shape;251;p23"/>
+          <p:cNvSpPr/>
+          <p:nvPr/>
+        </p:nvSpPr>
+        <p:spPr>
+          <a:xfrm>
+            <a:off x="0" y="2916167"/>
+            <a:ext cx="12192000" cy="2495600"/>
+          </a:xfrm>
+          <a:prstGeom prst="rect">
+            <a:avLst/>
+          </a:prstGeom>
+          <a:solidFill>
+            <a:srgbClr val="022366">
+              <a:alpha val="84710"/>
+            </a:srgbClr>
+          </a:solidFill>
+          <a:ln>
+            <a:noFill/>
+          </a:ln>
+          <a:effectLst>
+            <a:outerShdw blurRad="57150" dist="19050" dir="5400000" algn="bl" rotWithShape="0">
+              <a:srgbClr val="000000">
+                <a:alpha val="30000"/>
+              </a:srgbClr>
+            </a:outerShdw>
+          </a:effectLst>
+        </p:spPr>
+        <p:txBody>
+          <a:bodyPr spcFirstLastPara="1" wrap="square" lIns="121900" tIns="60933" rIns="121900" bIns="60933" anchor="ctr" anchorCtr="0">
+            <a:noAutofit/>
+          </a:bodyPr>
+          <a:lstStyle/>
+          <a:p>
+            <a:pPr algn="ctr"/>
+            <a:endParaRPr sz="1867">
+              <a:solidFill>
+                <a:srgbClr val="1482FA"/>
+              </a:solidFill>
+              <a:latin typeface="Arial"/>
+              <a:ea typeface="Arial"/>
+              <a:cs typeface="Arial"/>
+              <a:sym typeface="Arial"/>
+            </a:endParaRPr>
+          </a:p>
+        </p:txBody>
+      </p:sp>
+      <p:sp>
+        <p:nvSpPr>
+          <p:cNvPr id="252" name="Google Shape;252;p23"/>
+          <p:cNvSpPr txBox="1">
+            <a:spLocks noGrp="1"/>
+          </p:cNvSpPr>
+          <p:nvPr>
+            <p:ph type="body" idx="2"/>
+          </p:nvPr>
+        </p:nvSpPr>
+        <p:spPr>
+          <a:xfrm>
+            <a:off x="761933" y="1923567"/>
+            <a:ext cx="10972800" cy="4480800"/>
+          </a:xfrm>
+          <a:prstGeom prst="rect">
+            <a:avLst/>
+          </a:prstGeom>
+        </p:spPr>
+        <p:txBody>
+          <a:bodyPr spcFirstLastPara="1" vert="horz" wrap="square" lIns="0" tIns="0" rIns="0" bIns="0" rtlCol="0" anchor="ctr" anchorCtr="0">
+            <a:noAutofit/>
+          </a:bodyPr>
+          <a:lstStyle/>
+          <a:p>
+            <a:pPr marL="0" indent="0" algn="ctr">
+              <a:spcAft>
+                <a:spcPts val="400"/>
+              </a:spcAft>
+              <a:buNone/>
+            </a:pPr>
+            <a:r>
+              <a:rPr lang="en" sz="2667">
+                <a:solidFill>
+                  <a:srgbClr val="FFFFFF"/>
+                </a:solidFill>
+              </a:rPr>
+              <a:t>Open-source software can be developed and maintained at a </a:t>
+            </a:r>
+            <a:r>
+              <a:rPr lang="en" sz="2667" b="1">
+                <a:solidFill>
+                  <a:srgbClr val="FFFFFF"/>
+                </a:solidFill>
+                <a:latin typeface="Roche Sans"/>
+                <a:ea typeface="Roche Sans"/>
+                <a:cs typeface="Roche Sans"/>
+                <a:sym typeface="Roche Sans"/>
+              </a:rPr>
+              <a:t>lower cost</a:t>
+            </a:r>
+            <a:r>
+              <a:rPr lang="en" sz="2667">
+                <a:solidFill>
+                  <a:srgbClr val="FFFFFF"/>
+                </a:solidFill>
+              </a:rPr>
+              <a:t> compared to proprietary software, as the development and maintenance </a:t>
+            </a:r>
+            <a:r>
+              <a:rPr lang="en" sz="2667" b="1">
+                <a:solidFill>
+                  <a:srgbClr val="FFFFFF"/>
+                </a:solidFill>
+                <a:latin typeface="Roche Sans"/>
+                <a:ea typeface="Roche Sans"/>
+                <a:cs typeface="Roche Sans"/>
+                <a:sym typeface="Roche Sans"/>
+              </a:rPr>
+              <a:t>costs are distributed</a:t>
+            </a:r>
+            <a:r>
+              <a:rPr lang="en" sz="2667">
+                <a:solidFill>
+                  <a:srgbClr val="FFFFFF"/>
+                </a:solidFill>
+              </a:rPr>
+              <a:t> across a larger user and developer base.</a:t>
+            </a:r>
+            <a:endParaRPr sz="2667">
+              <a:solidFill>
+                <a:srgbClr val="FFFFFF"/>
+              </a:solidFill>
+            </a:endParaRPr>
+          </a:p>
+        </p:txBody>
+      </p:sp>
+    </p:spTree>
+  </p:cSld>
+  <p:clrMapOvr>
+    <a:masterClrMapping/>
+  </p:clrMapOvr>
+</p:sld>
+</file>
+
+<file path=ppt/slides/slide14.xml><?xml version="1.0" encoding="utf-8"?>
+<p:sld xmlns:a="http://schemas.openxmlformats.org/drawingml/2006/main" xmlns:r="http://schemas.openxmlformats.org/officeDocument/2006/relationships" xmlns:p="http://schemas.openxmlformats.org/presentationml/2006/main">
+  <p:cSld>
+    <p:spTree>
+      <p:nvGrpSpPr>
         <p:cNvPr id="1" name="Shape 256"/>
         <p:cNvGrpSpPr/>
         <p:nvPr/>
@@ -5578,7 +6591,7 @@
 </p:sld>
 </file>
 
-<file path=ppt/slides/slide11.xml><?xml version="1.0" encoding="utf-8"?>
+<file path=ppt/slides/slide15.xml><?xml version="1.0" encoding="utf-8"?>
 <p:sld xmlns:a="http://schemas.openxmlformats.org/drawingml/2006/main" xmlns:r="http://schemas.openxmlformats.org/officeDocument/2006/relationships" xmlns:p="http://schemas.openxmlformats.org/presentationml/2006/main">
   <p:cSld>
     <p:spTree>
@@ -5830,7 +6843,7 @@
 </p:sld>
 </file>
 
-<file path=ppt/slides/slide12.xml><?xml version="1.0" encoding="utf-8"?>
+<file path=ppt/slides/slide16.xml><?xml version="1.0" encoding="utf-8"?>
 <p:sld xmlns:a="http://schemas.openxmlformats.org/drawingml/2006/main" xmlns:r="http://schemas.openxmlformats.org/officeDocument/2006/relationships" xmlns:p="http://schemas.openxmlformats.org/presentationml/2006/main">
   <p:cSld>
     <p:spTree>
@@ -6102,7 +7115,7 @@
 </p:sld>
 </file>
 
-<file path=ppt/slides/slide13.xml><?xml version="1.0" encoding="utf-8"?>
+<file path=ppt/slides/slide17.xml><?xml version="1.0" encoding="utf-8"?>
 <p:sld xmlns:a="http://schemas.openxmlformats.org/drawingml/2006/main" xmlns:r="http://schemas.openxmlformats.org/officeDocument/2006/relationships" xmlns:p="http://schemas.openxmlformats.org/presentationml/2006/main">
   <p:cSld>
     <p:spTree>
@@ -6374,7 +7387,7 @@
 </p:sld>
 </file>
 
-<file path=ppt/slides/slide14.xml><?xml version="1.0" encoding="utf-8"?>
+<file path=ppt/slides/slide18.xml><?xml version="1.0" encoding="utf-8"?>
 <p:sld xmlns:a="http://schemas.openxmlformats.org/drawingml/2006/main" xmlns:r="http://schemas.openxmlformats.org/officeDocument/2006/relationships" xmlns:p="http://schemas.openxmlformats.org/presentationml/2006/main">
   <p:cSld>
     <p:spTree>
@@ -6576,7 +7589,7 @@
 </p:sld>
 </file>
 
-<file path=ppt/slides/slide15.xml><?xml version="1.0" encoding="utf-8"?>
+<file path=ppt/slides/slide19.xml><?xml version="1.0" encoding="utf-8"?>
 <p:sld xmlns:a="http://schemas.openxmlformats.org/drawingml/2006/main" xmlns:r="http://schemas.openxmlformats.org/officeDocument/2006/relationships" xmlns:p="http://schemas.openxmlformats.org/presentationml/2006/main">
   <p:cSld>
     <p:spTree>
@@ -6917,664 +7930,6 @@
 </p:sld>
 </file>
 
-<file path=ppt/slides/slide16.xml><?xml version="1.0" encoding="utf-8"?>
-<p:sld xmlns:a="http://schemas.openxmlformats.org/drawingml/2006/main" xmlns:r="http://schemas.openxmlformats.org/officeDocument/2006/relationships" xmlns:p="http://schemas.openxmlformats.org/presentationml/2006/main">
-  <p:cSld>
-    <p:spTree>
-      <p:nvGrpSpPr>
-        <p:cNvPr id="1" name=""/>
-        <p:cNvGrpSpPr/>
-        <p:nvPr/>
-      </p:nvGrpSpPr>
-      <p:grpSpPr>
-        <a:xfrm>
-          <a:off x="0" y="0"/>
-          <a:ext cx="0" cy="0"/>
-          <a:chOff x="0" y="0"/>
-          <a:chExt cx="0" cy="0"/>
-        </a:xfrm>
-      </p:grpSpPr>
-      <p:sp>
-        <p:nvSpPr>
-          <p:cNvPr id="2" name="Title 1">
-            <a:extLst>
-              <a:ext uri="{FF2B5EF4-FFF2-40B4-BE49-F238E27FC236}">
-                <a16:creationId xmlns:a16="http://schemas.microsoft.com/office/drawing/2014/main" id="{1055D188-EA3A-79E8-B586-17841B93519C}"/>
-              </a:ext>
-            </a:extLst>
-          </p:cNvPr>
-          <p:cNvSpPr>
-            <a:spLocks noGrp="1"/>
-          </p:cNvSpPr>
-          <p:nvPr>
-            <p:ph type="title"/>
-          </p:nvPr>
-        </p:nvSpPr>
-        <p:spPr/>
-        <p:txBody>
-          <a:bodyPr/>
-          <a:lstStyle/>
-          <a:p>
-            <a:r>
-              <a:rPr lang="en-US" dirty="0"/>
-              <a:t>Success of Pharmaverse/OS relies on the Community</a:t>
-            </a:r>
-          </a:p>
-        </p:txBody>
-      </p:sp>
-      <p:sp>
-        <p:nvSpPr>
-          <p:cNvPr id="3" name="Content Placeholder 2">
-            <a:extLst>
-              <a:ext uri="{FF2B5EF4-FFF2-40B4-BE49-F238E27FC236}">
-                <a16:creationId xmlns:a16="http://schemas.microsoft.com/office/drawing/2014/main" id="{0B52D0D3-7228-A627-22EB-6D9DC3E96140}"/>
-              </a:ext>
-            </a:extLst>
-          </p:cNvPr>
-          <p:cNvSpPr>
-            <a:spLocks noGrp="1"/>
-          </p:cNvSpPr>
-          <p:nvPr>
-            <p:ph idx="1"/>
-          </p:nvPr>
-        </p:nvSpPr>
-        <p:spPr>
-          <a:xfrm>
-            <a:off x="838200" y="1825625"/>
-            <a:ext cx="5466806" cy="4351338"/>
-          </a:xfrm>
-        </p:spPr>
-        <p:txBody>
-          <a:bodyPr/>
-          <a:lstStyle/>
-          <a:p>
-            <a:r>
-              <a:rPr lang="en-US" dirty="0"/>
-              <a:t>🎵 we're all in this together</a:t>
-            </a:r>
-          </a:p>
-          <a:p>
-            <a:endParaRPr lang="en-US" dirty="0"/>
-          </a:p>
-          <a:p>
-            <a:r>
-              <a:rPr lang="en-US" dirty="0"/>
-              <a:t>Its up to us to make the community we want to see</a:t>
-            </a:r>
-          </a:p>
-          <a:p>
-            <a:endParaRPr lang="en-US" dirty="0"/>
-          </a:p>
-          <a:p>
-            <a:r>
-              <a:rPr lang="en-US" dirty="0"/>
-              <a:t>Leaders need to select and be conscious of their impacts</a:t>
-            </a:r>
-          </a:p>
-        </p:txBody>
-      </p:sp>
-      <p:pic>
-        <p:nvPicPr>
-          <p:cNvPr id="5" name="Picture 4" descr="A group of people jumping in front of a red curtain&#10;&#10;Description automatically generated">
-            <a:extLst>
-              <a:ext uri="{FF2B5EF4-FFF2-40B4-BE49-F238E27FC236}">
-                <a16:creationId xmlns:a16="http://schemas.microsoft.com/office/drawing/2014/main" id="{6FE9F4C0-E4F0-3936-33C5-4C2218F9EB44}"/>
-              </a:ext>
-            </a:extLst>
-          </p:cNvPr>
-          <p:cNvPicPr>
-            <a:picLocks noChangeAspect="1"/>
-          </p:cNvPicPr>
-          <p:nvPr/>
-        </p:nvPicPr>
-        <p:blipFill>
-          <a:blip r:embed="rId2">
-            <a:extLst>
-              <a:ext uri="{28A0092B-C50C-407E-A947-70E740481C1C}">
-                <a14:useLocalDpi xmlns:a14="http://schemas.microsoft.com/office/drawing/2010/main" val="0"/>
-              </a:ext>
-              <a:ext uri="{837473B0-CC2E-450A-ABE3-18F120FF3D39}">
-                <a1611:picAttrSrcUrl xmlns:a1611="http://schemas.microsoft.com/office/drawing/2016/11/main" r:id="rId3"/>
-              </a:ext>
-            </a:extLst>
-          </a:blip>
-          <a:stretch>
-            <a:fillRect/>
-          </a:stretch>
-        </p:blipFill>
-        <p:spPr>
-          <a:xfrm>
-            <a:off x="7122794" y="1855144"/>
-            <a:ext cx="3839846" cy="4164757"/>
-          </a:xfrm>
-          <a:prstGeom prst="rect">
-            <a:avLst/>
-          </a:prstGeom>
-        </p:spPr>
-      </p:pic>
-      <p:sp>
-        <p:nvSpPr>
-          <p:cNvPr id="6" name="TextBox 5">
-            <a:extLst>
-              <a:ext uri="{FF2B5EF4-FFF2-40B4-BE49-F238E27FC236}">
-                <a16:creationId xmlns:a16="http://schemas.microsoft.com/office/drawing/2014/main" id="{40B51E94-DDBA-591A-D664-2C914A41FEF4}"/>
-              </a:ext>
-            </a:extLst>
-          </p:cNvPr>
-          <p:cNvSpPr txBox="1"/>
-          <p:nvPr/>
-        </p:nvSpPr>
-        <p:spPr>
-          <a:xfrm>
-            <a:off x="7122794" y="6068941"/>
-            <a:ext cx="3839846" cy="230832"/>
-          </a:xfrm>
-          <a:prstGeom prst="rect">
-            <a:avLst/>
-          </a:prstGeom>
-          <a:noFill/>
-        </p:spPr>
-        <p:txBody>
-          <a:bodyPr wrap="square" rtlCol="0">
-            <a:spAutoFit/>
-          </a:bodyPr>
-          <a:lstStyle/>
-          <a:p>
-            <a:r>
-              <a:rPr lang="en-US" sz="900" dirty="0">
-                <a:hlinkClick r:id="rId3" tooltip="https://ericojohee.blogspot.com/2007/04/hsm-were-all-in-this-together.html"/>
-              </a:rPr>
-              <a:t>This Photo</a:t>
-            </a:r>
-            <a:r>
-              <a:rPr lang="en-US" sz="900" dirty="0"/>
-              <a:t> by Unknown Author is licensed under </a:t>
-            </a:r>
-            <a:r>
-              <a:rPr lang="en-US" sz="900" dirty="0">
-                <a:hlinkClick r:id="rId4" tooltip="https://creativecommons.org/licenses/by-nc-nd/3.0/"/>
-              </a:rPr>
-              <a:t>CC BY-NC-ND</a:t>
-            </a:r>
-            <a:endParaRPr lang="en-US" sz="900" dirty="0"/>
-          </a:p>
-        </p:txBody>
-      </p:sp>
-    </p:spTree>
-    <p:extLst>
-      <p:ext uri="{BB962C8B-B14F-4D97-AF65-F5344CB8AC3E}">
-        <p14:creationId xmlns:p14="http://schemas.microsoft.com/office/powerpoint/2010/main" val="3728798367"/>
-      </p:ext>
-    </p:extLst>
-  </p:cSld>
-  <p:clrMapOvr>
-    <a:masterClrMapping/>
-  </p:clrMapOvr>
-</p:sld>
-</file>
-
-<file path=ppt/slides/slide17.xml><?xml version="1.0" encoding="utf-8"?>
-<p:sld xmlns:a="http://schemas.openxmlformats.org/drawingml/2006/main" xmlns:r="http://schemas.openxmlformats.org/officeDocument/2006/relationships" xmlns:p="http://schemas.openxmlformats.org/presentationml/2006/main">
-  <p:cSld>
-    <p:spTree>
-      <p:nvGrpSpPr>
-        <p:cNvPr id="1" name=""/>
-        <p:cNvGrpSpPr/>
-        <p:nvPr/>
-      </p:nvGrpSpPr>
-      <p:grpSpPr>
-        <a:xfrm>
-          <a:off x="0" y="0"/>
-          <a:ext cx="0" cy="0"/>
-          <a:chOff x="0" y="0"/>
-          <a:chExt cx="0" cy="0"/>
-        </a:xfrm>
-      </p:grpSpPr>
-      <p:sp>
-        <p:nvSpPr>
-          <p:cNvPr id="2" name="Title 1">
-            <a:extLst>
-              <a:ext uri="{FF2B5EF4-FFF2-40B4-BE49-F238E27FC236}">
-                <a16:creationId xmlns:a16="http://schemas.microsoft.com/office/drawing/2014/main" id="{51DBAFEB-6319-A397-EA82-D82E2A7C6B55}"/>
-              </a:ext>
-            </a:extLst>
-          </p:cNvPr>
-          <p:cNvSpPr>
-            <a:spLocks noGrp="1"/>
-          </p:cNvSpPr>
-          <p:nvPr>
-            <p:ph type="title"/>
-          </p:nvPr>
-        </p:nvSpPr>
-        <p:spPr/>
-        <p:txBody>
-          <a:bodyPr/>
-          <a:lstStyle/>
-          <a:p>
-            <a:r>
-              <a:rPr lang="en-US" dirty="0"/>
-              <a:t>Opening an Issue</a:t>
-            </a:r>
-          </a:p>
-        </p:txBody>
-      </p:sp>
-      <p:sp>
-        <p:nvSpPr>
-          <p:cNvPr id="3" name="Content Placeholder 2">
-            <a:extLst>
-              <a:ext uri="{FF2B5EF4-FFF2-40B4-BE49-F238E27FC236}">
-                <a16:creationId xmlns:a16="http://schemas.microsoft.com/office/drawing/2014/main" id="{29C956F3-0D43-9F1B-25B2-95D606B5E0E2}"/>
-              </a:ext>
-            </a:extLst>
-          </p:cNvPr>
-          <p:cNvSpPr>
-            <a:spLocks noGrp="1"/>
-          </p:cNvSpPr>
-          <p:nvPr>
-            <p:ph idx="1"/>
-          </p:nvPr>
-        </p:nvSpPr>
-        <p:spPr/>
-        <p:txBody>
-          <a:bodyPr/>
-          <a:lstStyle/>
-          <a:p>
-            <a:r>
-              <a:rPr lang="en-US" dirty="0"/>
-              <a:t>If you saw a discrepancy or typo in the documentation of a package used today, open an issue pointing to the documentation and what you think should be fixed</a:t>
-            </a:r>
-          </a:p>
-          <a:p>
-            <a:pPr lvl="1"/>
-            <a:r>
-              <a:rPr lang="en-US" dirty="0"/>
-              <a:t>Find the GitHub page for the package</a:t>
-            </a:r>
-          </a:p>
-          <a:p>
-            <a:pPr lvl="1"/>
-            <a:r>
-              <a:rPr lang="en-US" dirty="0"/>
-              <a:t>Click on “Issues” then “New issue”</a:t>
-            </a:r>
-          </a:p>
-          <a:p>
-            <a:pPr lvl="1"/>
-            <a:r>
-              <a:rPr lang="en-US" dirty="0"/>
-              <a:t>Write the location of the discrepancy and what you think might be a better solution</a:t>
-            </a:r>
-          </a:p>
-        </p:txBody>
-      </p:sp>
-    </p:spTree>
-    <p:extLst>
-      <p:ext uri="{BB962C8B-B14F-4D97-AF65-F5344CB8AC3E}">
-        <p14:creationId xmlns:p14="http://schemas.microsoft.com/office/powerpoint/2010/main" val="3465875368"/>
-      </p:ext>
-    </p:extLst>
-  </p:cSld>
-  <p:clrMapOvr>
-    <a:masterClrMapping/>
-  </p:clrMapOvr>
-</p:sld>
-</file>
-
-<file path=ppt/slides/slide18.xml><?xml version="1.0" encoding="utf-8"?>
-<p:sld xmlns:a="http://schemas.openxmlformats.org/drawingml/2006/main" xmlns:r="http://schemas.openxmlformats.org/officeDocument/2006/relationships" xmlns:p="http://schemas.openxmlformats.org/presentationml/2006/main">
-  <p:cSld>
-    <p:spTree>
-      <p:nvGrpSpPr>
-        <p:cNvPr id="1" name=""/>
-        <p:cNvGrpSpPr/>
-        <p:nvPr/>
-      </p:nvGrpSpPr>
-      <p:grpSpPr>
-        <a:xfrm>
-          <a:off x="0" y="0"/>
-          <a:ext cx="0" cy="0"/>
-          <a:chOff x="0" y="0"/>
-          <a:chExt cx="0" cy="0"/>
-        </a:xfrm>
-      </p:grpSpPr>
-      <p:sp>
-        <p:nvSpPr>
-          <p:cNvPr id="2" name="Title 1">
-            <a:extLst>
-              <a:ext uri="{FF2B5EF4-FFF2-40B4-BE49-F238E27FC236}">
-                <a16:creationId xmlns:a16="http://schemas.microsoft.com/office/drawing/2014/main" id="{487008A4-B3BE-6337-2C22-49AE4408EB28}"/>
-              </a:ext>
-            </a:extLst>
-          </p:cNvPr>
-          <p:cNvSpPr>
-            <a:spLocks noGrp="1"/>
-          </p:cNvSpPr>
-          <p:nvPr>
-            <p:ph type="title"/>
-          </p:nvPr>
-        </p:nvSpPr>
-        <p:spPr/>
-        <p:txBody>
-          <a:bodyPr/>
-          <a:lstStyle/>
-          <a:p>
-            <a:r>
-              <a:rPr lang="en-US" dirty="0"/>
-              <a:t>Discussion Time!</a:t>
-            </a:r>
-          </a:p>
-        </p:txBody>
-      </p:sp>
-      <p:sp>
-        <p:nvSpPr>
-          <p:cNvPr id="3" name="Content Placeholder 2">
-            <a:extLst>
-              <a:ext uri="{FF2B5EF4-FFF2-40B4-BE49-F238E27FC236}">
-                <a16:creationId xmlns:a16="http://schemas.microsoft.com/office/drawing/2014/main" id="{74CF2615-E0BB-1F40-7EF2-6F2B05D99222}"/>
-              </a:ext>
-            </a:extLst>
-          </p:cNvPr>
-          <p:cNvSpPr>
-            <a:spLocks noGrp="1"/>
-          </p:cNvSpPr>
-          <p:nvPr>
-            <p:ph idx="1"/>
-          </p:nvPr>
-        </p:nvSpPr>
-        <p:spPr>
-          <a:xfrm>
-            <a:off x="838200" y="1825625"/>
-            <a:ext cx="9437914" cy="4351338"/>
-          </a:xfrm>
-        </p:spPr>
-        <p:txBody>
-          <a:bodyPr>
-            <a:normAutofit/>
-          </a:bodyPr>
-          <a:lstStyle/>
-          <a:p>
-            <a:r>
-              <a:rPr lang="en-US" dirty="0"/>
-              <a:t>Form a group of group of 4-6</a:t>
-            </a:r>
-          </a:p>
-          <a:p>
-            <a:r>
-              <a:rPr lang="en-US" dirty="0"/>
-              <a:t>Discuss the following questions (25 minutes)</a:t>
-            </a:r>
-          </a:p>
-          <a:p>
-            <a:pPr lvl="1"/>
-            <a:r>
-              <a:rPr lang="en-US" dirty="0"/>
-              <a:t>What had you expected to learn today</a:t>
-            </a:r>
-          </a:p>
-          <a:p>
-            <a:pPr lvl="1"/>
-            <a:r>
-              <a:rPr lang="en-US" dirty="0"/>
-              <a:t>What was learned at today</a:t>
-            </a:r>
-          </a:p>
-          <a:p>
-            <a:pPr lvl="1"/>
-            <a:r>
-              <a:rPr lang="en-US" dirty="0"/>
-              <a:t>What will you be bringing back to your teams</a:t>
-            </a:r>
-          </a:p>
-          <a:p>
-            <a:pPr lvl="1"/>
-            <a:r>
-              <a:rPr lang="en-US" b="1" dirty="0"/>
-              <a:t>What do we think is the skillset that will be required in the future</a:t>
-            </a:r>
-          </a:p>
-          <a:p>
-            <a:pPr lvl="1"/>
-            <a:r>
-              <a:rPr lang="en-US" b="1" dirty="0"/>
-              <a:t>What do we see as benefits of ARDs</a:t>
-            </a:r>
-          </a:p>
-          <a:p>
-            <a:pPr lvl="1"/>
-            <a:r>
-              <a:rPr lang="en-US" b="1" dirty="0"/>
-              <a:t>If you could tell yourself something 5 years ago, what would it be?</a:t>
-            </a:r>
-          </a:p>
-          <a:p>
-            <a:r>
-              <a:rPr lang="en-US" dirty="0"/>
-              <a:t>Report Out &amp; Discussion (25 Minutes)</a:t>
-            </a:r>
-          </a:p>
-          <a:p>
-            <a:endParaRPr lang="en-US" dirty="0"/>
-          </a:p>
-          <a:p>
-            <a:endParaRPr lang="en-US" dirty="0"/>
-          </a:p>
-          <a:p>
-            <a:endParaRPr lang="en-US" sz="3600" dirty="0"/>
-          </a:p>
-        </p:txBody>
-      </p:sp>
-      <p:sp>
-        <p:nvSpPr>
-          <p:cNvPr id="5" name="TextBox 4">
-            <a:extLst>
-              <a:ext uri="{FF2B5EF4-FFF2-40B4-BE49-F238E27FC236}">
-                <a16:creationId xmlns:a16="http://schemas.microsoft.com/office/drawing/2014/main" id="{7A861C6E-61DB-2D31-B992-222AED6C0B3E}"/>
-              </a:ext>
-            </a:extLst>
-          </p:cNvPr>
-          <p:cNvSpPr txBox="1"/>
-          <p:nvPr/>
-        </p:nvSpPr>
-        <p:spPr>
-          <a:xfrm>
-            <a:off x="7794171" y="748578"/>
-            <a:ext cx="3917274" cy="1754326"/>
-          </a:xfrm>
-          <a:prstGeom prst="rect">
-            <a:avLst/>
-          </a:prstGeom>
-          <a:noFill/>
-        </p:spPr>
-        <p:txBody>
-          <a:bodyPr wrap="square" numCol="2">
-            <a:spAutoFit/>
-          </a:bodyPr>
-          <a:lstStyle/>
-          <a:p>
-            <a:r>
-              <a:rPr lang="en-US" sz="2400" dirty="0"/>
-              <a:t>Packages we worked with today:</a:t>
-            </a:r>
-          </a:p>
-          <a:p>
-            <a:endParaRPr lang="en-US" sz="2400" dirty="0">
-              <a:hlinkClick r:id="rId2"/>
-            </a:endParaRPr>
-          </a:p>
-          <a:p>
-            <a:pPr marL="285750" indent="-285750">
-              <a:buFont typeface="Arial" panose="020B0604020202020204" pitchFamily="34" charset="0"/>
-              <a:buChar char="•"/>
-            </a:pPr>
-            <a:r>
-              <a:rPr lang="en-US" dirty="0"/>
-              <a:t>Admiral</a:t>
-            </a:r>
-          </a:p>
-          <a:p>
-            <a:pPr marL="285750" indent="-285750">
-              <a:buFont typeface="Arial" panose="020B0604020202020204" pitchFamily="34" charset="0"/>
-              <a:buChar char="•"/>
-            </a:pPr>
-            <a:r>
-              <a:rPr lang="en-US" dirty="0" err="1"/>
-              <a:t>Xportr</a:t>
-            </a:r>
-            <a:endParaRPr lang="en-US" dirty="0"/>
-          </a:p>
-          <a:p>
-            <a:pPr marL="285750" indent="-285750">
-              <a:buFont typeface="Arial" panose="020B0604020202020204" pitchFamily="34" charset="0"/>
-              <a:buChar char="•"/>
-            </a:pPr>
-            <a:r>
-              <a:rPr lang="en-US" dirty="0" err="1"/>
-              <a:t>gtsummary</a:t>
-            </a:r>
-            <a:endParaRPr lang="en-US" dirty="0"/>
-          </a:p>
-          <a:p>
-            <a:pPr marL="285750" indent="-285750">
-              <a:buFont typeface="Arial" panose="020B0604020202020204" pitchFamily="34" charset="0"/>
-              <a:buChar char="•"/>
-            </a:pPr>
-            <a:r>
-              <a:rPr lang="en-US" dirty="0"/>
-              <a:t>Cards</a:t>
-            </a:r>
-          </a:p>
-          <a:p>
-            <a:pPr marL="285750" indent="-285750">
-              <a:buFont typeface="Arial" panose="020B0604020202020204" pitchFamily="34" charset="0"/>
-              <a:buChar char="•"/>
-            </a:pPr>
-            <a:r>
-              <a:rPr lang="en-US" dirty="0"/>
-              <a:t>Tfrmt</a:t>
-            </a:r>
-          </a:p>
-          <a:p>
-            <a:pPr marL="285750" indent="-285750">
-              <a:buFont typeface="Arial" panose="020B0604020202020204" pitchFamily="34" charset="0"/>
-              <a:buChar char="•"/>
-            </a:pPr>
-            <a:r>
-              <a:rPr lang="en-US" dirty="0" err="1"/>
-              <a:t>tfrmtbuilder</a:t>
-            </a:r>
-            <a:endParaRPr lang="en-US" dirty="0"/>
-          </a:p>
-        </p:txBody>
-      </p:sp>
-    </p:spTree>
-    <p:extLst>
-      <p:ext uri="{BB962C8B-B14F-4D97-AF65-F5344CB8AC3E}">
-        <p14:creationId xmlns:p14="http://schemas.microsoft.com/office/powerpoint/2010/main" val="1033892165"/>
-      </p:ext>
-    </p:extLst>
-  </p:cSld>
-  <p:clrMapOvr>
-    <a:masterClrMapping/>
-  </p:clrMapOvr>
-</p:sld>
-</file>
-
-<file path=ppt/slides/slide19.xml><?xml version="1.0" encoding="utf-8"?>
-<p:sld xmlns:a="http://schemas.openxmlformats.org/drawingml/2006/main" xmlns:r="http://schemas.openxmlformats.org/officeDocument/2006/relationships" xmlns:p="http://schemas.openxmlformats.org/presentationml/2006/main">
-  <p:cSld>
-    <p:spTree>
-      <p:nvGrpSpPr>
-        <p:cNvPr id="1" name=""/>
-        <p:cNvGrpSpPr/>
-        <p:nvPr/>
-      </p:nvGrpSpPr>
-      <p:grpSpPr>
-        <a:xfrm>
-          <a:off x="0" y="0"/>
-          <a:ext cx="0" cy="0"/>
-          <a:chOff x="0" y="0"/>
-          <a:chExt cx="0" cy="0"/>
-        </a:xfrm>
-      </p:grpSpPr>
-      <p:sp>
-        <p:nvSpPr>
-          <p:cNvPr id="2" name="Title 1">
-            <a:extLst>
-              <a:ext uri="{FF2B5EF4-FFF2-40B4-BE49-F238E27FC236}">
-                <a16:creationId xmlns:a16="http://schemas.microsoft.com/office/drawing/2014/main" id="{487008A4-B3BE-6337-2C22-49AE4408EB28}"/>
-              </a:ext>
-            </a:extLst>
-          </p:cNvPr>
-          <p:cNvSpPr>
-            <a:spLocks noGrp="1"/>
-          </p:cNvSpPr>
-          <p:nvPr>
-            <p:ph type="title"/>
-          </p:nvPr>
-        </p:nvSpPr>
-        <p:spPr/>
-        <p:txBody>
-          <a:bodyPr/>
-          <a:lstStyle/>
-          <a:p>
-            <a:r>
-              <a:rPr lang="en-US" dirty="0"/>
-              <a:t>Q&amp;A/Panel Time</a:t>
-            </a:r>
-          </a:p>
-        </p:txBody>
-      </p:sp>
-      <p:sp>
-        <p:nvSpPr>
-          <p:cNvPr id="3" name="Content Placeholder 2">
-            <a:extLst>
-              <a:ext uri="{FF2B5EF4-FFF2-40B4-BE49-F238E27FC236}">
-                <a16:creationId xmlns:a16="http://schemas.microsoft.com/office/drawing/2014/main" id="{74CF2615-E0BB-1F40-7EF2-6F2B05D99222}"/>
-              </a:ext>
-            </a:extLst>
-          </p:cNvPr>
-          <p:cNvSpPr>
-            <a:spLocks noGrp="1"/>
-          </p:cNvSpPr>
-          <p:nvPr>
-            <p:ph idx="1"/>
-          </p:nvPr>
-        </p:nvSpPr>
-        <p:spPr>
-          <a:xfrm>
-            <a:off x="838200" y="1825625"/>
-            <a:ext cx="9437914" cy="4351338"/>
-          </a:xfrm>
-        </p:spPr>
-        <p:txBody>
-          <a:bodyPr>
-            <a:normAutofit/>
-          </a:bodyPr>
-          <a:lstStyle/>
-          <a:p>
-            <a:endParaRPr lang="en-US" dirty="0"/>
-          </a:p>
-          <a:p>
-            <a:endParaRPr lang="en-US" dirty="0"/>
-          </a:p>
-          <a:p>
-            <a:endParaRPr lang="en-US" sz="3600" dirty="0"/>
-          </a:p>
-        </p:txBody>
-      </p:sp>
-    </p:spTree>
-    <p:extLst>
-      <p:ext uri="{BB962C8B-B14F-4D97-AF65-F5344CB8AC3E}">
-        <p14:creationId xmlns:p14="http://schemas.microsoft.com/office/powerpoint/2010/main" val="1637611548"/>
-      </p:ext>
-    </p:extLst>
-  </p:cSld>
-  <p:clrMapOvr>
-    <a:masterClrMapping/>
-  </p:clrMapOvr>
-</p:sld>
-</file>
-
 <file path=ppt/slides/slide2.xml><?xml version="1.0" encoding="utf-8"?>
 <p:sld xmlns:a="http://schemas.openxmlformats.org/drawingml/2006/main" xmlns:r="http://schemas.openxmlformats.org/officeDocument/2006/relationships" xmlns:p="http://schemas.openxmlformats.org/presentationml/2006/main">
   <p:cSld>
@@ -7594,10 +7949,64 @@
       </p:grpSpPr>
       <p:sp>
         <p:nvSpPr>
-          <p:cNvPr id="2" name="Title 1">
-            <a:extLst>
-              <a:ext uri="{FF2B5EF4-FFF2-40B4-BE49-F238E27FC236}">
-                <a16:creationId xmlns:a16="http://schemas.microsoft.com/office/drawing/2014/main" id="{210AEF73-055C-6E24-2C37-717362CDD872}"/>
+          <p:cNvPr id="2" name="Rectangle 1">
+            <a:extLst>
+              <a:ext uri="{FF2B5EF4-FFF2-40B4-BE49-F238E27FC236}">
+                <a16:creationId xmlns:a16="http://schemas.microsoft.com/office/drawing/2014/main" id="{DA9DEED6-F0A8-3298-B209-98FF42171A26}"/>
+              </a:ext>
+            </a:extLst>
+          </p:cNvPr>
+          <p:cNvSpPr/>
+          <p:nvPr/>
+        </p:nvSpPr>
+        <p:spPr>
+          <a:xfrm>
+            <a:off x="0" y="0"/>
+            <a:ext cx="12192000" cy="6858000"/>
+          </a:xfrm>
+          <a:prstGeom prst="rect">
+            <a:avLst/>
+          </a:prstGeom>
+          <a:solidFill>
+            <a:schemeClr val="bg1"/>
+          </a:solidFill>
+          <a:ln>
+            <a:solidFill>
+              <a:schemeClr val="bg1"/>
+            </a:solidFill>
+          </a:ln>
+        </p:spPr>
+        <p:style>
+          <a:lnRef idx="2">
+            <a:schemeClr val="accent1">
+              <a:shade val="15000"/>
+            </a:schemeClr>
+          </a:lnRef>
+          <a:fillRef idx="1">
+            <a:schemeClr val="accent1"/>
+          </a:fillRef>
+          <a:effectRef idx="0">
+            <a:schemeClr val="accent1"/>
+          </a:effectRef>
+          <a:fontRef idx="minor">
+            <a:schemeClr val="lt1"/>
+          </a:fontRef>
+        </p:style>
+        <p:txBody>
+          <a:bodyPr rtlCol="0" anchor="ctr"/>
+          <a:lstStyle/>
+          <a:p>
+            <a:pPr algn="ctr"/>
+            <a:endParaRPr lang="en-US"/>
+          </a:p>
+        </p:txBody>
+      </p:sp>
+      <p:sp>
+        <p:nvSpPr>
+          <p:cNvPr id="4" name="Slide Number Placeholder 3">
+            <a:extLst>
+              <a:ext uri="{FF2B5EF4-FFF2-40B4-BE49-F238E27FC236}">
+                <a16:creationId xmlns:a16="http://schemas.microsoft.com/office/drawing/2014/main" id="{A9132241-3147-5424-79A6-25CEA54E8DDF}"/>
               </a:ext>
             </a:extLst>
           </p:cNvPr>
@@ -7605,7 +8014,7 @@
             <a:spLocks noGrp="1"/>
           </p:cNvSpPr>
           <p:nvPr>
-            <p:ph type="title"/>
+            <p:ph type="sldNum" sz="quarter" idx="12"/>
           </p:nvPr>
         </p:nvSpPr>
         <p:spPr/>
@@ -7613,48 +8022,1187 @@
           <a:bodyPr/>
           <a:lstStyle/>
           <a:p>
-            <a:r>
-              <a:rPr lang="en-US" dirty="0"/>
-              <a:t>RECAP OF THE STUFF WE COVERED</a:t>
-            </a:r>
-          </a:p>
-        </p:txBody>
-      </p:sp>
-      <p:sp>
-        <p:nvSpPr>
-          <p:cNvPr id="3" name="Content Placeholder 2">
-            <a:extLst>
-              <a:ext uri="{FF2B5EF4-FFF2-40B4-BE49-F238E27FC236}">
-                <a16:creationId xmlns:a16="http://schemas.microsoft.com/office/drawing/2014/main" id="{F214B663-B9E3-FD75-3ED9-3942BAFE5FE8}"/>
-              </a:ext>
-            </a:extLst>
-          </p:cNvPr>
-          <p:cNvSpPr>
-            <a:spLocks noGrp="1"/>
-          </p:cNvSpPr>
-          <p:nvPr>
-            <p:ph idx="1"/>
-          </p:nvPr>
-        </p:nvSpPr>
-        <p:spPr/>
-        <p:txBody>
-          <a:bodyPr/>
+            <a:fld id="{CA0BE942-4744-4F63-8605-0679E048D036}" type="slidenum">
+              <a:rPr lang="en-US" smtClean="0"/>
+              <a:t>2</a:t>
+            </a:fld>
+            <a:endParaRPr lang="en-US"/>
+          </a:p>
+        </p:txBody>
+      </p:sp>
+      <p:cxnSp>
+        <p:nvCxnSpPr>
+          <p:cNvPr id="5" name="Straight Connector 4">
+            <a:extLst>
+              <a:ext uri="{FF2B5EF4-FFF2-40B4-BE49-F238E27FC236}">
+                <a16:creationId xmlns:a16="http://schemas.microsoft.com/office/drawing/2014/main" id="{F0CAE65B-8409-3C9C-686F-48406017BB1B}"/>
+              </a:ext>
+            </a:extLst>
+          </p:cNvPr>
+          <p:cNvCxnSpPr>
+            <a:cxnSpLocks/>
+          </p:cNvCxnSpPr>
+          <p:nvPr/>
+        </p:nvCxnSpPr>
+        <p:spPr>
+          <a:xfrm flipV="1">
+            <a:off x="1004997" y="3180004"/>
+            <a:ext cx="9248051" cy="41419"/>
+          </a:xfrm>
+          <a:prstGeom prst="line">
+            <a:avLst/>
+          </a:prstGeom>
+          <a:ln/>
+        </p:spPr>
+        <p:style>
+          <a:lnRef idx="1">
+            <a:schemeClr val="dk1"/>
+          </a:lnRef>
+          <a:fillRef idx="0">
+            <a:schemeClr val="dk1"/>
+          </a:fillRef>
+          <a:effectRef idx="0">
+            <a:schemeClr val="dk1"/>
+          </a:effectRef>
+          <a:fontRef idx="minor">
+            <a:schemeClr val="tx1"/>
+          </a:fontRef>
+        </p:style>
+      </p:cxnSp>
+      <p:sp>
+        <p:nvSpPr>
+          <p:cNvPr id="7" name="TextBox 6">
+            <a:extLst>
+              <a:ext uri="{FF2B5EF4-FFF2-40B4-BE49-F238E27FC236}">
+                <a16:creationId xmlns:a16="http://schemas.microsoft.com/office/drawing/2014/main" id="{F5FA9941-B1E3-A9EC-467F-60632FC16498}"/>
+              </a:ext>
+            </a:extLst>
+          </p:cNvPr>
+          <p:cNvSpPr txBox="1"/>
+          <p:nvPr/>
+        </p:nvSpPr>
+        <p:spPr>
+          <a:xfrm>
+            <a:off x="7421623" y="2536112"/>
+            <a:ext cx="914400" cy="914400"/>
+          </a:xfrm>
+          <a:prstGeom prst="rect">
+            <a:avLst/>
+          </a:prstGeom>
+          <a:noFill/>
+        </p:spPr>
+        <p:txBody>
+          <a:bodyPr wrap="none" lIns="180000" tIns="180000" rIns="180000" bIns="180000" rtlCol="0">
+            <a:normAutofit/>
+          </a:bodyPr>
           <a:lstStyle/>
           <a:p>
-            <a:endParaRPr lang="en-US"/>
-          </a:p>
-        </p:txBody>
-      </p:sp>
+            <a:pPr algn="l">
+              <a:spcBef>
+                <a:spcPts val="300"/>
+              </a:spcBef>
+              <a:spcAft>
+                <a:spcPts val="300"/>
+              </a:spcAft>
+              <a:buClr>
+                <a:schemeClr val="tx2"/>
+              </a:buClr>
+              <a:buSzPct val="110000"/>
+            </a:pPr>
+            <a:r>
+              <a:rPr lang="en-GB" sz="3200" dirty="0"/>
+              <a:t>Outputs</a:t>
+            </a:r>
+          </a:p>
+        </p:txBody>
+      </p:sp>
+      <p:pic>
+        <p:nvPicPr>
+          <p:cNvPr id="8" name="Graphic 7" descr="Hike outline">
+            <a:extLst>
+              <a:ext uri="{FF2B5EF4-FFF2-40B4-BE49-F238E27FC236}">
+                <a16:creationId xmlns:a16="http://schemas.microsoft.com/office/drawing/2014/main" id="{506D1756-92F6-D5E5-BCB2-3C3638AC3A7F}"/>
+              </a:ext>
+            </a:extLst>
+          </p:cNvPr>
+          <p:cNvPicPr>
+            <a:picLocks noChangeAspect="1"/>
+          </p:cNvPicPr>
+          <p:nvPr/>
+        </p:nvPicPr>
+        <p:blipFill>
+          <a:blip r:embed="rId2">
+            <a:extLst>
+              <a:ext uri="{28A0092B-C50C-407E-A947-70E740481C1C}">
+                <a14:useLocalDpi xmlns:a14="http://schemas.microsoft.com/office/drawing/2010/main" val="0"/>
+              </a:ext>
+              <a:ext uri="{96DAC541-7B7A-43D3-8B79-37D633B846F1}">
+                <asvg:svgBlip xmlns:asvg="http://schemas.microsoft.com/office/drawing/2016/SVG/main" r:embed="rId3"/>
+              </a:ext>
+            </a:extLst>
+          </a:blip>
+          <a:stretch>
+            <a:fillRect/>
+          </a:stretch>
+        </p:blipFill>
+        <p:spPr>
+          <a:xfrm>
+            <a:off x="816709" y="2224309"/>
+            <a:ext cx="914400" cy="914400"/>
+          </a:xfrm>
+          <a:prstGeom prst="rect">
+            <a:avLst/>
+          </a:prstGeom>
+        </p:spPr>
+      </p:pic>
+      <p:pic>
+        <p:nvPicPr>
+          <p:cNvPr id="10" name="Graphic 9" descr="Castle scene with solid fill">
+            <a:extLst>
+              <a:ext uri="{FF2B5EF4-FFF2-40B4-BE49-F238E27FC236}">
+                <a16:creationId xmlns:a16="http://schemas.microsoft.com/office/drawing/2014/main" id="{104FF219-5892-559D-FDC2-6FE11D651482}"/>
+              </a:ext>
+            </a:extLst>
+          </p:cNvPr>
+          <p:cNvPicPr>
+            <a:picLocks noChangeAspect="1"/>
+          </p:cNvPicPr>
+          <p:nvPr/>
+        </p:nvPicPr>
+        <p:blipFill>
+          <a:blip r:embed="rId4">
+            <a:extLst>
+              <a:ext uri="{28A0092B-C50C-407E-A947-70E740481C1C}">
+                <a14:useLocalDpi xmlns:a14="http://schemas.microsoft.com/office/drawing/2010/main" val="0"/>
+              </a:ext>
+              <a:ext uri="{96DAC541-7B7A-43D3-8B79-37D633B846F1}">
+                <asvg:svgBlip xmlns:asvg="http://schemas.microsoft.com/office/drawing/2016/SVG/main" r:embed="rId5"/>
+              </a:ext>
+            </a:extLst>
+          </a:blip>
+          <a:stretch>
+            <a:fillRect/>
+          </a:stretch>
+        </p:blipFill>
+        <p:spPr>
+          <a:xfrm>
+            <a:off x="10253048" y="2448947"/>
+            <a:ext cx="914400" cy="914400"/>
+          </a:xfrm>
+          <a:prstGeom prst="rect">
+            <a:avLst/>
+          </a:prstGeom>
+        </p:spPr>
+      </p:pic>
+      <p:grpSp>
+        <p:nvGrpSpPr>
+          <p:cNvPr id="14" name="Group 13">
+            <a:extLst>
+              <a:ext uri="{FF2B5EF4-FFF2-40B4-BE49-F238E27FC236}">
+                <a16:creationId xmlns:a16="http://schemas.microsoft.com/office/drawing/2014/main" id="{F30A49DF-0573-2EC7-0C84-94B4436D45F5}"/>
+              </a:ext>
+            </a:extLst>
+          </p:cNvPr>
+          <p:cNvGrpSpPr/>
+          <p:nvPr/>
+        </p:nvGrpSpPr>
+        <p:grpSpPr>
+          <a:xfrm>
+            <a:off x="2324263" y="2576320"/>
+            <a:ext cx="801106" cy="785940"/>
+            <a:chOff x="7313489" y="4059253"/>
+            <a:chExt cx="914400" cy="930324"/>
+          </a:xfrm>
+        </p:grpSpPr>
+        <p:pic>
+          <p:nvPicPr>
+            <p:cNvPr id="15" name="Graphic 14" descr="Tent with solid fill">
+              <a:extLst>
+                <a:ext uri="{FF2B5EF4-FFF2-40B4-BE49-F238E27FC236}">
+                  <a16:creationId xmlns:a16="http://schemas.microsoft.com/office/drawing/2014/main" id="{DEAB565B-C1C3-6764-E0FE-96E6C0F8343C}"/>
+                </a:ext>
+              </a:extLst>
+            </p:cNvPr>
+            <p:cNvPicPr>
+              <a:picLocks noChangeAspect="1"/>
+            </p:cNvPicPr>
+            <p:nvPr/>
+          </p:nvPicPr>
+          <p:blipFill>
+            <a:blip r:embed="rId6">
+              <a:extLst>
+                <a:ext uri="{28A0092B-C50C-407E-A947-70E740481C1C}">
+                  <a14:useLocalDpi xmlns:a14="http://schemas.microsoft.com/office/drawing/2010/main" val="0"/>
+                </a:ext>
+                <a:ext uri="{96DAC541-7B7A-43D3-8B79-37D633B846F1}">
+                  <asvg:svgBlip xmlns:asvg="http://schemas.microsoft.com/office/drawing/2016/SVG/main" r:embed="rId7"/>
+                </a:ext>
+              </a:extLst>
+            </a:blip>
+            <a:stretch>
+              <a:fillRect/>
+            </a:stretch>
+          </p:blipFill>
+          <p:spPr>
+            <a:xfrm>
+              <a:off x="7313489" y="4075177"/>
+              <a:ext cx="914400" cy="914400"/>
+            </a:xfrm>
+            <a:prstGeom prst="rect">
+              <a:avLst/>
+            </a:prstGeom>
+          </p:spPr>
+        </p:pic>
+        <p:pic>
+          <p:nvPicPr>
+            <p:cNvPr id="16" name="Graphic 15" descr="Tent outline">
+              <a:extLst>
+                <a:ext uri="{FF2B5EF4-FFF2-40B4-BE49-F238E27FC236}">
+                  <a16:creationId xmlns:a16="http://schemas.microsoft.com/office/drawing/2014/main" id="{995A047B-3379-0850-D695-2EF559A0E80C}"/>
+                </a:ext>
+              </a:extLst>
+            </p:cNvPr>
+            <p:cNvPicPr>
+              <a:picLocks noChangeAspect="1"/>
+            </p:cNvPicPr>
+            <p:nvPr/>
+          </p:nvPicPr>
+          <p:blipFill>
+            <a:blip r:embed="rId8">
+              <a:extLst>
+                <a:ext uri="{28A0092B-C50C-407E-A947-70E740481C1C}">
+                  <a14:useLocalDpi xmlns:a14="http://schemas.microsoft.com/office/drawing/2010/main" val="0"/>
+                </a:ext>
+                <a:ext uri="{96DAC541-7B7A-43D3-8B79-37D633B846F1}">
+                  <asvg:svgBlip xmlns:asvg="http://schemas.microsoft.com/office/drawing/2016/SVG/main" r:embed="rId9"/>
+                </a:ext>
+              </a:extLst>
+            </a:blip>
+            <a:stretch>
+              <a:fillRect/>
+            </a:stretch>
+          </p:blipFill>
+          <p:spPr>
+            <a:xfrm>
+              <a:off x="7313489" y="4059253"/>
+              <a:ext cx="914400" cy="914400"/>
+            </a:xfrm>
+            <a:prstGeom prst="rect">
+              <a:avLst/>
+            </a:prstGeom>
+          </p:spPr>
+        </p:pic>
+      </p:grpSp>
+      <p:pic>
+        <p:nvPicPr>
+          <p:cNvPr id="20" name="Picture 2">
+            <a:extLst>
+              <a:ext uri="{FF2B5EF4-FFF2-40B4-BE49-F238E27FC236}">
+                <a16:creationId xmlns:a16="http://schemas.microsoft.com/office/drawing/2014/main" id="{0556C626-86CA-733D-19B6-6753A7895EA8}"/>
+              </a:ext>
+            </a:extLst>
+          </p:cNvPr>
+          <p:cNvPicPr>
+            <a:picLocks noChangeAspect="1" noChangeArrowheads="1"/>
+          </p:cNvPicPr>
+          <p:nvPr/>
+        </p:nvPicPr>
+        <p:blipFill>
+          <a:blip r:embed="rId10">
+            <a:extLst>
+              <a:ext uri="{28A0092B-C50C-407E-A947-70E740481C1C}">
+                <a14:useLocalDpi xmlns:a14="http://schemas.microsoft.com/office/drawing/2010/main" val="0"/>
+              </a:ext>
+            </a:extLst>
+          </a:blip>
+          <a:srcRect/>
+          <a:stretch>
+            <a:fillRect/>
+          </a:stretch>
+        </p:blipFill>
+        <p:spPr bwMode="auto">
+          <a:xfrm>
+            <a:off x="2901024" y="3709992"/>
+            <a:ext cx="1329244" cy="1543462"/>
+          </a:xfrm>
+          <a:prstGeom prst="rect">
+            <a:avLst/>
+          </a:prstGeom>
+          <a:noFill/>
+          <a:extLst>
+            <a:ext uri="{909E8E84-426E-40DD-AFC4-6F175D3DCCD1}">
+              <a14:hiddenFill xmlns:a14="http://schemas.microsoft.com/office/drawing/2010/main">
+                <a:solidFill>
+                  <a:srgbClr val="FFFFFF"/>
+                </a:solidFill>
+              </a14:hiddenFill>
+            </a:ext>
+          </a:extLst>
+        </p:spPr>
+      </p:pic>
+      <p:pic>
+        <p:nvPicPr>
+          <p:cNvPr id="21" name="Picture 6">
+            <a:extLst>
+              <a:ext uri="{FF2B5EF4-FFF2-40B4-BE49-F238E27FC236}">
+                <a16:creationId xmlns:a16="http://schemas.microsoft.com/office/drawing/2014/main" id="{0E8143CD-7697-61BF-B75F-EA67FFA00A2B}"/>
+              </a:ext>
+            </a:extLst>
+          </p:cNvPr>
+          <p:cNvPicPr>
+            <a:picLocks noChangeAspect="1" noChangeArrowheads="1"/>
+          </p:cNvPicPr>
+          <p:nvPr/>
+        </p:nvPicPr>
+        <p:blipFill>
+          <a:blip r:embed="rId11" cstate="print">
+            <a:extLst>
+              <a:ext uri="{28A0092B-C50C-407E-A947-70E740481C1C}">
+                <a14:useLocalDpi xmlns:a14="http://schemas.microsoft.com/office/drawing/2010/main" val="0"/>
+              </a:ext>
+            </a:extLst>
+          </a:blip>
+          <a:srcRect/>
+          <a:stretch>
+            <a:fillRect/>
+          </a:stretch>
+        </p:blipFill>
+        <p:spPr bwMode="auto">
+          <a:xfrm>
+            <a:off x="1557359" y="3709992"/>
+            <a:ext cx="1328400" cy="1537698"/>
+          </a:xfrm>
+          <a:prstGeom prst="rect">
+            <a:avLst/>
+          </a:prstGeom>
+          <a:noFill/>
+          <a:extLst>
+            <a:ext uri="{909E8E84-426E-40DD-AFC4-6F175D3DCCD1}">
+              <a14:hiddenFill xmlns:a14="http://schemas.microsoft.com/office/drawing/2010/main">
+                <a:solidFill>
+                  <a:srgbClr val="FFFFFF"/>
+                </a:solidFill>
+              </a14:hiddenFill>
+            </a:ext>
+          </a:extLst>
+        </p:spPr>
+      </p:pic>
+      <p:pic>
+        <p:nvPicPr>
+          <p:cNvPr id="22" name="Picture 8">
+            <a:extLst>
+              <a:ext uri="{FF2B5EF4-FFF2-40B4-BE49-F238E27FC236}">
+                <a16:creationId xmlns:a16="http://schemas.microsoft.com/office/drawing/2014/main" id="{08550B58-0EED-5D41-E94A-F60A4482B048}"/>
+              </a:ext>
+            </a:extLst>
+          </p:cNvPr>
+          <p:cNvPicPr>
+            <a:picLocks noChangeAspect="1" noChangeArrowheads="1"/>
+          </p:cNvPicPr>
+          <p:nvPr/>
+        </p:nvPicPr>
+        <p:blipFill>
+          <a:blip r:embed="rId12" cstate="print">
+            <a:extLst>
+              <a:ext uri="{28A0092B-C50C-407E-A947-70E740481C1C}">
+                <a14:useLocalDpi xmlns:a14="http://schemas.microsoft.com/office/drawing/2010/main" val="0"/>
+              </a:ext>
+            </a:extLst>
+          </a:blip>
+          <a:srcRect/>
+          <a:stretch>
+            <a:fillRect/>
+          </a:stretch>
+        </p:blipFill>
+        <p:spPr bwMode="auto">
+          <a:xfrm>
+            <a:off x="2179928" y="4900090"/>
+            <a:ext cx="1397679" cy="1617459"/>
+          </a:xfrm>
+          <a:prstGeom prst="rect">
+            <a:avLst/>
+          </a:prstGeom>
+          <a:noFill/>
+          <a:extLst>
+            <a:ext uri="{909E8E84-426E-40DD-AFC4-6F175D3DCCD1}">
+              <a14:hiddenFill xmlns:a14="http://schemas.microsoft.com/office/drawing/2010/main">
+                <a:solidFill>
+                  <a:srgbClr val="FFFFFF"/>
+                </a:solidFill>
+              </a14:hiddenFill>
+            </a:ext>
+          </a:extLst>
+        </p:spPr>
+      </p:pic>
+      <p:pic>
+        <p:nvPicPr>
+          <p:cNvPr id="24" name="Picture 23" descr="tfrmt hex, which looks a bit like a blueprint with tfrmt written over it">
+            <a:extLst>
+              <a:ext uri="{FF2B5EF4-FFF2-40B4-BE49-F238E27FC236}">
+                <a16:creationId xmlns:a16="http://schemas.microsoft.com/office/drawing/2014/main" id="{7F36D174-C0CA-5ED4-1A28-4772E93E7498}"/>
+              </a:ext>
+            </a:extLst>
+          </p:cNvPr>
+          <p:cNvPicPr>
+            <a:picLocks noChangeAspect="1"/>
+          </p:cNvPicPr>
+          <p:nvPr/>
+        </p:nvPicPr>
+        <p:blipFill>
+          <a:blip r:embed="rId13" cstate="print">
+            <a:extLst>
+              <a:ext uri="{28A0092B-C50C-407E-A947-70E740481C1C}">
+                <a14:useLocalDpi xmlns:a14="http://schemas.microsoft.com/office/drawing/2010/main" val="0"/>
+              </a:ext>
+            </a:extLst>
+          </a:blip>
+          <a:stretch>
+            <a:fillRect/>
+          </a:stretch>
+        </p:blipFill>
+        <p:spPr>
+          <a:xfrm>
+            <a:off x="7028169" y="4625581"/>
+            <a:ext cx="1891968" cy="1891968"/>
+          </a:xfrm>
+          <a:prstGeom prst="rect">
+            <a:avLst/>
+          </a:prstGeom>
+        </p:spPr>
+      </p:pic>
+      <p:pic>
+        <p:nvPicPr>
+          <p:cNvPr id="28" name="Picture 4">
+            <a:extLst>
+              <a:ext uri="{FF2B5EF4-FFF2-40B4-BE49-F238E27FC236}">
+                <a16:creationId xmlns:a16="http://schemas.microsoft.com/office/drawing/2014/main" id="{250DF687-1143-CE6D-01FB-94ADE269B8EF}"/>
+              </a:ext>
+            </a:extLst>
+          </p:cNvPr>
+          <p:cNvPicPr>
+            <a:picLocks noChangeAspect="1" noChangeArrowheads="1"/>
+          </p:cNvPicPr>
+          <p:nvPr/>
+        </p:nvPicPr>
+        <p:blipFill>
+          <a:blip r:embed="rId14">
+            <a:extLst>
+              <a:ext uri="{28A0092B-C50C-407E-A947-70E740481C1C}">
+                <a14:useLocalDpi xmlns:a14="http://schemas.microsoft.com/office/drawing/2010/main" val="0"/>
+              </a:ext>
+            </a:extLst>
+          </a:blip>
+          <a:srcRect/>
+          <a:stretch>
+            <a:fillRect/>
+          </a:stretch>
+        </p:blipFill>
+        <p:spPr bwMode="auto">
+          <a:xfrm>
+            <a:off x="2324263" y="961135"/>
+            <a:ext cx="1362945" cy="1573890"/>
+          </a:xfrm>
+          <a:prstGeom prst="rect">
+            <a:avLst/>
+          </a:prstGeom>
+          <a:noFill/>
+          <a:extLst>
+            <a:ext uri="{909E8E84-426E-40DD-AFC4-6F175D3DCCD1}">
+              <a14:hiddenFill xmlns:a14="http://schemas.microsoft.com/office/drawing/2010/main">
+                <a:solidFill>
+                  <a:srgbClr val="FFFFFF"/>
+                </a:solidFill>
+              </a14:hiddenFill>
+            </a:ext>
+          </a:extLst>
+        </p:spPr>
+      </p:pic>
+      <p:pic>
+        <p:nvPicPr>
+          <p:cNvPr id="29" name="Picture 28">
+            <a:extLst>
+              <a:ext uri="{FF2B5EF4-FFF2-40B4-BE49-F238E27FC236}">
+                <a16:creationId xmlns:a16="http://schemas.microsoft.com/office/drawing/2014/main" id="{590D599C-A923-5D76-8473-F13DE0CD4192}"/>
+              </a:ext>
+            </a:extLst>
+          </p:cNvPr>
+          <p:cNvPicPr>
+            <a:picLocks noChangeAspect="1"/>
+          </p:cNvPicPr>
+          <p:nvPr/>
+        </p:nvPicPr>
+        <p:blipFill>
+          <a:blip r:embed="rId15"/>
+          <a:stretch>
+            <a:fillRect/>
+          </a:stretch>
+        </p:blipFill>
+        <p:spPr>
+          <a:xfrm>
+            <a:off x="8561303" y="4797292"/>
+            <a:ext cx="1646223" cy="1646223"/>
+          </a:xfrm>
+          <a:prstGeom prst="rect">
+            <a:avLst/>
+          </a:prstGeom>
+        </p:spPr>
+      </p:pic>
+      <p:pic>
+        <p:nvPicPr>
+          <p:cNvPr id="30" name="Picture 4">
+            <a:extLst>
+              <a:ext uri="{FF2B5EF4-FFF2-40B4-BE49-F238E27FC236}">
+                <a16:creationId xmlns:a16="http://schemas.microsoft.com/office/drawing/2014/main" id="{B97EF664-FF40-5241-7A53-94F1DA0F39BC}"/>
+              </a:ext>
+            </a:extLst>
+          </p:cNvPr>
+          <p:cNvPicPr>
+            <a:picLocks noChangeAspect="1" noChangeArrowheads="1"/>
+          </p:cNvPicPr>
+          <p:nvPr/>
+        </p:nvPicPr>
+        <p:blipFill>
+          <a:blip r:embed="rId16">
+            <a:extLst>
+              <a:ext uri="{28A0092B-C50C-407E-A947-70E740481C1C}">
+                <a14:useLocalDpi xmlns:a14="http://schemas.microsoft.com/office/drawing/2010/main" val="0"/>
+              </a:ext>
+            </a:extLst>
+          </a:blip>
+          <a:srcRect/>
+          <a:stretch>
+            <a:fillRect/>
+          </a:stretch>
+        </p:blipFill>
+        <p:spPr bwMode="auto">
+          <a:xfrm>
+            <a:off x="6393233" y="3554112"/>
+            <a:ext cx="1641124" cy="1641124"/>
+          </a:xfrm>
+          <a:prstGeom prst="rect">
+            <a:avLst/>
+          </a:prstGeom>
+          <a:noFill/>
+          <a:extLst>
+            <a:ext uri="{909E8E84-426E-40DD-AFC4-6F175D3DCCD1}">
+              <a14:hiddenFill xmlns:a14="http://schemas.microsoft.com/office/drawing/2010/main">
+                <a:solidFill>
+                  <a:srgbClr val="FFFFFF"/>
+                </a:solidFill>
+              </a14:hiddenFill>
+            </a:ext>
+          </a:extLst>
+        </p:spPr>
+      </p:pic>
+      <p:pic>
+        <p:nvPicPr>
+          <p:cNvPr id="31" name="Picture 2">
+            <a:extLst>
+              <a:ext uri="{FF2B5EF4-FFF2-40B4-BE49-F238E27FC236}">
+                <a16:creationId xmlns:a16="http://schemas.microsoft.com/office/drawing/2014/main" id="{77EBC324-F007-87C2-E3F0-23AC53494875}"/>
+              </a:ext>
+            </a:extLst>
+          </p:cNvPr>
+          <p:cNvPicPr>
+            <a:picLocks noChangeAspect="1" noChangeArrowheads="1"/>
+          </p:cNvPicPr>
+          <p:nvPr/>
+        </p:nvPicPr>
+        <p:blipFill>
+          <a:blip r:embed="rId17">
+            <a:extLst>
+              <a:ext uri="{28A0092B-C50C-407E-A947-70E740481C1C}">
+                <a14:useLocalDpi xmlns:a14="http://schemas.microsoft.com/office/drawing/2010/main" val="0"/>
+              </a:ext>
+            </a:extLst>
+          </a:blip>
+          <a:srcRect/>
+          <a:stretch>
+            <a:fillRect/>
+          </a:stretch>
+        </p:blipFill>
+        <p:spPr bwMode="auto">
+          <a:xfrm>
+            <a:off x="7813783" y="3557084"/>
+            <a:ext cx="1649259" cy="1649259"/>
+          </a:xfrm>
+          <a:prstGeom prst="rect">
+            <a:avLst/>
+          </a:prstGeom>
+          <a:noFill/>
+          <a:extLst>
+            <a:ext uri="{909E8E84-426E-40DD-AFC4-6F175D3DCCD1}">
+              <a14:hiddenFill xmlns:a14="http://schemas.microsoft.com/office/drawing/2010/main">
+                <a:solidFill>
+                  <a:srgbClr val="FFFFFF"/>
+                </a:solidFill>
+              </a14:hiddenFill>
+            </a:ext>
+          </a:extLst>
+        </p:spPr>
+      </p:pic>
+      <p:pic>
+        <p:nvPicPr>
+          <p:cNvPr id="33" name="Picture 32">
+            <a:extLst>
+              <a:ext uri="{FF2B5EF4-FFF2-40B4-BE49-F238E27FC236}">
+                <a16:creationId xmlns:a16="http://schemas.microsoft.com/office/drawing/2014/main" id="{468D0D54-6936-0EED-5202-EFDE5DD0B250}"/>
+              </a:ext>
+            </a:extLst>
+          </p:cNvPr>
+          <p:cNvPicPr>
+            <a:picLocks noChangeAspect="1"/>
+          </p:cNvPicPr>
+          <p:nvPr/>
+        </p:nvPicPr>
+        <p:blipFill>
+          <a:blip r:embed="rId15"/>
+          <a:stretch>
+            <a:fillRect/>
+          </a:stretch>
+        </p:blipFill>
+        <p:spPr>
+          <a:xfrm>
+            <a:off x="7492278" y="667444"/>
+            <a:ext cx="1541071" cy="1541071"/>
+          </a:xfrm>
+          <a:prstGeom prst="rect">
+            <a:avLst/>
+          </a:prstGeom>
+        </p:spPr>
+      </p:pic>
+      <p:pic>
+        <p:nvPicPr>
+          <p:cNvPr id="3" name="Picture 2">
+            <a:extLst>
+              <a:ext uri="{FF2B5EF4-FFF2-40B4-BE49-F238E27FC236}">
+                <a16:creationId xmlns:a16="http://schemas.microsoft.com/office/drawing/2014/main" id="{436BDBAC-2D25-4A55-EFA8-81C379154E75}"/>
+              </a:ext>
+            </a:extLst>
+          </p:cNvPr>
+          <p:cNvPicPr>
+            <a:picLocks noChangeAspect="1"/>
+          </p:cNvPicPr>
+          <p:nvPr/>
+        </p:nvPicPr>
+        <p:blipFill>
+          <a:blip r:embed="rId18"/>
+          <a:stretch>
+            <a:fillRect/>
+          </a:stretch>
+        </p:blipFill>
+        <p:spPr>
+          <a:xfrm>
+            <a:off x="3612675" y="4893915"/>
+            <a:ext cx="1397679" cy="1617372"/>
+          </a:xfrm>
+          <a:prstGeom prst="rect">
+            <a:avLst/>
+          </a:prstGeom>
+        </p:spPr>
+      </p:pic>
+      <p:pic>
+        <p:nvPicPr>
+          <p:cNvPr id="51" name="Picture 50">
+            <a:extLst>
+              <a:ext uri="{FF2B5EF4-FFF2-40B4-BE49-F238E27FC236}">
+                <a16:creationId xmlns:a16="http://schemas.microsoft.com/office/drawing/2014/main" id="{9BCDFDB1-E74E-500E-5458-2D27FD8E914C}"/>
+              </a:ext>
+            </a:extLst>
+          </p:cNvPr>
+          <p:cNvPicPr>
+            <a:picLocks noChangeAspect="1"/>
+          </p:cNvPicPr>
+          <p:nvPr/>
+        </p:nvPicPr>
+        <p:blipFill>
+          <a:blip r:embed="rId19"/>
+          <a:stretch>
+            <a:fillRect/>
+          </a:stretch>
+        </p:blipFill>
+        <p:spPr>
+          <a:xfrm>
+            <a:off x="6191775" y="726943"/>
+            <a:ext cx="1482162" cy="1482162"/>
+          </a:xfrm>
+          <a:prstGeom prst="rect">
+            <a:avLst/>
+          </a:prstGeom>
+        </p:spPr>
+      </p:pic>
+      <p:pic>
+        <p:nvPicPr>
+          <p:cNvPr id="52" name="Picture 51">
+            <a:extLst>
+              <a:ext uri="{FF2B5EF4-FFF2-40B4-BE49-F238E27FC236}">
+                <a16:creationId xmlns:a16="http://schemas.microsoft.com/office/drawing/2014/main" id="{EC027FC5-D6CC-D304-B0A4-2F337767E6C8}"/>
+              </a:ext>
+            </a:extLst>
+          </p:cNvPr>
+          <p:cNvPicPr>
+            <a:picLocks noChangeAspect="1"/>
+          </p:cNvPicPr>
+          <p:nvPr/>
+        </p:nvPicPr>
+        <p:blipFill>
+          <a:blip r:embed="rId20"/>
+          <a:stretch>
+            <a:fillRect/>
+          </a:stretch>
+        </p:blipFill>
+        <p:spPr>
+          <a:xfrm>
+            <a:off x="8831778" y="696097"/>
+            <a:ext cx="1421270" cy="1423639"/>
+          </a:xfrm>
+          <a:prstGeom prst="rect">
+            <a:avLst/>
+          </a:prstGeom>
+        </p:spPr>
+      </p:pic>
+      <p:grpSp>
+        <p:nvGrpSpPr>
+          <p:cNvPr id="54" name="Group 53">
+            <a:extLst>
+              <a:ext uri="{FF2B5EF4-FFF2-40B4-BE49-F238E27FC236}">
+                <a16:creationId xmlns:a16="http://schemas.microsoft.com/office/drawing/2014/main" id="{DD2407FC-C0B3-DFB4-4A9D-27A9D43B4EEA}"/>
+              </a:ext>
+            </a:extLst>
+          </p:cNvPr>
+          <p:cNvGrpSpPr/>
+          <p:nvPr/>
+        </p:nvGrpSpPr>
+        <p:grpSpPr>
+          <a:xfrm>
+            <a:off x="6786618" y="2554170"/>
+            <a:ext cx="801106" cy="785940"/>
+            <a:chOff x="7313489" y="4059253"/>
+            <a:chExt cx="914400" cy="930324"/>
+          </a:xfrm>
+        </p:grpSpPr>
+        <p:pic>
+          <p:nvPicPr>
+            <p:cNvPr id="55" name="Graphic 54" descr="Tent with solid fill">
+              <a:extLst>
+                <a:ext uri="{FF2B5EF4-FFF2-40B4-BE49-F238E27FC236}">
+                  <a16:creationId xmlns:a16="http://schemas.microsoft.com/office/drawing/2014/main" id="{1FE4BB8C-5C41-130D-7C07-70C62EEC6915}"/>
+                </a:ext>
+              </a:extLst>
+            </p:cNvPr>
+            <p:cNvPicPr>
+              <a:picLocks noChangeAspect="1"/>
+            </p:cNvPicPr>
+            <p:nvPr/>
+          </p:nvPicPr>
+          <p:blipFill>
+            <a:blip r:embed="rId6">
+              <a:extLst>
+                <a:ext uri="{28A0092B-C50C-407E-A947-70E740481C1C}">
+                  <a14:useLocalDpi xmlns:a14="http://schemas.microsoft.com/office/drawing/2010/main" val="0"/>
+                </a:ext>
+                <a:ext uri="{96DAC541-7B7A-43D3-8B79-37D633B846F1}">
+                  <asvg:svgBlip xmlns:asvg="http://schemas.microsoft.com/office/drawing/2016/SVG/main" r:embed="rId7"/>
+                </a:ext>
+              </a:extLst>
+            </a:blip>
+            <a:stretch>
+              <a:fillRect/>
+            </a:stretch>
+          </p:blipFill>
+          <p:spPr>
+            <a:xfrm>
+              <a:off x="7313489" y="4075177"/>
+              <a:ext cx="914400" cy="914400"/>
+            </a:xfrm>
+            <a:prstGeom prst="rect">
+              <a:avLst/>
+            </a:prstGeom>
+          </p:spPr>
+        </p:pic>
+        <p:pic>
+          <p:nvPicPr>
+            <p:cNvPr id="56" name="Graphic 55" descr="Tent outline">
+              <a:extLst>
+                <a:ext uri="{FF2B5EF4-FFF2-40B4-BE49-F238E27FC236}">
+                  <a16:creationId xmlns:a16="http://schemas.microsoft.com/office/drawing/2014/main" id="{9F701B7D-CC47-27F3-5EE2-DAE66B60B7EB}"/>
+                </a:ext>
+              </a:extLst>
+            </p:cNvPr>
+            <p:cNvPicPr>
+              <a:picLocks noChangeAspect="1"/>
+            </p:cNvPicPr>
+            <p:nvPr/>
+          </p:nvPicPr>
+          <p:blipFill>
+            <a:blip r:embed="rId8">
+              <a:extLst>
+                <a:ext uri="{28A0092B-C50C-407E-A947-70E740481C1C}">
+                  <a14:useLocalDpi xmlns:a14="http://schemas.microsoft.com/office/drawing/2010/main" val="0"/>
+                </a:ext>
+                <a:ext uri="{96DAC541-7B7A-43D3-8B79-37D633B846F1}">
+                  <asvg:svgBlip xmlns:asvg="http://schemas.microsoft.com/office/drawing/2016/SVG/main" r:embed="rId9"/>
+                </a:ext>
+              </a:extLst>
+            </a:blip>
+            <a:stretch>
+              <a:fillRect/>
+            </a:stretch>
+          </p:blipFill>
+          <p:spPr>
+            <a:xfrm>
+              <a:off x="7313489" y="4059253"/>
+              <a:ext cx="914400" cy="914400"/>
+            </a:xfrm>
+            <a:prstGeom prst="rect">
+              <a:avLst/>
+            </a:prstGeom>
+          </p:spPr>
+        </p:pic>
+      </p:grpSp>
+      <p:sp>
+        <p:nvSpPr>
+          <p:cNvPr id="57" name="TextBox 56">
+            <a:extLst>
+              <a:ext uri="{FF2B5EF4-FFF2-40B4-BE49-F238E27FC236}">
+                <a16:creationId xmlns:a16="http://schemas.microsoft.com/office/drawing/2014/main" id="{1C4396B0-B1F6-D3A0-9A24-DB63C86735FB}"/>
+              </a:ext>
+            </a:extLst>
+          </p:cNvPr>
+          <p:cNvSpPr txBox="1"/>
+          <p:nvPr/>
+        </p:nvSpPr>
+        <p:spPr>
+          <a:xfrm>
+            <a:off x="3042319" y="2567481"/>
+            <a:ext cx="914400" cy="914400"/>
+          </a:xfrm>
+          <a:prstGeom prst="rect">
+            <a:avLst/>
+          </a:prstGeom>
+          <a:noFill/>
+        </p:spPr>
+        <p:txBody>
+          <a:bodyPr wrap="none" lIns="180000" tIns="180000" rIns="180000" bIns="180000" rtlCol="0">
+            <a:normAutofit/>
+          </a:bodyPr>
+          <a:lstStyle/>
+          <a:p>
+            <a:pPr algn="l">
+              <a:spcBef>
+                <a:spcPts val="300"/>
+              </a:spcBef>
+              <a:spcAft>
+                <a:spcPts val="300"/>
+              </a:spcAft>
+              <a:buClr>
+                <a:schemeClr val="tx2"/>
+              </a:buClr>
+              <a:buSzPct val="110000"/>
+            </a:pPr>
+            <a:r>
+              <a:rPr lang="en-GB" sz="3200" dirty="0" err="1"/>
+              <a:t>ADaMs</a:t>
+            </a:r>
+            <a:endParaRPr lang="en-GB" sz="2800" dirty="0"/>
+          </a:p>
+        </p:txBody>
+      </p:sp>
+      <p:pic>
+        <p:nvPicPr>
+          <p:cNvPr id="2050" name="Picture 2">
+            <a:extLst>
+              <a:ext uri="{FF2B5EF4-FFF2-40B4-BE49-F238E27FC236}">
+                <a16:creationId xmlns:a16="http://schemas.microsoft.com/office/drawing/2014/main" id="{51207915-3DCE-FF75-60A7-16C61EEAAADB}"/>
+              </a:ext>
+            </a:extLst>
+          </p:cNvPr>
+          <p:cNvPicPr>
+            <a:picLocks noChangeAspect="1" noChangeArrowheads="1"/>
+          </p:cNvPicPr>
+          <p:nvPr/>
+        </p:nvPicPr>
+        <p:blipFill>
+          <a:blip r:embed="rId21">
+            <a:extLst>
+              <a:ext uri="{28A0092B-C50C-407E-A947-70E740481C1C}">
+                <a14:useLocalDpi xmlns:a14="http://schemas.microsoft.com/office/drawing/2010/main" val="0"/>
+              </a:ext>
+            </a:extLst>
+          </a:blip>
+          <a:srcRect/>
+          <a:stretch>
+            <a:fillRect/>
+          </a:stretch>
+        </p:blipFill>
+        <p:spPr bwMode="auto">
+          <a:xfrm>
+            <a:off x="10141486" y="713616"/>
+            <a:ext cx="1212314" cy="1399570"/>
+          </a:xfrm>
+          <a:prstGeom prst="rect">
+            <a:avLst/>
+          </a:prstGeom>
+          <a:noFill/>
+          <a:extLst>
+            <a:ext uri="{909E8E84-426E-40DD-AFC4-6F175D3DCCD1}">
+              <a14:hiddenFill xmlns:a14="http://schemas.microsoft.com/office/drawing/2010/main">
+                <a:solidFill>
+                  <a:srgbClr val="FFFFFF"/>
+                </a:solidFill>
+              </a14:hiddenFill>
+            </a:ext>
+          </a:extLst>
+        </p:spPr>
+      </p:pic>
     </p:spTree>
     <p:extLst>
       <p:ext uri="{BB962C8B-B14F-4D97-AF65-F5344CB8AC3E}">
-        <p14:creationId xmlns:p14="http://schemas.microsoft.com/office/powerpoint/2010/main" val="1528046872"/>
+        <p14:creationId xmlns:p14="http://schemas.microsoft.com/office/powerpoint/2010/main" val="2735707456"/>
       </p:ext>
     </p:extLst>
   </p:cSld>
   <p:clrMapOvr>
     <a:masterClrMapping/>
   </p:clrMapOvr>
+  <p:timing>
+    <p:tnLst>
+      <p:par>
+        <p:cTn id="1" dur="indefinite" restart="never" nodeType="tmRoot">
+          <p:childTnLst>
+            <p:seq concurrent="1" nextAc="seek">
+              <p:cTn id="2" dur="indefinite" nodeType="mainSeq">
+                <p:childTnLst>
+                  <p:par>
+                    <p:cTn id="3" fill="hold">
+                      <p:stCondLst>
+                        <p:cond delay="indefinite"/>
+                      </p:stCondLst>
+                      <p:childTnLst>
+                        <p:par>
+                          <p:cTn id="4" fill="hold">
+                            <p:stCondLst>
+                              <p:cond delay="0"/>
+                            </p:stCondLst>
+                            <p:childTnLst>
+                              <p:par>
+                                <p:cTn id="5" presetID="63" presetClass="path" presetSubtype="0" accel="50000" decel="50000" fill="hold" nodeType="clickEffect">
+                                  <p:stCondLst>
+                                    <p:cond delay="0"/>
+                                  </p:stCondLst>
+                                  <p:childTnLst>
+                                    <p:animMotion origin="layout" path="M -1.875E-6 -7.40741E-7 L 0.09636 -7.40741E-7 " pathEditMode="relative" rAng="0" ptsTypes="AA">
+                                      <p:cBhvr>
+                                        <p:cTn id="6" dur="2000" fill="hold"/>
+                                        <p:tgtEl>
+                                          <p:spTgt spid="8"/>
+                                        </p:tgtEl>
+                                        <p:attrNameLst>
+                                          <p:attrName>ppt_x</p:attrName>
+                                          <p:attrName>ppt_y</p:attrName>
+                                        </p:attrNameLst>
+                                      </p:cBhvr>
+                                      <p:rCtr x="4818" y="0"/>
+                                    </p:animMotion>
+                                  </p:childTnLst>
+                                </p:cTn>
+                              </p:par>
+                              <p:par>
+                                <p:cTn id="7" presetID="32" presetClass="emph" presetSubtype="0" fill="hold" nodeType="withEffect">
+                                  <p:stCondLst>
+                                    <p:cond delay="750"/>
+                                  </p:stCondLst>
+                                  <p:childTnLst>
+                                    <p:animRot by="120000">
+                                      <p:cBhvr>
+                                        <p:cTn id="8" dur="100" fill="hold">
+                                          <p:stCondLst>
+                                            <p:cond delay="0"/>
+                                          </p:stCondLst>
+                                        </p:cTn>
+                                        <p:tgtEl>
+                                          <p:spTgt spid="20"/>
+                                        </p:tgtEl>
+                                        <p:attrNameLst>
+                                          <p:attrName>r</p:attrName>
+                                        </p:attrNameLst>
+                                      </p:cBhvr>
+                                    </p:animRot>
+                                    <p:animRot by="-240000">
+                                      <p:cBhvr>
+                                        <p:cTn id="9" dur="200" fill="hold">
+                                          <p:stCondLst>
+                                            <p:cond delay="200"/>
+                                          </p:stCondLst>
+                                        </p:cTn>
+                                        <p:tgtEl>
+                                          <p:spTgt spid="20"/>
+                                        </p:tgtEl>
+                                        <p:attrNameLst>
+                                          <p:attrName>r</p:attrName>
+                                        </p:attrNameLst>
+                                      </p:cBhvr>
+                                    </p:animRot>
+                                    <p:animRot by="240000">
+                                      <p:cBhvr>
+                                        <p:cTn id="10" dur="200" fill="hold">
+                                          <p:stCondLst>
+                                            <p:cond delay="400"/>
+                                          </p:stCondLst>
+                                        </p:cTn>
+                                        <p:tgtEl>
+                                          <p:spTgt spid="20"/>
+                                        </p:tgtEl>
+                                        <p:attrNameLst>
+                                          <p:attrName>r</p:attrName>
+                                        </p:attrNameLst>
+                                      </p:cBhvr>
+                                    </p:animRot>
+                                    <p:animRot by="-240000">
+                                      <p:cBhvr>
+                                        <p:cTn id="11" dur="200" fill="hold">
+                                          <p:stCondLst>
+                                            <p:cond delay="600"/>
+                                          </p:stCondLst>
+                                        </p:cTn>
+                                        <p:tgtEl>
+                                          <p:spTgt spid="20"/>
+                                        </p:tgtEl>
+                                        <p:attrNameLst>
+                                          <p:attrName>r</p:attrName>
+                                        </p:attrNameLst>
+                                      </p:cBhvr>
+                                    </p:animRot>
+                                    <p:animRot by="120000">
+                                      <p:cBhvr>
+                                        <p:cTn id="12" dur="200" fill="hold">
+                                          <p:stCondLst>
+                                            <p:cond delay="800"/>
+                                          </p:stCondLst>
+                                        </p:cTn>
+                                        <p:tgtEl>
+                                          <p:spTgt spid="20"/>
+                                        </p:tgtEl>
+                                        <p:attrNameLst>
+                                          <p:attrName>r</p:attrName>
+                                        </p:attrNameLst>
+                                      </p:cBhvr>
+                                    </p:animRot>
+                                  </p:childTnLst>
+                                </p:cTn>
+                              </p:par>
+                              <p:par>
+                                <p:cTn id="13" presetID="32" presetClass="emph" presetSubtype="0" fill="hold" nodeType="withEffect">
+                                  <p:stCondLst>
+                                    <p:cond delay="750"/>
+                                  </p:stCondLst>
+                                  <p:childTnLst>
+                                    <p:animRot by="120000">
+                                      <p:cBhvr>
+                                        <p:cTn id="14" dur="100" fill="hold">
+                                          <p:stCondLst>
+                                            <p:cond delay="0"/>
+                                          </p:stCondLst>
+                                        </p:cTn>
+                                        <p:tgtEl>
+                                          <p:spTgt spid="3"/>
+                                        </p:tgtEl>
+                                        <p:attrNameLst>
+                                          <p:attrName>r</p:attrName>
+                                        </p:attrNameLst>
+                                      </p:cBhvr>
+                                    </p:animRot>
+                                    <p:animRot by="-240000">
+                                      <p:cBhvr>
+                                        <p:cTn id="15" dur="200" fill="hold">
+                                          <p:stCondLst>
+                                            <p:cond delay="200"/>
+                                          </p:stCondLst>
+                                        </p:cTn>
+                                        <p:tgtEl>
+                                          <p:spTgt spid="3"/>
+                                        </p:tgtEl>
+                                        <p:attrNameLst>
+                                          <p:attrName>r</p:attrName>
+                                        </p:attrNameLst>
+                                      </p:cBhvr>
+                                    </p:animRot>
+                                    <p:animRot by="240000">
+                                      <p:cBhvr>
+                                        <p:cTn id="16" dur="200" fill="hold">
+                                          <p:stCondLst>
+                                            <p:cond delay="400"/>
+                                          </p:stCondLst>
+                                        </p:cTn>
+                                        <p:tgtEl>
+                                          <p:spTgt spid="3"/>
+                                        </p:tgtEl>
+                                        <p:attrNameLst>
+                                          <p:attrName>r</p:attrName>
+                                        </p:attrNameLst>
+                                      </p:cBhvr>
+                                    </p:animRot>
+                                    <p:animRot by="-240000">
+                                      <p:cBhvr>
+                                        <p:cTn id="17" dur="200" fill="hold">
+                                          <p:stCondLst>
+                                            <p:cond delay="600"/>
+                                          </p:stCondLst>
+                                        </p:cTn>
+                                        <p:tgtEl>
+                                          <p:spTgt spid="3"/>
+                                        </p:tgtEl>
+                                        <p:attrNameLst>
+                                          <p:attrName>r</p:attrName>
+                                        </p:attrNameLst>
+                                      </p:cBhvr>
+                                    </p:animRot>
+                                    <p:animRot by="120000">
+                                      <p:cBhvr>
+                                        <p:cTn id="18" dur="200" fill="hold">
+                                          <p:stCondLst>
+                                            <p:cond delay="800"/>
+                                          </p:stCondLst>
+                                        </p:cTn>
+                                        <p:tgtEl>
+                                          <p:spTgt spid="3"/>
+                                        </p:tgtEl>
+                                        <p:attrNameLst>
+                                          <p:attrName>r</p:attrName>
+                                        </p:attrNameLst>
+                                      </p:cBhvr>
+                                    </p:animRot>
+                                  </p:childTnLst>
+                                </p:cTn>
+                              </p:par>
+                            </p:childTnLst>
+                          </p:cTn>
+                        </p:par>
+                      </p:childTnLst>
+                    </p:cTn>
+                  </p:par>
+                </p:childTnLst>
+              </p:cTn>
+              <p:prevCondLst>
+                <p:cond evt="onPrev" delay="0">
+                  <p:tgtEl>
+                    <p:sldTgt/>
+                  </p:tgtEl>
+                </p:cond>
+              </p:prevCondLst>
+              <p:nextCondLst>
+                <p:cond evt="onNext" delay="0">
+                  <p:tgtEl>
+                    <p:sldTgt/>
+                  </p:tgtEl>
+                </p:cond>
+              </p:nextCondLst>
+            </p:seq>
+          </p:childTnLst>
+        </p:cTn>
+      </p:par>
+    </p:tnLst>
+  </p:timing>
 </p:sld>
 </file>
 
@@ -7680,7 +9228,7 @@
           <p:cNvPr id="2" name="Title 1">
             <a:extLst>
               <a:ext uri="{FF2B5EF4-FFF2-40B4-BE49-F238E27FC236}">
-                <a16:creationId xmlns:a16="http://schemas.microsoft.com/office/drawing/2014/main" id="{20F2E90E-225D-206C-8CD1-368E2A8A55E6}"/>
+                <a16:creationId xmlns:a16="http://schemas.microsoft.com/office/drawing/2014/main" id="{1055D188-EA3A-79E8-B586-17841B93519C}"/>
               </a:ext>
             </a:extLst>
           </p:cNvPr>
@@ -7698,7 +9246,7 @@
           <a:p>
             <a:r>
               <a:rPr lang="en-US" dirty="0"/>
-              <a:t>Close Out</a:t>
+              <a:t>Success of Pharmaverse/OS relies on the Community</a:t>
             </a:r>
           </a:p>
         </p:txBody>
@@ -7708,7 +9256,7 @@
           <p:cNvPr id="3" name="Content Placeholder 2">
             <a:extLst>
               <a:ext uri="{FF2B5EF4-FFF2-40B4-BE49-F238E27FC236}">
-                <a16:creationId xmlns:a16="http://schemas.microsoft.com/office/drawing/2014/main" id="{2607D7DB-33F2-7EEC-664F-421A1C05E3D9}"/>
+                <a16:creationId xmlns:a16="http://schemas.microsoft.com/office/drawing/2014/main" id="{0B52D0D3-7228-A627-22EB-6D9DC3E96140}"/>
               </a:ext>
             </a:extLst>
           </p:cNvPr>
@@ -7719,39 +9267,132 @@
             <p:ph idx="1"/>
           </p:nvPr>
         </p:nvSpPr>
-        <p:spPr/>
+        <p:spPr>
+          <a:xfrm>
+            <a:off x="838200" y="1825625"/>
+            <a:ext cx="5466806" cy="4351338"/>
+          </a:xfrm>
+        </p:spPr>
         <p:txBody>
           <a:bodyPr/>
           <a:lstStyle/>
           <a:p>
             <a:r>
               <a:rPr lang="en-US" dirty="0"/>
-              <a:t>Welcome to the </a:t>
-            </a:r>
-            <a:r>
-              <a:rPr lang="en-US" dirty="0" err="1"/>
-              <a:t>Pharmaverse</a:t>
-            </a:r>
+              <a:t>🎵 we're all in this together</a:t>
+            </a:r>
+          </a:p>
+          <a:p>
+            <a:endParaRPr lang="en-US" dirty="0"/>
+          </a:p>
+          <a:p>
             <a:r>
               <a:rPr lang="en-US" dirty="0"/>
-              <a:t>!</a:t>
-            </a:r>
+              <a:t>Its up to us to make the community we want to see</a:t>
+            </a:r>
+          </a:p>
+          <a:p>
+            <a:endParaRPr lang="en-US" dirty="0"/>
           </a:p>
           <a:p>
             <a:r>
               <a:rPr lang="en-US" dirty="0"/>
-              <a:t>We hope you enjoyed your stay and want to come back to visit, maybe stay for a while</a:t>
-            </a:r>
-          </a:p>
-          <a:p>
-            <a:endParaRPr lang="en-US" dirty="0"/>
+              <a:t>Leaders need to select and be conscious of their impacts</a:t>
+            </a:r>
+          </a:p>
+        </p:txBody>
+      </p:sp>
+      <p:pic>
+        <p:nvPicPr>
+          <p:cNvPr id="5" name="Picture 4" descr="A group of people jumping in front of a red curtain&#10;&#10;Description automatically generated">
+            <a:extLst>
+              <a:ext uri="{FF2B5EF4-FFF2-40B4-BE49-F238E27FC236}">
+                <a16:creationId xmlns:a16="http://schemas.microsoft.com/office/drawing/2014/main" id="{6FE9F4C0-E4F0-3936-33C5-4C2218F9EB44}"/>
+              </a:ext>
+            </a:extLst>
+          </p:cNvPr>
+          <p:cNvPicPr>
+            <a:picLocks noChangeAspect="1"/>
+          </p:cNvPicPr>
+          <p:nvPr/>
+        </p:nvPicPr>
+        <p:blipFill>
+          <a:blip r:embed="rId2">
+            <a:extLst>
+              <a:ext uri="{28A0092B-C50C-407E-A947-70E740481C1C}">
+                <a14:useLocalDpi xmlns:a14="http://schemas.microsoft.com/office/drawing/2010/main" val="0"/>
+              </a:ext>
+              <a:ext uri="{837473B0-CC2E-450A-ABE3-18F120FF3D39}">
+                <a1611:picAttrSrcUrl xmlns:a1611="http://schemas.microsoft.com/office/drawing/2016/11/main" r:id="rId3"/>
+              </a:ext>
+            </a:extLst>
+          </a:blip>
+          <a:stretch>
+            <a:fillRect/>
+          </a:stretch>
+        </p:blipFill>
+        <p:spPr>
+          <a:xfrm>
+            <a:off x="7122794" y="1855144"/>
+            <a:ext cx="3839846" cy="4164757"/>
+          </a:xfrm>
+          <a:prstGeom prst="rect">
+            <a:avLst/>
+          </a:prstGeom>
+        </p:spPr>
+      </p:pic>
+      <p:sp>
+        <p:nvSpPr>
+          <p:cNvPr id="6" name="TextBox 5">
+            <a:extLst>
+              <a:ext uri="{FF2B5EF4-FFF2-40B4-BE49-F238E27FC236}">
+                <a16:creationId xmlns:a16="http://schemas.microsoft.com/office/drawing/2014/main" id="{40B51E94-DDBA-591A-D664-2C914A41FEF4}"/>
+              </a:ext>
+            </a:extLst>
+          </p:cNvPr>
+          <p:cNvSpPr txBox="1"/>
+          <p:nvPr/>
+        </p:nvSpPr>
+        <p:spPr>
+          <a:xfrm>
+            <a:off x="7122794" y="6068941"/>
+            <a:ext cx="3839846" cy="230832"/>
+          </a:xfrm>
+          <a:prstGeom prst="rect">
+            <a:avLst/>
+          </a:prstGeom>
+          <a:noFill/>
+        </p:spPr>
+        <p:txBody>
+          <a:bodyPr wrap="square" rtlCol="0">
+            <a:spAutoFit/>
+          </a:bodyPr>
+          <a:lstStyle/>
+          <a:p>
+            <a:r>
+              <a:rPr lang="en-US" sz="900" dirty="0">
+                <a:hlinkClick r:id="rId3" tooltip="https://ericojohee.blogspot.com/2007/04/hsm-were-all-in-this-together.html"/>
+              </a:rPr>
+              <a:t>This Photo</a:t>
+            </a:r>
+            <a:r>
+              <a:rPr lang="en-US" sz="900" dirty="0"/>
+              <a:t> by Unknown Author is licensed under </a:t>
+            </a:r>
+            <a:r>
+              <a:rPr lang="en-US" sz="900" dirty="0">
+                <a:hlinkClick r:id="rId4" tooltip="https://creativecommons.org/licenses/by-nc-nd/3.0/"/>
+              </a:rPr>
+              <a:t>CC BY-NC-ND</a:t>
+            </a:r>
+            <a:endParaRPr lang="en-US" sz="900" dirty="0"/>
           </a:p>
         </p:txBody>
       </p:sp>
     </p:spTree>
     <p:extLst>
       <p:ext uri="{BB962C8B-B14F-4D97-AF65-F5344CB8AC3E}">
-        <p14:creationId xmlns:p14="http://schemas.microsoft.com/office/powerpoint/2010/main" val="2193134711"/>
+        <p14:creationId xmlns:p14="http://schemas.microsoft.com/office/powerpoint/2010/main" val="3728798367"/>
       </p:ext>
     </p:extLst>
   </p:cSld>
@@ -7783,6 +9424,571 @@
           <p:cNvPr id="2" name="Title 1">
             <a:extLst>
               <a:ext uri="{FF2B5EF4-FFF2-40B4-BE49-F238E27FC236}">
+                <a16:creationId xmlns:a16="http://schemas.microsoft.com/office/drawing/2014/main" id="{51DBAFEB-6319-A397-EA82-D82E2A7C6B55}"/>
+              </a:ext>
+            </a:extLst>
+          </p:cNvPr>
+          <p:cNvSpPr>
+            <a:spLocks noGrp="1"/>
+          </p:cNvSpPr>
+          <p:nvPr>
+            <p:ph type="title"/>
+          </p:nvPr>
+        </p:nvSpPr>
+        <p:spPr/>
+        <p:txBody>
+          <a:bodyPr/>
+          <a:lstStyle/>
+          <a:p>
+            <a:r>
+              <a:rPr lang="en-US" dirty="0"/>
+              <a:t>Opening an Issue</a:t>
+            </a:r>
+          </a:p>
+        </p:txBody>
+      </p:sp>
+      <p:sp>
+        <p:nvSpPr>
+          <p:cNvPr id="3" name="Content Placeholder 2">
+            <a:extLst>
+              <a:ext uri="{FF2B5EF4-FFF2-40B4-BE49-F238E27FC236}">
+                <a16:creationId xmlns:a16="http://schemas.microsoft.com/office/drawing/2014/main" id="{29C956F3-0D43-9F1B-25B2-95D606B5E0E2}"/>
+              </a:ext>
+            </a:extLst>
+          </p:cNvPr>
+          <p:cNvSpPr>
+            <a:spLocks noGrp="1"/>
+          </p:cNvSpPr>
+          <p:nvPr>
+            <p:ph idx="1"/>
+          </p:nvPr>
+        </p:nvSpPr>
+        <p:spPr/>
+        <p:txBody>
+          <a:bodyPr/>
+          <a:lstStyle/>
+          <a:p>
+            <a:r>
+              <a:rPr lang="en-US" dirty="0"/>
+              <a:t>If you saw a discrepancy or typo in the documentation of a package used today, open an issue pointing to the documentation and what you think should be fixed</a:t>
+            </a:r>
+          </a:p>
+          <a:p>
+            <a:pPr lvl="1"/>
+            <a:r>
+              <a:rPr lang="en-US" dirty="0"/>
+              <a:t>Find the GitHub page for the package</a:t>
+            </a:r>
+          </a:p>
+          <a:p>
+            <a:pPr lvl="1"/>
+            <a:r>
+              <a:rPr lang="en-US" dirty="0"/>
+              <a:t>Click on “Issues” then “New issue”</a:t>
+            </a:r>
+          </a:p>
+          <a:p>
+            <a:pPr lvl="1"/>
+            <a:r>
+              <a:rPr lang="en-US" dirty="0"/>
+              <a:t>Write the location of the discrepancy and what you think might be a better solution</a:t>
+            </a:r>
+          </a:p>
+        </p:txBody>
+      </p:sp>
+    </p:spTree>
+    <p:extLst>
+      <p:ext uri="{BB962C8B-B14F-4D97-AF65-F5344CB8AC3E}">
+        <p14:creationId xmlns:p14="http://schemas.microsoft.com/office/powerpoint/2010/main" val="3465875368"/>
+      </p:ext>
+    </p:extLst>
+  </p:cSld>
+  <p:clrMapOvr>
+    <a:masterClrMapping/>
+  </p:clrMapOvr>
+</p:sld>
+</file>
+
+<file path=ppt/slides/slide22.xml><?xml version="1.0" encoding="utf-8"?>
+<p:sld xmlns:a="http://schemas.openxmlformats.org/drawingml/2006/main" xmlns:r="http://schemas.openxmlformats.org/officeDocument/2006/relationships" xmlns:p="http://schemas.openxmlformats.org/presentationml/2006/main">
+  <p:cSld>
+    <p:spTree>
+      <p:nvGrpSpPr>
+        <p:cNvPr id="1" name=""/>
+        <p:cNvGrpSpPr/>
+        <p:nvPr/>
+      </p:nvGrpSpPr>
+      <p:grpSpPr>
+        <a:xfrm>
+          <a:off x="0" y="0"/>
+          <a:ext cx="0" cy="0"/>
+          <a:chOff x="0" y="0"/>
+          <a:chExt cx="0" cy="0"/>
+        </a:xfrm>
+      </p:grpSpPr>
+      <p:sp>
+        <p:nvSpPr>
+          <p:cNvPr id="2" name="Title 1">
+            <a:extLst>
+              <a:ext uri="{FF2B5EF4-FFF2-40B4-BE49-F238E27FC236}">
+                <a16:creationId xmlns:a16="http://schemas.microsoft.com/office/drawing/2014/main" id="{487008A4-B3BE-6337-2C22-49AE4408EB28}"/>
+              </a:ext>
+            </a:extLst>
+          </p:cNvPr>
+          <p:cNvSpPr>
+            <a:spLocks noGrp="1"/>
+          </p:cNvSpPr>
+          <p:nvPr>
+            <p:ph type="title"/>
+          </p:nvPr>
+        </p:nvSpPr>
+        <p:spPr/>
+        <p:txBody>
+          <a:bodyPr/>
+          <a:lstStyle/>
+          <a:p>
+            <a:r>
+              <a:rPr lang="en-US" dirty="0"/>
+              <a:t>Discussion Time!</a:t>
+            </a:r>
+          </a:p>
+        </p:txBody>
+      </p:sp>
+      <p:sp>
+        <p:nvSpPr>
+          <p:cNvPr id="3" name="Content Placeholder 2">
+            <a:extLst>
+              <a:ext uri="{FF2B5EF4-FFF2-40B4-BE49-F238E27FC236}">
+                <a16:creationId xmlns:a16="http://schemas.microsoft.com/office/drawing/2014/main" id="{74CF2615-E0BB-1F40-7EF2-6F2B05D99222}"/>
+              </a:ext>
+            </a:extLst>
+          </p:cNvPr>
+          <p:cNvSpPr>
+            <a:spLocks noGrp="1"/>
+          </p:cNvSpPr>
+          <p:nvPr>
+            <p:ph idx="1"/>
+          </p:nvPr>
+        </p:nvSpPr>
+        <p:spPr>
+          <a:xfrm>
+            <a:off x="838200" y="1825625"/>
+            <a:ext cx="9437914" cy="4351338"/>
+          </a:xfrm>
+        </p:spPr>
+        <p:txBody>
+          <a:bodyPr>
+            <a:normAutofit/>
+          </a:bodyPr>
+          <a:lstStyle/>
+          <a:p>
+            <a:r>
+              <a:rPr lang="en-US" dirty="0"/>
+              <a:t>Form a group of group of 4-6</a:t>
+            </a:r>
+          </a:p>
+          <a:p>
+            <a:r>
+              <a:rPr lang="en-US" dirty="0"/>
+              <a:t>Discuss the following questions (25 minutes)</a:t>
+            </a:r>
+          </a:p>
+          <a:p>
+            <a:pPr lvl="1"/>
+            <a:r>
+              <a:rPr lang="en-US" dirty="0"/>
+              <a:t>What had you expected to learn today</a:t>
+            </a:r>
+          </a:p>
+          <a:p>
+            <a:pPr lvl="1"/>
+            <a:r>
+              <a:rPr lang="en-US" dirty="0"/>
+              <a:t>What was learned at today</a:t>
+            </a:r>
+          </a:p>
+          <a:p>
+            <a:pPr lvl="1"/>
+            <a:r>
+              <a:rPr lang="en-US" dirty="0"/>
+              <a:t>What will you be bringing back to your teams</a:t>
+            </a:r>
+          </a:p>
+          <a:p>
+            <a:pPr lvl="1"/>
+            <a:r>
+              <a:rPr lang="en-US" b="1" dirty="0"/>
+              <a:t>What do we think is the skillset that will be required in the future</a:t>
+            </a:r>
+          </a:p>
+          <a:p>
+            <a:pPr lvl="1"/>
+            <a:r>
+              <a:rPr lang="en-US" b="1" dirty="0"/>
+              <a:t>What do we see as benefits of ARDs</a:t>
+            </a:r>
+          </a:p>
+          <a:p>
+            <a:pPr lvl="1"/>
+            <a:r>
+              <a:rPr lang="en-US" b="1" dirty="0"/>
+              <a:t>If you could tell yourself something 5 years ago, what would it be?</a:t>
+            </a:r>
+          </a:p>
+          <a:p>
+            <a:r>
+              <a:rPr lang="en-US" dirty="0"/>
+              <a:t>Report Out &amp; Discussion (25 Minutes)</a:t>
+            </a:r>
+          </a:p>
+          <a:p>
+            <a:endParaRPr lang="en-US" dirty="0"/>
+          </a:p>
+          <a:p>
+            <a:endParaRPr lang="en-US" dirty="0"/>
+          </a:p>
+          <a:p>
+            <a:endParaRPr lang="en-US" sz="3600" dirty="0"/>
+          </a:p>
+        </p:txBody>
+      </p:sp>
+      <p:sp>
+        <p:nvSpPr>
+          <p:cNvPr id="5" name="TextBox 4">
+            <a:extLst>
+              <a:ext uri="{FF2B5EF4-FFF2-40B4-BE49-F238E27FC236}">
+                <a16:creationId xmlns:a16="http://schemas.microsoft.com/office/drawing/2014/main" id="{7A861C6E-61DB-2D31-B992-222AED6C0B3E}"/>
+              </a:ext>
+            </a:extLst>
+          </p:cNvPr>
+          <p:cNvSpPr txBox="1"/>
+          <p:nvPr/>
+        </p:nvSpPr>
+        <p:spPr>
+          <a:xfrm>
+            <a:off x="7794171" y="748578"/>
+            <a:ext cx="3917274" cy="1754326"/>
+          </a:xfrm>
+          <a:prstGeom prst="rect">
+            <a:avLst/>
+          </a:prstGeom>
+          <a:noFill/>
+        </p:spPr>
+        <p:txBody>
+          <a:bodyPr wrap="square" numCol="2">
+            <a:spAutoFit/>
+          </a:bodyPr>
+          <a:lstStyle/>
+          <a:p>
+            <a:r>
+              <a:rPr lang="en-US" sz="2400" dirty="0"/>
+              <a:t>Packages we worked with today:</a:t>
+            </a:r>
+          </a:p>
+          <a:p>
+            <a:endParaRPr lang="en-US" sz="2400" dirty="0">
+              <a:hlinkClick r:id="rId2"/>
+            </a:endParaRPr>
+          </a:p>
+          <a:p>
+            <a:pPr marL="285750" indent="-285750">
+              <a:buFont typeface="Arial" panose="020B0604020202020204" pitchFamily="34" charset="0"/>
+              <a:buChar char="•"/>
+            </a:pPr>
+            <a:r>
+              <a:rPr lang="en-US" dirty="0"/>
+              <a:t>Admiral</a:t>
+            </a:r>
+          </a:p>
+          <a:p>
+            <a:pPr marL="285750" indent="-285750">
+              <a:buFont typeface="Arial" panose="020B0604020202020204" pitchFamily="34" charset="0"/>
+              <a:buChar char="•"/>
+            </a:pPr>
+            <a:r>
+              <a:rPr lang="en-US" dirty="0" err="1"/>
+              <a:t>Xportr</a:t>
+            </a:r>
+            <a:endParaRPr lang="en-US" dirty="0"/>
+          </a:p>
+          <a:p>
+            <a:pPr marL="285750" indent="-285750">
+              <a:buFont typeface="Arial" panose="020B0604020202020204" pitchFamily="34" charset="0"/>
+              <a:buChar char="•"/>
+            </a:pPr>
+            <a:r>
+              <a:rPr lang="en-US" dirty="0" err="1"/>
+              <a:t>gtsummary</a:t>
+            </a:r>
+            <a:endParaRPr lang="en-US" dirty="0"/>
+          </a:p>
+          <a:p>
+            <a:pPr marL="285750" indent="-285750">
+              <a:buFont typeface="Arial" panose="020B0604020202020204" pitchFamily="34" charset="0"/>
+              <a:buChar char="•"/>
+            </a:pPr>
+            <a:r>
+              <a:rPr lang="en-US" dirty="0"/>
+              <a:t>Cards</a:t>
+            </a:r>
+          </a:p>
+          <a:p>
+            <a:pPr marL="285750" indent="-285750">
+              <a:buFont typeface="Arial" panose="020B0604020202020204" pitchFamily="34" charset="0"/>
+              <a:buChar char="•"/>
+            </a:pPr>
+            <a:r>
+              <a:rPr lang="en-US" dirty="0"/>
+              <a:t>Tfrmt</a:t>
+            </a:r>
+          </a:p>
+          <a:p>
+            <a:pPr marL="285750" indent="-285750">
+              <a:buFont typeface="Arial" panose="020B0604020202020204" pitchFamily="34" charset="0"/>
+              <a:buChar char="•"/>
+            </a:pPr>
+            <a:r>
+              <a:rPr lang="en-US" dirty="0" err="1"/>
+              <a:t>tfrmtbuilder</a:t>
+            </a:r>
+            <a:endParaRPr lang="en-US" dirty="0"/>
+          </a:p>
+        </p:txBody>
+      </p:sp>
+    </p:spTree>
+    <p:extLst>
+      <p:ext uri="{BB962C8B-B14F-4D97-AF65-F5344CB8AC3E}">
+        <p14:creationId xmlns:p14="http://schemas.microsoft.com/office/powerpoint/2010/main" val="1033892165"/>
+      </p:ext>
+    </p:extLst>
+  </p:cSld>
+  <p:clrMapOvr>
+    <a:masterClrMapping/>
+  </p:clrMapOvr>
+</p:sld>
+</file>
+
+<file path=ppt/slides/slide23.xml><?xml version="1.0" encoding="utf-8"?>
+<p:sld xmlns:a="http://schemas.openxmlformats.org/drawingml/2006/main" xmlns:r="http://schemas.openxmlformats.org/officeDocument/2006/relationships" xmlns:p="http://schemas.openxmlformats.org/presentationml/2006/main">
+  <p:cSld>
+    <p:spTree>
+      <p:nvGrpSpPr>
+        <p:cNvPr id="1" name=""/>
+        <p:cNvGrpSpPr/>
+        <p:nvPr/>
+      </p:nvGrpSpPr>
+      <p:grpSpPr>
+        <a:xfrm>
+          <a:off x="0" y="0"/>
+          <a:ext cx="0" cy="0"/>
+          <a:chOff x="0" y="0"/>
+          <a:chExt cx="0" cy="0"/>
+        </a:xfrm>
+      </p:grpSpPr>
+      <p:sp>
+        <p:nvSpPr>
+          <p:cNvPr id="2" name="Title 1">
+            <a:extLst>
+              <a:ext uri="{FF2B5EF4-FFF2-40B4-BE49-F238E27FC236}">
+                <a16:creationId xmlns:a16="http://schemas.microsoft.com/office/drawing/2014/main" id="{487008A4-B3BE-6337-2C22-49AE4408EB28}"/>
+              </a:ext>
+            </a:extLst>
+          </p:cNvPr>
+          <p:cNvSpPr>
+            <a:spLocks noGrp="1"/>
+          </p:cNvSpPr>
+          <p:nvPr>
+            <p:ph type="title"/>
+          </p:nvPr>
+        </p:nvSpPr>
+        <p:spPr/>
+        <p:txBody>
+          <a:bodyPr/>
+          <a:lstStyle/>
+          <a:p>
+            <a:r>
+              <a:rPr lang="en-US" dirty="0"/>
+              <a:t>Q&amp;A/Panel Time</a:t>
+            </a:r>
+          </a:p>
+        </p:txBody>
+      </p:sp>
+      <p:sp>
+        <p:nvSpPr>
+          <p:cNvPr id="3" name="Content Placeholder 2">
+            <a:extLst>
+              <a:ext uri="{FF2B5EF4-FFF2-40B4-BE49-F238E27FC236}">
+                <a16:creationId xmlns:a16="http://schemas.microsoft.com/office/drawing/2014/main" id="{74CF2615-E0BB-1F40-7EF2-6F2B05D99222}"/>
+              </a:ext>
+            </a:extLst>
+          </p:cNvPr>
+          <p:cNvSpPr>
+            <a:spLocks noGrp="1"/>
+          </p:cNvSpPr>
+          <p:nvPr>
+            <p:ph idx="1"/>
+          </p:nvPr>
+        </p:nvSpPr>
+        <p:spPr>
+          <a:xfrm>
+            <a:off x="838200" y="1825625"/>
+            <a:ext cx="9437914" cy="4351338"/>
+          </a:xfrm>
+        </p:spPr>
+        <p:txBody>
+          <a:bodyPr>
+            <a:normAutofit/>
+          </a:bodyPr>
+          <a:lstStyle/>
+          <a:p>
+            <a:endParaRPr lang="en-US" dirty="0"/>
+          </a:p>
+          <a:p>
+            <a:endParaRPr lang="en-US" dirty="0"/>
+          </a:p>
+          <a:p>
+            <a:endParaRPr lang="en-US" sz="3600" dirty="0"/>
+          </a:p>
+        </p:txBody>
+      </p:sp>
+    </p:spTree>
+    <p:extLst>
+      <p:ext uri="{BB962C8B-B14F-4D97-AF65-F5344CB8AC3E}">
+        <p14:creationId xmlns:p14="http://schemas.microsoft.com/office/powerpoint/2010/main" val="1637611548"/>
+      </p:ext>
+    </p:extLst>
+  </p:cSld>
+  <p:clrMapOvr>
+    <a:masterClrMapping/>
+  </p:clrMapOvr>
+</p:sld>
+</file>
+
+<file path=ppt/slides/slide24.xml><?xml version="1.0" encoding="utf-8"?>
+<p:sld xmlns:a="http://schemas.openxmlformats.org/drawingml/2006/main" xmlns:r="http://schemas.openxmlformats.org/officeDocument/2006/relationships" xmlns:p="http://schemas.openxmlformats.org/presentationml/2006/main">
+  <p:cSld>
+    <p:spTree>
+      <p:nvGrpSpPr>
+        <p:cNvPr id="1" name=""/>
+        <p:cNvGrpSpPr/>
+        <p:nvPr/>
+      </p:nvGrpSpPr>
+      <p:grpSpPr>
+        <a:xfrm>
+          <a:off x="0" y="0"/>
+          <a:ext cx="0" cy="0"/>
+          <a:chOff x="0" y="0"/>
+          <a:chExt cx="0" cy="0"/>
+        </a:xfrm>
+      </p:grpSpPr>
+      <p:sp>
+        <p:nvSpPr>
+          <p:cNvPr id="2" name="Title 1">
+            <a:extLst>
+              <a:ext uri="{FF2B5EF4-FFF2-40B4-BE49-F238E27FC236}">
+                <a16:creationId xmlns:a16="http://schemas.microsoft.com/office/drawing/2014/main" id="{20F2E90E-225D-206C-8CD1-368E2A8A55E6}"/>
+              </a:ext>
+            </a:extLst>
+          </p:cNvPr>
+          <p:cNvSpPr>
+            <a:spLocks noGrp="1"/>
+          </p:cNvSpPr>
+          <p:nvPr>
+            <p:ph type="title"/>
+          </p:nvPr>
+        </p:nvSpPr>
+        <p:spPr/>
+        <p:txBody>
+          <a:bodyPr/>
+          <a:lstStyle/>
+          <a:p>
+            <a:r>
+              <a:rPr lang="en-US" dirty="0"/>
+              <a:t>Close Out</a:t>
+            </a:r>
+          </a:p>
+        </p:txBody>
+      </p:sp>
+      <p:sp>
+        <p:nvSpPr>
+          <p:cNvPr id="3" name="Content Placeholder 2">
+            <a:extLst>
+              <a:ext uri="{FF2B5EF4-FFF2-40B4-BE49-F238E27FC236}">
+                <a16:creationId xmlns:a16="http://schemas.microsoft.com/office/drawing/2014/main" id="{2607D7DB-33F2-7EEC-664F-421A1C05E3D9}"/>
+              </a:ext>
+            </a:extLst>
+          </p:cNvPr>
+          <p:cNvSpPr>
+            <a:spLocks noGrp="1"/>
+          </p:cNvSpPr>
+          <p:nvPr>
+            <p:ph idx="1"/>
+          </p:nvPr>
+        </p:nvSpPr>
+        <p:spPr/>
+        <p:txBody>
+          <a:bodyPr/>
+          <a:lstStyle/>
+          <a:p>
+            <a:r>
+              <a:rPr lang="en-US" dirty="0"/>
+              <a:t>Welcome to the </a:t>
+            </a:r>
+            <a:r>
+              <a:rPr lang="en-US" dirty="0" err="1"/>
+              <a:t>Pharmaverse</a:t>
+            </a:r>
+            <a:r>
+              <a:rPr lang="en-US" dirty="0"/>
+              <a:t>!</a:t>
+            </a:r>
+          </a:p>
+          <a:p>
+            <a:r>
+              <a:rPr lang="en-US" dirty="0"/>
+              <a:t>We hope you enjoyed your stay and want to come back to visit, maybe stay for a while</a:t>
+            </a:r>
+          </a:p>
+          <a:p>
+            <a:endParaRPr lang="en-US" dirty="0"/>
+          </a:p>
+        </p:txBody>
+      </p:sp>
+    </p:spTree>
+    <p:extLst>
+      <p:ext uri="{BB962C8B-B14F-4D97-AF65-F5344CB8AC3E}">
+        <p14:creationId xmlns:p14="http://schemas.microsoft.com/office/powerpoint/2010/main" val="2193134711"/>
+      </p:ext>
+    </p:extLst>
+  </p:cSld>
+  <p:clrMapOvr>
+    <a:masterClrMapping/>
+  </p:clrMapOvr>
+</p:sld>
+</file>
+
+<file path=ppt/slides/slide25.xml><?xml version="1.0" encoding="utf-8"?>
+<p:sld xmlns:a="http://schemas.openxmlformats.org/drawingml/2006/main" xmlns:r="http://schemas.openxmlformats.org/officeDocument/2006/relationships" xmlns:p="http://schemas.openxmlformats.org/presentationml/2006/main">
+  <p:cSld>
+    <p:spTree>
+      <p:nvGrpSpPr>
+        <p:cNvPr id="1" name=""/>
+        <p:cNvGrpSpPr/>
+        <p:nvPr/>
+      </p:nvGrpSpPr>
+      <p:grpSpPr>
+        <a:xfrm>
+          <a:off x="0" y="0"/>
+          <a:ext cx="0" cy="0"/>
+          <a:chOff x="0" y="0"/>
+          <a:chExt cx="0" cy="0"/>
+        </a:xfrm>
+      </p:grpSpPr>
+      <p:sp>
+        <p:nvSpPr>
+          <p:cNvPr id="2" name="Title 1">
+            <a:extLst>
+              <a:ext uri="{FF2B5EF4-FFF2-40B4-BE49-F238E27FC236}">
                 <a16:creationId xmlns:a16="http://schemas.microsoft.com/office/drawing/2014/main" id="{311D0BD9-FB7A-6380-8831-C3F0CFB43A02}"/>
               </a:ext>
             </a:extLst>
@@ -7906,6 +10112,3900 @@
 </file>
 
 <file path=ppt/slides/slide3.xml><?xml version="1.0" encoding="utf-8"?>
+<p:sld xmlns:a="http://schemas.openxmlformats.org/drawingml/2006/main" xmlns:r="http://schemas.openxmlformats.org/officeDocument/2006/relationships" xmlns:p="http://schemas.openxmlformats.org/presentationml/2006/main">
+  <p:cSld>
+    <p:spTree>
+      <p:nvGrpSpPr>
+        <p:cNvPr id="1" name=""/>
+        <p:cNvGrpSpPr/>
+        <p:nvPr/>
+      </p:nvGrpSpPr>
+      <p:grpSpPr>
+        <a:xfrm>
+          <a:off x="0" y="0"/>
+          <a:ext cx="0" cy="0"/>
+          <a:chOff x="0" y="0"/>
+          <a:chExt cx="0" cy="0"/>
+        </a:xfrm>
+      </p:grpSpPr>
+      <p:sp>
+        <p:nvSpPr>
+          <p:cNvPr id="2" name="Rectangle 1">
+            <a:extLst>
+              <a:ext uri="{FF2B5EF4-FFF2-40B4-BE49-F238E27FC236}">
+                <a16:creationId xmlns:a16="http://schemas.microsoft.com/office/drawing/2014/main" id="{DA9DEED6-F0A8-3298-B209-98FF42171A26}"/>
+              </a:ext>
+            </a:extLst>
+          </p:cNvPr>
+          <p:cNvSpPr/>
+          <p:nvPr/>
+        </p:nvSpPr>
+        <p:spPr>
+          <a:xfrm>
+            <a:off x="0" y="0"/>
+            <a:ext cx="12192000" cy="6858000"/>
+          </a:xfrm>
+          <a:prstGeom prst="rect">
+            <a:avLst/>
+          </a:prstGeom>
+          <a:solidFill>
+            <a:schemeClr val="bg1"/>
+          </a:solidFill>
+          <a:ln>
+            <a:solidFill>
+              <a:schemeClr val="bg1"/>
+            </a:solidFill>
+          </a:ln>
+        </p:spPr>
+        <p:style>
+          <a:lnRef idx="2">
+            <a:schemeClr val="accent1">
+              <a:shade val="15000"/>
+            </a:schemeClr>
+          </a:lnRef>
+          <a:fillRef idx="1">
+            <a:schemeClr val="accent1"/>
+          </a:fillRef>
+          <a:effectRef idx="0">
+            <a:schemeClr val="accent1"/>
+          </a:effectRef>
+          <a:fontRef idx="minor">
+            <a:schemeClr val="lt1"/>
+          </a:fontRef>
+        </p:style>
+        <p:txBody>
+          <a:bodyPr rtlCol="0" anchor="ctr"/>
+          <a:lstStyle/>
+          <a:p>
+            <a:pPr algn="ctr"/>
+            <a:endParaRPr lang="en-US"/>
+          </a:p>
+        </p:txBody>
+      </p:sp>
+      <p:sp>
+        <p:nvSpPr>
+          <p:cNvPr id="4" name="Slide Number Placeholder 3">
+            <a:extLst>
+              <a:ext uri="{FF2B5EF4-FFF2-40B4-BE49-F238E27FC236}">
+                <a16:creationId xmlns:a16="http://schemas.microsoft.com/office/drawing/2014/main" id="{A9132241-3147-5424-79A6-25CEA54E8DDF}"/>
+              </a:ext>
+            </a:extLst>
+          </p:cNvPr>
+          <p:cNvSpPr>
+            <a:spLocks noGrp="1"/>
+          </p:cNvSpPr>
+          <p:nvPr>
+            <p:ph type="sldNum" sz="quarter" idx="12"/>
+          </p:nvPr>
+        </p:nvSpPr>
+        <p:spPr/>
+        <p:txBody>
+          <a:bodyPr/>
+          <a:lstStyle/>
+          <a:p>
+            <a:fld id="{CA0BE942-4744-4F63-8605-0679E048D036}" type="slidenum">
+              <a:rPr lang="en-US" smtClean="0"/>
+              <a:t>3</a:t>
+            </a:fld>
+            <a:endParaRPr lang="en-US"/>
+          </a:p>
+        </p:txBody>
+      </p:sp>
+      <p:cxnSp>
+        <p:nvCxnSpPr>
+          <p:cNvPr id="5" name="Straight Connector 4">
+            <a:extLst>
+              <a:ext uri="{FF2B5EF4-FFF2-40B4-BE49-F238E27FC236}">
+                <a16:creationId xmlns:a16="http://schemas.microsoft.com/office/drawing/2014/main" id="{F0CAE65B-8409-3C9C-686F-48406017BB1B}"/>
+              </a:ext>
+            </a:extLst>
+          </p:cNvPr>
+          <p:cNvCxnSpPr>
+            <a:cxnSpLocks/>
+          </p:cNvCxnSpPr>
+          <p:nvPr/>
+        </p:nvCxnSpPr>
+        <p:spPr>
+          <a:xfrm flipV="1">
+            <a:off x="1004997" y="3180004"/>
+            <a:ext cx="9248051" cy="41419"/>
+          </a:xfrm>
+          <a:prstGeom prst="line">
+            <a:avLst/>
+          </a:prstGeom>
+          <a:ln/>
+        </p:spPr>
+        <p:style>
+          <a:lnRef idx="1">
+            <a:schemeClr val="dk1"/>
+          </a:lnRef>
+          <a:fillRef idx="0">
+            <a:schemeClr val="dk1"/>
+          </a:fillRef>
+          <a:effectRef idx="0">
+            <a:schemeClr val="dk1"/>
+          </a:effectRef>
+          <a:fontRef idx="minor">
+            <a:schemeClr val="tx1"/>
+          </a:fontRef>
+        </p:style>
+      </p:cxnSp>
+      <p:sp>
+        <p:nvSpPr>
+          <p:cNvPr id="7" name="TextBox 6">
+            <a:extLst>
+              <a:ext uri="{FF2B5EF4-FFF2-40B4-BE49-F238E27FC236}">
+                <a16:creationId xmlns:a16="http://schemas.microsoft.com/office/drawing/2014/main" id="{F5FA9941-B1E3-A9EC-467F-60632FC16498}"/>
+              </a:ext>
+            </a:extLst>
+          </p:cNvPr>
+          <p:cNvSpPr txBox="1"/>
+          <p:nvPr/>
+        </p:nvSpPr>
+        <p:spPr>
+          <a:xfrm>
+            <a:off x="7421623" y="2536112"/>
+            <a:ext cx="914400" cy="914400"/>
+          </a:xfrm>
+          <a:prstGeom prst="rect">
+            <a:avLst/>
+          </a:prstGeom>
+          <a:noFill/>
+        </p:spPr>
+        <p:txBody>
+          <a:bodyPr wrap="none" lIns="180000" tIns="180000" rIns="180000" bIns="180000" rtlCol="0">
+            <a:normAutofit/>
+          </a:bodyPr>
+          <a:lstStyle/>
+          <a:p>
+            <a:pPr algn="l">
+              <a:spcBef>
+                <a:spcPts val="300"/>
+              </a:spcBef>
+              <a:spcAft>
+                <a:spcPts val="300"/>
+              </a:spcAft>
+              <a:buClr>
+                <a:schemeClr val="tx2"/>
+              </a:buClr>
+              <a:buSzPct val="110000"/>
+            </a:pPr>
+            <a:r>
+              <a:rPr lang="en-GB" sz="3200" dirty="0"/>
+              <a:t>Outputs</a:t>
+            </a:r>
+          </a:p>
+        </p:txBody>
+      </p:sp>
+      <p:pic>
+        <p:nvPicPr>
+          <p:cNvPr id="8" name="Graphic 7" descr="Hike outline">
+            <a:extLst>
+              <a:ext uri="{FF2B5EF4-FFF2-40B4-BE49-F238E27FC236}">
+                <a16:creationId xmlns:a16="http://schemas.microsoft.com/office/drawing/2014/main" id="{506D1756-92F6-D5E5-BCB2-3C3638AC3A7F}"/>
+              </a:ext>
+            </a:extLst>
+          </p:cNvPr>
+          <p:cNvPicPr>
+            <a:picLocks noChangeAspect="1"/>
+          </p:cNvPicPr>
+          <p:nvPr/>
+        </p:nvPicPr>
+        <p:blipFill>
+          <a:blip r:embed="rId2">
+            <a:extLst>
+              <a:ext uri="{28A0092B-C50C-407E-A947-70E740481C1C}">
+                <a14:useLocalDpi xmlns:a14="http://schemas.microsoft.com/office/drawing/2010/main" val="0"/>
+              </a:ext>
+              <a:ext uri="{96DAC541-7B7A-43D3-8B79-37D633B846F1}">
+                <asvg:svgBlip xmlns:asvg="http://schemas.microsoft.com/office/drawing/2016/SVG/main" r:embed="rId3"/>
+              </a:ext>
+            </a:extLst>
+          </a:blip>
+          <a:stretch>
+            <a:fillRect/>
+          </a:stretch>
+        </p:blipFill>
+        <p:spPr>
+          <a:xfrm>
+            <a:off x="1626607" y="2224309"/>
+            <a:ext cx="914400" cy="914400"/>
+          </a:xfrm>
+          <a:prstGeom prst="rect">
+            <a:avLst/>
+          </a:prstGeom>
+        </p:spPr>
+      </p:pic>
+      <p:pic>
+        <p:nvPicPr>
+          <p:cNvPr id="10" name="Graphic 9" descr="Castle scene with solid fill">
+            <a:extLst>
+              <a:ext uri="{FF2B5EF4-FFF2-40B4-BE49-F238E27FC236}">
+                <a16:creationId xmlns:a16="http://schemas.microsoft.com/office/drawing/2014/main" id="{104FF219-5892-559D-FDC2-6FE11D651482}"/>
+              </a:ext>
+            </a:extLst>
+          </p:cNvPr>
+          <p:cNvPicPr>
+            <a:picLocks noChangeAspect="1"/>
+          </p:cNvPicPr>
+          <p:nvPr/>
+        </p:nvPicPr>
+        <p:blipFill>
+          <a:blip r:embed="rId4">
+            <a:extLst>
+              <a:ext uri="{28A0092B-C50C-407E-A947-70E740481C1C}">
+                <a14:useLocalDpi xmlns:a14="http://schemas.microsoft.com/office/drawing/2010/main" val="0"/>
+              </a:ext>
+              <a:ext uri="{96DAC541-7B7A-43D3-8B79-37D633B846F1}">
+                <asvg:svgBlip xmlns:asvg="http://schemas.microsoft.com/office/drawing/2016/SVG/main" r:embed="rId5"/>
+              </a:ext>
+            </a:extLst>
+          </a:blip>
+          <a:stretch>
+            <a:fillRect/>
+          </a:stretch>
+        </p:blipFill>
+        <p:spPr>
+          <a:xfrm>
+            <a:off x="10253048" y="2448947"/>
+            <a:ext cx="914400" cy="914400"/>
+          </a:xfrm>
+          <a:prstGeom prst="rect">
+            <a:avLst/>
+          </a:prstGeom>
+        </p:spPr>
+      </p:pic>
+      <p:grpSp>
+        <p:nvGrpSpPr>
+          <p:cNvPr id="14" name="Group 13">
+            <a:extLst>
+              <a:ext uri="{FF2B5EF4-FFF2-40B4-BE49-F238E27FC236}">
+                <a16:creationId xmlns:a16="http://schemas.microsoft.com/office/drawing/2014/main" id="{F30A49DF-0573-2EC7-0C84-94B4436D45F5}"/>
+              </a:ext>
+            </a:extLst>
+          </p:cNvPr>
+          <p:cNvGrpSpPr/>
+          <p:nvPr/>
+        </p:nvGrpSpPr>
+        <p:grpSpPr>
+          <a:xfrm>
+            <a:off x="2324263" y="2576320"/>
+            <a:ext cx="801106" cy="785940"/>
+            <a:chOff x="7313489" y="4059253"/>
+            <a:chExt cx="914400" cy="930324"/>
+          </a:xfrm>
+        </p:grpSpPr>
+        <p:pic>
+          <p:nvPicPr>
+            <p:cNvPr id="15" name="Graphic 14" descr="Tent with solid fill">
+              <a:extLst>
+                <a:ext uri="{FF2B5EF4-FFF2-40B4-BE49-F238E27FC236}">
+                  <a16:creationId xmlns:a16="http://schemas.microsoft.com/office/drawing/2014/main" id="{DEAB565B-C1C3-6764-E0FE-96E6C0F8343C}"/>
+                </a:ext>
+              </a:extLst>
+            </p:cNvPr>
+            <p:cNvPicPr>
+              <a:picLocks noChangeAspect="1"/>
+            </p:cNvPicPr>
+            <p:nvPr/>
+          </p:nvPicPr>
+          <p:blipFill>
+            <a:blip r:embed="rId6">
+              <a:extLst>
+                <a:ext uri="{28A0092B-C50C-407E-A947-70E740481C1C}">
+                  <a14:useLocalDpi xmlns:a14="http://schemas.microsoft.com/office/drawing/2010/main" val="0"/>
+                </a:ext>
+                <a:ext uri="{96DAC541-7B7A-43D3-8B79-37D633B846F1}">
+                  <asvg:svgBlip xmlns:asvg="http://schemas.microsoft.com/office/drawing/2016/SVG/main" r:embed="rId7"/>
+                </a:ext>
+              </a:extLst>
+            </a:blip>
+            <a:stretch>
+              <a:fillRect/>
+            </a:stretch>
+          </p:blipFill>
+          <p:spPr>
+            <a:xfrm>
+              <a:off x="7313489" y="4075177"/>
+              <a:ext cx="914400" cy="914400"/>
+            </a:xfrm>
+            <a:prstGeom prst="rect">
+              <a:avLst/>
+            </a:prstGeom>
+          </p:spPr>
+        </p:pic>
+        <p:pic>
+          <p:nvPicPr>
+            <p:cNvPr id="16" name="Graphic 15" descr="Tent outline">
+              <a:extLst>
+                <a:ext uri="{FF2B5EF4-FFF2-40B4-BE49-F238E27FC236}">
+                  <a16:creationId xmlns:a16="http://schemas.microsoft.com/office/drawing/2014/main" id="{995A047B-3379-0850-D695-2EF559A0E80C}"/>
+                </a:ext>
+              </a:extLst>
+            </p:cNvPr>
+            <p:cNvPicPr>
+              <a:picLocks noChangeAspect="1"/>
+            </p:cNvPicPr>
+            <p:nvPr/>
+          </p:nvPicPr>
+          <p:blipFill>
+            <a:blip r:embed="rId8">
+              <a:extLst>
+                <a:ext uri="{28A0092B-C50C-407E-A947-70E740481C1C}">
+                  <a14:useLocalDpi xmlns:a14="http://schemas.microsoft.com/office/drawing/2010/main" val="0"/>
+                </a:ext>
+                <a:ext uri="{96DAC541-7B7A-43D3-8B79-37D633B846F1}">
+                  <asvg:svgBlip xmlns:asvg="http://schemas.microsoft.com/office/drawing/2016/SVG/main" r:embed="rId9"/>
+                </a:ext>
+              </a:extLst>
+            </a:blip>
+            <a:stretch>
+              <a:fillRect/>
+            </a:stretch>
+          </p:blipFill>
+          <p:spPr>
+            <a:xfrm>
+              <a:off x="7313489" y="4059253"/>
+              <a:ext cx="914400" cy="914400"/>
+            </a:xfrm>
+            <a:prstGeom prst="rect">
+              <a:avLst/>
+            </a:prstGeom>
+          </p:spPr>
+        </p:pic>
+      </p:grpSp>
+      <p:pic>
+        <p:nvPicPr>
+          <p:cNvPr id="20" name="Picture 2">
+            <a:extLst>
+              <a:ext uri="{FF2B5EF4-FFF2-40B4-BE49-F238E27FC236}">
+                <a16:creationId xmlns:a16="http://schemas.microsoft.com/office/drawing/2014/main" id="{0556C626-86CA-733D-19B6-6753A7895EA8}"/>
+              </a:ext>
+            </a:extLst>
+          </p:cNvPr>
+          <p:cNvPicPr>
+            <a:picLocks noChangeAspect="1" noChangeArrowheads="1"/>
+          </p:cNvPicPr>
+          <p:nvPr/>
+        </p:nvPicPr>
+        <p:blipFill>
+          <a:blip r:embed="rId10">
+            <a:extLst>
+              <a:ext uri="{28A0092B-C50C-407E-A947-70E740481C1C}">
+                <a14:useLocalDpi xmlns:a14="http://schemas.microsoft.com/office/drawing/2010/main" val="0"/>
+              </a:ext>
+            </a:extLst>
+          </a:blip>
+          <a:srcRect/>
+          <a:stretch>
+            <a:fillRect/>
+          </a:stretch>
+        </p:blipFill>
+        <p:spPr bwMode="auto">
+          <a:xfrm>
+            <a:off x="2901024" y="3709992"/>
+            <a:ext cx="1329244" cy="1543462"/>
+          </a:xfrm>
+          <a:prstGeom prst="rect">
+            <a:avLst/>
+          </a:prstGeom>
+          <a:noFill/>
+          <a:extLst>
+            <a:ext uri="{909E8E84-426E-40DD-AFC4-6F175D3DCCD1}">
+              <a14:hiddenFill xmlns:a14="http://schemas.microsoft.com/office/drawing/2010/main">
+                <a:solidFill>
+                  <a:srgbClr val="FFFFFF"/>
+                </a:solidFill>
+              </a14:hiddenFill>
+            </a:ext>
+          </a:extLst>
+        </p:spPr>
+      </p:pic>
+      <p:pic>
+        <p:nvPicPr>
+          <p:cNvPr id="21" name="Picture 6">
+            <a:extLst>
+              <a:ext uri="{FF2B5EF4-FFF2-40B4-BE49-F238E27FC236}">
+                <a16:creationId xmlns:a16="http://schemas.microsoft.com/office/drawing/2014/main" id="{0E8143CD-7697-61BF-B75F-EA67FFA00A2B}"/>
+              </a:ext>
+            </a:extLst>
+          </p:cNvPr>
+          <p:cNvPicPr>
+            <a:picLocks noChangeAspect="1" noChangeArrowheads="1"/>
+          </p:cNvPicPr>
+          <p:nvPr/>
+        </p:nvPicPr>
+        <p:blipFill>
+          <a:blip r:embed="rId11" cstate="print">
+            <a:extLst>
+              <a:ext uri="{28A0092B-C50C-407E-A947-70E740481C1C}">
+                <a14:useLocalDpi xmlns:a14="http://schemas.microsoft.com/office/drawing/2010/main" val="0"/>
+              </a:ext>
+            </a:extLst>
+          </a:blip>
+          <a:srcRect/>
+          <a:stretch>
+            <a:fillRect/>
+          </a:stretch>
+        </p:blipFill>
+        <p:spPr bwMode="auto">
+          <a:xfrm>
+            <a:off x="1557359" y="3709992"/>
+            <a:ext cx="1328400" cy="1537698"/>
+          </a:xfrm>
+          <a:prstGeom prst="rect">
+            <a:avLst/>
+          </a:prstGeom>
+          <a:noFill/>
+          <a:extLst>
+            <a:ext uri="{909E8E84-426E-40DD-AFC4-6F175D3DCCD1}">
+              <a14:hiddenFill xmlns:a14="http://schemas.microsoft.com/office/drawing/2010/main">
+                <a:solidFill>
+                  <a:srgbClr val="FFFFFF"/>
+                </a:solidFill>
+              </a14:hiddenFill>
+            </a:ext>
+          </a:extLst>
+        </p:spPr>
+      </p:pic>
+      <p:pic>
+        <p:nvPicPr>
+          <p:cNvPr id="22" name="Picture 8">
+            <a:extLst>
+              <a:ext uri="{FF2B5EF4-FFF2-40B4-BE49-F238E27FC236}">
+                <a16:creationId xmlns:a16="http://schemas.microsoft.com/office/drawing/2014/main" id="{08550B58-0EED-5D41-E94A-F60A4482B048}"/>
+              </a:ext>
+            </a:extLst>
+          </p:cNvPr>
+          <p:cNvPicPr>
+            <a:picLocks noChangeAspect="1" noChangeArrowheads="1"/>
+          </p:cNvPicPr>
+          <p:nvPr/>
+        </p:nvPicPr>
+        <p:blipFill>
+          <a:blip r:embed="rId12" cstate="print">
+            <a:extLst>
+              <a:ext uri="{28A0092B-C50C-407E-A947-70E740481C1C}">
+                <a14:useLocalDpi xmlns:a14="http://schemas.microsoft.com/office/drawing/2010/main" val="0"/>
+              </a:ext>
+            </a:extLst>
+          </a:blip>
+          <a:srcRect/>
+          <a:stretch>
+            <a:fillRect/>
+          </a:stretch>
+        </p:blipFill>
+        <p:spPr bwMode="auto">
+          <a:xfrm>
+            <a:off x="2179928" y="4900090"/>
+            <a:ext cx="1397679" cy="1617459"/>
+          </a:xfrm>
+          <a:prstGeom prst="rect">
+            <a:avLst/>
+          </a:prstGeom>
+          <a:noFill/>
+          <a:extLst>
+            <a:ext uri="{909E8E84-426E-40DD-AFC4-6F175D3DCCD1}">
+              <a14:hiddenFill xmlns:a14="http://schemas.microsoft.com/office/drawing/2010/main">
+                <a:solidFill>
+                  <a:srgbClr val="FFFFFF"/>
+                </a:solidFill>
+              </a14:hiddenFill>
+            </a:ext>
+          </a:extLst>
+        </p:spPr>
+      </p:pic>
+      <p:pic>
+        <p:nvPicPr>
+          <p:cNvPr id="24" name="Picture 23" descr="tfrmt hex, which looks a bit like a blueprint with tfrmt written over it">
+            <a:extLst>
+              <a:ext uri="{FF2B5EF4-FFF2-40B4-BE49-F238E27FC236}">
+                <a16:creationId xmlns:a16="http://schemas.microsoft.com/office/drawing/2014/main" id="{7F36D174-C0CA-5ED4-1A28-4772E93E7498}"/>
+              </a:ext>
+            </a:extLst>
+          </p:cNvPr>
+          <p:cNvPicPr>
+            <a:picLocks noChangeAspect="1"/>
+          </p:cNvPicPr>
+          <p:nvPr/>
+        </p:nvPicPr>
+        <p:blipFill>
+          <a:blip r:embed="rId13" cstate="print">
+            <a:extLst>
+              <a:ext uri="{28A0092B-C50C-407E-A947-70E740481C1C}">
+                <a14:useLocalDpi xmlns:a14="http://schemas.microsoft.com/office/drawing/2010/main" val="0"/>
+              </a:ext>
+            </a:extLst>
+          </a:blip>
+          <a:stretch>
+            <a:fillRect/>
+          </a:stretch>
+        </p:blipFill>
+        <p:spPr>
+          <a:xfrm>
+            <a:off x="7028169" y="4625581"/>
+            <a:ext cx="1891968" cy="1891968"/>
+          </a:xfrm>
+          <a:prstGeom prst="rect">
+            <a:avLst/>
+          </a:prstGeom>
+        </p:spPr>
+      </p:pic>
+      <p:pic>
+        <p:nvPicPr>
+          <p:cNvPr id="28" name="Picture 4">
+            <a:extLst>
+              <a:ext uri="{FF2B5EF4-FFF2-40B4-BE49-F238E27FC236}">
+                <a16:creationId xmlns:a16="http://schemas.microsoft.com/office/drawing/2014/main" id="{250DF687-1143-CE6D-01FB-94ADE269B8EF}"/>
+              </a:ext>
+            </a:extLst>
+          </p:cNvPr>
+          <p:cNvPicPr>
+            <a:picLocks noChangeAspect="1" noChangeArrowheads="1"/>
+          </p:cNvPicPr>
+          <p:nvPr/>
+        </p:nvPicPr>
+        <p:blipFill>
+          <a:blip r:embed="rId14">
+            <a:extLst>
+              <a:ext uri="{28A0092B-C50C-407E-A947-70E740481C1C}">
+                <a14:useLocalDpi xmlns:a14="http://schemas.microsoft.com/office/drawing/2010/main" val="0"/>
+              </a:ext>
+            </a:extLst>
+          </a:blip>
+          <a:srcRect/>
+          <a:stretch>
+            <a:fillRect/>
+          </a:stretch>
+        </p:blipFill>
+        <p:spPr bwMode="auto">
+          <a:xfrm>
+            <a:off x="2324263" y="961135"/>
+            <a:ext cx="1362945" cy="1573890"/>
+          </a:xfrm>
+          <a:prstGeom prst="rect">
+            <a:avLst/>
+          </a:prstGeom>
+          <a:noFill/>
+          <a:extLst>
+            <a:ext uri="{909E8E84-426E-40DD-AFC4-6F175D3DCCD1}">
+              <a14:hiddenFill xmlns:a14="http://schemas.microsoft.com/office/drawing/2010/main">
+                <a:solidFill>
+                  <a:srgbClr val="FFFFFF"/>
+                </a:solidFill>
+              </a14:hiddenFill>
+            </a:ext>
+          </a:extLst>
+        </p:spPr>
+      </p:pic>
+      <p:pic>
+        <p:nvPicPr>
+          <p:cNvPr id="29" name="Picture 28">
+            <a:extLst>
+              <a:ext uri="{FF2B5EF4-FFF2-40B4-BE49-F238E27FC236}">
+                <a16:creationId xmlns:a16="http://schemas.microsoft.com/office/drawing/2014/main" id="{590D599C-A923-5D76-8473-F13DE0CD4192}"/>
+              </a:ext>
+            </a:extLst>
+          </p:cNvPr>
+          <p:cNvPicPr>
+            <a:picLocks noChangeAspect="1"/>
+          </p:cNvPicPr>
+          <p:nvPr/>
+        </p:nvPicPr>
+        <p:blipFill>
+          <a:blip r:embed="rId15"/>
+          <a:stretch>
+            <a:fillRect/>
+          </a:stretch>
+        </p:blipFill>
+        <p:spPr>
+          <a:xfrm>
+            <a:off x="8561303" y="4797292"/>
+            <a:ext cx="1646223" cy="1646223"/>
+          </a:xfrm>
+          <a:prstGeom prst="rect">
+            <a:avLst/>
+          </a:prstGeom>
+        </p:spPr>
+      </p:pic>
+      <p:pic>
+        <p:nvPicPr>
+          <p:cNvPr id="30" name="Picture 4">
+            <a:extLst>
+              <a:ext uri="{FF2B5EF4-FFF2-40B4-BE49-F238E27FC236}">
+                <a16:creationId xmlns:a16="http://schemas.microsoft.com/office/drawing/2014/main" id="{B97EF664-FF40-5241-7A53-94F1DA0F39BC}"/>
+              </a:ext>
+            </a:extLst>
+          </p:cNvPr>
+          <p:cNvPicPr>
+            <a:picLocks noChangeAspect="1" noChangeArrowheads="1"/>
+          </p:cNvPicPr>
+          <p:nvPr/>
+        </p:nvPicPr>
+        <p:blipFill>
+          <a:blip r:embed="rId16">
+            <a:extLst>
+              <a:ext uri="{28A0092B-C50C-407E-A947-70E740481C1C}">
+                <a14:useLocalDpi xmlns:a14="http://schemas.microsoft.com/office/drawing/2010/main" val="0"/>
+              </a:ext>
+            </a:extLst>
+          </a:blip>
+          <a:srcRect/>
+          <a:stretch>
+            <a:fillRect/>
+          </a:stretch>
+        </p:blipFill>
+        <p:spPr bwMode="auto">
+          <a:xfrm>
+            <a:off x="6393233" y="3554112"/>
+            <a:ext cx="1641124" cy="1641124"/>
+          </a:xfrm>
+          <a:prstGeom prst="rect">
+            <a:avLst/>
+          </a:prstGeom>
+          <a:noFill/>
+          <a:extLst>
+            <a:ext uri="{909E8E84-426E-40DD-AFC4-6F175D3DCCD1}">
+              <a14:hiddenFill xmlns:a14="http://schemas.microsoft.com/office/drawing/2010/main">
+                <a:solidFill>
+                  <a:srgbClr val="FFFFFF"/>
+                </a:solidFill>
+              </a14:hiddenFill>
+            </a:ext>
+          </a:extLst>
+        </p:spPr>
+      </p:pic>
+      <p:pic>
+        <p:nvPicPr>
+          <p:cNvPr id="31" name="Picture 2">
+            <a:extLst>
+              <a:ext uri="{FF2B5EF4-FFF2-40B4-BE49-F238E27FC236}">
+                <a16:creationId xmlns:a16="http://schemas.microsoft.com/office/drawing/2014/main" id="{77EBC324-F007-87C2-E3F0-23AC53494875}"/>
+              </a:ext>
+            </a:extLst>
+          </p:cNvPr>
+          <p:cNvPicPr>
+            <a:picLocks noChangeAspect="1" noChangeArrowheads="1"/>
+          </p:cNvPicPr>
+          <p:nvPr/>
+        </p:nvPicPr>
+        <p:blipFill>
+          <a:blip r:embed="rId17">
+            <a:extLst>
+              <a:ext uri="{28A0092B-C50C-407E-A947-70E740481C1C}">
+                <a14:useLocalDpi xmlns:a14="http://schemas.microsoft.com/office/drawing/2010/main" val="0"/>
+              </a:ext>
+            </a:extLst>
+          </a:blip>
+          <a:srcRect/>
+          <a:stretch>
+            <a:fillRect/>
+          </a:stretch>
+        </p:blipFill>
+        <p:spPr bwMode="auto">
+          <a:xfrm>
+            <a:off x="7813783" y="3557084"/>
+            <a:ext cx="1649259" cy="1649259"/>
+          </a:xfrm>
+          <a:prstGeom prst="rect">
+            <a:avLst/>
+          </a:prstGeom>
+          <a:noFill/>
+          <a:extLst>
+            <a:ext uri="{909E8E84-426E-40DD-AFC4-6F175D3DCCD1}">
+              <a14:hiddenFill xmlns:a14="http://schemas.microsoft.com/office/drawing/2010/main">
+                <a:solidFill>
+                  <a:srgbClr val="FFFFFF"/>
+                </a:solidFill>
+              </a14:hiddenFill>
+            </a:ext>
+          </a:extLst>
+        </p:spPr>
+      </p:pic>
+      <p:pic>
+        <p:nvPicPr>
+          <p:cNvPr id="33" name="Picture 32">
+            <a:extLst>
+              <a:ext uri="{FF2B5EF4-FFF2-40B4-BE49-F238E27FC236}">
+                <a16:creationId xmlns:a16="http://schemas.microsoft.com/office/drawing/2014/main" id="{468D0D54-6936-0EED-5202-EFDE5DD0B250}"/>
+              </a:ext>
+            </a:extLst>
+          </p:cNvPr>
+          <p:cNvPicPr>
+            <a:picLocks noChangeAspect="1"/>
+          </p:cNvPicPr>
+          <p:nvPr/>
+        </p:nvPicPr>
+        <p:blipFill>
+          <a:blip r:embed="rId15"/>
+          <a:stretch>
+            <a:fillRect/>
+          </a:stretch>
+        </p:blipFill>
+        <p:spPr>
+          <a:xfrm>
+            <a:off x="7492278" y="667444"/>
+            <a:ext cx="1541071" cy="1541071"/>
+          </a:xfrm>
+          <a:prstGeom prst="rect">
+            <a:avLst/>
+          </a:prstGeom>
+        </p:spPr>
+      </p:pic>
+      <p:pic>
+        <p:nvPicPr>
+          <p:cNvPr id="3" name="Picture 2">
+            <a:extLst>
+              <a:ext uri="{FF2B5EF4-FFF2-40B4-BE49-F238E27FC236}">
+                <a16:creationId xmlns:a16="http://schemas.microsoft.com/office/drawing/2014/main" id="{436BDBAC-2D25-4A55-EFA8-81C379154E75}"/>
+              </a:ext>
+            </a:extLst>
+          </p:cNvPr>
+          <p:cNvPicPr>
+            <a:picLocks noChangeAspect="1"/>
+          </p:cNvPicPr>
+          <p:nvPr/>
+        </p:nvPicPr>
+        <p:blipFill>
+          <a:blip r:embed="rId18"/>
+          <a:stretch>
+            <a:fillRect/>
+          </a:stretch>
+        </p:blipFill>
+        <p:spPr>
+          <a:xfrm>
+            <a:off x="3612675" y="4893915"/>
+            <a:ext cx="1397679" cy="1617372"/>
+          </a:xfrm>
+          <a:prstGeom prst="rect">
+            <a:avLst/>
+          </a:prstGeom>
+        </p:spPr>
+      </p:pic>
+      <p:pic>
+        <p:nvPicPr>
+          <p:cNvPr id="51" name="Picture 50">
+            <a:extLst>
+              <a:ext uri="{FF2B5EF4-FFF2-40B4-BE49-F238E27FC236}">
+                <a16:creationId xmlns:a16="http://schemas.microsoft.com/office/drawing/2014/main" id="{9BCDFDB1-E74E-500E-5458-2D27FD8E914C}"/>
+              </a:ext>
+            </a:extLst>
+          </p:cNvPr>
+          <p:cNvPicPr>
+            <a:picLocks noChangeAspect="1"/>
+          </p:cNvPicPr>
+          <p:nvPr/>
+        </p:nvPicPr>
+        <p:blipFill>
+          <a:blip r:embed="rId19"/>
+          <a:stretch>
+            <a:fillRect/>
+          </a:stretch>
+        </p:blipFill>
+        <p:spPr>
+          <a:xfrm>
+            <a:off x="6191775" y="726943"/>
+            <a:ext cx="1482162" cy="1482162"/>
+          </a:xfrm>
+          <a:prstGeom prst="rect">
+            <a:avLst/>
+          </a:prstGeom>
+        </p:spPr>
+      </p:pic>
+      <p:pic>
+        <p:nvPicPr>
+          <p:cNvPr id="52" name="Picture 51">
+            <a:extLst>
+              <a:ext uri="{FF2B5EF4-FFF2-40B4-BE49-F238E27FC236}">
+                <a16:creationId xmlns:a16="http://schemas.microsoft.com/office/drawing/2014/main" id="{EC027FC5-D6CC-D304-B0A4-2F337767E6C8}"/>
+              </a:ext>
+            </a:extLst>
+          </p:cNvPr>
+          <p:cNvPicPr>
+            <a:picLocks noChangeAspect="1"/>
+          </p:cNvPicPr>
+          <p:nvPr/>
+        </p:nvPicPr>
+        <p:blipFill>
+          <a:blip r:embed="rId20"/>
+          <a:stretch>
+            <a:fillRect/>
+          </a:stretch>
+        </p:blipFill>
+        <p:spPr>
+          <a:xfrm>
+            <a:off x="8831778" y="696097"/>
+            <a:ext cx="1421270" cy="1423639"/>
+          </a:xfrm>
+          <a:prstGeom prst="rect">
+            <a:avLst/>
+          </a:prstGeom>
+        </p:spPr>
+      </p:pic>
+      <p:grpSp>
+        <p:nvGrpSpPr>
+          <p:cNvPr id="54" name="Group 53">
+            <a:extLst>
+              <a:ext uri="{FF2B5EF4-FFF2-40B4-BE49-F238E27FC236}">
+                <a16:creationId xmlns:a16="http://schemas.microsoft.com/office/drawing/2014/main" id="{DD2407FC-C0B3-DFB4-4A9D-27A9D43B4EEA}"/>
+              </a:ext>
+            </a:extLst>
+          </p:cNvPr>
+          <p:cNvGrpSpPr/>
+          <p:nvPr/>
+        </p:nvGrpSpPr>
+        <p:grpSpPr>
+          <a:xfrm>
+            <a:off x="6786618" y="2554170"/>
+            <a:ext cx="801106" cy="785940"/>
+            <a:chOff x="7313489" y="4059253"/>
+            <a:chExt cx="914400" cy="930324"/>
+          </a:xfrm>
+        </p:grpSpPr>
+        <p:pic>
+          <p:nvPicPr>
+            <p:cNvPr id="55" name="Graphic 54" descr="Tent with solid fill">
+              <a:extLst>
+                <a:ext uri="{FF2B5EF4-FFF2-40B4-BE49-F238E27FC236}">
+                  <a16:creationId xmlns:a16="http://schemas.microsoft.com/office/drawing/2014/main" id="{1FE4BB8C-5C41-130D-7C07-70C62EEC6915}"/>
+                </a:ext>
+              </a:extLst>
+            </p:cNvPr>
+            <p:cNvPicPr>
+              <a:picLocks noChangeAspect="1"/>
+            </p:cNvPicPr>
+            <p:nvPr/>
+          </p:nvPicPr>
+          <p:blipFill>
+            <a:blip r:embed="rId6">
+              <a:extLst>
+                <a:ext uri="{28A0092B-C50C-407E-A947-70E740481C1C}">
+                  <a14:useLocalDpi xmlns:a14="http://schemas.microsoft.com/office/drawing/2010/main" val="0"/>
+                </a:ext>
+                <a:ext uri="{96DAC541-7B7A-43D3-8B79-37D633B846F1}">
+                  <asvg:svgBlip xmlns:asvg="http://schemas.microsoft.com/office/drawing/2016/SVG/main" r:embed="rId7"/>
+                </a:ext>
+              </a:extLst>
+            </a:blip>
+            <a:stretch>
+              <a:fillRect/>
+            </a:stretch>
+          </p:blipFill>
+          <p:spPr>
+            <a:xfrm>
+              <a:off x="7313489" y="4075177"/>
+              <a:ext cx="914400" cy="914400"/>
+            </a:xfrm>
+            <a:prstGeom prst="rect">
+              <a:avLst/>
+            </a:prstGeom>
+          </p:spPr>
+        </p:pic>
+        <p:pic>
+          <p:nvPicPr>
+            <p:cNvPr id="56" name="Graphic 55" descr="Tent outline">
+              <a:extLst>
+                <a:ext uri="{FF2B5EF4-FFF2-40B4-BE49-F238E27FC236}">
+                  <a16:creationId xmlns:a16="http://schemas.microsoft.com/office/drawing/2014/main" id="{9F701B7D-CC47-27F3-5EE2-DAE66B60B7EB}"/>
+                </a:ext>
+              </a:extLst>
+            </p:cNvPr>
+            <p:cNvPicPr>
+              <a:picLocks noChangeAspect="1"/>
+            </p:cNvPicPr>
+            <p:nvPr/>
+          </p:nvPicPr>
+          <p:blipFill>
+            <a:blip r:embed="rId8">
+              <a:extLst>
+                <a:ext uri="{28A0092B-C50C-407E-A947-70E740481C1C}">
+                  <a14:useLocalDpi xmlns:a14="http://schemas.microsoft.com/office/drawing/2010/main" val="0"/>
+                </a:ext>
+                <a:ext uri="{96DAC541-7B7A-43D3-8B79-37D633B846F1}">
+                  <asvg:svgBlip xmlns:asvg="http://schemas.microsoft.com/office/drawing/2016/SVG/main" r:embed="rId9"/>
+                </a:ext>
+              </a:extLst>
+            </a:blip>
+            <a:stretch>
+              <a:fillRect/>
+            </a:stretch>
+          </p:blipFill>
+          <p:spPr>
+            <a:xfrm>
+              <a:off x="7313489" y="4059253"/>
+              <a:ext cx="914400" cy="914400"/>
+            </a:xfrm>
+            <a:prstGeom prst="rect">
+              <a:avLst/>
+            </a:prstGeom>
+          </p:spPr>
+        </p:pic>
+      </p:grpSp>
+      <p:sp>
+        <p:nvSpPr>
+          <p:cNvPr id="57" name="TextBox 56">
+            <a:extLst>
+              <a:ext uri="{FF2B5EF4-FFF2-40B4-BE49-F238E27FC236}">
+                <a16:creationId xmlns:a16="http://schemas.microsoft.com/office/drawing/2014/main" id="{1C4396B0-B1F6-D3A0-9A24-DB63C86735FB}"/>
+              </a:ext>
+            </a:extLst>
+          </p:cNvPr>
+          <p:cNvSpPr txBox="1"/>
+          <p:nvPr/>
+        </p:nvSpPr>
+        <p:spPr>
+          <a:xfrm>
+            <a:off x="3042319" y="2567481"/>
+            <a:ext cx="914400" cy="914400"/>
+          </a:xfrm>
+          <a:prstGeom prst="rect">
+            <a:avLst/>
+          </a:prstGeom>
+          <a:noFill/>
+        </p:spPr>
+        <p:txBody>
+          <a:bodyPr wrap="none" lIns="180000" tIns="180000" rIns="180000" bIns="180000" rtlCol="0">
+            <a:normAutofit/>
+          </a:bodyPr>
+          <a:lstStyle/>
+          <a:p>
+            <a:pPr algn="l">
+              <a:spcBef>
+                <a:spcPts val="300"/>
+              </a:spcBef>
+              <a:spcAft>
+                <a:spcPts val="300"/>
+              </a:spcAft>
+              <a:buClr>
+                <a:schemeClr val="tx2"/>
+              </a:buClr>
+              <a:buSzPct val="110000"/>
+            </a:pPr>
+            <a:r>
+              <a:rPr lang="en-GB" sz="3200" dirty="0" err="1"/>
+              <a:t>ADaMs</a:t>
+            </a:r>
+            <a:endParaRPr lang="en-GB" sz="2800" dirty="0"/>
+          </a:p>
+        </p:txBody>
+      </p:sp>
+      <p:pic>
+        <p:nvPicPr>
+          <p:cNvPr id="2050" name="Picture 2">
+            <a:extLst>
+              <a:ext uri="{FF2B5EF4-FFF2-40B4-BE49-F238E27FC236}">
+                <a16:creationId xmlns:a16="http://schemas.microsoft.com/office/drawing/2014/main" id="{51207915-3DCE-FF75-60A7-16C61EEAAADB}"/>
+              </a:ext>
+            </a:extLst>
+          </p:cNvPr>
+          <p:cNvPicPr>
+            <a:picLocks noChangeAspect="1" noChangeArrowheads="1"/>
+          </p:cNvPicPr>
+          <p:nvPr/>
+        </p:nvPicPr>
+        <p:blipFill>
+          <a:blip r:embed="rId21">
+            <a:extLst>
+              <a:ext uri="{28A0092B-C50C-407E-A947-70E740481C1C}">
+                <a14:useLocalDpi xmlns:a14="http://schemas.microsoft.com/office/drawing/2010/main" val="0"/>
+              </a:ext>
+            </a:extLst>
+          </a:blip>
+          <a:srcRect/>
+          <a:stretch>
+            <a:fillRect/>
+          </a:stretch>
+        </p:blipFill>
+        <p:spPr bwMode="auto">
+          <a:xfrm>
+            <a:off x="10141486" y="713616"/>
+            <a:ext cx="1212314" cy="1399570"/>
+          </a:xfrm>
+          <a:prstGeom prst="rect">
+            <a:avLst/>
+          </a:prstGeom>
+          <a:noFill/>
+          <a:extLst>
+            <a:ext uri="{909E8E84-426E-40DD-AFC4-6F175D3DCCD1}">
+              <a14:hiddenFill xmlns:a14="http://schemas.microsoft.com/office/drawing/2010/main">
+                <a:solidFill>
+                  <a:srgbClr val="FFFFFF"/>
+                </a:solidFill>
+              </a14:hiddenFill>
+            </a:ext>
+          </a:extLst>
+        </p:spPr>
+      </p:pic>
+    </p:spTree>
+    <p:extLst>
+      <p:ext uri="{BB962C8B-B14F-4D97-AF65-F5344CB8AC3E}">
+        <p14:creationId xmlns:p14="http://schemas.microsoft.com/office/powerpoint/2010/main" val="1235057992"/>
+      </p:ext>
+    </p:extLst>
+  </p:cSld>
+  <p:clrMapOvr>
+    <a:masterClrMapping/>
+  </p:clrMapOvr>
+  <p:timing>
+    <p:tnLst>
+      <p:par>
+        <p:cTn id="1" dur="indefinite" restart="never" nodeType="tmRoot">
+          <p:childTnLst>
+            <p:seq concurrent="1" nextAc="seek">
+              <p:cTn id="2" dur="indefinite" nodeType="mainSeq">
+                <p:childTnLst>
+                  <p:par>
+                    <p:cTn id="3" fill="hold">
+                      <p:stCondLst>
+                        <p:cond delay="indefinite"/>
+                      </p:stCondLst>
+                      <p:childTnLst>
+                        <p:par>
+                          <p:cTn id="4" fill="hold">
+                            <p:stCondLst>
+                              <p:cond delay="0"/>
+                            </p:stCondLst>
+                            <p:childTnLst>
+                              <p:par>
+                                <p:cTn id="5" presetID="63" presetClass="path" presetSubtype="0" accel="50000" decel="50000" fill="hold" nodeType="clickEffect">
+                                  <p:stCondLst>
+                                    <p:cond delay="0"/>
+                                  </p:stCondLst>
+                                  <p:childTnLst>
+                                    <p:animMotion origin="layout" path="M -1.875E-6 -7.40741E-7 L 0.09636 -7.40741E-7 " pathEditMode="relative" rAng="0" ptsTypes="AA">
+                                      <p:cBhvr>
+                                        <p:cTn id="6" dur="2000" fill="hold"/>
+                                        <p:tgtEl>
+                                          <p:spTgt spid="8"/>
+                                        </p:tgtEl>
+                                        <p:attrNameLst>
+                                          <p:attrName>ppt_x</p:attrName>
+                                          <p:attrName>ppt_y</p:attrName>
+                                        </p:attrNameLst>
+                                      </p:cBhvr>
+                                      <p:rCtr x="4818" y="0"/>
+                                    </p:animMotion>
+                                  </p:childTnLst>
+                                </p:cTn>
+                              </p:par>
+                              <p:par>
+                                <p:cTn id="7" presetID="32" presetClass="emph" presetSubtype="0" fill="hold" nodeType="withEffect">
+                                  <p:stCondLst>
+                                    <p:cond delay="750"/>
+                                  </p:stCondLst>
+                                  <p:childTnLst>
+                                    <p:animRot by="120000">
+                                      <p:cBhvr>
+                                        <p:cTn id="8" dur="100" fill="hold">
+                                          <p:stCondLst>
+                                            <p:cond delay="0"/>
+                                          </p:stCondLst>
+                                        </p:cTn>
+                                        <p:tgtEl>
+                                          <p:spTgt spid="20"/>
+                                        </p:tgtEl>
+                                        <p:attrNameLst>
+                                          <p:attrName>r</p:attrName>
+                                        </p:attrNameLst>
+                                      </p:cBhvr>
+                                    </p:animRot>
+                                    <p:animRot by="-240000">
+                                      <p:cBhvr>
+                                        <p:cTn id="9" dur="200" fill="hold">
+                                          <p:stCondLst>
+                                            <p:cond delay="200"/>
+                                          </p:stCondLst>
+                                        </p:cTn>
+                                        <p:tgtEl>
+                                          <p:spTgt spid="20"/>
+                                        </p:tgtEl>
+                                        <p:attrNameLst>
+                                          <p:attrName>r</p:attrName>
+                                        </p:attrNameLst>
+                                      </p:cBhvr>
+                                    </p:animRot>
+                                    <p:animRot by="240000">
+                                      <p:cBhvr>
+                                        <p:cTn id="10" dur="200" fill="hold">
+                                          <p:stCondLst>
+                                            <p:cond delay="400"/>
+                                          </p:stCondLst>
+                                        </p:cTn>
+                                        <p:tgtEl>
+                                          <p:spTgt spid="20"/>
+                                        </p:tgtEl>
+                                        <p:attrNameLst>
+                                          <p:attrName>r</p:attrName>
+                                        </p:attrNameLst>
+                                      </p:cBhvr>
+                                    </p:animRot>
+                                    <p:animRot by="-240000">
+                                      <p:cBhvr>
+                                        <p:cTn id="11" dur="200" fill="hold">
+                                          <p:stCondLst>
+                                            <p:cond delay="600"/>
+                                          </p:stCondLst>
+                                        </p:cTn>
+                                        <p:tgtEl>
+                                          <p:spTgt spid="20"/>
+                                        </p:tgtEl>
+                                        <p:attrNameLst>
+                                          <p:attrName>r</p:attrName>
+                                        </p:attrNameLst>
+                                      </p:cBhvr>
+                                    </p:animRot>
+                                    <p:animRot by="120000">
+                                      <p:cBhvr>
+                                        <p:cTn id="12" dur="200" fill="hold">
+                                          <p:stCondLst>
+                                            <p:cond delay="800"/>
+                                          </p:stCondLst>
+                                        </p:cTn>
+                                        <p:tgtEl>
+                                          <p:spTgt spid="20"/>
+                                        </p:tgtEl>
+                                        <p:attrNameLst>
+                                          <p:attrName>r</p:attrName>
+                                        </p:attrNameLst>
+                                      </p:cBhvr>
+                                    </p:animRot>
+                                  </p:childTnLst>
+                                </p:cTn>
+                              </p:par>
+                              <p:par>
+                                <p:cTn id="13" presetID="32" presetClass="emph" presetSubtype="0" fill="hold" nodeType="withEffect">
+                                  <p:stCondLst>
+                                    <p:cond delay="750"/>
+                                  </p:stCondLst>
+                                  <p:childTnLst>
+                                    <p:animRot by="120000">
+                                      <p:cBhvr>
+                                        <p:cTn id="14" dur="100" fill="hold">
+                                          <p:stCondLst>
+                                            <p:cond delay="0"/>
+                                          </p:stCondLst>
+                                        </p:cTn>
+                                        <p:tgtEl>
+                                          <p:spTgt spid="3"/>
+                                        </p:tgtEl>
+                                        <p:attrNameLst>
+                                          <p:attrName>r</p:attrName>
+                                        </p:attrNameLst>
+                                      </p:cBhvr>
+                                    </p:animRot>
+                                    <p:animRot by="-240000">
+                                      <p:cBhvr>
+                                        <p:cTn id="15" dur="200" fill="hold">
+                                          <p:stCondLst>
+                                            <p:cond delay="200"/>
+                                          </p:stCondLst>
+                                        </p:cTn>
+                                        <p:tgtEl>
+                                          <p:spTgt spid="3"/>
+                                        </p:tgtEl>
+                                        <p:attrNameLst>
+                                          <p:attrName>r</p:attrName>
+                                        </p:attrNameLst>
+                                      </p:cBhvr>
+                                    </p:animRot>
+                                    <p:animRot by="240000">
+                                      <p:cBhvr>
+                                        <p:cTn id="16" dur="200" fill="hold">
+                                          <p:stCondLst>
+                                            <p:cond delay="400"/>
+                                          </p:stCondLst>
+                                        </p:cTn>
+                                        <p:tgtEl>
+                                          <p:spTgt spid="3"/>
+                                        </p:tgtEl>
+                                        <p:attrNameLst>
+                                          <p:attrName>r</p:attrName>
+                                        </p:attrNameLst>
+                                      </p:cBhvr>
+                                    </p:animRot>
+                                    <p:animRot by="-240000">
+                                      <p:cBhvr>
+                                        <p:cTn id="17" dur="200" fill="hold">
+                                          <p:stCondLst>
+                                            <p:cond delay="600"/>
+                                          </p:stCondLst>
+                                        </p:cTn>
+                                        <p:tgtEl>
+                                          <p:spTgt spid="3"/>
+                                        </p:tgtEl>
+                                        <p:attrNameLst>
+                                          <p:attrName>r</p:attrName>
+                                        </p:attrNameLst>
+                                      </p:cBhvr>
+                                    </p:animRot>
+                                    <p:animRot by="120000">
+                                      <p:cBhvr>
+                                        <p:cTn id="18" dur="200" fill="hold">
+                                          <p:stCondLst>
+                                            <p:cond delay="800"/>
+                                          </p:stCondLst>
+                                        </p:cTn>
+                                        <p:tgtEl>
+                                          <p:spTgt spid="3"/>
+                                        </p:tgtEl>
+                                        <p:attrNameLst>
+                                          <p:attrName>r</p:attrName>
+                                        </p:attrNameLst>
+                                      </p:cBhvr>
+                                    </p:animRot>
+                                  </p:childTnLst>
+                                </p:cTn>
+                              </p:par>
+                            </p:childTnLst>
+                          </p:cTn>
+                        </p:par>
+                      </p:childTnLst>
+                    </p:cTn>
+                  </p:par>
+                </p:childTnLst>
+              </p:cTn>
+              <p:prevCondLst>
+                <p:cond evt="onPrev" delay="0">
+                  <p:tgtEl>
+                    <p:sldTgt/>
+                  </p:tgtEl>
+                </p:cond>
+              </p:prevCondLst>
+              <p:nextCondLst>
+                <p:cond evt="onNext" delay="0">
+                  <p:tgtEl>
+                    <p:sldTgt/>
+                  </p:tgtEl>
+                </p:cond>
+              </p:nextCondLst>
+            </p:seq>
+          </p:childTnLst>
+        </p:cTn>
+      </p:par>
+    </p:tnLst>
+  </p:timing>
+</p:sld>
+</file>
+
+<file path=ppt/slides/slide4.xml><?xml version="1.0" encoding="utf-8"?>
+<p:sld xmlns:a="http://schemas.openxmlformats.org/drawingml/2006/main" xmlns:r="http://schemas.openxmlformats.org/officeDocument/2006/relationships" xmlns:p="http://schemas.openxmlformats.org/presentationml/2006/main">
+  <p:cSld>
+    <p:spTree>
+      <p:nvGrpSpPr>
+        <p:cNvPr id="1" name=""/>
+        <p:cNvGrpSpPr/>
+        <p:nvPr/>
+      </p:nvGrpSpPr>
+      <p:grpSpPr>
+        <a:xfrm>
+          <a:off x="0" y="0"/>
+          <a:ext cx="0" cy="0"/>
+          <a:chOff x="0" y="0"/>
+          <a:chExt cx="0" cy="0"/>
+        </a:xfrm>
+      </p:grpSpPr>
+      <p:pic>
+        <p:nvPicPr>
+          <p:cNvPr id="3" name="Picture 2" descr="A computer screen shot of a program&#10;&#10;Description automatically generated">
+            <a:extLst>
+              <a:ext uri="{FF2B5EF4-FFF2-40B4-BE49-F238E27FC236}">
+                <a16:creationId xmlns:a16="http://schemas.microsoft.com/office/drawing/2014/main" id="{4268169B-844A-BE5E-5203-0AEC8750F31B}"/>
+              </a:ext>
+            </a:extLst>
+          </p:cNvPr>
+          <p:cNvPicPr>
+            <a:picLocks noChangeAspect="1"/>
+          </p:cNvPicPr>
+          <p:nvPr/>
+        </p:nvPicPr>
+        <p:blipFill>
+          <a:blip r:embed="rId2">
+            <a:extLst>
+              <a:ext uri="{28A0092B-C50C-407E-A947-70E740481C1C}">
+                <a14:useLocalDpi xmlns:a14="http://schemas.microsoft.com/office/drawing/2010/main" val="0"/>
+              </a:ext>
+            </a:extLst>
+          </a:blip>
+          <a:stretch>
+            <a:fillRect/>
+          </a:stretch>
+        </p:blipFill>
+        <p:spPr>
+          <a:xfrm>
+            <a:off x="1550957" y="0"/>
+            <a:ext cx="9090085" cy="6858000"/>
+          </a:xfrm>
+          <a:prstGeom prst="rect">
+            <a:avLst/>
+          </a:prstGeom>
+        </p:spPr>
+      </p:pic>
+    </p:spTree>
+    <p:extLst>
+      <p:ext uri="{BB962C8B-B14F-4D97-AF65-F5344CB8AC3E}">
+        <p14:creationId xmlns:p14="http://schemas.microsoft.com/office/powerpoint/2010/main" val="3339071070"/>
+      </p:ext>
+    </p:extLst>
+  </p:cSld>
+  <p:clrMapOvr>
+    <a:masterClrMapping/>
+  </p:clrMapOvr>
+</p:sld>
+</file>
+
+<file path=ppt/slides/slide5.xml><?xml version="1.0" encoding="utf-8"?>
+<p:sld xmlns:a="http://schemas.openxmlformats.org/drawingml/2006/main" xmlns:r="http://schemas.openxmlformats.org/officeDocument/2006/relationships" xmlns:p="http://schemas.openxmlformats.org/presentationml/2006/main">
+  <p:cSld>
+    <p:spTree>
+      <p:nvGrpSpPr>
+        <p:cNvPr id="1" name=""/>
+        <p:cNvGrpSpPr/>
+        <p:nvPr/>
+      </p:nvGrpSpPr>
+      <p:grpSpPr>
+        <a:xfrm>
+          <a:off x="0" y="0"/>
+          <a:ext cx="0" cy="0"/>
+          <a:chOff x="0" y="0"/>
+          <a:chExt cx="0" cy="0"/>
+        </a:xfrm>
+      </p:grpSpPr>
+      <p:sp>
+        <p:nvSpPr>
+          <p:cNvPr id="2" name="Rectangle 1">
+            <a:extLst>
+              <a:ext uri="{FF2B5EF4-FFF2-40B4-BE49-F238E27FC236}">
+                <a16:creationId xmlns:a16="http://schemas.microsoft.com/office/drawing/2014/main" id="{DA9DEED6-F0A8-3298-B209-98FF42171A26}"/>
+              </a:ext>
+            </a:extLst>
+          </p:cNvPr>
+          <p:cNvSpPr/>
+          <p:nvPr/>
+        </p:nvSpPr>
+        <p:spPr>
+          <a:xfrm>
+            <a:off x="0" y="0"/>
+            <a:ext cx="12192000" cy="6858000"/>
+          </a:xfrm>
+          <a:prstGeom prst="rect">
+            <a:avLst/>
+          </a:prstGeom>
+          <a:solidFill>
+            <a:schemeClr val="bg1"/>
+          </a:solidFill>
+          <a:ln>
+            <a:solidFill>
+              <a:schemeClr val="bg1"/>
+            </a:solidFill>
+          </a:ln>
+        </p:spPr>
+        <p:style>
+          <a:lnRef idx="2">
+            <a:schemeClr val="accent1">
+              <a:shade val="15000"/>
+            </a:schemeClr>
+          </a:lnRef>
+          <a:fillRef idx="1">
+            <a:schemeClr val="accent1"/>
+          </a:fillRef>
+          <a:effectRef idx="0">
+            <a:schemeClr val="accent1"/>
+          </a:effectRef>
+          <a:fontRef idx="minor">
+            <a:schemeClr val="lt1"/>
+          </a:fontRef>
+        </p:style>
+        <p:txBody>
+          <a:bodyPr rtlCol="0" anchor="ctr"/>
+          <a:lstStyle/>
+          <a:p>
+            <a:pPr algn="ctr"/>
+            <a:endParaRPr lang="en-US"/>
+          </a:p>
+        </p:txBody>
+      </p:sp>
+      <p:sp>
+        <p:nvSpPr>
+          <p:cNvPr id="4" name="Slide Number Placeholder 3">
+            <a:extLst>
+              <a:ext uri="{FF2B5EF4-FFF2-40B4-BE49-F238E27FC236}">
+                <a16:creationId xmlns:a16="http://schemas.microsoft.com/office/drawing/2014/main" id="{A9132241-3147-5424-79A6-25CEA54E8DDF}"/>
+              </a:ext>
+            </a:extLst>
+          </p:cNvPr>
+          <p:cNvSpPr>
+            <a:spLocks noGrp="1"/>
+          </p:cNvSpPr>
+          <p:nvPr>
+            <p:ph type="sldNum" sz="quarter" idx="12"/>
+          </p:nvPr>
+        </p:nvSpPr>
+        <p:spPr/>
+        <p:txBody>
+          <a:bodyPr/>
+          <a:lstStyle/>
+          <a:p>
+            <a:fld id="{CA0BE942-4744-4F63-8605-0679E048D036}" type="slidenum">
+              <a:rPr lang="en-US" smtClean="0"/>
+              <a:t>5</a:t>
+            </a:fld>
+            <a:endParaRPr lang="en-US"/>
+          </a:p>
+        </p:txBody>
+      </p:sp>
+      <p:cxnSp>
+        <p:nvCxnSpPr>
+          <p:cNvPr id="5" name="Straight Connector 4">
+            <a:extLst>
+              <a:ext uri="{FF2B5EF4-FFF2-40B4-BE49-F238E27FC236}">
+                <a16:creationId xmlns:a16="http://schemas.microsoft.com/office/drawing/2014/main" id="{F0CAE65B-8409-3C9C-686F-48406017BB1B}"/>
+              </a:ext>
+            </a:extLst>
+          </p:cNvPr>
+          <p:cNvCxnSpPr>
+            <a:cxnSpLocks/>
+          </p:cNvCxnSpPr>
+          <p:nvPr/>
+        </p:nvCxnSpPr>
+        <p:spPr>
+          <a:xfrm flipV="1">
+            <a:off x="1004997" y="3180004"/>
+            <a:ext cx="9248051" cy="41419"/>
+          </a:xfrm>
+          <a:prstGeom prst="line">
+            <a:avLst/>
+          </a:prstGeom>
+          <a:ln/>
+        </p:spPr>
+        <p:style>
+          <a:lnRef idx="1">
+            <a:schemeClr val="dk1"/>
+          </a:lnRef>
+          <a:fillRef idx="0">
+            <a:schemeClr val="dk1"/>
+          </a:fillRef>
+          <a:effectRef idx="0">
+            <a:schemeClr val="dk1"/>
+          </a:effectRef>
+          <a:fontRef idx="minor">
+            <a:schemeClr val="tx1"/>
+          </a:fontRef>
+        </p:style>
+      </p:cxnSp>
+      <p:sp>
+        <p:nvSpPr>
+          <p:cNvPr id="7" name="TextBox 6">
+            <a:extLst>
+              <a:ext uri="{FF2B5EF4-FFF2-40B4-BE49-F238E27FC236}">
+                <a16:creationId xmlns:a16="http://schemas.microsoft.com/office/drawing/2014/main" id="{F5FA9941-B1E3-A9EC-467F-60632FC16498}"/>
+              </a:ext>
+            </a:extLst>
+          </p:cNvPr>
+          <p:cNvSpPr txBox="1"/>
+          <p:nvPr/>
+        </p:nvSpPr>
+        <p:spPr>
+          <a:xfrm>
+            <a:off x="7421623" y="2536112"/>
+            <a:ext cx="914400" cy="914400"/>
+          </a:xfrm>
+          <a:prstGeom prst="rect">
+            <a:avLst/>
+          </a:prstGeom>
+          <a:noFill/>
+        </p:spPr>
+        <p:txBody>
+          <a:bodyPr wrap="none" lIns="180000" tIns="180000" rIns="180000" bIns="180000" rtlCol="0">
+            <a:normAutofit/>
+          </a:bodyPr>
+          <a:lstStyle/>
+          <a:p>
+            <a:pPr algn="l">
+              <a:spcBef>
+                <a:spcPts val="300"/>
+              </a:spcBef>
+              <a:spcAft>
+                <a:spcPts val="300"/>
+              </a:spcAft>
+              <a:buClr>
+                <a:schemeClr val="tx2"/>
+              </a:buClr>
+              <a:buSzPct val="110000"/>
+            </a:pPr>
+            <a:r>
+              <a:rPr lang="en-GB" sz="3200" dirty="0"/>
+              <a:t>Outputs</a:t>
+            </a:r>
+          </a:p>
+        </p:txBody>
+      </p:sp>
+      <p:pic>
+        <p:nvPicPr>
+          <p:cNvPr id="8" name="Graphic 7" descr="Hike outline">
+            <a:extLst>
+              <a:ext uri="{FF2B5EF4-FFF2-40B4-BE49-F238E27FC236}">
+                <a16:creationId xmlns:a16="http://schemas.microsoft.com/office/drawing/2014/main" id="{506D1756-92F6-D5E5-BCB2-3C3638AC3A7F}"/>
+              </a:ext>
+            </a:extLst>
+          </p:cNvPr>
+          <p:cNvPicPr>
+            <a:picLocks noChangeAspect="1"/>
+          </p:cNvPicPr>
+          <p:nvPr/>
+        </p:nvPicPr>
+        <p:blipFill>
+          <a:blip r:embed="rId2">
+            <a:extLst>
+              <a:ext uri="{28A0092B-C50C-407E-A947-70E740481C1C}">
+                <a14:useLocalDpi xmlns:a14="http://schemas.microsoft.com/office/drawing/2010/main" val="0"/>
+              </a:ext>
+              <a:ext uri="{96DAC541-7B7A-43D3-8B79-37D633B846F1}">
+                <asvg:svgBlip xmlns:asvg="http://schemas.microsoft.com/office/drawing/2016/SVG/main" r:embed="rId3"/>
+              </a:ext>
+            </a:extLst>
+          </a:blip>
+          <a:stretch>
+            <a:fillRect/>
+          </a:stretch>
+        </p:blipFill>
+        <p:spPr>
+          <a:xfrm>
+            <a:off x="5734575" y="3317312"/>
+            <a:ext cx="914400" cy="914400"/>
+          </a:xfrm>
+          <a:prstGeom prst="rect">
+            <a:avLst/>
+          </a:prstGeom>
+        </p:spPr>
+      </p:pic>
+      <p:pic>
+        <p:nvPicPr>
+          <p:cNvPr id="10" name="Graphic 9" descr="Castle scene with solid fill">
+            <a:extLst>
+              <a:ext uri="{FF2B5EF4-FFF2-40B4-BE49-F238E27FC236}">
+                <a16:creationId xmlns:a16="http://schemas.microsoft.com/office/drawing/2014/main" id="{104FF219-5892-559D-FDC2-6FE11D651482}"/>
+              </a:ext>
+            </a:extLst>
+          </p:cNvPr>
+          <p:cNvPicPr>
+            <a:picLocks noChangeAspect="1"/>
+          </p:cNvPicPr>
+          <p:nvPr/>
+        </p:nvPicPr>
+        <p:blipFill>
+          <a:blip r:embed="rId4">
+            <a:extLst>
+              <a:ext uri="{28A0092B-C50C-407E-A947-70E740481C1C}">
+                <a14:useLocalDpi xmlns:a14="http://schemas.microsoft.com/office/drawing/2010/main" val="0"/>
+              </a:ext>
+              <a:ext uri="{96DAC541-7B7A-43D3-8B79-37D633B846F1}">
+                <asvg:svgBlip xmlns:asvg="http://schemas.microsoft.com/office/drawing/2016/SVG/main" r:embed="rId5"/>
+              </a:ext>
+            </a:extLst>
+          </a:blip>
+          <a:stretch>
+            <a:fillRect/>
+          </a:stretch>
+        </p:blipFill>
+        <p:spPr>
+          <a:xfrm>
+            <a:off x="10253048" y="2448947"/>
+            <a:ext cx="914400" cy="914400"/>
+          </a:xfrm>
+          <a:prstGeom prst="rect">
+            <a:avLst/>
+          </a:prstGeom>
+        </p:spPr>
+      </p:pic>
+      <p:grpSp>
+        <p:nvGrpSpPr>
+          <p:cNvPr id="14" name="Group 13">
+            <a:extLst>
+              <a:ext uri="{FF2B5EF4-FFF2-40B4-BE49-F238E27FC236}">
+                <a16:creationId xmlns:a16="http://schemas.microsoft.com/office/drawing/2014/main" id="{F30A49DF-0573-2EC7-0C84-94B4436D45F5}"/>
+              </a:ext>
+            </a:extLst>
+          </p:cNvPr>
+          <p:cNvGrpSpPr/>
+          <p:nvPr/>
+        </p:nvGrpSpPr>
+        <p:grpSpPr>
+          <a:xfrm>
+            <a:off x="2324263" y="2576320"/>
+            <a:ext cx="801106" cy="785940"/>
+            <a:chOff x="7313489" y="4059253"/>
+            <a:chExt cx="914400" cy="930324"/>
+          </a:xfrm>
+        </p:grpSpPr>
+        <p:pic>
+          <p:nvPicPr>
+            <p:cNvPr id="15" name="Graphic 14" descr="Tent with solid fill">
+              <a:extLst>
+                <a:ext uri="{FF2B5EF4-FFF2-40B4-BE49-F238E27FC236}">
+                  <a16:creationId xmlns:a16="http://schemas.microsoft.com/office/drawing/2014/main" id="{DEAB565B-C1C3-6764-E0FE-96E6C0F8343C}"/>
+                </a:ext>
+              </a:extLst>
+            </p:cNvPr>
+            <p:cNvPicPr>
+              <a:picLocks noChangeAspect="1"/>
+            </p:cNvPicPr>
+            <p:nvPr/>
+          </p:nvPicPr>
+          <p:blipFill>
+            <a:blip r:embed="rId6">
+              <a:extLst>
+                <a:ext uri="{28A0092B-C50C-407E-A947-70E740481C1C}">
+                  <a14:useLocalDpi xmlns:a14="http://schemas.microsoft.com/office/drawing/2010/main" val="0"/>
+                </a:ext>
+                <a:ext uri="{96DAC541-7B7A-43D3-8B79-37D633B846F1}">
+                  <asvg:svgBlip xmlns:asvg="http://schemas.microsoft.com/office/drawing/2016/SVG/main" r:embed="rId7"/>
+                </a:ext>
+              </a:extLst>
+            </a:blip>
+            <a:stretch>
+              <a:fillRect/>
+            </a:stretch>
+          </p:blipFill>
+          <p:spPr>
+            <a:xfrm>
+              <a:off x="7313489" y="4075177"/>
+              <a:ext cx="914400" cy="914400"/>
+            </a:xfrm>
+            <a:prstGeom prst="rect">
+              <a:avLst/>
+            </a:prstGeom>
+          </p:spPr>
+        </p:pic>
+        <p:pic>
+          <p:nvPicPr>
+            <p:cNvPr id="16" name="Graphic 15" descr="Tent outline">
+              <a:extLst>
+                <a:ext uri="{FF2B5EF4-FFF2-40B4-BE49-F238E27FC236}">
+                  <a16:creationId xmlns:a16="http://schemas.microsoft.com/office/drawing/2014/main" id="{995A047B-3379-0850-D695-2EF559A0E80C}"/>
+                </a:ext>
+              </a:extLst>
+            </p:cNvPr>
+            <p:cNvPicPr>
+              <a:picLocks noChangeAspect="1"/>
+            </p:cNvPicPr>
+            <p:nvPr/>
+          </p:nvPicPr>
+          <p:blipFill>
+            <a:blip r:embed="rId8">
+              <a:extLst>
+                <a:ext uri="{28A0092B-C50C-407E-A947-70E740481C1C}">
+                  <a14:useLocalDpi xmlns:a14="http://schemas.microsoft.com/office/drawing/2010/main" val="0"/>
+                </a:ext>
+                <a:ext uri="{96DAC541-7B7A-43D3-8B79-37D633B846F1}">
+                  <asvg:svgBlip xmlns:asvg="http://schemas.microsoft.com/office/drawing/2016/SVG/main" r:embed="rId9"/>
+                </a:ext>
+              </a:extLst>
+            </a:blip>
+            <a:stretch>
+              <a:fillRect/>
+            </a:stretch>
+          </p:blipFill>
+          <p:spPr>
+            <a:xfrm>
+              <a:off x="7313489" y="4059253"/>
+              <a:ext cx="914400" cy="914400"/>
+            </a:xfrm>
+            <a:prstGeom prst="rect">
+              <a:avLst/>
+            </a:prstGeom>
+          </p:spPr>
+        </p:pic>
+      </p:grpSp>
+      <p:pic>
+        <p:nvPicPr>
+          <p:cNvPr id="20" name="Picture 2">
+            <a:extLst>
+              <a:ext uri="{FF2B5EF4-FFF2-40B4-BE49-F238E27FC236}">
+                <a16:creationId xmlns:a16="http://schemas.microsoft.com/office/drawing/2014/main" id="{0556C626-86CA-733D-19B6-6753A7895EA8}"/>
+              </a:ext>
+            </a:extLst>
+          </p:cNvPr>
+          <p:cNvPicPr>
+            <a:picLocks noChangeAspect="1" noChangeArrowheads="1"/>
+          </p:cNvPicPr>
+          <p:nvPr/>
+        </p:nvPicPr>
+        <p:blipFill>
+          <a:blip r:embed="rId10">
+            <a:extLst>
+              <a:ext uri="{28A0092B-C50C-407E-A947-70E740481C1C}">
+                <a14:useLocalDpi xmlns:a14="http://schemas.microsoft.com/office/drawing/2010/main" val="0"/>
+              </a:ext>
+            </a:extLst>
+          </a:blip>
+          <a:srcRect/>
+          <a:stretch>
+            <a:fillRect/>
+          </a:stretch>
+        </p:blipFill>
+        <p:spPr bwMode="auto">
+          <a:xfrm>
+            <a:off x="2901024" y="3709992"/>
+            <a:ext cx="1329244" cy="1543462"/>
+          </a:xfrm>
+          <a:prstGeom prst="rect">
+            <a:avLst/>
+          </a:prstGeom>
+          <a:noFill/>
+          <a:extLst>
+            <a:ext uri="{909E8E84-426E-40DD-AFC4-6F175D3DCCD1}">
+              <a14:hiddenFill xmlns:a14="http://schemas.microsoft.com/office/drawing/2010/main">
+                <a:solidFill>
+                  <a:srgbClr val="FFFFFF"/>
+                </a:solidFill>
+              </a14:hiddenFill>
+            </a:ext>
+          </a:extLst>
+        </p:spPr>
+      </p:pic>
+      <p:pic>
+        <p:nvPicPr>
+          <p:cNvPr id="21" name="Picture 6">
+            <a:extLst>
+              <a:ext uri="{FF2B5EF4-FFF2-40B4-BE49-F238E27FC236}">
+                <a16:creationId xmlns:a16="http://schemas.microsoft.com/office/drawing/2014/main" id="{0E8143CD-7697-61BF-B75F-EA67FFA00A2B}"/>
+              </a:ext>
+            </a:extLst>
+          </p:cNvPr>
+          <p:cNvPicPr>
+            <a:picLocks noChangeAspect="1" noChangeArrowheads="1"/>
+          </p:cNvPicPr>
+          <p:nvPr/>
+        </p:nvPicPr>
+        <p:blipFill>
+          <a:blip r:embed="rId11" cstate="print">
+            <a:extLst>
+              <a:ext uri="{28A0092B-C50C-407E-A947-70E740481C1C}">
+                <a14:useLocalDpi xmlns:a14="http://schemas.microsoft.com/office/drawing/2010/main" val="0"/>
+              </a:ext>
+            </a:extLst>
+          </a:blip>
+          <a:srcRect/>
+          <a:stretch>
+            <a:fillRect/>
+          </a:stretch>
+        </p:blipFill>
+        <p:spPr bwMode="auto">
+          <a:xfrm>
+            <a:off x="1557359" y="3709992"/>
+            <a:ext cx="1328400" cy="1537698"/>
+          </a:xfrm>
+          <a:prstGeom prst="rect">
+            <a:avLst/>
+          </a:prstGeom>
+          <a:noFill/>
+          <a:extLst>
+            <a:ext uri="{909E8E84-426E-40DD-AFC4-6F175D3DCCD1}">
+              <a14:hiddenFill xmlns:a14="http://schemas.microsoft.com/office/drawing/2010/main">
+                <a:solidFill>
+                  <a:srgbClr val="FFFFFF"/>
+                </a:solidFill>
+              </a14:hiddenFill>
+            </a:ext>
+          </a:extLst>
+        </p:spPr>
+      </p:pic>
+      <p:pic>
+        <p:nvPicPr>
+          <p:cNvPr id="22" name="Picture 8">
+            <a:extLst>
+              <a:ext uri="{FF2B5EF4-FFF2-40B4-BE49-F238E27FC236}">
+                <a16:creationId xmlns:a16="http://schemas.microsoft.com/office/drawing/2014/main" id="{08550B58-0EED-5D41-E94A-F60A4482B048}"/>
+              </a:ext>
+            </a:extLst>
+          </p:cNvPr>
+          <p:cNvPicPr>
+            <a:picLocks noChangeAspect="1" noChangeArrowheads="1"/>
+          </p:cNvPicPr>
+          <p:nvPr/>
+        </p:nvPicPr>
+        <p:blipFill>
+          <a:blip r:embed="rId12" cstate="print">
+            <a:extLst>
+              <a:ext uri="{28A0092B-C50C-407E-A947-70E740481C1C}">
+                <a14:useLocalDpi xmlns:a14="http://schemas.microsoft.com/office/drawing/2010/main" val="0"/>
+              </a:ext>
+            </a:extLst>
+          </a:blip>
+          <a:srcRect/>
+          <a:stretch>
+            <a:fillRect/>
+          </a:stretch>
+        </p:blipFill>
+        <p:spPr bwMode="auto">
+          <a:xfrm>
+            <a:off x="2179928" y="4900090"/>
+            <a:ext cx="1397679" cy="1617459"/>
+          </a:xfrm>
+          <a:prstGeom prst="rect">
+            <a:avLst/>
+          </a:prstGeom>
+          <a:noFill/>
+          <a:extLst>
+            <a:ext uri="{909E8E84-426E-40DD-AFC4-6F175D3DCCD1}">
+              <a14:hiddenFill xmlns:a14="http://schemas.microsoft.com/office/drawing/2010/main">
+                <a:solidFill>
+                  <a:srgbClr val="FFFFFF"/>
+                </a:solidFill>
+              </a14:hiddenFill>
+            </a:ext>
+          </a:extLst>
+        </p:spPr>
+      </p:pic>
+      <p:pic>
+        <p:nvPicPr>
+          <p:cNvPr id="24" name="Picture 23" descr="tfrmt hex, which looks a bit like a blueprint with tfrmt written over it">
+            <a:extLst>
+              <a:ext uri="{FF2B5EF4-FFF2-40B4-BE49-F238E27FC236}">
+                <a16:creationId xmlns:a16="http://schemas.microsoft.com/office/drawing/2014/main" id="{7F36D174-C0CA-5ED4-1A28-4772E93E7498}"/>
+              </a:ext>
+            </a:extLst>
+          </p:cNvPr>
+          <p:cNvPicPr>
+            <a:picLocks noChangeAspect="1"/>
+          </p:cNvPicPr>
+          <p:nvPr/>
+        </p:nvPicPr>
+        <p:blipFill>
+          <a:blip r:embed="rId13" cstate="print">
+            <a:extLst>
+              <a:ext uri="{28A0092B-C50C-407E-A947-70E740481C1C}">
+                <a14:useLocalDpi xmlns:a14="http://schemas.microsoft.com/office/drawing/2010/main" val="0"/>
+              </a:ext>
+            </a:extLst>
+          </a:blip>
+          <a:stretch>
+            <a:fillRect/>
+          </a:stretch>
+        </p:blipFill>
+        <p:spPr>
+          <a:xfrm>
+            <a:off x="7028169" y="4625581"/>
+            <a:ext cx="1891968" cy="1891968"/>
+          </a:xfrm>
+          <a:prstGeom prst="rect">
+            <a:avLst/>
+          </a:prstGeom>
+        </p:spPr>
+      </p:pic>
+      <p:pic>
+        <p:nvPicPr>
+          <p:cNvPr id="28" name="Picture 4">
+            <a:extLst>
+              <a:ext uri="{FF2B5EF4-FFF2-40B4-BE49-F238E27FC236}">
+                <a16:creationId xmlns:a16="http://schemas.microsoft.com/office/drawing/2014/main" id="{250DF687-1143-CE6D-01FB-94ADE269B8EF}"/>
+              </a:ext>
+            </a:extLst>
+          </p:cNvPr>
+          <p:cNvPicPr>
+            <a:picLocks noChangeAspect="1" noChangeArrowheads="1"/>
+          </p:cNvPicPr>
+          <p:nvPr/>
+        </p:nvPicPr>
+        <p:blipFill>
+          <a:blip r:embed="rId14">
+            <a:extLst>
+              <a:ext uri="{28A0092B-C50C-407E-A947-70E740481C1C}">
+                <a14:useLocalDpi xmlns:a14="http://schemas.microsoft.com/office/drawing/2010/main" val="0"/>
+              </a:ext>
+            </a:extLst>
+          </a:blip>
+          <a:srcRect/>
+          <a:stretch>
+            <a:fillRect/>
+          </a:stretch>
+        </p:blipFill>
+        <p:spPr bwMode="auto">
+          <a:xfrm>
+            <a:off x="2324263" y="961135"/>
+            <a:ext cx="1362945" cy="1573890"/>
+          </a:xfrm>
+          <a:prstGeom prst="rect">
+            <a:avLst/>
+          </a:prstGeom>
+          <a:noFill/>
+          <a:extLst>
+            <a:ext uri="{909E8E84-426E-40DD-AFC4-6F175D3DCCD1}">
+              <a14:hiddenFill xmlns:a14="http://schemas.microsoft.com/office/drawing/2010/main">
+                <a:solidFill>
+                  <a:srgbClr val="FFFFFF"/>
+                </a:solidFill>
+              </a14:hiddenFill>
+            </a:ext>
+          </a:extLst>
+        </p:spPr>
+      </p:pic>
+      <p:pic>
+        <p:nvPicPr>
+          <p:cNvPr id="29" name="Picture 28">
+            <a:extLst>
+              <a:ext uri="{FF2B5EF4-FFF2-40B4-BE49-F238E27FC236}">
+                <a16:creationId xmlns:a16="http://schemas.microsoft.com/office/drawing/2014/main" id="{590D599C-A923-5D76-8473-F13DE0CD4192}"/>
+              </a:ext>
+            </a:extLst>
+          </p:cNvPr>
+          <p:cNvPicPr>
+            <a:picLocks noChangeAspect="1"/>
+          </p:cNvPicPr>
+          <p:nvPr/>
+        </p:nvPicPr>
+        <p:blipFill>
+          <a:blip r:embed="rId15"/>
+          <a:stretch>
+            <a:fillRect/>
+          </a:stretch>
+        </p:blipFill>
+        <p:spPr>
+          <a:xfrm>
+            <a:off x="8561303" y="4797292"/>
+            <a:ext cx="1646223" cy="1646223"/>
+          </a:xfrm>
+          <a:prstGeom prst="rect">
+            <a:avLst/>
+          </a:prstGeom>
+        </p:spPr>
+      </p:pic>
+      <p:pic>
+        <p:nvPicPr>
+          <p:cNvPr id="30" name="Picture 4">
+            <a:extLst>
+              <a:ext uri="{FF2B5EF4-FFF2-40B4-BE49-F238E27FC236}">
+                <a16:creationId xmlns:a16="http://schemas.microsoft.com/office/drawing/2014/main" id="{B97EF664-FF40-5241-7A53-94F1DA0F39BC}"/>
+              </a:ext>
+            </a:extLst>
+          </p:cNvPr>
+          <p:cNvPicPr>
+            <a:picLocks noChangeAspect="1" noChangeArrowheads="1"/>
+          </p:cNvPicPr>
+          <p:nvPr/>
+        </p:nvPicPr>
+        <p:blipFill>
+          <a:blip r:embed="rId16">
+            <a:extLst>
+              <a:ext uri="{28A0092B-C50C-407E-A947-70E740481C1C}">
+                <a14:useLocalDpi xmlns:a14="http://schemas.microsoft.com/office/drawing/2010/main" val="0"/>
+              </a:ext>
+            </a:extLst>
+          </a:blip>
+          <a:srcRect/>
+          <a:stretch>
+            <a:fillRect/>
+          </a:stretch>
+        </p:blipFill>
+        <p:spPr bwMode="auto">
+          <a:xfrm>
+            <a:off x="6393233" y="3554112"/>
+            <a:ext cx="1641124" cy="1641124"/>
+          </a:xfrm>
+          <a:prstGeom prst="rect">
+            <a:avLst/>
+          </a:prstGeom>
+          <a:noFill/>
+          <a:extLst>
+            <a:ext uri="{909E8E84-426E-40DD-AFC4-6F175D3DCCD1}">
+              <a14:hiddenFill xmlns:a14="http://schemas.microsoft.com/office/drawing/2010/main">
+                <a:solidFill>
+                  <a:srgbClr val="FFFFFF"/>
+                </a:solidFill>
+              </a14:hiddenFill>
+            </a:ext>
+          </a:extLst>
+        </p:spPr>
+      </p:pic>
+      <p:pic>
+        <p:nvPicPr>
+          <p:cNvPr id="31" name="Picture 2">
+            <a:extLst>
+              <a:ext uri="{FF2B5EF4-FFF2-40B4-BE49-F238E27FC236}">
+                <a16:creationId xmlns:a16="http://schemas.microsoft.com/office/drawing/2014/main" id="{77EBC324-F007-87C2-E3F0-23AC53494875}"/>
+              </a:ext>
+            </a:extLst>
+          </p:cNvPr>
+          <p:cNvPicPr>
+            <a:picLocks noChangeAspect="1" noChangeArrowheads="1"/>
+          </p:cNvPicPr>
+          <p:nvPr/>
+        </p:nvPicPr>
+        <p:blipFill>
+          <a:blip r:embed="rId17">
+            <a:extLst>
+              <a:ext uri="{28A0092B-C50C-407E-A947-70E740481C1C}">
+                <a14:useLocalDpi xmlns:a14="http://schemas.microsoft.com/office/drawing/2010/main" val="0"/>
+              </a:ext>
+            </a:extLst>
+          </a:blip>
+          <a:srcRect/>
+          <a:stretch>
+            <a:fillRect/>
+          </a:stretch>
+        </p:blipFill>
+        <p:spPr bwMode="auto">
+          <a:xfrm>
+            <a:off x="7813783" y="3557084"/>
+            <a:ext cx="1649259" cy="1649259"/>
+          </a:xfrm>
+          <a:prstGeom prst="rect">
+            <a:avLst/>
+          </a:prstGeom>
+          <a:noFill/>
+          <a:extLst>
+            <a:ext uri="{909E8E84-426E-40DD-AFC4-6F175D3DCCD1}">
+              <a14:hiddenFill xmlns:a14="http://schemas.microsoft.com/office/drawing/2010/main">
+                <a:solidFill>
+                  <a:srgbClr val="FFFFFF"/>
+                </a:solidFill>
+              </a14:hiddenFill>
+            </a:ext>
+          </a:extLst>
+        </p:spPr>
+      </p:pic>
+      <p:pic>
+        <p:nvPicPr>
+          <p:cNvPr id="33" name="Picture 32">
+            <a:extLst>
+              <a:ext uri="{FF2B5EF4-FFF2-40B4-BE49-F238E27FC236}">
+                <a16:creationId xmlns:a16="http://schemas.microsoft.com/office/drawing/2014/main" id="{468D0D54-6936-0EED-5202-EFDE5DD0B250}"/>
+              </a:ext>
+            </a:extLst>
+          </p:cNvPr>
+          <p:cNvPicPr>
+            <a:picLocks noChangeAspect="1"/>
+          </p:cNvPicPr>
+          <p:nvPr/>
+        </p:nvPicPr>
+        <p:blipFill>
+          <a:blip r:embed="rId15"/>
+          <a:stretch>
+            <a:fillRect/>
+          </a:stretch>
+        </p:blipFill>
+        <p:spPr>
+          <a:xfrm>
+            <a:off x="7492278" y="667444"/>
+            <a:ext cx="1541071" cy="1541071"/>
+          </a:xfrm>
+          <a:prstGeom prst="rect">
+            <a:avLst/>
+          </a:prstGeom>
+        </p:spPr>
+      </p:pic>
+      <p:pic>
+        <p:nvPicPr>
+          <p:cNvPr id="3" name="Picture 2">
+            <a:extLst>
+              <a:ext uri="{FF2B5EF4-FFF2-40B4-BE49-F238E27FC236}">
+                <a16:creationId xmlns:a16="http://schemas.microsoft.com/office/drawing/2014/main" id="{436BDBAC-2D25-4A55-EFA8-81C379154E75}"/>
+              </a:ext>
+            </a:extLst>
+          </p:cNvPr>
+          <p:cNvPicPr>
+            <a:picLocks noChangeAspect="1"/>
+          </p:cNvPicPr>
+          <p:nvPr/>
+        </p:nvPicPr>
+        <p:blipFill>
+          <a:blip r:embed="rId18"/>
+          <a:stretch>
+            <a:fillRect/>
+          </a:stretch>
+        </p:blipFill>
+        <p:spPr>
+          <a:xfrm>
+            <a:off x="3612675" y="4893915"/>
+            <a:ext cx="1397679" cy="1617372"/>
+          </a:xfrm>
+          <a:prstGeom prst="rect">
+            <a:avLst/>
+          </a:prstGeom>
+        </p:spPr>
+      </p:pic>
+      <p:pic>
+        <p:nvPicPr>
+          <p:cNvPr id="51" name="Picture 50">
+            <a:extLst>
+              <a:ext uri="{FF2B5EF4-FFF2-40B4-BE49-F238E27FC236}">
+                <a16:creationId xmlns:a16="http://schemas.microsoft.com/office/drawing/2014/main" id="{9BCDFDB1-E74E-500E-5458-2D27FD8E914C}"/>
+              </a:ext>
+            </a:extLst>
+          </p:cNvPr>
+          <p:cNvPicPr>
+            <a:picLocks noChangeAspect="1"/>
+          </p:cNvPicPr>
+          <p:nvPr/>
+        </p:nvPicPr>
+        <p:blipFill>
+          <a:blip r:embed="rId19"/>
+          <a:stretch>
+            <a:fillRect/>
+          </a:stretch>
+        </p:blipFill>
+        <p:spPr>
+          <a:xfrm>
+            <a:off x="6191775" y="726943"/>
+            <a:ext cx="1482162" cy="1482162"/>
+          </a:xfrm>
+          <a:prstGeom prst="rect">
+            <a:avLst/>
+          </a:prstGeom>
+        </p:spPr>
+      </p:pic>
+      <p:pic>
+        <p:nvPicPr>
+          <p:cNvPr id="52" name="Picture 51">
+            <a:extLst>
+              <a:ext uri="{FF2B5EF4-FFF2-40B4-BE49-F238E27FC236}">
+                <a16:creationId xmlns:a16="http://schemas.microsoft.com/office/drawing/2014/main" id="{EC027FC5-D6CC-D304-B0A4-2F337767E6C8}"/>
+              </a:ext>
+            </a:extLst>
+          </p:cNvPr>
+          <p:cNvPicPr>
+            <a:picLocks noChangeAspect="1"/>
+          </p:cNvPicPr>
+          <p:nvPr/>
+        </p:nvPicPr>
+        <p:blipFill>
+          <a:blip r:embed="rId20"/>
+          <a:stretch>
+            <a:fillRect/>
+          </a:stretch>
+        </p:blipFill>
+        <p:spPr>
+          <a:xfrm>
+            <a:off x="8831778" y="696097"/>
+            <a:ext cx="1421270" cy="1423639"/>
+          </a:xfrm>
+          <a:prstGeom prst="rect">
+            <a:avLst/>
+          </a:prstGeom>
+        </p:spPr>
+      </p:pic>
+      <p:grpSp>
+        <p:nvGrpSpPr>
+          <p:cNvPr id="54" name="Group 53">
+            <a:extLst>
+              <a:ext uri="{FF2B5EF4-FFF2-40B4-BE49-F238E27FC236}">
+                <a16:creationId xmlns:a16="http://schemas.microsoft.com/office/drawing/2014/main" id="{DD2407FC-C0B3-DFB4-4A9D-27A9D43B4EEA}"/>
+              </a:ext>
+            </a:extLst>
+          </p:cNvPr>
+          <p:cNvGrpSpPr/>
+          <p:nvPr/>
+        </p:nvGrpSpPr>
+        <p:grpSpPr>
+          <a:xfrm>
+            <a:off x="6786618" y="2554170"/>
+            <a:ext cx="801106" cy="785940"/>
+            <a:chOff x="7313489" y="4059253"/>
+            <a:chExt cx="914400" cy="930324"/>
+          </a:xfrm>
+        </p:grpSpPr>
+        <p:pic>
+          <p:nvPicPr>
+            <p:cNvPr id="55" name="Graphic 54" descr="Tent with solid fill">
+              <a:extLst>
+                <a:ext uri="{FF2B5EF4-FFF2-40B4-BE49-F238E27FC236}">
+                  <a16:creationId xmlns:a16="http://schemas.microsoft.com/office/drawing/2014/main" id="{1FE4BB8C-5C41-130D-7C07-70C62EEC6915}"/>
+                </a:ext>
+              </a:extLst>
+            </p:cNvPr>
+            <p:cNvPicPr>
+              <a:picLocks noChangeAspect="1"/>
+            </p:cNvPicPr>
+            <p:nvPr/>
+          </p:nvPicPr>
+          <p:blipFill>
+            <a:blip r:embed="rId6">
+              <a:extLst>
+                <a:ext uri="{28A0092B-C50C-407E-A947-70E740481C1C}">
+                  <a14:useLocalDpi xmlns:a14="http://schemas.microsoft.com/office/drawing/2010/main" val="0"/>
+                </a:ext>
+                <a:ext uri="{96DAC541-7B7A-43D3-8B79-37D633B846F1}">
+                  <asvg:svgBlip xmlns:asvg="http://schemas.microsoft.com/office/drawing/2016/SVG/main" r:embed="rId7"/>
+                </a:ext>
+              </a:extLst>
+            </a:blip>
+            <a:stretch>
+              <a:fillRect/>
+            </a:stretch>
+          </p:blipFill>
+          <p:spPr>
+            <a:xfrm>
+              <a:off x="7313489" y="4075177"/>
+              <a:ext cx="914400" cy="914400"/>
+            </a:xfrm>
+            <a:prstGeom prst="rect">
+              <a:avLst/>
+            </a:prstGeom>
+          </p:spPr>
+        </p:pic>
+        <p:pic>
+          <p:nvPicPr>
+            <p:cNvPr id="56" name="Graphic 55" descr="Tent outline">
+              <a:extLst>
+                <a:ext uri="{FF2B5EF4-FFF2-40B4-BE49-F238E27FC236}">
+                  <a16:creationId xmlns:a16="http://schemas.microsoft.com/office/drawing/2014/main" id="{9F701B7D-CC47-27F3-5EE2-DAE66B60B7EB}"/>
+                </a:ext>
+              </a:extLst>
+            </p:cNvPr>
+            <p:cNvPicPr>
+              <a:picLocks noChangeAspect="1"/>
+            </p:cNvPicPr>
+            <p:nvPr/>
+          </p:nvPicPr>
+          <p:blipFill>
+            <a:blip r:embed="rId8">
+              <a:extLst>
+                <a:ext uri="{28A0092B-C50C-407E-A947-70E740481C1C}">
+                  <a14:useLocalDpi xmlns:a14="http://schemas.microsoft.com/office/drawing/2010/main" val="0"/>
+                </a:ext>
+                <a:ext uri="{96DAC541-7B7A-43D3-8B79-37D633B846F1}">
+                  <asvg:svgBlip xmlns:asvg="http://schemas.microsoft.com/office/drawing/2016/SVG/main" r:embed="rId9"/>
+                </a:ext>
+              </a:extLst>
+            </a:blip>
+            <a:stretch>
+              <a:fillRect/>
+            </a:stretch>
+          </p:blipFill>
+          <p:spPr>
+            <a:xfrm>
+              <a:off x="7313489" y="4059253"/>
+              <a:ext cx="914400" cy="914400"/>
+            </a:xfrm>
+            <a:prstGeom prst="rect">
+              <a:avLst/>
+            </a:prstGeom>
+          </p:spPr>
+        </p:pic>
+      </p:grpSp>
+      <p:sp>
+        <p:nvSpPr>
+          <p:cNvPr id="57" name="TextBox 56">
+            <a:extLst>
+              <a:ext uri="{FF2B5EF4-FFF2-40B4-BE49-F238E27FC236}">
+                <a16:creationId xmlns:a16="http://schemas.microsoft.com/office/drawing/2014/main" id="{1C4396B0-B1F6-D3A0-9A24-DB63C86735FB}"/>
+              </a:ext>
+            </a:extLst>
+          </p:cNvPr>
+          <p:cNvSpPr txBox="1"/>
+          <p:nvPr/>
+        </p:nvSpPr>
+        <p:spPr>
+          <a:xfrm>
+            <a:off x="3042319" y="2567481"/>
+            <a:ext cx="914400" cy="914400"/>
+          </a:xfrm>
+          <a:prstGeom prst="rect">
+            <a:avLst/>
+          </a:prstGeom>
+          <a:noFill/>
+        </p:spPr>
+        <p:txBody>
+          <a:bodyPr wrap="none" lIns="180000" tIns="180000" rIns="180000" bIns="180000" rtlCol="0">
+            <a:normAutofit/>
+          </a:bodyPr>
+          <a:lstStyle/>
+          <a:p>
+            <a:pPr algn="l">
+              <a:spcBef>
+                <a:spcPts val="300"/>
+              </a:spcBef>
+              <a:spcAft>
+                <a:spcPts val="300"/>
+              </a:spcAft>
+              <a:buClr>
+                <a:schemeClr val="tx2"/>
+              </a:buClr>
+              <a:buSzPct val="110000"/>
+            </a:pPr>
+            <a:r>
+              <a:rPr lang="en-GB" sz="3200" dirty="0" err="1"/>
+              <a:t>ADaMs</a:t>
+            </a:r>
+            <a:endParaRPr lang="en-GB" sz="2800" dirty="0"/>
+          </a:p>
+        </p:txBody>
+      </p:sp>
+      <p:pic>
+        <p:nvPicPr>
+          <p:cNvPr id="2050" name="Picture 2">
+            <a:extLst>
+              <a:ext uri="{FF2B5EF4-FFF2-40B4-BE49-F238E27FC236}">
+                <a16:creationId xmlns:a16="http://schemas.microsoft.com/office/drawing/2014/main" id="{51207915-3DCE-FF75-60A7-16C61EEAAADB}"/>
+              </a:ext>
+            </a:extLst>
+          </p:cNvPr>
+          <p:cNvPicPr>
+            <a:picLocks noChangeAspect="1" noChangeArrowheads="1"/>
+          </p:cNvPicPr>
+          <p:nvPr/>
+        </p:nvPicPr>
+        <p:blipFill>
+          <a:blip r:embed="rId21">
+            <a:extLst>
+              <a:ext uri="{28A0092B-C50C-407E-A947-70E740481C1C}">
+                <a14:useLocalDpi xmlns:a14="http://schemas.microsoft.com/office/drawing/2010/main" val="0"/>
+              </a:ext>
+            </a:extLst>
+          </a:blip>
+          <a:srcRect/>
+          <a:stretch>
+            <a:fillRect/>
+          </a:stretch>
+        </p:blipFill>
+        <p:spPr bwMode="auto">
+          <a:xfrm>
+            <a:off x="10141486" y="713616"/>
+            <a:ext cx="1212314" cy="1399570"/>
+          </a:xfrm>
+          <a:prstGeom prst="rect">
+            <a:avLst/>
+          </a:prstGeom>
+          <a:noFill/>
+          <a:extLst>
+            <a:ext uri="{909E8E84-426E-40DD-AFC4-6F175D3DCCD1}">
+              <a14:hiddenFill xmlns:a14="http://schemas.microsoft.com/office/drawing/2010/main">
+                <a:solidFill>
+                  <a:srgbClr val="FFFFFF"/>
+                </a:solidFill>
+              </a14:hiddenFill>
+            </a:ext>
+          </a:extLst>
+        </p:spPr>
+      </p:pic>
+    </p:spTree>
+    <p:extLst>
+      <p:ext uri="{BB962C8B-B14F-4D97-AF65-F5344CB8AC3E}">
+        <p14:creationId xmlns:p14="http://schemas.microsoft.com/office/powerpoint/2010/main" val="2002793101"/>
+      </p:ext>
+    </p:extLst>
+  </p:cSld>
+  <p:clrMapOvr>
+    <a:masterClrMapping/>
+  </p:clrMapOvr>
+  <p:timing>
+    <p:tnLst>
+      <p:par>
+        <p:cTn id="1" dur="indefinite" restart="never" nodeType="tmRoot">
+          <p:childTnLst>
+            <p:seq concurrent="1" nextAc="seek">
+              <p:cTn id="2" dur="indefinite" nodeType="mainSeq">
+                <p:childTnLst>
+                  <p:par>
+                    <p:cTn id="3" fill="hold">
+                      <p:stCondLst>
+                        <p:cond delay="indefinite"/>
+                      </p:stCondLst>
+                      <p:childTnLst>
+                        <p:par>
+                          <p:cTn id="4" fill="hold">
+                            <p:stCondLst>
+                              <p:cond delay="0"/>
+                            </p:stCondLst>
+                            <p:childTnLst>
+                              <p:par>
+                                <p:cTn id="5" presetID="63" presetClass="path" presetSubtype="0" accel="50000" decel="50000" fill="hold" nodeType="clickEffect">
+                                  <p:stCondLst>
+                                    <p:cond delay="0"/>
+                                  </p:stCondLst>
+                                  <p:childTnLst>
+                                    <p:animMotion origin="layout" path="M -1.875E-6 -7.40741E-7 L 0.09636 -7.40741E-7 " pathEditMode="relative" rAng="0" ptsTypes="AA">
+                                      <p:cBhvr>
+                                        <p:cTn id="6" dur="2000" fill="hold"/>
+                                        <p:tgtEl>
+                                          <p:spTgt spid="8"/>
+                                        </p:tgtEl>
+                                        <p:attrNameLst>
+                                          <p:attrName>ppt_x</p:attrName>
+                                          <p:attrName>ppt_y</p:attrName>
+                                        </p:attrNameLst>
+                                      </p:cBhvr>
+                                      <p:rCtr x="4818" y="0"/>
+                                    </p:animMotion>
+                                  </p:childTnLst>
+                                </p:cTn>
+                              </p:par>
+                              <p:par>
+                                <p:cTn id="7" presetID="32" presetClass="emph" presetSubtype="0" fill="hold" nodeType="withEffect">
+                                  <p:stCondLst>
+                                    <p:cond delay="750"/>
+                                  </p:stCondLst>
+                                  <p:childTnLst>
+                                    <p:animRot by="120000">
+                                      <p:cBhvr>
+                                        <p:cTn id="8" dur="100" fill="hold">
+                                          <p:stCondLst>
+                                            <p:cond delay="0"/>
+                                          </p:stCondLst>
+                                        </p:cTn>
+                                        <p:tgtEl>
+                                          <p:spTgt spid="20"/>
+                                        </p:tgtEl>
+                                        <p:attrNameLst>
+                                          <p:attrName>r</p:attrName>
+                                        </p:attrNameLst>
+                                      </p:cBhvr>
+                                    </p:animRot>
+                                    <p:animRot by="-240000">
+                                      <p:cBhvr>
+                                        <p:cTn id="9" dur="200" fill="hold">
+                                          <p:stCondLst>
+                                            <p:cond delay="200"/>
+                                          </p:stCondLst>
+                                        </p:cTn>
+                                        <p:tgtEl>
+                                          <p:spTgt spid="20"/>
+                                        </p:tgtEl>
+                                        <p:attrNameLst>
+                                          <p:attrName>r</p:attrName>
+                                        </p:attrNameLst>
+                                      </p:cBhvr>
+                                    </p:animRot>
+                                    <p:animRot by="240000">
+                                      <p:cBhvr>
+                                        <p:cTn id="10" dur="200" fill="hold">
+                                          <p:stCondLst>
+                                            <p:cond delay="400"/>
+                                          </p:stCondLst>
+                                        </p:cTn>
+                                        <p:tgtEl>
+                                          <p:spTgt spid="20"/>
+                                        </p:tgtEl>
+                                        <p:attrNameLst>
+                                          <p:attrName>r</p:attrName>
+                                        </p:attrNameLst>
+                                      </p:cBhvr>
+                                    </p:animRot>
+                                    <p:animRot by="-240000">
+                                      <p:cBhvr>
+                                        <p:cTn id="11" dur="200" fill="hold">
+                                          <p:stCondLst>
+                                            <p:cond delay="600"/>
+                                          </p:stCondLst>
+                                        </p:cTn>
+                                        <p:tgtEl>
+                                          <p:spTgt spid="20"/>
+                                        </p:tgtEl>
+                                        <p:attrNameLst>
+                                          <p:attrName>r</p:attrName>
+                                        </p:attrNameLst>
+                                      </p:cBhvr>
+                                    </p:animRot>
+                                    <p:animRot by="120000">
+                                      <p:cBhvr>
+                                        <p:cTn id="12" dur="200" fill="hold">
+                                          <p:stCondLst>
+                                            <p:cond delay="800"/>
+                                          </p:stCondLst>
+                                        </p:cTn>
+                                        <p:tgtEl>
+                                          <p:spTgt spid="20"/>
+                                        </p:tgtEl>
+                                        <p:attrNameLst>
+                                          <p:attrName>r</p:attrName>
+                                        </p:attrNameLst>
+                                      </p:cBhvr>
+                                    </p:animRot>
+                                  </p:childTnLst>
+                                </p:cTn>
+                              </p:par>
+                              <p:par>
+                                <p:cTn id="13" presetID="32" presetClass="emph" presetSubtype="0" fill="hold" nodeType="withEffect">
+                                  <p:stCondLst>
+                                    <p:cond delay="750"/>
+                                  </p:stCondLst>
+                                  <p:childTnLst>
+                                    <p:animRot by="120000">
+                                      <p:cBhvr>
+                                        <p:cTn id="14" dur="100" fill="hold">
+                                          <p:stCondLst>
+                                            <p:cond delay="0"/>
+                                          </p:stCondLst>
+                                        </p:cTn>
+                                        <p:tgtEl>
+                                          <p:spTgt spid="3"/>
+                                        </p:tgtEl>
+                                        <p:attrNameLst>
+                                          <p:attrName>r</p:attrName>
+                                        </p:attrNameLst>
+                                      </p:cBhvr>
+                                    </p:animRot>
+                                    <p:animRot by="-240000">
+                                      <p:cBhvr>
+                                        <p:cTn id="15" dur="200" fill="hold">
+                                          <p:stCondLst>
+                                            <p:cond delay="200"/>
+                                          </p:stCondLst>
+                                        </p:cTn>
+                                        <p:tgtEl>
+                                          <p:spTgt spid="3"/>
+                                        </p:tgtEl>
+                                        <p:attrNameLst>
+                                          <p:attrName>r</p:attrName>
+                                        </p:attrNameLst>
+                                      </p:cBhvr>
+                                    </p:animRot>
+                                    <p:animRot by="240000">
+                                      <p:cBhvr>
+                                        <p:cTn id="16" dur="200" fill="hold">
+                                          <p:stCondLst>
+                                            <p:cond delay="400"/>
+                                          </p:stCondLst>
+                                        </p:cTn>
+                                        <p:tgtEl>
+                                          <p:spTgt spid="3"/>
+                                        </p:tgtEl>
+                                        <p:attrNameLst>
+                                          <p:attrName>r</p:attrName>
+                                        </p:attrNameLst>
+                                      </p:cBhvr>
+                                    </p:animRot>
+                                    <p:animRot by="-240000">
+                                      <p:cBhvr>
+                                        <p:cTn id="17" dur="200" fill="hold">
+                                          <p:stCondLst>
+                                            <p:cond delay="600"/>
+                                          </p:stCondLst>
+                                        </p:cTn>
+                                        <p:tgtEl>
+                                          <p:spTgt spid="3"/>
+                                        </p:tgtEl>
+                                        <p:attrNameLst>
+                                          <p:attrName>r</p:attrName>
+                                        </p:attrNameLst>
+                                      </p:cBhvr>
+                                    </p:animRot>
+                                    <p:animRot by="120000">
+                                      <p:cBhvr>
+                                        <p:cTn id="18" dur="200" fill="hold">
+                                          <p:stCondLst>
+                                            <p:cond delay="800"/>
+                                          </p:stCondLst>
+                                        </p:cTn>
+                                        <p:tgtEl>
+                                          <p:spTgt spid="3"/>
+                                        </p:tgtEl>
+                                        <p:attrNameLst>
+                                          <p:attrName>r</p:attrName>
+                                        </p:attrNameLst>
+                                      </p:cBhvr>
+                                    </p:animRot>
+                                  </p:childTnLst>
+                                </p:cTn>
+                              </p:par>
+                            </p:childTnLst>
+                          </p:cTn>
+                        </p:par>
+                      </p:childTnLst>
+                    </p:cTn>
+                  </p:par>
+                </p:childTnLst>
+              </p:cTn>
+              <p:prevCondLst>
+                <p:cond evt="onPrev" delay="0">
+                  <p:tgtEl>
+                    <p:sldTgt/>
+                  </p:tgtEl>
+                </p:cond>
+              </p:prevCondLst>
+              <p:nextCondLst>
+                <p:cond evt="onNext" delay="0">
+                  <p:tgtEl>
+                    <p:sldTgt/>
+                  </p:tgtEl>
+                </p:cond>
+              </p:nextCondLst>
+            </p:seq>
+          </p:childTnLst>
+        </p:cTn>
+      </p:par>
+    </p:tnLst>
+  </p:timing>
+</p:sld>
+</file>
+
+<file path=ppt/slides/slide6.xml><?xml version="1.0" encoding="utf-8"?>
+<p:sld xmlns:a="http://schemas.openxmlformats.org/drawingml/2006/main" xmlns:r="http://schemas.openxmlformats.org/officeDocument/2006/relationships" xmlns:p="http://schemas.openxmlformats.org/presentationml/2006/main">
+  <p:cSld>
+    <p:spTree>
+      <p:nvGrpSpPr>
+        <p:cNvPr id="1" name=""/>
+        <p:cNvGrpSpPr/>
+        <p:nvPr/>
+      </p:nvGrpSpPr>
+      <p:grpSpPr>
+        <a:xfrm>
+          <a:off x="0" y="0"/>
+          <a:ext cx="0" cy="0"/>
+          <a:chOff x="0" y="0"/>
+          <a:chExt cx="0" cy="0"/>
+        </a:xfrm>
+      </p:grpSpPr>
+      <p:sp>
+        <p:nvSpPr>
+          <p:cNvPr id="2" name="Rectangle 1">
+            <a:extLst>
+              <a:ext uri="{FF2B5EF4-FFF2-40B4-BE49-F238E27FC236}">
+                <a16:creationId xmlns:a16="http://schemas.microsoft.com/office/drawing/2014/main" id="{DA9DEED6-F0A8-3298-B209-98FF42171A26}"/>
+              </a:ext>
+            </a:extLst>
+          </p:cNvPr>
+          <p:cNvSpPr/>
+          <p:nvPr/>
+        </p:nvSpPr>
+        <p:spPr>
+          <a:xfrm>
+            <a:off x="0" y="0"/>
+            <a:ext cx="12192000" cy="6858000"/>
+          </a:xfrm>
+          <a:prstGeom prst="rect">
+            <a:avLst/>
+          </a:prstGeom>
+          <a:solidFill>
+            <a:schemeClr val="bg1"/>
+          </a:solidFill>
+          <a:ln>
+            <a:solidFill>
+              <a:schemeClr val="bg1"/>
+            </a:solidFill>
+          </a:ln>
+        </p:spPr>
+        <p:style>
+          <a:lnRef idx="2">
+            <a:schemeClr val="accent1">
+              <a:shade val="15000"/>
+            </a:schemeClr>
+          </a:lnRef>
+          <a:fillRef idx="1">
+            <a:schemeClr val="accent1"/>
+          </a:fillRef>
+          <a:effectRef idx="0">
+            <a:schemeClr val="accent1"/>
+          </a:effectRef>
+          <a:fontRef idx="minor">
+            <a:schemeClr val="lt1"/>
+          </a:fontRef>
+        </p:style>
+        <p:txBody>
+          <a:bodyPr rtlCol="0" anchor="ctr"/>
+          <a:lstStyle/>
+          <a:p>
+            <a:pPr algn="ctr"/>
+            <a:endParaRPr lang="en-US"/>
+          </a:p>
+        </p:txBody>
+      </p:sp>
+      <p:sp>
+        <p:nvSpPr>
+          <p:cNvPr id="4" name="Slide Number Placeholder 3">
+            <a:extLst>
+              <a:ext uri="{FF2B5EF4-FFF2-40B4-BE49-F238E27FC236}">
+                <a16:creationId xmlns:a16="http://schemas.microsoft.com/office/drawing/2014/main" id="{A9132241-3147-5424-79A6-25CEA54E8DDF}"/>
+              </a:ext>
+            </a:extLst>
+          </p:cNvPr>
+          <p:cNvSpPr>
+            <a:spLocks noGrp="1"/>
+          </p:cNvSpPr>
+          <p:nvPr>
+            <p:ph type="sldNum" sz="quarter" idx="12"/>
+          </p:nvPr>
+        </p:nvSpPr>
+        <p:spPr/>
+        <p:txBody>
+          <a:bodyPr/>
+          <a:lstStyle/>
+          <a:p>
+            <a:fld id="{CA0BE942-4744-4F63-8605-0679E048D036}" type="slidenum">
+              <a:rPr lang="en-US" smtClean="0"/>
+              <a:t>6</a:t>
+            </a:fld>
+            <a:endParaRPr lang="en-US"/>
+          </a:p>
+        </p:txBody>
+      </p:sp>
+      <p:cxnSp>
+        <p:nvCxnSpPr>
+          <p:cNvPr id="5" name="Straight Connector 4">
+            <a:extLst>
+              <a:ext uri="{FF2B5EF4-FFF2-40B4-BE49-F238E27FC236}">
+                <a16:creationId xmlns:a16="http://schemas.microsoft.com/office/drawing/2014/main" id="{F0CAE65B-8409-3C9C-686F-48406017BB1B}"/>
+              </a:ext>
+            </a:extLst>
+          </p:cNvPr>
+          <p:cNvCxnSpPr>
+            <a:cxnSpLocks/>
+          </p:cNvCxnSpPr>
+          <p:nvPr/>
+        </p:nvCxnSpPr>
+        <p:spPr>
+          <a:xfrm flipV="1">
+            <a:off x="1004997" y="3180004"/>
+            <a:ext cx="9248051" cy="41419"/>
+          </a:xfrm>
+          <a:prstGeom prst="line">
+            <a:avLst/>
+          </a:prstGeom>
+          <a:ln/>
+        </p:spPr>
+        <p:style>
+          <a:lnRef idx="1">
+            <a:schemeClr val="dk1"/>
+          </a:lnRef>
+          <a:fillRef idx="0">
+            <a:schemeClr val="dk1"/>
+          </a:fillRef>
+          <a:effectRef idx="0">
+            <a:schemeClr val="dk1"/>
+          </a:effectRef>
+          <a:fontRef idx="minor">
+            <a:schemeClr val="tx1"/>
+          </a:fontRef>
+        </p:style>
+      </p:cxnSp>
+      <p:sp>
+        <p:nvSpPr>
+          <p:cNvPr id="7" name="TextBox 6">
+            <a:extLst>
+              <a:ext uri="{FF2B5EF4-FFF2-40B4-BE49-F238E27FC236}">
+                <a16:creationId xmlns:a16="http://schemas.microsoft.com/office/drawing/2014/main" id="{F5FA9941-B1E3-A9EC-467F-60632FC16498}"/>
+              </a:ext>
+            </a:extLst>
+          </p:cNvPr>
+          <p:cNvSpPr txBox="1"/>
+          <p:nvPr/>
+        </p:nvSpPr>
+        <p:spPr>
+          <a:xfrm>
+            <a:off x="7421623" y="2536112"/>
+            <a:ext cx="914400" cy="914400"/>
+          </a:xfrm>
+          <a:prstGeom prst="rect">
+            <a:avLst/>
+          </a:prstGeom>
+          <a:noFill/>
+        </p:spPr>
+        <p:txBody>
+          <a:bodyPr wrap="none" lIns="180000" tIns="180000" rIns="180000" bIns="180000" rtlCol="0">
+            <a:normAutofit/>
+          </a:bodyPr>
+          <a:lstStyle/>
+          <a:p>
+            <a:pPr algn="l">
+              <a:spcBef>
+                <a:spcPts val="300"/>
+              </a:spcBef>
+              <a:spcAft>
+                <a:spcPts val="300"/>
+              </a:spcAft>
+              <a:buClr>
+                <a:schemeClr val="tx2"/>
+              </a:buClr>
+              <a:buSzPct val="110000"/>
+            </a:pPr>
+            <a:r>
+              <a:rPr lang="en-GB" sz="3200" dirty="0"/>
+              <a:t>Outputs</a:t>
+            </a:r>
+          </a:p>
+        </p:txBody>
+      </p:sp>
+      <p:pic>
+        <p:nvPicPr>
+          <p:cNvPr id="8" name="Graphic 7" descr="Hike outline">
+            <a:extLst>
+              <a:ext uri="{FF2B5EF4-FFF2-40B4-BE49-F238E27FC236}">
+                <a16:creationId xmlns:a16="http://schemas.microsoft.com/office/drawing/2014/main" id="{506D1756-92F6-D5E5-BCB2-3C3638AC3A7F}"/>
+              </a:ext>
+            </a:extLst>
+          </p:cNvPr>
+          <p:cNvPicPr>
+            <a:picLocks noChangeAspect="1"/>
+          </p:cNvPicPr>
+          <p:nvPr/>
+        </p:nvPicPr>
+        <p:blipFill>
+          <a:blip r:embed="rId2">
+            <a:extLst>
+              <a:ext uri="{28A0092B-C50C-407E-A947-70E740481C1C}">
+                <a14:useLocalDpi xmlns:a14="http://schemas.microsoft.com/office/drawing/2010/main" val="0"/>
+              </a:ext>
+              <a:ext uri="{96DAC541-7B7A-43D3-8B79-37D633B846F1}">
+                <asvg:svgBlip xmlns:asvg="http://schemas.microsoft.com/office/drawing/2016/SVG/main" r:embed="rId3"/>
+              </a:ext>
+            </a:extLst>
+          </a:blip>
+          <a:stretch>
+            <a:fillRect/>
+          </a:stretch>
+        </p:blipFill>
+        <p:spPr>
+          <a:xfrm>
+            <a:off x="5734575" y="3317312"/>
+            <a:ext cx="914400" cy="914400"/>
+          </a:xfrm>
+          <a:prstGeom prst="rect">
+            <a:avLst/>
+          </a:prstGeom>
+        </p:spPr>
+      </p:pic>
+      <p:pic>
+        <p:nvPicPr>
+          <p:cNvPr id="10" name="Graphic 9" descr="Castle scene with solid fill">
+            <a:extLst>
+              <a:ext uri="{FF2B5EF4-FFF2-40B4-BE49-F238E27FC236}">
+                <a16:creationId xmlns:a16="http://schemas.microsoft.com/office/drawing/2014/main" id="{104FF219-5892-559D-FDC2-6FE11D651482}"/>
+              </a:ext>
+            </a:extLst>
+          </p:cNvPr>
+          <p:cNvPicPr>
+            <a:picLocks noChangeAspect="1"/>
+          </p:cNvPicPr>
+          <p:nvPr/>
+        </p:nvPicPr>
+        <p:blipFill>
+          <a:blip r:embed="rId4">
+            <a:extLst>
+              <a:ext uri="{28A0092B-C50C-407E-A947-70E740481C1C}">
+                <a14:useLocalDpi xmlns:a14="http://schemas.microsoft.com/office/drawing/2010/main" val="0"/>
+              </a:ext>
+              <a:ext uri="{96DAC541-7B7A-43D3-8B79-37D633B846F1}">
+                <asvg:svgBlip xmlns:asvg="http://schemas.microsoft.com/office/drawing/2016/SVG/main" r:embed="rId5"/>
+              </a:ext>
+            </a:extLst>
+          </a:blip>
+          <a:stretch>
+            <a:fillRect/>
+          </a:stretch>
+        </p:blipFill>
+        <p:spPr>
+          <a:xfrm>
+            <a:off x="10253048" y="2448947"/>
+            <a:ext cx="914400" cy="914400"/>
+          </a:xfrm>
+          <a:prstGeom prst="rect">
+            <a:avLst/>
+          </a:prstGeom>
+        </p:spPr>
+      </p:pic>
+      <p:grpSp>
+        <p:nvGrpSpPr>
+          <p:cNvPr id="14" name="Group 13">
+            <a:extLst>
+              <a:ext uri="{FF2B5EF4-FFF2-40B4-BE49-F238E27FC236}">
+                <a16:creationId xmlns:a16="http://schemas.microsoft.com/office/drawing/2014/main" id="{F30A49DF-0573-2EC7-0C84-94B4436D45F5}"/>
+              </a:ext>
+            </a:extLst>
+          </p:cNvPr>
+          <p:cNvGrpSpPr/>
+          <p:nvPr/>
+        </p:nvGrpSpPr>
+        <p:grpSpPr>
+          <a:xfrm>
+            <a:off x="2324263" y="2576320"/>
+            <a:ext cx="801106" cy="785940"/>
+            <a:chOff x="7313489" y="4059253"/>
+            <a:chExt cx="914400" cy="930324"/>
+          </a:xfrm>
+        </p:grpSpPr>
+        <p:pic>
+          <p:nvPicPr>
+            <p:cNvPr id="15" name="Graphic 14" descr="Tent with solid fill">
+              <a:extLst>
+                <a:ext uri="{FF2B5EF4-FFF2-40B4-BE49-F238E27FC236}">
+                  <a16:creationId xmlns:a16="http://schemas.microsoft.com/office/drawing/2014/main" id="{DEAB565B-C1C3-6764-E0FE-96E6C0F8343C}"/>
+                </a:ext>
+              </a:extLst>
+            </p:cNvPr>
+            <p:cNvPicPr>
+              <a:picLocks noChangeAspect="1"/>
+            </p:cNvPicPr>
+            <p:nvPr/>
+          </p:nvPicPr>
+          <p:blipFill>
+            <a:blip r:embed="rId6">
+              <a:extLst>
+                <a:ext uri="{28A0092B-C50C-407E-A947-70E740481C1C}">
+                  <a14:useLocalDpi xmlns:a14="http://schemas.microsoft.com/office/drawing/2010/main" val="0"/>
+                </a:ext>
+                <a:ext uri="{96DAC541-7B7A-43D3-8B79-37D633B846F1}">
+                  <asvg:svgBlip xmlns:asvg="http://schemas.microsoft.com/office/drawing/2016/SVG/main" r:embed="rId7"/>
+                </a:ext>
+              </a:extLst>
+            </a:blip>
+            <a:stretch>
+              <a:fillRect/>
+            </a:stretch>
+          </p:blipFill>
+          <p:spPr>
+            <a:xfrm>
+              <a:off x="7313489" y="4075177"/>
+              <a:ext cx="914400" cy="914400"/>
+            </a:xfrm>
+            <a:prstGeom prst="rect">
+              <a:avLst/>
+            </a:prstGeom>
+          </p:spPr>
+        </p:pic>
+        <p:pic>
+          <p:nvPicPr>
+            <p:cNvPr id="16" name="Graphic 15" descr="Tent outline">
+              <a:extLst>
+                <a:ext uri="{FF2B5EF4-FFF2-40B4-BE49-F238E27FC236}">
+                  <a16:creationId xmlns:a16="http://schemas.microsoft.com/office/drawing/2014/main" id="{995A047B-3379-0850-D695-2EF559A0E80C}"/>
+                </a:ext>
+              </a:extLst>
+            </p:cNvPr>
+            <p:cNvPicPr>
+              <a:picLocks noChangeAspect="1"/>
+            </p:cNvPicPr>
+            <p:nvPr/>
+          </p:nvPicPr>
+          <p:blipFill>
+            <a:blip r:embed="rId8">
+              <a:extLst>
+                <a:ext uri="{28A0092B-C50C-407E-A947-70E740481C1C}">
+                  <a14:useLocalDpi xmlns:a14="http://schemas.microsoft.com/office/drawing/2010/main" val="0"/>
+                </a:ext>
+                <a:ext uri="{96DAC541-7B7A-43D3-8B79-37D633B846F1}">
+                  <asvg:svgBlip xmlns:asvg="http://schemas.microsoft.com/office/drawing/2016/SVG/main" r:embed="rId9"/>
+                </a:ext>
+              </a:extLst>
+            </a:blip>
+            <a:stretch>
+              <a:fillRect/>
+            </a:stretch>
+          </p:blipFill>
+          <p:spPr>
+            <a:xfrm>
+              <a:off x="7313489" y="4059253"/>
+              <a:ext cx="914400" cy="914400"/>
+            </a:xfrm>
+            <a:prstGeom prst="rect">
+              <a:avLst/>
+            </a:prstGeom>
+          </p:spPr>
+        </p:pic>
+      </p:grpSp>
+      <p:pic>
+        <p:nvPicPr>
+          <p:cNvPr id="20" name="Picture 2">
+            <a:extLst>
+              <a:ext uri="{FF2B5EF4-FFF2-40B4-BE49-F238E27FC236}">
+                <a16:creationId xmlns:a16="http://schemas.microsoft.com/office/drawing/2014/main" id="{0556C626-86CA-733D-19B6-6753A7895EA8}"/>
+              </a:ext>
+            </a:extLst>
+          </p:cNvPr>
+          <p:cNvPicPr>
+            <a:picLocks noChangeAspect="1" noChangeArrowheads="1"/>
+          </p:cNvPicPr>
+          <p:nvPr/>
+        </p:nvPicPr>
+        <p:blipFill>
+          <a:blip r:embed="rId10">
+            <a:extLst>
+              <a:ext uri="{28A0092B-C50C-407E-A947-70E740481C1C}">
+                <a14:useLocalDpi xmlns:a14="http://schemas.microsoft.com/office/drawing/2010/main" val="0"/>
+              </a:ext>
+            </a:extLst>
+          </a:blip>
+          <a:srcRect/>
+          <a:stretch>
+            <a:fillRect/>
+          </a:stretch>
+        </p:blipFill>
+        <p:spPr bwMode="auto">
+          <a:xfrm>
+            <a:off x="2901024" y="3709992"/>
+            <a:ext cx="1329244" cy="1543462"/>
+          </a:xfrm>
+          <a:prstGeom prst="rect">
+            <a:avLst/>
+          </a:prstGeom>
+          <a:noFill/>
+          <a:extLst>
+            <a:ext uri="{909E8E84-426E-40DD-AFC4-6F175D3DCCD1}">
+              <a14:hiddenFill xmlns:a14="http://schemas.microsoft.com/office/drawing/2010/main">
+                <a:solidFill>
+                  <a:srgbClr val="FFFFFF"/>
+                </a:solidFill>
+              </a14:hiddenFill>
+            </a:ext>
+          </a:extLst>
+        </p:spPr>
+      </p:pic>
+      <p:pic>
+        <p:nvPicPr>
+          <p:cNvPr id="21" name="Picture 6">
+            <a:extLst>
+              <a:ext uri="{FF2B5EF4-FFF2-40B4-BE49-F238E27FC236}">
+                <a16:creationId xmlns:a16="http://schemas.microsoft.com/office/drawing/2014/main" id="{0E8143CD-7697-61BF-B75F-EA67FFA00A2B}"/>
+              </a:ext>
+            </a:extLst>
+          </p:cNvPr>
+          <p:cNvPicPr>
+            <a:picLocks noChangeAspect="1" noChangeArrowheads="1"/>
+          </p:cNvPicPr>
+          <p:nvPr/>
+        </p:nvPicPr>
+        <p:blipFill>
+          <a:blip r:embed="rId11" cstate="print">
+            <a:extLst>
+              <a:ext uri="{28A0092B-C50C-407E-A947-70E740481C1C}">
+                <a14:useLocalDpi xmlns:a14="http://schemas.microsoft.com/office/drawing/2010/main" val="0"/>
+              </a:ext>
+            </a:extLst>
+          </a:blip>
+          <a:srcRect/>
+          <a:stretch>
+            <a:fillRect/>
+          </a:stretch>
+        </p:blipFill>
+        <p:spPr bwMode="auto">
+          <a:xfrm>
+            <a:off x="1557359" y="3709992"/>
+            <a:ext cx="1328400" cy="1537698"/>
+          </a:xfrm>
+          <a:prstGeom prst="rect">
+            <a:avLst/>
+          </a:prstGeom>
+          <a:noFill/>
+          <a:extLst>
+            <a:ext uri="{909E8E84-426E-40DD-AFC4-6F175D3DCCD1}">
+              <a14:hiddenFill xmlns:a14="http://schemas.microsoft.com/office/drawing/2010/main">
+                <a:solidFill>
+                  <a:srgbClr val="FFFFFF"/>
+                </a:solidFill>
+              </a14:hiddenFill>
+            </a:ext>
+          </a:extLst>
+        </p:spPr>
+      </p:pic>
+      <p:pic>
+        <p:nvPicPr>
+          <p:cNvPr id="22" name="Picture 8">
+            <a:extLst>
+              <a:ext uri="{FF2B5EF4-FFF2-40B4-BE49-F238E27FC236}">
+                <a16:creationId xmlns:a16="http://schemas.microsoft.com/office/drawing/2014/main" id="{08550B58-0EED-5D41-E94A-F60A4482B048}"/>
+              </a:ext>
+            </a:extLst>
+          </p:cNvPr>
+          <p:cNvPicPr>
+            <a:picLocks noChangeAspect="1" noChangeArrowheads="1"/>
+          </p:cNvPicPr>
+          <p:nvPr/>
+        </p:nvPicPr>
+        <p:blipFill>
+          <a:blip r:embed="rId12" cstate="print">
+            <a:extLst>
+              <a:ext uri="{28A0092B-C50C-407E-A947-70E740481C1C}">
+                <a14:useLocalDpi xmlns:a14="http://schemas.microsoft.com/office/drawing/2010/main" val="0"/>
+              </a:ext>
+            </a:extLst>
+          </a:blip>
+          <a:srcRect/>
+          <a:stretch>
+            <a:fillRect/>
+          </a:stretch>
+        </p:blipFill>
+        <p:spPr bwMode="auto">
+          <a:xfrm>
+            <a:off x="2179928" y="4900090"/>
+            <a:ext cx="1397679" cy="1617459"/>
+          </a:xfrm>
+          <a:prstGeom prst="rect">
+            <a:avLst/>
+          </a:prstGeom>
+          <a:noFill/>
+          <a:extLst>
+            <a:ext uri="{909E8E84-426E-40DD-AFC4-6F175D3DCCD1}">
+              <a14:hiddenFill xmlns:a14="http://schemas.microsoft.com/office/drawing/2010/main">
+                <a:solidFill>
+                  <a:srgbClr val="FFFFFF"/>
+                </a:solidFill>
+              </a14:hiddenFill>
+            </a:ext>
+          </a:extLst>
+        </p:spPr>
+      </p:pic>
+      <p:pic>
+        <p:nvPicPr>
+          <p:cNvPr id="24" name="Picture 23" descr="tfrmt hex, which looks a bit like a blueprint with tfrmt written over it">
+            <a:extLst>
+              <a:ext uri="{FF2B5EF4-FFF2-40B4-BE49-F238E27FC236}">
+                <a16:creationId xmlns:a16="http://schemas.microsoft.com/office/drawing/2014/main" id="{7F36D174-C0CA-5ED4-1A28-4772E93E7498}"/>
+              </a:ext>
+            </a:extLst>
+          </p:cNvPr>
+          <p:cNvPicPr>
+            <a:picLocks noChangeAspect="1"/>
+          </p:cNvPicPr>
+          <p:nvPr/>
+        </p:nvPicPr>
+        <p:blipFill>
+          <a:blip r:embed="rId13" cstate="print">
+            <a:extLst>
+              <a:ext uri="{28A0092B-C50C-407E-A947-70E740481C1C}">
+                <a14:useLocalDpi xmlns:a14="http://schemas.microsoft.com/office/drawing/2010/main" val="0"/>
+              </a:ext>
+            </a:extLst>
+          </a:blip>
+          <a:stretch>
+            <a:fillRect/>
+          </a:stretch>
+        </p:blipFill>
+        <p:spPr>
+          <a:xfrm>
+            <a:off x="7028169" y="4625581"/>
+            <a:ext cx="1891968" cy="1891968"/>
+          </a:xfrm>
+          <a:prstGeom prst="rect">
+            <a:avLst/>
+          </a:prstGeom>
+        </p:spPr>
+      </p:pic>
+      <p:pic>
+        <p:nvPicPr>
+          <p:cNvPr id="28" name="Picture 4">
+            <a:extLst>
+              <a:ext uri="{FF2B5EF4-FFF2-40B4-BE49-F238E27FC236}">
+                <a16:creationId xmlns:a16="http://schemas.microsoft.com/office/drawing/2014/main" id="{250DF687-1143-CE6D-01FB-94ADE269B8EF}"/>
+              </a:ext>
+            </a:extLst>
+          </p:cNvPr>
+          <p:cNvPicPr>
+            <a:picLocks noChangeAspect="1" noChangeArrowheads="1"/>
+          </p:cNvPicPr>
+          <p:nvPr/>
+        </p:nvPicPr>
+        <p:blipFill>
+          <a:blip r:embed="rId14">
+            <a:extLst>
+              <a:ext uri="{28A0092B-C50C-407E-A947-70E740481C1C}">
+                <a14:useLocalDpi xmlns:a14="http://schemas.microsoft.com/office/drawing/2010/main" val="0"/>
+              </a:ext>
+            </a:extLst>
+          </a:blip>
+          <a:srcRect/>
+          <a:stretch>
+            <a:fillRect/>
+          </a:stretch>
+        </p:blipFill>
+        <p:spPr bwMode="auto">
+          <a:xfrm>
+            <a:off x="2324263" y="961135"/>
+            <a:ext cx="1362945" cy="1573890"/>
+          </a:xfrm>
+          <a:prstGeom prst="rect">
+            <a:avLst/>
+          </a:prstGeom>
+          <a:noFill/>
+          <a:extLst>
+            <a:ext uri="{909E8E84-426E-40DD-AFC4-6F175D3DCCD1}">
+              <a14:hiddenFill xmlns:a14="http://schemas.microsoft.com/office/drawing/2010/main">
+                <a:solidFill>
+                  <a:srgbClr val="FFFFFF"/>
+                </a:solidFill>
+              </a14:hiddenFill>
+            </a:ext>
+          </a:extLst>
+        </p:spPr>
+      </p:pic>
+      <p:pic>
+        <p:nvPicPr>
+          <p:cNvPr id="29" name="Picture 28">
+            <a:extLst>
+              <a:ext uri="{FF2B5EF4-FFF2-40B4-BE49-F238E27FC236}">
+                <a16:creationId xmlns:a16="http://schemas.microsoft.com/office/drawing/2014/main" id="{590D599C-A923-5D76-8473-F13DE0CD4192}"/>
+              </a:ext>
+            </a:extLst>
+          </p:cNvPr>
+          <p:cNvPicPr>
+            <a:picLocks noChangeAspect="1"/>
+          </p:cNvPicPr>
+          <p:nvPr/>
+        </p:nvPicPr>
+        <p:blipFill>
+          <a:blip r:embed="rId15"/>
+          <a:stretch>
+            <a:fillRect/>
+          </a:stretch>
+        </p:blipFill>
+        <p:spPr>
+          <a:xfrm>
+            <a:off x="8561303" y="4797292"/>
+            <a:ext cx="1646223" cy="1646223"/>
+          </a:xfrm>
+          <a:prstGeom prst="rect">
+            <a:avLst/>
+          </a:prstGeom>
+        </p:spPr>
+      </p:pic>
+      <p:pic>
+        <p:nvPicPr>
+          <p:cNvPr id="30" name="Picture 4">
+            <a:extLst>
+              <a:ext uri="{FF2B5EF4-FFF2-40B4-BE49-F238E27FC236}">
+                <a16:creationId xmlns:a16="http://schemas.microsoft.com/office/drawing/2014/main" id="{B97EF664-FF40-5241-7A53-94F1DA0F39BC}"/>
+              </a:ext>
+            </a:extLst>
+          </p:cNvPr>
+          <p:cNvPicPr>
+            <a:picLocks noChangeAspect="1" noChangeArrowheads="1"/>
+          </p:cNvPicPr>
+          <p:nvPr/>
+        </p:nvPicPr>
+        <p:blipFill>
+          <a:blip r:embed="rId16">
+            <a:extLst>
+              <a:ext uri="{28A0092B-C50C-407E-A947-70E740481C1C}">
+                <a14:useLocalDpi xmlns:a14="http://schemas.microsoft.com/office/drawing/2010/main" val="0"/>
+              </a:ext>
+            </a:extLst>
+          </a:blip>
+          <a:srcRect/>
+          <a:stretch>
+            <a:fillRect/>
+          </a:stretch>
+        </p:blipFill>
+        <p:spPr bwMode="auto">
+          <a:xfrm>
+            <a:off x="6393233" y="3554112"/>
+            <a:ext cx="1641124" cy="1641124"/>
+          </a:xfrm>
+          <a:prstGeom prst="rect">
+            <a:avLst/>
+          </a:prstGeom>
+          <a:noFill/>
+          <a:extLst>
+            <a:ext uri="{909E8E84-426E-40DD-AFC4-6F175D3DCCD1}">
+              <a14:hiddenFill xmlns:a14="http://schemas.microsoft.com/office/drawing/2010/main">
+                <a:solidFill>
+                  <a:srgbClr val="FFFFFF"/>
+                </a:solidFill>
+              </a14:hiddenFill>
+            </a:ext>
+          </a:extLst>
+        </p:spPr>
+      </p:pic>
+      <p:pic>
+        <p:nvPicPr>
+          <p:cNvPr id="31" name="Picture 2">
+            <a:extLst>
+              <a:ext uri="{FF2B5EF4-FFF2-40B4-BE49-F238E27FC236}">
+                <a16:creationId xmlns:a16="http://schemas.microsoft.com/office/drawing/2014/main" id="{77EBC324-F007-87C2-E3F0-23AC53494875}"/>
+              </a:ext>
+            </a:extLst>
+          </p:cNvPr>
+          <p:cNvPicPr>
+            <a:picLocks noChangeAspect="1" noChangeArrowheads="1"/>
+          </p:cNvPicPr>
+          <p:nvPr/>
+        </p:nvPicPr>
+        <p:blipFill>
+          <a:blip r:embed="rId17">
+            <a:extLst>
+              <a:ext uri="{28A0092B-C50C-407E-A947-70E740481C1C}">
+                <a14:useLocalDpi xmlns:a14="http://schemas.microsoft.com/office/drawing/2010/main" val="0"/>
+              </a:ext>
+            </a:extLst>
+          </a:blip>
+          <a:srcRect/>
+          <a:stretch>
+            <a:fillRect/>
+          </a:stretch>
+        </p:blipFill>
+        <p:spPr bwMode="auto">
+          <a:xfrm>
+            <a:off x="7813783" y="3557084"/>
+            <a:ext cx="1649259" cy="1649259"/>
+          </a:xfrm>
+          <a:prstGeom prst="rect">
+            <a:avLst/>
+          </a:prstGeom>
+          <a:noFill/>
+          <a:extLst>
+            <a:ext uri="{909E8E84-426E-40DD-AFC4-6F175D3DCCD1}">
+              <a14:hiddenFill xmlns:a14="http://schemas.microsoft.com/office/drawing/2010/main">
+                <a:solidFill>
+                  <a:srgbClr val="FFFFFF"/>
+                </a:solidFill>
+              </a14:hiddenFill>
+            </a:ext>
+          </a:extLst>
+        </p:spPr>
+      </p:pic>
+      <p:pic>
+        <p:nvPicPr>
+          <p:cNvPr id="33" name="Picture 32">
+            <a:extLst>
+              <a:ext uri="{FF2B5EF4-FFF2-40B4-BE49-F238E27FC236}">
+                <a16:creationId xmlns:a16="http://schemas.microsoft.com/office/drawing/2014/main" id="{468D0D54-6936-0EED-5202-EFDE5DD0B250}"/>
+              </a:ext>
+            </a:extLst>
+          </p:cNvPr>
+          <p:cNvPicPr>
+            <a:picLocks noChangeAspect="1"/>
+          </p:cNvPicPr>
+          <p:nvPr/>
+        </p:nvPicPr>
+        <p:blipFill>
+          <a:blip r:embed="rId15"/>
+          <a:stretch>
+            <a:fillRect/>
+          </a:stretch>
+        </p:blipFill>
+        <p:spPr>
+          <a:xfrm>
+            <a:off x="7492278" y="667444"/>
+            <a:ext cx="1541071" cy="1541071"/>
+          </a:xfrm>
+          <a:prstGeom prst="rect">
+            <a:avLst/>
+          </a:prstGeom>
+        </p:spPr>
+      </p:pic>
+      <p:pic>
+        <p:nvPicPr>
+          <p:cNvPr id="3" name="Picture 2">
+            <a:extLst>
+              <a:ext uri="{FF2B5EF4-FFF2-40B4-BE49-F238E27FC236}">
+                <a16:creationId xmlns:a16="http://schemas.microsoft.com/office/drawing/2014/main" id="{436BDBAC-2D25-4A55-EFA8-81C379154E75}"/>
+              </a:ext>
+            </a:extLst>
+          </p:cNvPr>
+          <p:cNvPicPr>
+            <a:picLocks noChangeAspect="1"/>
+          </p:cNvPicPr>
+          <p:nvPr/>
+        </p:nvPicPr>
+        <p:blipFill>
+          <a:blip r:embed="rId18"/>
+          <a:stretch>
+            <a:fillRect/>
+          </a:stretch>
+        </p:blipFill>
+        <p:spPr>
+          <a:xfrm>
+            <a:off x="3612675" y="4893915"/>
+            <a:ext cx="1397679" cy="1617372"/>
+          </a:xfrm>
+          <a:prstGeom prst="rect">
+            <a:avLst/>
+          </a:prstGeom>
+        </p:spPr>
+      </p:pic>
+      <p:pic>
+        <p:nvPicPr>
+          <p:cNvPr id="51" name="Picture 50">
+            <a:extLst>
+              <a:ext uri="{FF2B5EF4-FFF2-40B4-BE49-F238E27FC236}">
+                <a16:creationId xmlns:a16="http://schemas.microsoft.com/office/drawing/2014/main" id="{9BCDFDB1-E74E-500E-5458-2D27FD8E914C}"/>
+              </a:ext>
+            </a:extLst>
+          </p:cNvPr>
+          <p:cNvPicPr>
+            <a:picLocks noChangeAspect="1"/>
+          </p:cNvPicPr>
+          <p:nvPr/>
+        </p:nvPicPr>
+        <p:blipFill>
+          <a:blip r:embed="rId19"/>
+          <a:stretch>
+            <a:fillRect/>
+          </a:stretch>
+        </p:blipFill>
+        <p:spPr>
+          <a:xfrm>
+            <a:off x="6191775" y="726943"/>
+            <a:ext cx="1482162" cy="1482162"/>
+          </a:xfrm>
+          <a:prstGeom prst="rect">
+            <a:avLst/>
+          </a:prstGeom>
+        </p:spPr>
+      </p:pic>
+      <p:pic>
+        <p:nvPicPr>
+          <p:cNvPr id="52" name="Picture 51">
+            <a:extLst>
+              <a:ext uri="{FF2B5EF4-FFF2-40B4-BE49-F238E27FC236}">
+                <a16:creationId xmlns:a16="http://schemas.microsoft.com/office/drawing/2014/main" id="{EC027FC5-D6CC-D304-B0A4-2F337767E6C8}"/>
+              </a:ext>
+            </a:extLst>
+          </p:cNvPr>
+          <p:cNvPicPr>
+            <a:picLocks noChangeAspect="1"/>
+          </p:cNvPicPr>
+          <p:nvPr/>
+        </p:nvPicPr>
+        <p:blipFill>
+          <a:blip r:embed="rId20"/>
+          <a:stretch>
+            <a:fillRect/>
+          </a:stretch>
+        </p:blipFill>
+        <p:spPr>
+          <a:xfrm>
+            <a:off x="8831778" y="696097"/>
+            <a:ext cx="1421270" cy="1423639"/>
+          </a:xfrm>
+          <a:prstGeom prst="rect">
+            <a:avLst/>
+          </a:prstGeom>
+        </p:spPr>
+      </p:pic>
+      <p:grpSp>
+        <p:nvGrpSpPr>
+          <p:cNvPr id="54" name="Group 53">
+            <a:extLst>
+              <a:ext uri="{FF2B5EF4-FFF2-40B4-BE49-F238E27FC236}">
+                <a16:creationId xmlns:a16="http://schemas.microsoft.com/office/drawing/2014/main" id="{DD2407FC-C0B3-DFB4-4A9D-27A9D43B4EEA}"/>
+              </a:ext>
+            </a:extLst>
+          </p:cNvPr>
+          <p:cNvGrpSpPr/>
+          <p:nvPr/>
+        </p:nvGrpSpPr>
+        <p:grpSpPr>
+          <a:xfrm>
+            <a:off x="6786618" y="2554170"/>
+            <a:ext cx="801106" cy="785940"/>
+            <a:chOff x="7313489" y="4059253"/>
+            <a:chExt cx="914400" cy="930324"/>
+          </a:xfrm>
+        </p:grpSpPr>
+        <p:pic>
+          <p:nvPicPr>
+            <p:cNvPr id="55" name="Graphic 54" descr="Tent with solid fill">
+              <a:extLst>
+                <a:ext uri="{FF2B5EF4-FFF2-40B4-BE49-F238E27FC236}">
+                  <a16:creationId xmlns:a16="http://schemas.microsoft.com/office/drawing/2014/main" id="{1FE4BB8C-5C41-130D-7C07-70C62EEC6915}"/>
+                </a:ext>
+              </a:extLst>
+            </p:cNvPr>
+            <p:cNvPicPr>
+              <a:picLocks noChangeAspect="1"/>
+            </p:cNvPicPr>
+            <p:nvPr/>
+          </p:nvPicPr>
+          <p:blipFill>
+            <a:blip r:embed="rId6">
+              <a:extLst>
+                <a:ext uri="{28A0092B-C50C-407E-A947-70E740481C1C}">
+                  <a14:useLocalDpi xmlns:a14="http://schemas.microsoft.com/office/drawing/2010/main" val="0"/>
+                </a:ext>
+                <a:ext uri="{96DAC541-7B7A-43D3-8B79-37D633B846F1}">
+                  <asvg:svgBlip xmlns:asvg="http://schemas.microsoft.com/office/drawing/2016/SVG/main" r:embed="rId7"/>
+                </a:ext>
+              </a:extLst>
+            </a:blip>
+            <a:stretch>
+              <a:fillRect/>
+            </a:stretch>
+          </p:blipFill>
+          <p:spPr>
+            <a:xfrm>
+              <a:off x="7313489" y="4075177"/>
+              <a:ext cx="914400" cy="914400"/>
+            </a:xfrm>
+            <a:prstGeom prst="rect">
+              <a:avLst/>
+            </a:prstGeom>
+          </p:spPr>
+        </p:pic>
+        <p:pic>
+          <p:nvPicPr>
+            <p:cNvPr id="56" name="Graphic 55" descr="Tent outline">
+              <a:extLst>
+                <a:ext uri="{FF2B5EF4-FFF2-40B4-BE49-F238E27FC236}">
+                  <a16:creationId xmlns:a16="http://schemas.microsoft.com/office/drawing/2014/main" id="{9F701B7D-CC47-27F3-5EE2-DAE66B60B7EB}"/>
+                </a:ext>
+              </a:extLst>
+            </p:cNvPr>
+            <p:cNvPicPr>
+              <a:picLocks noChangeAspect="1"/>
+            </p:cNvPicPr>
+            <p:nvPr/>
+          </p:nvPicPr>
+          <p:blipFill>
+            <a:blip r:embed="rId8">
+              <a:extLst>
+                <a:ext uri="{28A0092B-C50C-407E-A947-70E740481C1C}">
+                  <a14:useLocalDpi xmlns:a14="http://schemas.microsoft.com/office/drawing/2010/main" val="0"/>
+                </a:ext>
+                <a:ext uri="{96DAC541-7B7A-43D3-8B79-37D633B846F1}">
+                  <asvg:svgBlip xmlns:asvg="http://schemas.microsoft.com/office/drawing/2016/SVG/main" r:embed="rId9"/>
+                </a:ext>
+              </a:extLst>
+            </a:blip>
+            <a:stretch>
+              <a:fillRect/>
+            </a:stretch>
+          </p:blipFill>
+          <p:spPr>
+            <a:xfrm>
+              <a:off x="7313489" y="4059253"/>
+              <a:ext cx="914400" cy="914400"/>
+            </a:xfrm>
+            <a:prstGeom prst="rect">
+              <a:avLst/>
+            </a:prstGeom>
+          </p:spPr>
+        </p:pic>
+      </p:grpSp>
+      <p:sp>
+        <p:nvSpPr>
+          <p:cNvPr id="57" name="TextBox 56">
+            <a:extLst>
+              <a:ext uri="{FF2B5EF4-FFF2-40B4-BE49-F238E27FC236}">
+                <a16:creationId xmlns:a16="http://schemas.microsoft.com/office/drawing/2014/main" id="{1C4396B0-B1F6-D3A0-9A24-DB63C86735FB}"/>
+              </a:ext>
+            </a:extLst>
+          </p:cNvPr>
+          <p:cNvSpPr txBox="1"/>
+          <p:nvPr/>
+        </p:nvSpPr>
+        <p:spPr>
+          <a:xfrm>
+            <a:off x="3042319" y="2567481"/>
+            <a:ext cx="914400" cy="914400"/>
+          </a:xfrm>
+          <a:prstGeom prst="rect">
+            <a:avLst/>
+          </a:prstGeom>
+          <a:noFill/>
+        </p:spPr>
+        <p:txBody>
+          <a:bodyPr wrap="none" lIns="180000" tIns="180000" rIns="180000" bIns="180000" rtlCol="0">
+            <a:normAutofit/>
+          </a:bodyPr>
+          <a:lstStyle/>
+          <a:p>
+            <a:pPr algn="l">
+              <a:spcBef>
+                <a:spcPts val="300"/>
+              </a:spcBef>
+              <a:spcAft>
+                <a:spcPts val="300"/>
+              </a:spcAft>
+              <a:buClr>
+                <a:schemeClr val="tx2"/>
+              </a:buClr>
+              <a:buSzPct val="110000"/>
+            </a:pPr>
+            <a:r>
+              <a:rPr lang="en-GB" sz="3200" dirty="0" err="1"/>
+              <a:t>ADaMs</a:t>
+            </a:r>
+            <a:endParaRPr lang="en-GB" sz="2800" dirty="0"/>
+          </a:p>
+        </p:txBody>
+      </p:sp>
+      <p:pic>
+        <p:nvPicPr>
+          <p:cNvPr id="2050" name="Picture 2">
+            <a:extLst>
+              <a:ext uri="{FF2B5EF4-FFF2-40B4-BE49-F238E27FC236}">
+                <a16:creationId xmlns:a16="http://schemas.microsoft.com/office/drawing/2014/main" id="{51207915-3DCE-FF75-60A7-16C61EEAAADB}"/>
+              </a:ext>
+            </a:extLst>
+          </p:cNvPr>
+          <p:cNvPicPr>
+            <a:picLocks noChangeAspect="1" noChangeArrowheads="1"/>
+          </p:cNvPicPr>
+          <p:nvPr/>
+        </p:nvPicPr>
+        <p:blipFill>
+          <a:blip r:embed="rId21">
+            <a:extLst>
+              <a:ext uri="{28A0092B-C50C-407E-A947-70E740481C1C}">
+                <a14:useLocalDpi xmlns:a14="http://schemas.microsoft.com/office/drawing/2010/main" val="0"/>
+              </a:ext>
+            </a:extLst>
+          </a:blip>
+          <a:srcRect/>
+          <a:stretch>
+            <a:fillRect/>
+          </a:stretch>
+        </p:blipFill>
+        <p:spPr bwMode="auto">
+          <a:xfrm>
+            <a:off x="10141486" y="713616"/>
+            <a:ext cx="1212314" cy="1399570"/>
+          </a:xfrm>
+          <a:prstGeom prst="rect">
+            <a:avLst/>
+          </a:prstGeom>
+          <a:noFill/>
+          <a:extLst>
+            <a:ext uri="{909E8E84-426E-40DD-AFC4-6F175D3DCCD1}">
+              <a14:hiddenFill xmlns:a14="http://schemas.microsoft.com/office/drawing/2010/main">
+                <a:solidFill>
+                  <a:srgbClr val="FFFFFF"/>
+                </a:solidFill>
+              </a14:hiddenFill>
+            </a:ext>
+          </a:extLst>
+        </p:spPr>
+      </p:pic>
+    </p:spTree>
+    <p:extLst>
+      <p:ext uri="{BB962C8B-B14F-4D97-AF65-F5344CB8AC3E}">
+        <p14:creationId xmlns:p14="http://schemas.microsoft.com/office/powerpoint/2010/main" val="3046238950"/>
+      </p:ext>
+    </p:extLst>
+  </p:cSld>
+  <p:clrMapOvr>
+    <a:masterClrMapping/>
+  </p:clrMapOvr>
+  <p:timing>
+    <p:tnLst>
+      <p:par>
+        <p:cTn id="1" dur="indefinite" restart="never" nodeType="tmRoot">
+          <p:childTnLst>
+            <p:seq concurrent="1" nextAc="seek">
+              <p:cTn id="2" dur="indefinite" nodeType="mainSeq">
+                <p:childTnLst>
+                  <p:par>
+                    <p:cTn id="3" fill="hold">
+                      <p:stCondLst>
+                        <p:cond delay="indefinite"/>
+                      </p:stCondLst>
+                      <p:childTnLst>
+                        <p:par>
+                          <p:cTn id="4" fill="hold">
+                            <p:stCondLst>
+                              <p:cond delay="0"/>
+                            </p:stCondLst>
+                            <p:childTnLst>
+                              <p:par>
+                                <p:cTn id="5" presetID="63" presetClass="path" presetSubtype="0" accel="50000" decel="50000" fill="hold" nodeType="clickEffect">
+                                  <p:stCondLst>
+                                    <p:cond delay="0"/>
+                                  </p:stCondLst>
+                                  <p:childTnLst>
+                                    <p:animMotion origin="layout" path="M -1.875E-6 -7.40741E-7 L 0.09636 -7.40741E-7 " pathEditMode="relative" rAng="0" ptsTypes="AA">
+                                      <p:cBhvr>
+                                        <p:cTn id="6" dur="2000" fill="hold"/>
+                                        <p:tgtEl>
+                                          <p:spTgt spid="8"/>
+                                        </p:tgtEl>
+                                        <p:attrNameLst>
+                                          <p:attrName>ppt_x</p:attrName>
+                                          <p:attrName>ppt_y</p:attrName>
+                                        </p:attrNameLst>
+                                      </p:cBhvr>
+                                      <p:rCtr x="4818" y="0"/>
+                                    </p:animMotion>
+                                  </p:childTnLst>
+                                </p:cTn>
+                              </p:par>
+                              <p:par>
+                                <p:cTn id="7" presetID="32" presetClass="emph" presetSubtype="0" fill="hold" nodeType="withEffect">
+                                  <p:stCondLst>
+                                    <p:cond delay="750"/>
+                                  </p:stCondLst>
+                                  <p:childTnLst>
+                                    <p:animRot by="120000">
+                                      <p:cBhvr>
+                                        <p:cTn id="8" dur="100" fill="hold">
+                                          <p:stCondLst>
+                                            <p:cond delay="0"/>
+                                          </p:stCondLst>
+                                        </p:cTn>
+                                        <p:tgtEl>
+                                          <p:spTgt spid="20"/>
+                                        </p:tgtEl>
+                                        <p:attrNameLst>
+                                          <p:attrName>r</p:attrName>
+                                        </p:attrNameLst>
+                                      </p:cBhvr>
+                                    </p:animRot>
+                                    <p:animRot by="-240000">
+                                      <p:cBhvr>
+                                        <p:cTn id="9" dur="200" fill="hold">
+                                          <p:stCondLst>
+                                            <p:cond delay="200"/>
+                                          </p:stCondLst>
+                                        </p:cTn>
+                                        <p:tgtEl>
+                                          <p:spTgt spid="20"/>
+                                        </p:tgtEl>
+                                        <p:attrNameLst>
+                                          <p:attrName>r</p:attrName>
+                                        </p:attrNameLst>
+                                      </p:cBhvr>
+                                    </p:animRot>
+                                    <p:animRot by="240000">
+                                      <p:cBhvr>
+                                        <p:cTn id="10" dur="200" fill="hold">
+                                          <p:stCondLst>
+                                            <p:cond delay="400"/>
+                                          </p:stCondLst>
+                                        </p:cTn>
+                                        <p:tgtEl>
+                                          <p:spTgt spid="20"/>
+                                        </p:tgtEl>
+                                        <p:attrNameLst>
+                                          <p:attrName>r</p:attrName>
+                                        </p:attrNameLst>
+                                      </p:cBhvr>
+                                    </p:animRot>
+                                    <p:animRot by="-240000">
+                                      <p:cBhvr>
+                                        <p:cTn id="11" dur="200" fill="hold">
+                                          <p:stCondLst>
+                                            <p:cond delay="600"/>
+                                          </p:stCondLst>
+                                        </p:cTn>
+                                        <p:tgtEl>
+                                          <p:spTgt spid="20"/>
+                                        </p:tgtEl>
+                                        <p:attrNameLst>
+                                          <p:attrName>r</p:attrName>
+                                        </p:attrNameLst>
+                                      </p:cBhvr>
+                                    </p:animRot>
+                                    <p:animRot by="120000">
+                                      <p:cBhvr>
+                                        <p:cTn id="12" dur="200" fill="hold">
+                                          <p:stCondLst>
+                                            <p:cond delay="800"/>
+                                          </p:stCondLst>
+                                        </p:cTn>
+                                        <p:tgtEl>
+                                          <p:spTgt spid="20"/>
+                                        </p:tgtEl>
+                                        <p:attrNameLst>
+                                          <p:attrName>r</p:attrName>
+                                        </p:attrNameLst>
+                                      </p:cBhvr>
+                                    </p:animRot>
+                                  </p:childTnLst>
+                                </p:cTn>
+                              </p:par>
+                              <p:par>
+                                <p:cTn id="13" presetID="32" presetClass="emph" presetSubtype="0" fill="hold" nodeType="withEffect">
+                                  <p:stCondLst>
+                                    <p:cond delay="750"/>
+                                  </p:stCondLst>
+                                  <p:childTnLst>
+                                    <p:animRot by="120000">
+                                      <p:cBhvr>
+                                        <p:cTn id="14" dur="100" fill="hold">
+                                          <p:stCondLst>
+                                            <p:cond delay="0"/>
+                                          </p:stCondLst>
+                                        </p:cTn>
+                                        <p:tgtEl>
+                                          <p:spTgt spid="3"/>
+                                        </p:tgtEl>
+                                        <p:attrNameLst>
+                                          <p:attrName>r</p:attrName>
+                                        </p:attrNameLst>
+                                      </p:cBhvr>
+                                    </p:animRot>
+                                    <p:animRot by="-240000">
+                                      <p:cBhvr>
+                                        <p:cTn id="15" dur="200" fill="hold">
+                                          <p:stCondLst>
+                                            <p:cond delay="200"/>
+                                          </p:stCondLst>
+                                        </p:cTn>
+                                        <p:tgtEl>
+                                          <p:spTgt spid="3"/>
+                                        </p:tgtEl>
+                                        <p:attrNameLst>
+                                          <p:attrName>r</p:attrName>
+                                        </p:attrNameLst>
+                                      </p:cBhvr>
+                                    </p:animRot>
+                                    <p:animRot by="240000">
+                                      <p:cBhvr>
+                                        <p:cTn id="16" dur="200" fill="hold">
+                                          <p:stCondLst>
+                                            <p:cond delay="400"/>
+                                          </p:stCondLst>
+                                        </p:cTn>
+                                        <p:tgtEl>
+                                          <p:spTgt spid="3"/>
+                                        </p:tgtEl>
+                                        <p:attrNameLst>
+                                          <p:attrName>r</p:attrName>
+                                        </p:attrNameLst>
+                                      </p:cBhvr>
+                                    </p:animRot>
+                                    <p:animRot by="-240000">
+                                      <p:cBhvr>
+                                        <p:cTn id="17" dur="200" fill="hold">
+                                          <p:stCondLst>
+                                            <p:cond delay="600"/>
+                                          </p:stCondLst>
+                                        </p:cTn>
+                                        <p:tgtEl>
+                                          <p:spTgt spid="3"/>
+                                        </p:tgtEl>
+                                        <p:attrNameLst>
+                                          <p:attrName>r</p:attrName>
+                                        </p:attrNameLst>
+                                      </p:cBhvr>
+                                    </p:animRot>
+                                    <p:animRot by="120000">
+                                      <p:cBhvr>
+                                        <p:cTn id="18" dur="200" fill="hold">
+                                          <p:stCondLst>
+                                            <p:cond delay="800"/>
+                                          </p:stCondLst>
+                                        </p:cTn>
+                                        <p:tgtEl>
+                                          <p:spTgt spid="3"/>
+                                        </p:tgtEl>
+                                        <p:attrNameLst>
+                                          <p:attrName>r</p:attrName>
+                                        </p:attrNameLst>
+                                      </p:cBhvr>
+                                    </p:animRot>
+                                  </p:childTnLst>
+                                </p:cTn>
+                              </p:par>
+                            </p:childTnLst>
+                          </p:cTn>
+                        </p:par>
+                      </p:childTnLst>
+                    </p:cTn>
+                  </p:par>
+                </p:childTnLst>
+              </p:cTn>
+              <p:prevCondLst>
+                <p:cond evt="onPrev" delay="0">
+                  <p:tgtEl>
+                    <p:sldTgt/>
+                  </p:tgtEl>
+                </p:cond>
+              </p:prevCondLst>
+              <p:nextCondLst>
+                <p:cond evt="onNext" delay="0">
+                  <p:tgtEl>
+                    <p:sldTgt/>
+                  </p:tgtEl>
+                </p:cond>
+              </p:nextCondLst>
+            </p:seq>
+          </p:childTnLst>
+        </p:cTn>
+      </p:par>
+    </p:tnLst>
+  </p:timing>
+</p:sld>
+</file>
+
+<file path=ppt/slides/slide7.xml><?xml version="1.0" encoding="utf-8"?>
 <p:sld xmlns:a="http://schemas.openxmlformats.org/drawingml/2006/main" xmlns:r="http://schemas.openxmlformats.org/officeDocument/2006/relationships" xmlns:p="http://schemas.openxmlformats.org/presentationml/2006/main">
   <p:cSld>
     <p:spTree>
@@ -8106,7 +14206,7 @@
 </p:sld>
 </file>
 
-<file path=ppt/slides/slide4.xml><?xml version="1.0" encoding="utf-8"?>
+<file path=ppt/slides/slide8.xml><?xml version="1.0" encoding="utf-8"?>
 <p:sld xmlns:a="http://schemas.openxmlformats.org/drawingml/2006/main" xmlns:r="http://schemas.openxmlformats.org/officeDocument/2006/relationships" xmlns:p="http://schemas.openxmlformats.org/presentationml/2006/main">
   <p:cSld>
     <p:spTree>
@@ -8246,7 +14346,7 @@
 </p:sld>
 </file>
 
-<file path=ppt/slides/slide5.xml><?xml version="1.0" encoding="utf-8"?>
+<file path=ppt/slides/slide9.xml><?xml version="1.0" encoding="utf-8"?>
 <p:sld xmlns:a="http://schemas.openxmlformats.org/drawingml/2006/main" xmlns:r="http://schemas.openxmlformats.org/officeDocument/2006/relationships" xmlns:p="http://schemas.openxmlformats.org/presentationml/2006/main">
   <p:cSld>
     <p:spTree>
@@ -8352,1015 +14452,6 @@
         <p14:creationId xmlns:p14="http://schemas.microsoft.com/office/powerpoint/2010/main" val="1309209726"/>
       </p:ext>
     </p:extLst>
-  </p:cSld>
-  <p:clrMapOvr>
-    <a:masterClrMapping/>
-  </p:clrMapOvr>
-</p:sld>
-</file>
-
-<file path=ppt/slides/slide6.xml><?xml version="1.0" encoding="utf-8"?>
-<p:sld xmlns:a="http://schemas.openxmlformats.org/drawingml/2006/main" xmlns:r="http://schemas.openxmlformats.org/officeDocument/2006/relationships" xmlns:p="http://schemas.openxmlformats.org/presentationml/2006/main">
-  <p:cSld>
-    <p:spTree>
-      <p:nvGrpSpPr>
-        <p:cNvPr id="1" name=""/>
-        <p:cNvGrpSpPr/>
-        <p:nvPr/>
-      </p:nvGrpSpPr>
-      <p:grpSpPr>
-        <a:xfrm>
-          <a:off x="0" y="0"/>
-          <a:ext cx="0" cy="0"/>
-          <a:chOff x="0" y="0"/>
-          <a:chExt cx="0" cy="0"/>
-        </a:xfrm>
-      </p:grpSpPr>
-      <p:sp>
-        <p:nvSpPr>
-          <p:cNvPr id="2" name="Title 1">
-            <a:extLst>
-              <a:ext uri="{FF2B5EF4-FFF2-40B4-BE49-F238E27FC236}">
-                <a16:creationId xmlns:a16="http://schemas.microsoft.com/office/drawing/2014/main" id="{9D486CFA-7D61-139F-D867-E6F4DAECF596}"/>
-              </a:ext>
-            </a:extLst>
-          </p:cNvPr>
-          <p:cNvSpPr>
-            <a:spLocks noGrp="1"/>
-          </p:cNvSpPr>
-          <p:nvPr>
-            <p:ph type="title"/>
-          </p:nvPr>
-        </p:nvSpPr>
-        <p:spPr/>
-        <p:txBody>
-          <a:bodyPr/>
-          <a:lstStyle/>
-          <a:p>
-            <a:r>
-              <a:rPr lang="en-US" b="1" dirty="0"/>
-              <a:t>Why contribute</a:t>
-            </a:r>
-            <a:r>
-              <a:rPr lang="en-US" dirty="0"/>
-              <a:t> to the </a:t>
-            </a:r>
-            <a:r>
-              <a:rPr lang="en-US" dirty="0" err="1"/>
-              <a:t>pharmaverse</a:t>
-            </a:r>
-            <a:r>
-              <a:rPr lang="en-US" dirty="0"/>
-              <a:t>?</a:t>
-            </a:r>
-          </a:p>
-        </p:txBody>
-      </p:sp>
-      <p:sp>
-        <p:nvSpPr>
-          <p:cNvPr id="3" name="Content Placeholder 2">
-            <a:extLst>
-              <a:ext uri="{FF2B5EF4-FFF2-40B4-BE49-F238E27FC236}">
-                <a16:creationId xmlns:a16="http://schemas.microsoft.com/office/drawing/2014/main" id="{94BF499B-E905-8927-ACC6-A4DAB2D58F85}"/>
-              </a:ext>
-            </a:extLst>
-          </p:cNvPr>
-          <p:cNvSpPr>
-            <a:spLocks noGrp="1"/>
-          </p:cNvSpPr>
-          <p:nvPr>
-            <p:ph idx="1"/>
-          </p:nvPr>
-        </p:nvSpPr>
-        <p:spPr/>
-        <p:txBody>
-          <a:bodyPr/>
-          <a:lstStyle/>
-          <a:p>
-            <a:r>
-              <a:rPr lang="en-US" dirty="0"/>
-              <a:t>So many reasons…</a:t>
-            </a:r>
-          </a:p>
-        </p:txBody>
-      </p:sp>
-      <p:sp>
-        <p:nvSpPr>
-          <p:cNvPr id="4" name="Title 1">
-            <a:extLst>
-              <a:ext uri="{FF2B5EF4-FFF2-40B4-BE49-F238E27FC236}">
-                <a16:creationId xmlns:a16="http://schemas.microsoft.com/office/drawing/2014/main" id="{927D2DE0-5A5B-5A51-9851-9536B6995530}"/>
-              </a:ext>
-            </a:extLst>
-          </p:cNvPr>
-          <p:cNvSpPr txBox="1">
-            <a:spLocks/>
-          </p:cNvSpPr>
-          <p:nvPr/>
-        </p:nvSpPr>
-        <p:spPr>
-          <a:xfrm>
-            <a:off x="838200" y="812006"/>
-            <a:ext cx="10515600" cy="1325563"/>
-          </a:xfrm>
-          <a:prstGeom prst="rect">
-            <a:avLst/>
-          </a:prstGeom>
-        </p:spPr>
-        <p:txBody>
-          <a:bodyPr vert="horz" lIns="91440" tIns="45720" rIns="91440" bIns="45720" rtlCol="0" anchor="ctr">
-            <a:normAutofit/>
-          </a:bodyPr>
-          <a:lstStyle>
-            <a:lvl1pPr algn="l" defTabSz="914400" rtl="0" eaLnBrk="1" latinLnBrk="0" hangingPunct="1">
-              <a:lnSpc>
-                <a:spcPct val="90000"/>
-              </a:lnSpc>
-              <a:spcBef>
-                <a:spcPct val="0"/>
-              </a:spcBef>
-              <a:buNone/>
-              <a:defRPr sz="4400" kern="1200">
-                <a:solidFill>
-                  <a:schemeClr val="tx1"/>
-                </a:solidFill>
-                <a:latin typeface="+mj-lt"/>
-                <a:ea typeface="+mj-ea"/>
-                <a:cs typeface="+mj-cs"/>
-              </a:defRPr>
-            </a:lvl1pPr>
-          </a:lstStyle>
-          <a:p>
-            <a:r>
-              <a:rPr lang="en-US" sz="2400" b="1" dirty="0"/>
-              <a:t>…or open-source in general</a:t>
-            </a:r>
-            <a:endParaRPr lang="en-US" sz="2400" dirty="0"/>
-          </a:p>
-        </p:txBody>
-      </p:sp>
-    </p:spTree>
-    <p:extLst>
-      <p:ext uri="{BB962C8B-B14F-4D97-AF65-F5344CB8AC3E}">
-        <p14:creationId xmlns:p14="http://schemas.microsoft.com/office/powerpoint/2010/main" val="628924105"/>
-      </p:ext>
-    </p:extLst>
-  </p:cSld>
-  <p:clrMapOvr>
-    <a:masterClrMapping/>
-  </p:clrMapOvr>
-</p:sld>
-</file>
-
-<file path=ppt/slides/slide7.xml><?xml version="1.0" encoding="utf-8"?>
-<p:sld xmlns:a="http://schemas.openxmlformats.org/drawingml/2006/main" xmlns:r="http://schemas.openxmlformats.org/officeDocument/2006/relationships" xmlns:p="http://schemas.openxmlformats.org/presentationml/2006/main">
-  <p:cSld>
-    <p:spTree>
-      <p:nvGrpSpPr>
-        <p:cNvPr id="1" name="Shape 229"/>
-        <p:cNvGrpSpPr/>
-        <p:nvPr/>
-      </p:nvGrpSpPr>
-      <p:grpSpPr>
-        <a:xfrm>
-          <a:off x="0" y="0"/>
-          <a:ext cx="0" cy="0"/>
-          <a:chOff x="0" y="0"/>
-          <a:chExt cx="0" cy="0"/>
-        </a:xfrm>
-      </p:grpSpPr>
-      <p:pic>
-        <p:nvPicPr>
-          <p:cNvPr id="230" name="Google Shape;230;p21" descr="A picture containing electronics&#10;&#10;Description automatically generated"/>
-          <p:cNvPicPr preferRelativeResize="0"/>
-          <p:nvPr/>
-        </p:nvPicPr>
-        <p:blipFill rotWithShape="1">
-          <a:blip r:embed="rId3">
-            <a:alphaModFix/>
-          </a:blip>
-          <a:srcRect t="13406" b="32624"/>
-          <a:stretch/>
-        </p:blipFill>
-        <p:spPr>
-          <a:xfrm>
-            <a:off x="0" y="2916185"/>
-            <a:ext cx="12192000" cy="2495551"/>
-          </a:xfrm>
-          <a:custGeom>
-            <a:avLst/>
-            <a:gdLst/>
-            <a:ahLst/>
-            <a:cxnLst/>
-            <a:rect l="l" t="t" r="r" b="b"/>
-            <a:pathLst>
-              <a:path w="9144000" h="1871663" extrusionOk="0">
-                <a:moveTo>
-                  <a:pt x="0" y="0"/>
-                </a:moveTo>
-                <a:lnTo>
-                  <a:pt x="9144000" y="0"/>
-                </a:lnTo>
-                <a:lnTo>
-                  <a:pt x="9144000" y="1871663"/>
-                </a:lnTo>
-                <a:lnTo>
-                  <a:pt x="0" y="1871663"/>
-                </a:lnTo>
-                <a:close/>
-              </a:path>
-            </a:pathLst>
-          </a:custGeom>
-          <a:noFill/>
-          <a:ln>
-            <a:noFill/>
-          </a:ln>
-        </p:spPr>
-      </p:pic>
-      <p:sp>
-        <p:nvSpPr>
-          <p:cNvPr id="231" name="Google Shape;231;p21" descr="Chapter Title"/>
-          <p:cNvSpPr txBox="1">
-            <a:spLocks noGrp="1"/>
-          </p:cNvSpPr>
-          <p:nvPr>
-            <p:ph type="title"/>
-          </p:nvPr>
-        </p:nvSpPr>
-        <p:spPr>
-          <a:xfrm>
-            <a:off x="761933" y="576900"/>
-            <a:ext cx="9908800" cy="508800"/>
-          </a:xfrm>
-          <a:prstGeom prst="rect">
-            <a:avLst/>
-          </a:prstGeom>
-        </p:spPr>
-        <p:txBody>
-          <a:bodyPr spcFirstLastPara="1" vert="horz" wrap="square" lIns="0" tIns="121900" rIns="121900" bIns="121900" rtlCol="0" anchor="t" anchorCtr="0">
-            <a:noAutofit/>
-          </a:bodyPr>
-          <a:lstStyle/>
-          <a:p>
-            <a:r>
-              <a:rPr lang="en" dirty="0"/>
-              <a:t>I. Collaboration</a:t>
-            </a:r>
-            <a:endParaRPr dirty="0"/>
-          </a:p>
-        </p:txBody>
-      </p:sp>
-      <p:sp>
-        <p:nvSpPr>
-          <p:cNvPr id="232" name="Google Shape;232;p21"/>
-          <p:cNvSpPr txBox="1">
-            <a:spLocks noGrp="1"/>
-          </p:cNvSpPr>
-          <p:nvPr>
-            <p:ph type="subTitle" idx="1"/>
-          </p:nvPr>
-        </p:nvSpPr>
-        <p:spPr>
-          <a:xfrm>
-            <a:off x="761933" y="1084800"/>
-            <a:ext cx="9908800" cy="432000"/>
-          </a:xfrm>
-          <a:prstGeom prst="rect">
-            <a:avLst/>
-          </a:prstGeom>
-        </p:spPr>
-        <p:txBody>
-          <a:bodyPr spcFirstLastPara="1" vert="horz" wrap="square" lIns="0" tIns="0" rIns="121900" bIns="24000" rtlCol="0" anchor="t" anchorCtr="0">
-            <a:noAutofit/>
-          </a:bodyPr>
-          <a:lstStyle/>
-          <a:p>
-            <a:pPr marL="0" indent="0"/>
-            <a:endParaRPr dirty="0"/>
-          </a:p>
-        </p:txBody>
-      </p:sp>
-      <p:sp>
-        <p:nvSpPr>
-          <p:cNvPr id="233" name="Google Shape;233;p21"/>
-          <p:cNvSpPr/>
-          <p:nvPr/>
-        </p:nvSpPr>
-        <p:spPr>
-          <a:xfrm>
-            <a:off x="0" y="2916167"/>
-            <a:ext cx="12192000" cy="2495600"/>
-          </a:xfrm>
-          <a:prstGeom prst="rect">
-            <a:avLst/>
-          </a:prstGeom>
-          <a:solidFill>
-            <a:srgbClr val="022366">
-              <a:alpha val="84710"/>
-            </a:srgbClr>
-          </a:solidFill>
-          <a:ln>
-            <a:noFill/>
-          </a:ln>
-          <a:effectLst>
-            <a:outerShdw blurRad="57150" dist="19050" dir="5400000" algn="bl" rotWithShape="0">
-              <a:srgbClr val="000000">
-                <a:alpha val="30000"/>
-              </a:srgbClr>
-            </a:outerShdw>
-          </a:effectLst>
-        </p:spPr>
-        <p:txBody>
-          <a:bodyPr spcFirstLastPara="1" wrap="square" lIns="121900" tIns="60933" rIns="121900" bIns="60933" anchor="ctr" anchorCtr="0">
-            <a:noAutofit/>
-          </a:bodyPr>
-          <a:lstStyle/>
-          <a:p>
-            <a:pPr algn="ctr"/>
-            <a:endParaRPr sz="1867" dirty="0">
-              <a:solidFill>
-                <a:srgbClr val="1482FA"/>
-              </a:solidFill>
-              <a:latin typeface="Arial"/>
-              <a:ea typeface="Arial"/>
-              <a:cs typeface="Arial"/>
-              <a:sym typeface="Arial"/>
-            </a:endParaRPr>
-          </a:p>
-        </p:txBody>
-      </p:sp>
-      <p:sp>
-        <p:nvSpPr>
-          <p:cNvPr id="234" name="Google Shape;234;p21"/>
-          <p:cNvSpPr txBox="1">
-            <a:spLocks noGrp="1"/>
-          </p:cNvSpPr>
-          <p:nvPr>
-            <p:ph type="body" idx="2"/>
-          </p:nvPr>
-        </p:nvSpPr>
-        <p:spPr>
-          <a:xfrm>
-            <a:off x="761933" y="1923567"/>
-            <a:ext cx="10972800" cy="4480800"/>
-          </a:xfrm>
-          <a:prstGeom prst="rect">
-            <a:avLst/>
-          </a:prstGeom>
-        </p:spPr>
-        <p:txBody>
-          <a:bodyPr spcFirstLastPara="1" vert="horz" wrap="square" lIns="0" tIns="0" rIns="0" bIns="0" rtlCol="0" anchor="ctr" anchorCtr="0">
-            <a:noAutofit/>
-          </a:bodyPr>
-          <a:lstStyle/>
-          <a:p>
-            <a:pPr marL="0" indent="0" algn="ctr">
-              <a:spcAft>
-                <a:spcPts val="400"/>
-              </a:spcAft>
-              <a:buNone/>
-            </a:pPr>
-            <a:r>
-              <a:rPr lang="en" sz="2667" dirty="0">
-                <a:solidFill>
-                  <a:srgbClr val="FFFFFF"/>
-                </a:solidFill>
-              </a:rPr>
-              <a:t> Open-source software </a:t>
-            </a:r>
-            <a:r>
-              <a:rPr lang="en" sz="2667" b="1" dirty="0">
-                <a:solidFill>
-                  <a:srgbClr val="FFFFFF"/>
-                </a:solidFill>
-                <a:latin typeface="Roche Sans"/>
-                <a:ea typeface="Roche Sans"/>
-                <a:cs typeface="Roche Sans"/>
-                <a:sym typeface="Roche Sans"/>
-              </a:rPr>
-              <a:t>enables collaboration</a:t>
-            </a:r>
-            <a:r>
-              <a:rPr lang="en" sz="2667" dirty="0">
-                <a:solidFill>
-                  <a:srgbClr val="FFFFFF"/>
-                </a:solidFill>
-              </a:rPr>
-              <a:t> with other organizations, which can lead to </a:t>
-            </a:r>
-            <a:r>
-              <a:rPr lang="en" sz="2667" b="1" dirty="0">
-                <a:solidFill>
-                  <a:srgbClr val="FFFFFF"/>
-                </a:solidFill>
-                <a:latin typeface="Roche Sans"/>
-                <a:ea typeface="Roche Sans"/>
-                <a:cs typeface="Roche Sans"/>
-                <a:sym typeface="Roche Sans"/>
-              </a:rPr>
-              <a:t>faster development</a:t>
-            </a:r>
-            <a:r>
-              <a:rPr lang="en" sz="2667" dirty="0">
-                <a:solidFill>
-                  <a:srgbClr val="FFFFFF"/>
-                </a:solidFill>
-              </a:rPr>
-              <a:t> and more </a:t>
-            </a:r>
-            <a:r>
-              <a:rPr lang="en" sz="2667" b="1" dirty="0">
-                <a:solidFill>
-                  <a:srgbClr val="FFFFFF"/>
-                </a:solidFill>
-                <a:latin typeface="Roche Sans"/>
-                <a:ea typeface="Roche Sans"/>
-                <a:cs typeface="Roche Sans"/>
-                <a:sym typeface="Roche Sans"/>
-              </a:rPr>
-              <a:t>comprehensive testing and validation</a:t>
-            </a:r>
-            <a:r>
-              <a:rPr lang="en" sz="2667" dirty="0">
-                <a:solidFill>
-                  <a:srgbClr val="FFFFFF"/>
-                </a:solidFill>
-              </a:rPr>
-              <a:t> of the software.</a:t>
-            </a:r>
-            <a:endParaRPr sz="2667" dirty="0">
-              <a:solidFill>
-                <a:srgbClr val="FFFFFF"/>
-              </a:solidFill>
-            </a:endParaRPr>
-          </a:p>
-        </p:txBody>
-      </p:sp>
-    </p:spTree>
-  </p:cSld>
-  <p:clrMapOvr>
-    <a:masterClrMapping/>
-  </p:clrMapOvr>
-</p:sld>
-</file>
-
-<file path=ppt/slides/slide8.xml><?xml version="1.0" encoding="utf-8"?>
-<p:sld xmlns:a="http://schemas.openxmlformats.org/drawingml/2006/main" xmlns:r="http://schemas.openxmlformats.org/officeDocument/2006/relationships" xmlns:p="http://schemas.openxmlformats.org/presentationml/2006/main">
-  <p:cSld>
-    <p:spTree>
-      <p:nvGrpSpPr>
-        <p:cNvPr id="1" name="Shape 238"/>
-        <p:cNvGrpSpPr/>
-        <p:nvPr/>
-      </p:nvGrpSpPr>
-      <p:grpSpPr>
-        <a:xfrm>
-          <a:off x="0" y="0"/>
-          <a:ext cx="0" cy="0"/>
-          <a:chOff x="0" y="0"/>
-          <a:chExt cx="0" cy="0"/>
-        </a:xfrm>
-      </p:grpSpPr>
-      <p:pic>
-        <p:nvPicPr>
-          <p:cNvPr id="239" name="Google Shape;239;p22" descr="A picture containing electronics&#10;&#10;Description automatically generated"/>
-          <p:cNvPicPr preferRelativeResize="0"/>
-          <p:nvPr/>
-        </p:nvPicPr>
-        <p:blipFill rotWithShape="1">
-          <a:blip r:embed="rId3">
-            <a:alphaModFix/>
-          </a:blip>
-          <a:srcRect t="13406" b="32624"/>
-          <a:stretch/>
-        </p:blipFill>
-        <p:spPr>
-          <a:xfrm>
-            <a:off x="0" y="2916185"/>
-            <a:ext cx="12192000" cy="2495551"/>
-          </a:xfrm>
-          <a:custGeom>
-            <a:avLst/>
-            <a:gdLst/>
-            <a:ahLst/>
-            <a:cxnLst/>
-            <a:rect l="l" t="t" r="r" b="b"/>
-            <a:pathLst>
-              <a:path w="9144000" h="1871663" extrusionOk="0">
-                <a:moveTo>
-                  <a:pt x="0" y="0"/>
-                </a:moveTo>
-                <a:lnTo>
-                  <a:pt x="9144000" y="0"/>
-                </a:lnTo>
-                <a:lnTo>
-                  <a:pt x="9144000" y="1871663"/>
-                </a:lnTo>
-                <a:lnTo>
-                  <a:pt x="0" y="1871663"/>
-                </a:lnTo>
-                <a:close/>
-              </a:path>
-            </a:pathLst>
-          </a:custGeom>
-          <a:noFill/>
-          <a:ln>
-            <a:noFill/>
-          </a:ln>
-        </p:spPr>
-      </p:pic>
-      <p:sp>
-        <p:nvSpPr>
-          <p:cNvPr id="240" name="Google Shape;240;p22"/>
-          <p:cNvSpPr txBox="1">
-            <a:spLocks noGrp="1"/>
-          </p:cNvSpPr>
-          <p:nvPr>
-            <p:ph type="title"/>
-          </p:nvPr>
-        </p:nvSpPr>
-        <p:spPr>
-          <a:xfrm>
-            <a:off x="761933" y="576900"/>
-            <a:ext cx="9908800" cy="508800"/>
-          </a:xfrm>
-          <a:prstGeom prst="rect">
-            <a:avLst/>
-          </a:prstGeom>
-        </p:spPr>
-        <p:txBody>
-          <a:bodyPr spcFirstLastPara="1" vert="horz" wrap="square" lIns="0" tIns="121900" rIns="121900" bIns="121900" rtlCol="0" anchor="t" anchorCtr="0">
-            <a:noAutofit/>
-          </a:bodyPr>
-          <a:lstStyle/>
-          <a:p>
-            <a:r>
-              <a:rPr lang="en"/>
-              <a:t>II. Rapid Innovation</a:t>
-            </a:r>
-            <a:endParaRPr/>
-          </a:p>
-        </p:txBody>
-      </p:sp>
-      <p:sp>
-        <p:nvSpPr>
-          <p:cNvPr id="241" name="Google Shape;241;p22"/>
-          <p:cNvSpPr txBox="1">
-            <a:spLocks noGrp="1"/>
-          </p:cNvSpPr>
-          <p:nvPr>
-            <p:ph type="subTitle" idx="1"/>
-          </p:nvPr>
-        </p:nvSpPr>
-        <p:spPr>
-          <a:xfrm>
-            <a:off x="761933" y="1084800"/>
-            <a:ext cx="9908800" cy="432000"/>
-          </a:xfrm>
-          <a:prstGeom prst="rect">
-            <a:avLst/>
-          </a:prstGeom>
-        </p:spPr>
-        <p:txBody>
-          <a:bodyPr spcFirstLastPara="1" vert="horz" wrap="square" lIns="0" tIns="0" rIns="121900" bIns="24000" rtlCol="0" anchor="t" anchorCtr="0">
-            <a:noAutofit/>
-          </a:bodyPr>
-          <a:lstStyle/>
-          <a:p>
-            <a:pPr marL="0" indent="0"/>
-            <a:endParaRPr/>
-          </a:p>
-        </p:txBody>
-      </p:sp>
-      <p:sp>
-        <p:nvSpPr>
-          <p:cNvPr id="242" name="Google Shape;242;p22"/>
-          <p:cNvSpPr/>
-          <p:nvPr/>
-        </p:nvSpPr>
-        <p:spPr>
-          <a:xfrm>
-            <a:off x="0" y="2916167"/>
-            <a:ext cx="12192000" cy="2495600"/>
-          </a:xfrm>
-          <a:prstGeom prst="rect">
-            <a:avLst/>
-          </a:prstGeom>
-          <a:solidFill>
-            <a:srgbClr val="022366">
-              <a:alpha val="84710"/>
-            </a:srgbClr>
-          </a:solidFill>
-          <a:ln>
-            <a:noFill/>
-          </a:ln>
-          <a:effectLst>
-            <a:outerShdw blurRad="57150" dist="19050" dir="5400000" algn="bl" rotWithShape="0">
-              <a:srgbClr val="000000">
-                <a:alpha val="30000"/>
-              </a:srgbClr>
-            </a:outerShdw>
-          </a:effectLst>
-        </p:spPr>
-        <p:txBody>
-          <a:bodyPr spcFirstLastPara="1" wrap="square" lIns="121900" tIns="60933" rIns="121900" bIns="60933" anchor="ctr" anchorCtr="0">
-            <a:noAutofit/>
-          </a:bodyPr>
-          <a:lstStyle/>
-          <a:p>
-            <a:pPr algn="ctr"/>
-            <a:endParaRPr sz="1867">
-              <a:solidFill>
-                <a:srgbClr val="1482FA"/>
-              </a:solidFill>
-              <a:latin typeface="Arial"/>
-              <a:ea typeface="Arial"/>
-              <a:cs typeface="Arial"/>
-              <a:sym typeface="Arial"/>
-            </a:endParaRPr>
-          </a:p>
-        </p:txBody>
-      </p:sp>
-      <p:sp>
-        <p:nvSpPr>
-          <p:cNvPr id="243" name="Google Shape;243;p22"/>
-          <p:cNvSpPr txBox="1">
-            <a:spLocks noGrp="1"/>
-          </p:cNvSpPr>
-          <p:nvPr>
-            <p:ph type="body" idx="2"/>
-          </p:nvPr>
-        </p:nvSpPr>
-        <p:spPr>
-          <a:xfrm>
-            <a:off x="761933" y="1923567"/>
-            <a:ext cx="10972800" cy="4480800"/>
-          </a:xfrm>
-          <a:prstGeom prst="rect">
-            <a:avLst/>
-          </a:prstGeom>
-        </p:spPr>
-        <p:txBody>
-          <a:bodyPr spcFirstLastPara="1" vert="horz" wrap="square" lIns="0" tIns="0" rIns="0" bIns="0" rtlCol="0" anchor="ctr" anchorCtr="0">
-            <a:noAutofit/>
-          </a:bodyPr>
-          <a:lstStyle/>
-          <a:p>
-            <a:pPr marL="0" indent="0" algn="ctr">
-              <a:spcAft>
-                <a:spcPts val="400"/>
-              </a:spcAft>
-              <a:buNone/>
-            </a:pPr>
-            <a:r>
-              <a:rPr lang="en" sz="2667">
-                <a:solidFill>
-                  <a:srgbClr val="FFFFFF"/>
-                </a:solidFill>
-              </a:rPr>
-              <a:t>Because open-source software is often developed collaboratively, it can benefit from a </a:t>
-            </a:r>
-            <a:r>
-              <a:rPr lang="en" sz="2667" b="1">
-                <a:solidFill>
-                  <a:srgbClr val="FFFFFF"/>
-                </a:solidFill>
-                <a:latin typeface="Roche Sans"/>
-                <a:ea typeface="Roche Sans"/>
-                <a:cs typeface="Roche Sans"/>
-                <a:sym typeface="Roche Sans"/>
-              </a:rPr>
-              <a:t>faster pace of innovation</a:t>
-            </a:r>
-            <a:r>
-              <a:rPr lang="en" sz="2667">
-                <a:solidFill>
-                  <a:srgbClr val="FFFFFF"/>
-                </a:solidFill>
-              </a:rPr>
-              <a:t> than proprietary software. New features and capabilities can be added more </a:t>
-            </a:r>
-            <a:r>
-              <a:rPr lang="en" sz="2667" b="1">
-                <a:solidFill>
-                  <a:srgbClr val="FFFFFF"/>
-                </a:solidFill>
-                <a:latin typeface="Roche Sans"/>
-                <a:ea typeface="Roche Sans"/>
-                <a:cs typeface="Roche Sans"/>
-                <a:sym typeface="Roche Sans"/>
-              </a:rPr>
-              <a:t>quickly</a:t>
-            </a:r>
-            <a:r>
-              <a:rPr lang="en" sz="2667">
-                <a:solidFill>
-                  <a:srgbClr val="FFFFFF"/>
-                </a:solidFill>
-              </a:rPr>
-              <a:t>, and bugs and issues can be addressed more </a:t>
-            </a:r>
-            <a:r>
-              <a:rPr lang="en" sz="2667" b="1">
-                <a:solidFill>
-                  <a:srgbClr val="FFFFFF"/>
-                </a:solidFill>
-                <a:latin typeface="Roche Sans"/>
-                <a:ea typeface="Roche Sans"/>
-                <a:cs typeface="Roche Sans"/>
-                <a:sym typeface="Roche Sans"/>
-              </a:rPr>
-              <a:t>efficiently</a:t>
-            </a:r>
-            <a:r>
-              <a:rPr lang="en" sz="2667">
-                <a:solidFill>
-                  <a:srgbClr val="FFFFFF"/>
-                </a:solidFill>
-              </a:rPr>
-              <a:t>.</a:t>
-            </a:r>
-            <a:endParaRPr sz="2667">
-              <a:solidFill>
-                <a:srgbClr val="FFFFFF"/>
-              </a:solidFill>
-            </a:endParaRPr>
-          </a:p>
-        </p:txBody>
-      </p:sp>
-    </p:spTree>
-  </p:cSld>
-  <p:clrMapOvr>
-    <a:masterClrMapping/>
-  </p:clrMapOvr>
-</p:sld>
-</file>
-
-<file path=ppt/slides/slide9.xml><?xml version="1.0" encoding="utf-8"?>
-<p:sld xmlns:a="http://schemas.openxmlformats.org/drawingml/2006/main" xmlns:r="http://schemas.openxmlformats.org/officeDocument/2006/relationships" xmlns:p="http://schemas.openxmlformats.org/presentationml/2006/main">
-  <p:cSld>
-    <p:spTree>
-      <p:nvGrpSpPr>
-        <p:cNvPr id="1" name="Shape 247"/>
-        <p:cNvGrpSpPr/>
-        <p:nvPr/>
-      </p:nvGrpSpPr>
-      <p:grpSpPr>
-        <a:xfrm>
-          <a:off x="0" y="0"/>
-          <a:ext cx="0" cy="0"/>
-          <a:chOff x="0" y="0"/>
-          <a:chExt cx="0" cy="0"/>
-        </a:xfrm>
-      </p:grpSpPr>
-      <p:pic>
-        <p:nvPicPr>
-          <p:cNvPr id="248" name="Google Shape;248;p23" descr="A picture containing electronics&#10;&#10;Description automatically generated"/>
-          <p:cNvPicPr preferRelativeResize="0"/>
-          <p:nvPr/>
-        </p:nvPicPr>
-        <p:blipFill rotWithShape="1">
-          <a:blip r:embed="rId3">
-            <a:alphaModFix/>
-          </a:blip>
-          <a:srcRect t="13406" b="32624"/>
-          <a:stretch/>
-        </p:blipFill>
-        <p:spPr>
-          <a:xfrm>
-            <a:off x="0" y="2916185"/>
-            <a:ext cx="12192000" cy="2495551"/>
-          </a:xfrm>
-          <a:custGeom>
-            <a:avLst/>
-            <a:gdLst/>
-            <a:ahLst/>
-            <a:cxnLst/>
-            <a:rect l="l" t="t" r="r" b="b"/>
-            <a:pathLst>
-              <a:path w="9144000" h="1871663" extrusionOk="0">
-                <a:moveTo>
-                  <a:pt x="0" y="0"/>
-                </a:moveTo>
-                <a:lnTo>
-                  <a:pt x="9144000" y="0"/>
-                </a:lnTo>
-                <a:lnTo>
-                  <a:pt x="9144000" y="1871663"/>
-                </a:lnTo>
-                <a:lnTo>
-                  <a:pt x="0" y="1871663"/>
-                </a:lnTo>
-                <a:close/>
-              </a:path>
-            </a:pathLst>
-          </a:custGeom>
-          <a:noFill/>
-          <a:ln>
-            <a:noFill/>
-          </a:ln>
-        </p:spPr>
-      </p:pic>
-      <p:sp>
-        <p:nvSpPr>
-          <p:cNvPr id="249" name="Google Shape;249;p23"/>
-          <p:cNvSpPr txBox="1">
-            <a:spLocks noGrp="1"/>
-          </p:cNvSpPr>
-          <p:nvPr>
-            <p:ph type="title"/>
-          </p:nvPr>
-        </p:nvSpPr>
-        <p:spPr>
-          <a:xfrm>
-            <a:off x="761933" y="576900"/>
-            <a:ext cx="9908800" cy="508800"/>
-          </a:xfrm>
-          <a:prstGeom prst="rect">
-            <a:avLst/>
-          </a:prstGeom>
-        </p:spPr>
-        <p:txBody>
-          <a:bodyPr spcFirstLastPara="1" vert="horz" wrap="square" lIns="0" tIns="121900" rIns="121900" bIns="121900" rtlCol="0" anchor="t" anchorCtr="0">
-            <a:noAutofit/>
-          </a:bodyPr>
-          <a:lstStyle/>
-          <a:p>
-            <a:r>
-              <a:rPr lang="en"/>
-              <a:t>III. Cost Savings</a:t>
-            </a:r>
-            <a:endParaRPr/>
-          </a:p>
-        </p:txBody>
-      </p:sp>
-      <p:sp>
-        <p:nvSpPr>
-          <p:cNvPr id="250" name="Google Shape;250;p23"/>
-          <p:cNvSpPr txBox="1">
-            <a:spLocks noGrp="1"/>
-          </p:cNvSpPr>
-          <p:nvPr>
-            <p:ph type="subTitle" idx="1"/>
-          </p:nvPr>
-        </p:nvSpPr>
-        <p:spPr>
-          <a:xfrm>
-            <a:off x="761933" y="1084800"/>
-            <a:ext cx="9908800" cy="432000"/>
-          </a:xfrm>
-          <a:prstGeom prst="rect">
-            <a:avLst/>
-          </a:prstGeom>
-        </p:spPr>
-        <p:txBody>
-          <a:bodyPr spcFirstLastPara="1" vert="horz" wrap="square" lIns="0" tIns="0" rIns="121900" bIns="24000" rtlCol="0" anchor="t" anchorCtr="0">
-            <a:noAutofit/>
-          </a:bodyPr>
-          <a:lstStyle/>
-          <a:p>
-            <a:pPr marL="0" indent="0"/>
-            <a:endParaRPr/>
-          </a:p>
-        </p:txBody>
-      </p:sp>
-      <p:sp>
-        <p:nvSpPr>
-          <p:cNvPr id="251" name="Google Shape;251;p23"/>
-          <p:cNvSpPr/>
-          <p:nvPr/>
-        </p:nvSpPr>
-        <p:spPr>
-          <a:xfrm>
-            <a:off x="0" y="2916167"/>
-            <a:ext cx="12192000" cy="2495600"/>
-          </a:xfrm>
-          <a:prstGeom prst="rect">
-            <a:avLst/>
-          </a:prstGeom>
-          <a:solidFill>
-            <a:srgbClr val="022366">
-              <a:alpha val="84710"/>
-            </a:srgbClr>
-          </a:solidFill>
-          <a:ln>
-            <a:noFill/>
-          </a:ln>
-          <a:effectLst>
-            <a:outerShdw blurRad="57150" dist="19050" dir="5400000" algn="bl" rotWithShape="0">
-              <a:srgbClr val="000000">
-                <a:alpha val="30000"/>
-              </a:srgbClr>
-            </a:outerShdw>
-          </a:effectLst>
-        </p:spPr>
-        <p:txBody>
-          <a:bodyPr spcFirstLastPara="1" wrap="square" lIns="121900" tIns="60933" rIns="121900" bIns="60933" anchor="ctr" anchorCtr="0">
-            <a:noAutofit/>
-          </a:bodyPr>
-          <a:lstStyle/>
-          <a:p>
-            <a:pPr algn="ctr"/>
-            <a:endParaRPr sz="1867">
-              <a:solidFill>
-                <a:srgbClr val="1482FA"/>
-              </a:solidFill>
-              <a:latin typeface="Arial"/>
-              <a:ea typeface="Arial"/>
-              <a:cs typeface="Arial"/>
-              <a:sym typeface="Arial"/>
-            </a:endParaRPr>
-          </a:p>
-        </p:txBody>
-      </p:sp>
-      <p:sp>
-        <p:nvSpPr>
-          <p:cNvPr id="252" name="Google Shape;252;p23"/>
-          <p:cNvSpPr txBox="1">
-            <a:spLocks noGrp="1"/>
-          </p:cNvSpPr>
-          <p:nvPr>
-            <p:ph type="body" idx="2"/>
-          </p:nvPr>
-        </p:nvSpPr>
-        <p:spPr>
-          <a:xfrm>
-            <a:off x="761933" y="1923567"/>
-            <a:ext cx="10972800" cy="4480800"/>
-          </a:xfrm>
-          <a:prstGeom prst="rect">
-            <a:avLst/>
-          </a:prstGeom>
-        </p:spPr>
-        <p:txBody>
-          <a:bodyPr spcFirstLastPara="1" vert="horz" wrap="square" lIns="0" tIns="0" rIns="0" bIns="0" rtlCol="0" anchor="ctr" anchorCtr="0">
-            <a:noAutofit/>
-          </a:bodyPr>
-          <a:lstStyle/>
-          <a:p>
-            <a:pPr marL="0" indent="0" algn="ctr">
-              <a:spcAft>
-                <a:spcPts val="400"/>
-              </a:spcAft>
-              <a:buNone/>
-            </a:pPr>
-            <a:r>
-              <a:rPr lang="en" sz="2667">
-                <a:solidFill>
-                  <a:srgbClr val="FFFFFF"/>
-                </a:solidFill>
-              </a:rPr>
-              <a:t>Open-source software can be developed and maintained at a </a:t>
-            </a:r>
-            <a:r>
-              <a:rPr lang="en" sz="2667" b="1">
-                <a:solidFill>
-                  <a:srgbClr val="FFFFFF"/>
-                </a:solidFill>
-                <a:latin typeface="Roche Sans"/>
-                <a:ea typeface="Roche Sans"/>
-                <a:cs typeface="Roche Sans"/>
-                <a:sym typeface="Roche Sans"/>
-              </a:rPr>
-              <a:t>lower cost</a:t>
-            </a:r>
-            <a:r>
-              <a:rPr lang="en" sz="2667">
-                <a:solidFill>
-                  <a:srgbClr val="FFFFFF"/>
-                </a:solidFill>
-              </a:rPr>
-              <a:t> compared to proprietary software, as the development and maintenance </a:t>
-            </a:r>
-            <a:r>
-              <a:rPr lang="en" sz="2667" b="1">
-                <a:solidFill>
-                  <a:srgbClr val="FFFFFF"/>
-                </a:solidFill>
-                <a:latin typeface="Roche Sans"/>
-                <a:ea typeface="Roche Sans"/>
-                <a:cs typeface="Roche Sans"/>
-                <a:sym typeface="Roche Sans"/>
-              </a:rPr>
-              <a:t>costs are distributed</a:t>
-            </a:r>
-            <a:r>
-              <a:rPr lang="en" sz="2667">
-                <a:solidFill>
-                  <a:srgbClr val="FFFFFF"/>
-                </a:solidFill>
-              </a:rPr>
-              <a:t> across a larger user and developer base.</a:t>
-            </a:r>
-            <a:endParaRPr sz="2667">
-              <a:solidFill>
-                <a:srgbClr val="FFFFFF"/>
-              </a:solidFill>
-            </a:endParaRPr>
-          </a:p>
-        </p:txBody>
-      </p:sp>
-    </p:spTree>
   </p:cSld>
   <p:clrMapOvr>
     <a:masterClrMapping/>

--- a/materials/4-Recap_Pharmaverse_Workshop/Contributing_to_the_Pharmaverse_and_Recap.pptx
+++ b/materials/4-Recap_Pharmaverse_Workshop/Contributing_to_the_Pharmaverse_and_Recap.pptx
@@ -5,7 +5,7 @@
     <p:sldMasterId id="2147483648" r:id="rId1"/>
   </p:sldMasterIdLst>
   <p:notesMasterIdLst>
-    <p:notesMasterId r:id="rId27"/>
+    <p:notesMasterId r:id="rId29"/>
   </p:notesMasterIdLst>
   <p:sldIdLst>
     <p:sldId id="256" r:id="rId2"/>
@@ -13,26 +13,28 @@
     <p:sldId id="2147375212" r:id="rId4"/>
     <p:sldId id="2147375210" r:id="rId5"/>
     <p:sldId id="2147375211" r:id="rId6"/>
-    <p:sldId id="2147375214" r:id="rId7"/>
-    <p:sldId id="257" r:id="rId8"/>
-    <p:sldId id="258" r:id="rId9"/>
-    <p:sldId id="259" r:id="rId10"/>
-    <p:sldId id="277" r:id="rId11"/>
-    <p:sldId id="261" r:id="rId12"/>
-    <p:sldId id="272" r:id="rId13"/>
-    <p:sldId id="273" r:id="rId14"/>
-    <p:sldId id="264" r:id="rId15"/>
-    <p:sldId id="274" r:id="rId16"/>
-    <p:sldId id="275" r:id="rId17"/>
-    <p:sldId id="276" r:id="rId18"/>
-    <p:sldId id="279" r:id="rId19"/>
-    <p:sldId id="271" r:id="rId20"/>
-    <p:sldId id="278" r:id="rId21"/>
-    <p:sldId id="262" r:id="rId22"/>
-    <p:sldId id="263" r:id="rId23"/>
-    <p:sldId id="280" r:id="rId24"/>
-    <p:sldId id="267" r:id="rId25"/>
-    <p:sldId id="268" r:id="rId26"/>
+    <p:sldId id="2147375216" r:id="rId7"/>
+    <p:sldId id="2147375214" r:id="rId8"/>
+    <p:sldId id="2147375217" r:id="rId9"/>
+    <p:sldId id="2147375215" r:id="rId10"/>
+    <p:sldId id="258" r:id="rId11"/>
+    <p:sldId id="259" r:id="rId12"/>
+    <p:sldId id="277" r:id="rId13"/>
+    <p:sldId id="261" r:id="rId14"/>
+    <p:sldId id="272" r:id="rId15"/>
+    <p:sldId id="273" r:id="rId16"/>
+    <p:sldId id="264" r:id="rId17"/>
+    <p:sldId id="274" r:id="rId18"/>
+    <p:sldId id="275" r:id="rId19"/>
+    <p:sldId id="276" r:id="rId20"/>
+    <p:sldId id="279" r:id="rId21"/>
+    <p:sldId id="271" r:id="rId22"/>
+    <p:sldId id="278" r:id="rId23"/>
+    <p:sldId id="262" r:id="rId24"/>
+    <p:sldId id="263" r:id="rId25"/>
+    <p:sldId id="280" r:id="rId26"/>
+    <p:sldId id="267" r:id="rId27"/>
+    <p:sldId id="268" r:id="rId28"/>
   </p:sldIdLst>
   <p:sldSz cx="12192000" cy="6858000"/>
   <p:notesSz cx="6858000" cy="9144000"/>
@@ -5332,6 +5334,259 @@
           <p:cNvPr id="2" name="Title 1">
             <a:extLst>
               <a:ext uri="{FF2B5EF4-FFF2-40B4-BE49-F238E27FC236}">
+                <a16:creationId xmlns:a16="http://schemas.microsoft.com/office/drawing/2014/main" id="{A26D4FEF-E44E-D21B-4EEC-EC323565B181}"/>
+              </a:ext>
+            </a:extLst>
+          </p:cNvPr>
+          <p:cNvSpPr>
+            <a:spLocks noGrp="1"/>
+          </p:cNvSpPr>
+          <p:nvPr>
+            <p:ph type="title"/>
+          </p:nvPr>
+        </p:nvSpPr>
+        <p:spPr/>
+        <p:txBody>
+          <a:bodyPr/>
+          <a:lstStyle/>
+          <a:p>
+            <a:r>
+              <a:rPr lang="en-US" b="1" dirty="0"/>
+              <a:t>What</a:t>
+            </a:r>
+            <a:r>
+              <a:rPr lang="en-US" dirty="0"/>
+              <a:t> is the </a:t>
+            </a:r>
+            <a:r>
+              <a:rPr lang="en-US" dirty="0" err="1"/>
+              <a:t>pharmaverse</a:t>
+            </a:r>
+            <a:r>
+              <a:rPr lang="en-US" dirty="0"/>
+              <a:t>?</a:t>
+            </a:r>
+          </a:p>
+        </p:txBody>
+      </p:sp>
+      <p:pic>
+        <p:nvPicPr>
+          <p:cNvPr id="6" name="Picture 5">
+            <a:extLst>
+              <a:ext uri="{FF2B5EF4-FFF2-40B4-BE49-F238E27FC236}">
+                <a16:creationId xmlns:a16="http://schemas.microsoft.com/office/drawing/2014/main" id="{10922FF6-20D7-F1EE-5261-D14A88453568}"/>
+              </a:ext>
+            </a:extLst>
+          </p:cNvPr>
+          <p:cNvPicPr>
+            <a:picLocks noChangeAspect="1"/>
+          </p:cNvPicPr>
+          <p:nvPr/>
+        </p:nvPicPr>
+        <p:blipFill>
+          <a:blip r:embed="rId2"/>
+          <a:stretch>
+            <a:fillRect/>
+          </a:stretch>
+        </p:blipFill>
+        <p:spPr>
+          <a:xfrm>
+            <a:off x="985349" y="1690688"/>
+            <a:ext cx="10221301" cy="4159608"/>
+          </a:xfrm>
+          <a:prstGeom prst="rect">
+            <a:avLst/>
+          </a:prstGeom>
+        </p:spPr>
+      </p:pic>
+      <p:sp>
+        <p:nvSpPr>
+          <p:cNvPr id="7" name="TextBox 6">
+            <a:extLst>
+              <a:ext uri="{FF2B5EF4-FFF2-40B4-BE49-F238E27FC236}">
+                <a16:creationId xmlns:a16="http://schemas.microsoft.com/office/drawing/2014/main" id="{C51DA10B-8153-0985-3A2A-D9A8E7F31221}"/>
+              </a:ext>
+            </a:extLst>
+          </p:cNvPr>
+          <p:cNvSpPr txBox="1"/>
+          <p:nvPr/>
+        </p:nvSpPr>
+        <p:spPr>
+          <a:xfrm>
+            <a:off x="9101259" y="5850296"/>
+            <a:ext cx="2252540" cy="369332"/>
+          </a:xfrm>
+          <a:prstGeom prst="rect">
+            <a:avLst/>
+          </a:prstGeom>
+          <a:noFill/>
+        </p:spPr>
+        <p:txBody>
+          <a:bodyPr wrap="none" rtlCol="0">
+            <a:spAutoFit/>
+          </a:bodyPr>
+          <a:lstStyle/>
+          <a:p>
+            <a:r>
+              <a:rPr lang="en-US" dirty="0" err="1">
+                <a:latin typeface="Andale Mono" panose="020B0509000000000004" pitchFamily="49" charset="0"/>
+              </a:rPr>
+              <a:t>pharmaverse.org</a:t>
+            </a:r>
+            <a:endParaRPr lang="en-US" dirty="0">
+              <a:latin typeface="Andale Mono" panose="020B0509000000000004" pitchFamily="49" charset="0"/>
+            </a:endParaRPr>
+          </a:p>
+        </p:txBody>
+      </p:sp>
+    </p:spTree>
+    <p:extLst>
+      <p:ext uri="{BB962C8B-B14F-4D97-AF65-F5344CB8AC3E}">
+        <p14:creationId xmlns:p14="http://schemas.microsoft.com/office/powerpoint/2010/main" val="620648208"/>
+      </p:ext>
+    </p:extLst>
+  </p:cSld>
+  <p:clrMapOvr>
+    <a:masterClrMapping/>
+  </p:clrMapOvr>
+</p:sld>
+</file>
+
+<file path=ppt/slides/slide11.xml><?xml version="1.0" encoding="utf-8"?>
+<p:sld xmlns:a="http://schemas.openxmlformats.org/drawingml/2006/main" xmlns:r="http://schemas.openxmlformats.org/officeDocument/2006/relationships" xmlns:p="http://schemas.openxmlformats.org/presentationml/2006/main">
+  <p:cSld>
+    <p:spTree>
+      <p:nvGrpSpPr>
+        <p:cNvPr id="1" name=""/>
+        <p:cNvGrpSpPr/>
+        <p:nvPr/>
+      </p:nvGrpSpPr>
+      <p:grpSpPr>
+        <a:xfrm>
+          <a:off x="0" y="0"/>
+          <a:ext cx="0" cy="0"/>
+          <a:chOff x="0" y="0"/>
+          <a:chExt cx="0" cy="0"/>
+        </a:xfrm>
+      </p:grpSpPr>
+      <p:sp>
+        <p:nvSpPr>
+          <p:cNvPr id="2" name="Title 1">
+            <a:extLst>
+              <a:ext uri="{FF2B5EF4-FFF2-40B4-BE49-F238E27FC236}">
+                <a16:creationId xmlns:a16="http://schemas.microsoft.com/office/drawing/2014/main" id="{E58AE648-FA28-847D-A131-A1A2935F70FF}"/>
+              </a:ext>
+            </a:extLst>
+          </p:cNvPr>
+          <p:cNvSpPr>
+            <a:spLocks noGrp="1"/>
+          </p:cNvSpPr>
+          <p:nvPr>
+            <p:ph type="title"/>
+          </p:nvPr>
+        </p:nvSpPr>
+        <p:spPr/>
+        <p:txBody>
+          <a:bodyPr/>
+          <a:lstStyle/>
+          <a:p>
+            <a:r>
+              <a:rPr lang="en-US" b="1" dirty="0"/>
+              <a:t>Why use</a:t>
+            </a:r>
+            <a:r>
+              <a:rPr lang="en-US" dirty="0"/>
+              <a:t> the </a:t>
+            </a:r>
+            <a:r>
+              <a:rPr lang="en-US" dirty="0" err="1"/>
+              <a:t>pharmaverse</a:t>
+            </a:r>
+            <a:r>
+              <a:rPr lang="en-US" dirty="0"/>
+              <a:t>?</a:t>
+            </a:r>
+          </a:p>
+        </p:txBody>
+      </p:sp>
+      <p:sp>
+        <p:nvSpPr>
+          <p:cNvPr id="3" name="Content Placeholder 2">
+            <a:extLst>
+              <a:ext uri="{FF2B5EF4-FFF2-40B4-BE49-F238E27FC236}">
+                <a16:creationId xmlns:a16="http://schemas.microsoft.com/office/drawing/2014/main" id="{38BB1909-46AC-B4E2-694D-3739C5DCE06D}"/>
+              </a:ext>
+            </a:extLst>
+          </p:cNvPr>
+          <p:cNvSpPr>
+            <a:spLocks noGrp="1"/>
+          </p:cNvSpPr>
+          <p:nvPr>
+            <p:ph idx="1"/>
+          </p:nvPr>
+        </p:nvSpPr>
+        <p:spPr/>
+        <p:txBody>
+          <a:bodyPr/>
+          <a:lstStyle/>
+          <a:p>
+            <a:r>
+              <a:rPr lang="en-US" dirty="0"/>
+              <a:t>Leverage what others have build</a:t>
+            </a:r>
+          </a:p>
+          <a:p>
+            <a:r>
+              <a:rPr lang="en-US" dirty="0"/>
+              <a:t>Avoid mistakes when coding from scratch</a:t>
+            </a:r>
+          </a:p>
+          <a:p>
+            <a:r>
+              <a:rPr lang="en-US" dirty="0"/>
+              <a:t>Support the open-source revolution in pharma</a:t>
+            </a:r>
+          </a:p>
+          <a:p>
+            <a:endParaRPr lang="en-US" dirty="0"/>
+          </a:p>
+        </p:txBody>
+      </p:sp>
+    </p:spTree>
+    <p:extLst>
+      <p:ext uri="{BB962C8B-B14F-4D97-AF65-F5344CB8AC3E}">
+        <p14:creationId xmlns:p14="http://schemas.microsoft.com/office/powerpoint/2010/main" val="1309209726"/>
+      </p:ext>
+    </p:extLst>
+  </p:cSld>
+  <p:clrMapOvr>
+    <a:masterClrMapping/>
+  </p:clrMapOvr>
+</p:sld>
+</file>
+
+<file path=ppt/slides/slide12.xml><?xml version="1.0" encoding="utf-8"?>
+<p:sld xmlns:a="http://schemas.openxmlformats.org/drawingml/2006/main" xmlns:r="http://schemas.openxmlformats.org/officeDocument/2006/relationships" xmlns:p="http://schemas.openxmlformats.org/presentationml/2006/main">
+  <p:cSld>
+    <p:spTree>
+      <p:nvGrpSpPr>
+        <p:cNvPr id="1" name=""/>
+        <p:cNvGrpSpPr/>
+        <p:nvPr/>
+      </p:nvGrpSpPr>
+      <p:grpSpPr>
+        <a:xfrm>
+          <a:off x="0" y="0"/>
+          <a:ext cx="0" cy="0"/>
+          <a:chOff x="0" y="0"/>
+          <a:chExt cx="0" cy="0"/>
+        </a:xfrm>
+      </p:grpSpPr>
+      <p:sp>
+        <p:nvSpPr>
+          <p:cNvPr id="2" name="Title 1">
+            <a:extLst>
+              <a:ext uri="{FF2B5EF4-FFF2-40B4-BE49-F238E27FC236}">
                 <a16:creationId xmlns:a16="http://schemas.microsoft.com/office/drawing/2014/main" id="{9D486CFA-7D61-139F-D867-E6F4DAECF596}"/>
               </a:ext>
             </a:extLst>
@@ -5463,7 +5718,7 @@
 </p:sld>
 </file>
 
-<file path=ppt/slides/slide11.xml><?xml version="1.0" encoding="utf-8"?>
+<file path=ppt/slides/slide13.xml><?xml version="1.0" encoding="utf-8"?>
 <p:sld xmlns:a="http://schemas.openxmlformats.org/drawingml/2006/main" xmlns:r="http://schemas.openxmlformats.org/officeDocument/2006/relationships" xmlns:p="http://schemas.openxmlformats.org/presentationml/2006/main">
   <p:cSld>
     <p:spTree>
@@ -5755,7 +6010,7 @@
 </p:sld>
 </file>
 
-<file path=ppt/slides/slide12.xml><?xml version="1.0" encoding="utf-8"?>
+<file path=ppt/slides/slide14.xml><?xml version="1.0" encoding="utf-8"?>
 <p:sld xmlns:a="http://schemas.openxmlformats.org/drawingml/2006/main" xmlns:r="http://schemas.openxmlformats.org/officeDocument/2006/relationships" xmlns:p="http://schemas.openxmlformats.org/presentationml/2006/main">
   <p:cSld>
     <p:spTree>
@@ -6047,7 +6302,7 @@
 </p:sld>
 </file>
 
-<file path=ppt/slides/slide13.xml><?xml version="1.0" encoding="utf-8"?>
+<file path=ppt/slides/slide15.xml><?xml version="1.0" encoding="utf-8"?>
 <p:sld xmlns:a="http://schemas.openxmlformats.org/drawingml/2006/main" xmlns:r="http://schemas.openxmlformats.org/officeDocument/2006/relationships" xmlns:p="http://schemas.openxmlformats.org/presentationml/2006/main">
   <p:cSld>
     <p:spTree>
@@ -6319,7 +6574,7 @@
 </p:sld>
 </file>
 
-<file path=ppt/slides/slide14.xml><?xml version="1.0" encoding="utf-8"?>
+<file path=ppt/slides/slide16.xml><?xml version="1.0" encoding="utf-8"?>
 <p:sld xmlns:a="http://schemas.openxmlformats.org/drawingml/2006/main" xmlns:r="http://schemas.openxmlformats.org/officeDocument/2006/relationships" xmlns:p="http://schemas.openxmlformats.org/presentationml/2006/main">
   <p:cSld>
     <p:spTree>
@@ -6591,7 +6846,7 @@
 </p:sld>
 </file>
 
-<file path=ppt/slides/slide15.xml><?xml version="1.0" encoding="utf-8"?>
+<file path=ppt/slides/slide17.xml><?xml version="1.0" encoding="utf-8"?>
 <p:sld xmlns:a="http://schemas.openxmlformats.org/drawingml/2006/main" xmlns:r="http://schemas.openxmlformats.org/officeDocument/2006/relationships" xmlns:p="http://schemas.openxmlformats.org/presentationml/2006/main">
   <p:cSld>
     <p:spTree>
@@ -6843,7 +7098,7 @@
 </p:sld>
 </file>
 
-<file path=ppt/slides/slide16.xml><?xml version="1.0" encoding="utf-8"?>
+<file path=ppt/slides/slide18.xml><?xml version="1.0" encoding="utf-8"?>
 <p:sld xmlns:a="http://schemas.openxmlformats.org/drawingml/2006/main" xmlns:r="http://schemas.openxmlformats.org/officeDocument/2006/relationships" xmlns:p="http://schemas.openxmlformats.org/presentationml/2006/main">
   <p:cSld>
     <p:spTree>
@@ -7115,7 +7370,7 @@
 </p:sld>
 </file>
 
-<file path=ppt/slides/slide17.xml><?xml version="1.0" encoding="utf-8"?>
+<file path=ppt/slides/slide19.xml><?xml version="1.0" encoding="utf-8"?>
 <p:sld xmlns:a="http://schemas.openxmlformats.org/drawingml/2006/main" xmlns:r="http://schemas.openxmlformats.org/officeDocument/2006/relationships" xmlns:p="http://schemas.openxmlformats.org/presentationml/2006/main">
   <p:cSld>
     <p:spTree>
@@ -7384,549 +7639,6 @@
   <p:clrMapOvr>
     <a:masterClrMapping/>
   </p:clrMapOvr>
-</p:sld>
-</file>
-
-<file path=ppt/slides/slide18.xml><?xml version="1.0" encoding="utf-8"?>
-<p:sld xmlns:a="http://schemas.openxmlformats.org/drawingml/2006/main" xmlns:r="http://schemas.openxmlformats.org/officeDocument/2006/relationships" xmlns:p="http://schemas.openxmlformats.org/presentationml/2006/main">
-  <p:cSld>
-    <p:spTree>
-      <p:nvGrpSpPr>
-        <p:cNvPr id="1" name=""/>
-        <p:cNvGrpSpPr/>
-        <p:nvPr/>
-      </p:nvGrpSpPr>
-      <p:grpSpPr>
-        <a:xfrm>
-          <a:off x="0" y="0"/>
-          <a:ext cx="0" cy="0"/>
-          <a:chOff x="0" y="0"/>
-          <a:chExt cx="0" cy="0"/>
-        </a:xfrm>
-      </p:grpSpPr>
-      <p:sp>
-        <p:nvSpPr>
-          <p:cNvPr id="2" name="Title 1">
-            <a:extLst>
-              <a:ext uri="{FF2B5EF4-FFF2-40B4-BE49-F238E27FC236}">
-                <a16:creationId xmlns:a16="http://schemas.microsoft.com/office/drawing/2014/main" id="{9D486CFA-7D61-139F-D867-E6F4DAECF596}"/>
-              </a:ext>
-            </a:extLst>
-          </p:cNvPr>
-          <p:cNvSpPr>
-            <a:spLocks noGrp="1"/>
-          </p:cNvSpPr>
-          <p:nvPr>
-            <p:ph type="title"/>
-          </p:nvPr>
-        </p:nvSpPr>
-        <p:spPr/>
-        <p:txBody>
-          <a:bodyPr/>
-          <a:lstStyle/>
-          <a:p>
-            <a:r>
-              <a:rPr lang="en-US" b="1" dirty="0"/>
-              <a:t>Why contribute</a:t>
-            </a:r>
-            <a:r>
-              <a:rPr lang="en-US" dirty="0"/>
-              <a:t> to the </a:t>
-            </a:r>
-            <a:r>
-              <a:rPr lang="en-US" dirty="0" err="1"/>
-              <a:t>pharmaverse</a:t>
-            </a:r>
-            <a:r>
-              <a:rPr lang="en-US" dirty="0"/>
-              <a:t>?</a:t>
-            </a:r>
-          </a:p>
-        </p:txBody>
-      </p:sp>
-      <p:sp>
-        <p:nvSpPr>
-          <p:cNvPr id="3" name="Content Placeholder 2">
-            <a:extLst>
-              <a:ext uri="{FF2B5EF4-FFF2-40B4-BE49-F238E27FC236}">
-                <a16:creationId xmlns:a16="http://schemas.microsoft.com/office/drawing/2014/main" id="{94BF499B-E905-8927-ACC6-A4DAB2D58F85}"/>
-              </a:ext>
-            </a:extLst>
-          </p:cNvPr>
-          <p:cNvSpPr>
-            <a:spLocks noGrp="1"/>
-          </p:cNvSpPr>
-          <p:nvPr>
-            <p:ph idx="1"/>
-          </p:nvPr>
-        </p:nvSpPr>
-        <p:spPr/>
-        <p:txBody>
-          <a:bodyPr/>
-          <a:lstStyle/>
-          <a:p>
-            <a:r>
-              <a:rPr lang="en-US" dirty="0"/>
-              <a:t>So many reasons… (Pick your favorite!)</a:t>
-            </a:r>
-          </a:p>
-          <a:p>
-            <a:pPr lvl="1"/>
-            <a:r>
-              <a:rPr lang="en-US" dirty="0"/>
-              <a:t>Collaboration</a:t>
-            </a:r>
-          </a:p>
-          <a:p>
-            <a:pPr lvl="1"/>
-            <a:r>
-              <a:rPr lang="en-US" dirty="0"/>
-              <a:t>Rapid Innovation</a:t>
-            </a:r>
-          </a:p>
-          <a:p>
-            <a:pPr lvl="1"/>
-            <a:r>
-              <a:rPr lang="en-US" dirty="0"/>
-              <a:t>Cost Savings</a:t>
-            </a:r>
-          </a:p>
-          <a:p>
-            <a:pPr lvl="1"/>
-            <a:r>
-              <a:rPr lang="en-US" dirty="0"/>
-              <a:t>Transparency</a:t>
-            </a:r>
-          </a:p>
-          <a:p>
-            <a:pPr lvl="1"/>
-            <a:r>
-              <a:rPr lang="en-US" dirty="0"/>
-              <a:t>Reproducibility</a:t>
-            </a:r>
-          </a:p>
-          <a:p>
-            <a:pPr lvl="1"/>
-            <a:r>
-              <a:rPr lang="en-US" dirty="0"/>
-              <a:t>Access to Talent</a:t>
-            </a:r>
-          </a:p>
-          <a:p>
-            <a:pPr lvl="1"/>
-            <a:r>
-              <a:rPr lang="en-US" dirty="0"/>
-              <a:t>Standardization</a:t>
-            </a:r>
-          </a:p>
-        </p:txBody>
-      </p:sp>
-      <p:sp>
-        <p:nvSpPr>
-          <p:cNvPr id="4" name="Title 1">
-            <a:extLst>
-              <a:ext uri="{FF2B5EF4-FFF2-40B4-BE49-F238E27FC236}">
-                <a16:creationId xmlns:a16="http://schemas.microsoft.com/office/drawing/2014/main" id="{927D2DE0-5A5B-5A51-9851-9536B6995530}"/>
-              </a:ext>
-            </a:extLst>
-          </p:cNvPr>
-          <p:cNvSpPr txBox="1">
-            <a:spLocks/>
-          </p:cNvSpPr>
-          <p:nvPr/>
-        </p:nvSpPr>
-        <p:spPr>
-          <a:xfrm>
-            <a:off x="838200" y="812006"/>
-            <a:ext cx="10515600" cy="1325563"/>
-          </a:xfrm>
-          <a:prstGeom prst="rect">
-            <a:avLst/>
-          </a:prstGeom>
-        </p:spPr>
-        <p:txBody>
-          <a:bodyPr vert="horz" lIns="91440" tIns="45720" rIns="91440" bIns="45720" rtlCol="0" anchor="ctr">
-            <a:normAutofit/>
-          </a:bodyPr>
-          <a:lstStyle>
-            <a:lvl1pPr algn="l" defTabSz="914400" rtl="0" eaLnBrk="1" latinLnBrk="0" hangingPunct="1">
-              <a:lnSpc>
-                <a:spcPct val="90000"/>
-              </a:lnSpc>
-              <a:spcBef>
-                <a:spcPct val="0"/>
-              </a:spcBef>
-              <a:buNone/>
-              <a:defRPr sz="4400" kern="1200">
-                <a:solidFill>
-                  <a:schemeClr val="tx1"/>
-                </a:solidFill>
-                <a:latin typeface="+mj-lt"/>
-                <a:ea typeface="+mj-ea"/>
-                <a:cs typeface="+mj-cs"/>
-              </a:defRPr>
-            </a:lvl1pPr>
-          </a:lstStyle>
-          <a:p>
-            <a:r>
-              <a:rPr lang="en-US" sz="2400" b="1" dirty="0"/>
-              <a:t>…or open-source in general</a:t>
-            </a:r>
-            <a:endParaRPr lang="en-US" sz="2400" dirty="0"/>
-          </a:p>
-        </p:txBody>
-      </p:sp>
-    </p:spTree>
-    <p:extLst>
-      <p:ext uri="{BB962C8B-B14F-4D97-AF65-F5344CB8AC3E}">
-        <p14:creationId xmlns:p14="http://schemas.microsoft.com/office/powerpoint/2010/main" val="2229021873"/>
-      </p:ext>
-    </p:extLst>
-  </p:cSld>
-  <p:clrMapOvr>
-    <a:masterClrMapping/>
-  </p:clrMapOvr>
-</p:sld>
-</file>
-
-<file path=ppt/slides/slide19.xml><?xml version="1.0" encoding="utf-8"?>
-<p:sld xmlns:a="http://schemas.openxmlformats.org/drawingml/2006/main" xmlns:r="http://schemas.openxmlformats.org/officeDocument/2006/relationships" xmlns:p="http://schemas.openxmlformats.org/presentationml/2006/main">
-  <p:cSld>
-    <p:spTree>
-      <p:nvGrpSpPr>
-        <p:cNvPr id="1" name=""/>
-        <p:cNvGrpSpPr/>
-        <p:nvPr/>
-      </p:nvGrpSpPr>
-      <p:grpSpPr>
-        <a:xfrm>
-          <a:off x="0" y="0"/>
-          <a:ext cx="0" cy="0"/>
-          <a:chOff x="0" y="0"/>
-          <a:chExt cx="0" cy="0"/>
-        </a:xfrm>
-      </p:grpSpPr>
-      <p:sp>
-        <p:nvSpPr>
-          <p:cNvPr id="2" name="Title 1">
-            <a:extLst>
-              <a:ext uri="{FF2B5EF4-FFF2-40B4-BE49-F238E27FC236}">
-                <a16:creationId xmlns:a16="http://schemas.microsoft.com/office/drawing/2014/main" id="{575F4081-31BC-774C-C1EB-75A050907BFF}"/>
-              </a:ext>
-            </a:extLst>
-          </p:cNvPr>
-          <p:cNvSpPr>
-            <a:spLocks noGrp="1"/>
-          </p:cNvSpPr>
-          <p:nvPr>
-            <p:ph type="title"/>
-          </p:nvPr>
-        </p:nvSpPr>
-        <p:spPr/>
-        <p:txBody>
-          <a:bodyPr/>
-          <a:lstStyle/>
-          <a:p>
-            <a:r>
-              <a:rPr lang="en-US" dirty="0"/>
-              <a:t>C</a:t>
-            </a:r>
-            <a:r>
-              <a:rPr lang="en-CH" dirty="0"/>
-              <a:t>ontributi</a:t>
-            </a:r>
-            <a:r>
-              <a:rPr lang="en-US" dirty="0"/>
-              <a:t>ng to the Ecosystem</a:t>
-            </a:r>
-            <a:endParaRPr lang="en-CH" dirty="0"/>
-          </a:p>
-        </p:txBody>
-      </p:sp>
-      <p:sp>
-        <p:nvSpPr>
-          <p:cNvPr id="3" name="Content Placeholder 2">
-            <a:extLst>
-              <a:ext uri="{FF2B5EF4-FFF2-40B4-BE49-F238E27FC236}">
-                <a16:creationId xmlns:a16="http://schemas.microsoft.com/office/drawing/2014/main" id="{88B5BC8D-FD02-5098-F6E0-E650FCC6A74A}"/>
-              </a:ext>
-            </a:extLst>
-          </p:cNvPr>
-          <p:cNvSpPr>
-            <a:spLocks noGrp="1"/>
-          </p:cNvSpPr>
-          <p:nvPr>
-            <p:ph idx="1"/>
-          </p:nvPr>
-        </p:nvSpPr>
-        <p:spPr/>
-        <p:txBody>
-          <a:bodyPr>
-            <a:normAutofit/>
-          </a:bodyPr>
-          <a:lstStyle/>
-          <a:p>
-            <a:r>
-              <a:rPr lang="en-US" dirty="0"/>
-              <a:t>Use the packages </a:t>
-            </a:r>
-          </a:p>
-          <a:p>
-            <a:r>
-              <a:rPr lang="en-US" dirty="0"/>
-              <a:t>W</a:t>
-            </a:r>
-            <a:r>
-              <a:rPr lang="en-CH" dirty="0"/>
-              <a:t>rit</a:t>
-            </a:r>
-            <a:r>
-              <a:rPr lang="en-US" dirty="0"/>
-              <a:t>e</a:t>
-            </a:r>
-            <a:r>
-              <a:rPr lang="en-CH" dirty="0"/>
-              <a:t> blogs, </a:t>
-            </a:r>
-            <a:r>
-              <a:rPr lang="en-US" dirty="0"/>
-              <a:t>create t</a:t>
-            </a:r>
-            <a:r>
-              <a:rPr lang="en-CH" dirty="0"/>
-              <a:t>emplates</a:t>
-            </a:r>
-            <a:endParaRPr lang="en-US" dirty="0"/>
-          </a:p>
-          <a:p>
-            <a:r>
-              <a:rPr lang="en-CH" dirty="0"/>
-              <a:t>Submit </a:t>
-            </a:r>
-            <a:r>
-              <a:rPr lang="en-US" dirty="0"/>
-              <a:t>I</a:t>
-            </a:r>
-            <a:r>
-              <a:rPr lang="en-CH" dirty="0"/>
-              <a:t>ssue</a:t>
-            </a:r>
-            <a:r>
-              <a:rPr lang="en-US" dirty="0"/>
-              <a:t>s</a:t>
-            </a:r>
-            <a:r>
-              <a:rPr lang="en-CH" dirty="0"/>
-              <a:t> </a:t>
-            </a:r>
-            <a:r>
-              <a:rPr lang="en-US" dirty="0"/>
-              <a:t>and/or Code</a:t>
-            </a:r>
-          </a:p>
-          <a:p>
-            <a:pPr lvl="1"/>
-            <a:r>
-              <a:rPr lang="en-CH" dirty="0"/>
-              <a:t>doc</a:t>
-            </a:r>
-            <a:r>
-              <a:rPr lang="en-US" dirty="0" err="1"/>
-              <a:t>umentation</a:t>
-            </a:r>
-            <a:r>
-              <a:rPr lang="en-CH" dirty="0"/>
-              <a:t> </a:t>
-            </a:r>
-            <a:endParaRPr lang="en-US" dirty="0"/>
-          </a:p>
-          <a:p>
-            <a:pPr lvl="1"/>
-            <a:r>
-              <a:rPr lang="en-CH" dirty="0"/>
-              <a:t>feature request</a:t>
-            </a:r>
-            <a:r>
-              <a:rPr lang="en-US" dirty="0"/>
-              <a:t>s</a:t>
-            </a:r>
-          </a:p>
-          <a:p>
-            <a:pPr lvl="1"/>
-            <a:r>
-              <a:rPr lang="en-CH" dirty="0"/>
-              <a:t>Bug</a:t>
-            </a:r>
-            <a:endParaRPr lang="en-US" dirty="0"/>
-          </a:p>
-          <a:p>
-            <a:r>
-              <a:rPr lang="en-US" dirty="0"/>
-              <a:t>J</a:t>
-            </a:r>
-            <a:r>
-              <a:rPr lang="en-CH" dirty="0"/>
-              <a:t>oin as a contributor – get in touch with the maintainer</a:t>
-            </a:r>
-          </a:p>
-          <a:p>
-            <a:pPr marL="0" indent="0">
-              <a:buNone/>
-            </a:pPr>
-            <a:endParaRPr lang="en-CH" dirty="0"/>
-          </a:p>
-          <a:p>
-            <a:pPr marL="0" indent="0">
-              <a:buNone/>
-            </a:pPr>
-            <a:r>
-              <a:rPr lang="en-CH" dirty="0"/>
-              <a:t>All types of contributions are welcome!</a:t>
-            </a:r>
-          </a:p>
-          <a:p>
-            <a:endParaRPr lang="en-CH" dirty="0"/>
-          </a:p>
-        </p:txBody>
-      </p:sp>
-    </p:spTree>
-    <p:extLst>
-      <p:ext uri="{BB962C8B-B14F-4D97-AF65-F5344CB8AC3E}">
-        <p14:creationId xmlns:p14="http://schemas.microsoft.com/office/powerpoint/2010/main" val="3564788154"/>
-      </p:ext>
-    </p:extLst>
-  </p:cSld>
-  <p:clrMapOvr>
-    <a:masterClrMapping/>
-  </p:clrMapOvr>
-  <p:timing>
-    <p:tnLst>
-      <p:par>
-        <p:cTn id="1" dur="indefinite" restart="never" nodeType="tmRoot">
-          <p:childTnLst>
-            <p:seq concurrent="1" nextAc="seek">
-              <p:cTn id="2" dur="indefinite" nodeType="mainSeq">
-                <p:childTnLst>
-                  <p:par>
-                    <p:cTn id="3" fill="hold">
-                      <p:stCondLst>
-                        <p:cond delay="indefinite"/>
-                      </p:stCondLst>
-                      <p:childTnLst>
-                        <p:par>
-                          <p:cTn id="4" fill="hold">
-                            <p:stCondLst>
-                              <p:cond delay="0"/>
-                            </p:stCondLst>
-                            <p:childTnLst>
-                              <p:par>
-                                <p:cTn id="5" presetID="1" presetClass="entr" presetSubtype="0" fill="hold" nodeType="clickEffect">
-                                  <p:stCondLst>
-                                    <p:cond delay="0"/>
-                                  </p:stCondLst>
-                                  <p:childTnLst>
-                                    <p:set>
-                                      <p:cBhvr>
-                                        <p:cTn id="6" dur="1" fill="hold">
-                                          <p:stCondLst>
-                                            <p:cond delay="0"/>
-                                          </p:stCondLst>
-                                        </p:cTn>
-                                        <p:tgtEl>
-                                          <p:spTgt spid="3">
-                                            <p:txEl>
-                                              <p:pRg st="6" end="6"/>
-                                            </p:txEl>
-                                          </p:spTgt>
-                                        </p:tgtEl>
-                                        <p:attrNameLst>
-                                          <p:attrName>style.visibility</p:attrName>
-                                        </p:attrNameLst>
-                                      </p:cBhvr>
-                                      <p:to>
-                                        <p:strVal val="visible"/>
-                                      </p:to>
-                                    </p:set>
-                                  </p:childTnLst>
-                                </p:cTn>
-                              </p:par>
-                            </p:childTnLst>
-                          </p:cTn>
-                        </p:par>
-                      </p:childTnLst>
-                    </p:cTn>
-                  </p:par>
-                  <p:par>
-                    <p:cTn id="7" fill="hold">
-                      <p:stCondLst>
-                        <p:cond delay="indefinite"/>
-                      </p:stCondLst>
-                      <p:childTnLst>
-                        <p:par>
-                          <p:cTn id="8" fill="hold">
-                            <p:stCondLst>
-                              <p:cond delay="0"/>
-                            </p:stCondLst>
-                            <p:childTnLst>
-                              <p:par>
-                                <p:cTn id="9" presetID="1" presetClass="entr" presetSubtype="0" fill="hold" nodeType="clickEffect">
-                                  <p:stCondLst>
-                                    <p:cond delay="0"/>
-                                  </p:stCondLst>
-                                  <p:childTnLst>
-                                    <p:set>
-                                      <p:cBhvr>
-                                        <p:cTn id="10" dur="1" fill="hold">
-                                          <p:stCondLst>
-                                            <p:cond delay="0"/>
-                                          </p:stCondLst>
-                                        </p:cTn>
-                                        <p:tgtEl>
-                                          <p:spTgt spid="3">
-                                            <p:txEl>
-                                              <p:pRg st="8" end="8"/>
-                                            </p:txEl>
-                                          </p:spTgt>
-                                        </p:tgtEl>
-                                        <p:attrNameLst>
-                                          <p:attrName>style.visibility</p:attrName>
-                                        </p:attrNameLst>
-                                      </p:cBhvr>
-                                      <p:to>
-                                        <p:strVal val="visible"/>
-                                      </p:to>
-                                    </p:set>
-                                  </p:childTnLst>
-                                </p:cTn>
-                              </p:par>
-                            </p:childTnLst>
-                          </p:cTn>
-                        </p:par>
-                      </p:childTnLst>
-                    </p:cTn>
-                  </p:par>
-                </p:childTnLst>
-              </p:cTn>
-              <p:prevCondLst>
-                <p:cond evt="onPrev" delay="0">
-                  <p:tgtEl>
-                    <p:sldTgt/>
-                  </p:tgtEl>
-                </p:cond>
-              </p:prevCondLst>
-              <p:nextCondLst>
-                <p:cond evt="onNext" delay="0">
-                  <p:tgtEl>
-                    <p:sldTgt/>
-                  </p:tgtEl>
-                </p:cond>
-              </p:nextCondLst>
-            </p:seq>
-          </p:childTnLst>
-        </p:cTn>
-      </p:par>
-    </p:tnLst>
-  </p:timing>
 </p:sld>
 </file>
 
@@ -9228,7 +8940,7 @@
           <p:cNvPr id="2" name="Title 1">
             <a:extLst>
               <a:ext uri="{FF2B5EF4-FFF2-40B4-BE49-F238E27FC236}">
-                <a16:creationId xmlns:a16="http://schemas.microsoft.com/office/drawing/2014/main" id="{1055D188-EA3A-79E8-B586-17841B93519C}"/>
+                <a16:creationId xmlns:a16="http://schemas.microsoft.com/office/drawing/2014/main" id="{9D486CFA-7D61-139F-D867-E6F4DAECF596}"/>
               </a:ext>
             </a:extLst>
           </p:cNvPr>
@@ -9245,8 +8957,20 @@
           <a:lstStyle/>
           <a:p>
             <a:r>
+              <a:rPr lang="en-US" b="1" dirty="0"/>
+              <a:t>Why contribute</a:t>
+            </a:r>
+            <a:r>
               <a:rPr lang="en-US" dirty="0"/>
-              <a:t>Success of Pharmaverse/OS relies on the Community</a:t>
+              <a:t> to the </a:t>
+            </a:r>
+            <a:r>
+              <a:rPr lang="en-US" dirty="0" err="1"/>
+              <a:t>pharmaverse</a:t>
+            </a:r>
+            <a:r>
+              <a:rPr lang="en-US" dirty="0"/>
+              <a:t>?</a:t>
             </a:r>
           </a:p>
         </p:txBody>
@@ -9256,7 +8980,7 @@
           <p:cNvPr id="3" name="Content Placeholder 2">
             <a:extLst>
               <a:ext uri="{FF2B5EF4-FFF2-40B4-BE49-F238E27FC236}">
-                <a16:creationId xmlns:a16="http://schemas.microsoft.com/office/drawing/2014/main" id="{0B52D0D3-7228-A627-22EB-6D9DC3E96140}"/>
+                <a16:creationId xmlns:a16="http://schemas.microsoft.com/office/drawing/2014/main" id="{94BF499B-E905-8927-ACC6-A4DAB2D58F85}"/>
               </a:ext>
             </a:extLst>
           </p:cNvPr>
@@ -9267,132 +8991,126 @@
             <p:ph idx="1"/>
           </p:nvPr>
         </p:nvSpPr>
-        <p:spPr>
-          <a:xfrm>
-            <a:off x="838200" y="1825625"/>
-            <a:ext cx="5466806" cy="4351338"/>
-          </a:xfrm>
-        </p:spPr>
+        <p:spPr/>
         <p:txBody>
           <a:bodyPr/>
           <a:lstStyle/>
           <a:p>
             <a:r>
               <a:rPr lang="en-US" dirty="0"/>
-              <a:t>🎵 we're all in this together</a:t>
-            </a:r>
-          </a:p>
-          <a:p>
-            <a:endParaRPr lang="en-US" dirty="0"/>
-          </a:p>
-          <a:p>
+              <a:t>So many reasons… (Pick your favorite!)</a:t>
+            </a:r>
+          </a:p>
+          <a:p>
+            <a:pPr lvl="1"/>
             <a:r>
               <a:rPr lang="en-US" dirty="0"/>
-              <a:t>Its up to us to make the community we want to see</a:t>
-            </a:r>
-          </a:p>
-          <a:p>
-            <a:endParaRPr lang="en-US" dirty="0"/>
-          </a:p>
-          <a:p>
+              <a:t>Collaboration</a:t>
+            </a:r>
+          </a:p>
+          <a:p>
+            <a:pPr lvl="1"/>
             <a:r>
               <a:rPr lang="en-US" dirty="0"/>
-              <a:t>Leaders need to select and be conscious of their impacts</a:t>
+              <a:t>Rapid Innovation</a:t>
+            </a:r>
+          </a:p>
+          <a:p>
+            <a:pPr lvl="1"/>
+            <a:r>
+              <a:rPr lang="en-US" dirty="0"/>
+              <a:t>Cost Savings</a:t>
+            </a:r>
+          </a:p>
+          <a:p>
+            <a:pPr lvl="1"/>
+            <a:r>
+              <a:rPr lang="en-US" dirty="0"/>
+              <a:t>Transparency</a:t>
+            </a:r>
+          </a:p>
+          <a:p>
+            <a:pPr lvl="1"/>
+            <a:r>
+              <a:rPr lang="en-US" dirty="0"/>
+              <a:t>Reproducibility</a:t>
+            </a:r>
+          </a:p>
+          <a:p>
+            <a:pPr lvl="1"/>
+            <a:r>
+              <a:rPr lang="en-US" dirty="0"/>
+              <a:t>Access to Talent</a:t>
+            </a:r>
+          </a:p>
+          <a:p>
+            <a:pPr lvl="1"/>
+            <a:r>
+              <a:rPr lang="en-US" dirty="0"/>
+              <a:t>Standardization</a:t>
             </a:r>
           </a:p>
         </p:txBody>
       </p:sp>
-      <p:pic>
-        <p:nvPicPr>
-          <p:cNvPr id="5" name="Picture 4" descr="A group of people jumping in front of a red curtain&#10;&#10;Description automatically generated">
-            <a:extLst>
-              <a:ext uri="{FF2B5EF4-FFF2-40B4-BE49-F238E27FC236}">
-                <a16:creationId xmlns:a16="http://schemas.microsoft.com/office/drawing/2014/main" id="{6FE9F4C0-E4F0-3936-33C5-4C2218F9EB44}"/>
-              </a:ext>
-            </a:extLst>
-          </p:cNvPr>
-          <p:cNvPicPr>
-            <a:picLocks noChangeAspect="1"/>
-          </p:cNvPicPr>
-          <p:nvPr/>
-        </p:nvPicPr>
-        <p:blipFill>
-          <a:blip r:embed="rId2">
-            <a:extLst>
-              <a:ext uri="{28A0092B-C50C-407E-A947-70E740481C1C}">
-                <a14:useLocalDpi xmlns:a14="http://schemas.microsoft.com/office/drawing/2010/main" val="0"/>
-              </a:ext>
-              <a:ext uri="{837473B0-CC2E-450A-ABE3-18F120FF3D39}">
-                <a1611:picAttrSrcUrl xmlns:a1611="http://schemas.microsoft.com/office/drawing/2016/11/main" r:id="rId3"/>
-              </a:ext>
-            </a:extLst>
-          </a:blip>
-          <a:stretch>
-            <a:fillRect/>
-          </a:stretch>
-        </p:blipFill>
-        <p:spPr>
-          <a:xfrm>
-            <a:off x="7122794" y="1855144"/>
-            <a:ext cx="3839846" cy="4164757"/>
-          </a:xfrm>
-          <a:prstGeom prst="rect">
-            <a:avLst/>
-          </a:prstGeom>
-        </p:spPr>
-      </p:pic>
       <p:sp>
         <p:nvSpPr>
-          <p:cNvPr id="6" name="TextBox 5">
-            <a:extLst>
-              <a:ext uri="{FF2B5EF4-FFF2-40B4-BE49-F238E27FC236}">
-                <a16:creationId xmlns:a16="http://schemas.microsoft.com/office/drawing/2014/main" id="{40B51E94-DDBA-591A-D664-2C914A41FEF4}"/>
-              </a:ext>
-            </a:extLst>
-          </p:cNvPr>
-          <p:cNvSpPr txBox="1"/>
+          <p:cNvPr id="4" name="Title 1">
+            <a:extLst>
+              <a:ext uri="{FF2B5EF4-FFF2-40B4-BE49-F238E27FC236}">
+                <a16:creationId xmlns:a16="http://schemas.microsoft.com/office/drawing/2014/main" id="{927D2DE0-5A5B-5A51-9851-9536B6995530}"/>
+              </a:ext>
+            </a:extLst>
+          </p:cNvPr>
+          <p:cNvSpPr txBox="1">
+            <a:spLocks/>
+          </p:cNvSpPr>
           <p:nvPr/>
         </p:nvSpPr>
         <p:spPr>
           <a:xfrm>
-            <a:off x="7122794" y="6068941"/>
-            <a:ext cx="3839846" cy="230832"/>
+            <a:off x="838200" y="812006"/>
+            <a:ext cx="10515600" cy="1325563"/>
           </a:xfrm>
           <a:prstGeom prst="rect">
             <a:avLst/>
           </a:prstGeom>
-          <a:noFill/>
         </p:spPr>
         <p:txBody>
-          <a:bodyPr wrap="square" rtlCol="0">
-            <a:spAutoFit/>
+          <a:bodyPr vert="horz" lIns="91440" tIns="45720" rIns="91440" bIns="45720" rtlCol="0" anchor="ctr">
+            <a:normAutofit/>
           </a:bodyPr>
-          <a:lstStyle/>
-          <a:p>
-            <a:r>
-              <a:rPr lang="en-US" sz="900" dirty="0">
-                <a:hlinkClick r:id="rId3" tooltip="https://ericojohee.blogspot.com/2007/04/hsm-were-all-in-this-together.html"/>
-              </a:rPr>
-              <a:t>This Photo</a:t>
-            </a:r>
-            <a:r>
-              <a:rPr lang="en-US" sz="900" dirty="0"/>
-              <a:t> by Unknown Author is licensed under </a:t>
-            </a:r>
-            <a:r>
-              <a:rPr lang="en-US" sz="900" dirty="0">
-                <a:hlinkClick r:id="rId4" tooltip="https://creativecommons.org/licenses/by-nc-nd/3.0/"/>
-              </a:rPr>
-              <a:t>CC BY-NC-ND</a:t>
-            </a:r>
-            <a:endParaRPr lang="en-US" sz="900" dirty="0"/>
+          <a:lstStyle>
+            <a:lvl1pPr algn="l" defTabSz="914400" rtl="0" eaLnBrk="1" latinLnBrk="0" hangingPunct="1">
+              <a:lnSpc>
+                <a:spcPct val="90000"/>
+              </a:lnSpc>
+              <a:spcBef>
+                <a:spcPct val="0"/>
+              </a:spcBef>
+              <a:buNone/>
+              <a:defRPr sz="4400" kern="1200">
+                <a:solidFill>
+                  <a:schemeClr val="tx1"/>
+                </a:solidFill>
+                <a:latin typeface="+mj-lt"/>
+                <a:ea typeface="+mj-ea"/>
+                <a:cs typeface="+mj-cs"/>
+              </a:defRPr>
+            </a:lvl1pPr>
+          </a:lstStyle>
+          <a:p>
+            <a:r>
+              <a:rPr lang="en-US" sz="2400" b="1" dirty="0"/>
+              <a:t>…or open-source in general</a:t>
+            </a:r>
+            <a:endParaRPr lang="en-US" sz="2400" dirty="0"/>
           </a:p>
         </p:txBody>
       </p:sp>
     </p:spTree>
     <p:extLst>
       <p:ext uri="{BB962C8B-B14F-4D97-AF65-F5344CB8AC3E}">
-        <p14:creationId xmlns:p14="http://schemas.microsoft.com/office/powerpoint/2010/main" val="3728798367"/>
+        <p14:creationId xmlns:p14="http://schemas.microsoft.com/office/powerpoint/2010/main" val="2229021873"/>
       </p:ext>
     </p:extLst>
   </p:cSld>
@@ -9424,7 +9142,7 @@
           <p:cNvPr id="2" name="Title 1">
             <a:extLst>
               <a:ext uri="{FF2B5EF4-FFF2-40B4-BE49-F238E27FC236}">
-                <a16:creationId xmlns:a16="http://schemas.microsoft.com/office/drawing/2014/main" id="{51DBAFEB-6319-A397-EA82-D82E2A7C6B55}"/>
+                <a16:creationId xmlns:a16="http://schemas.microsoft.com/office/drawing/2014/main" id="{575F4081-31BC-774C-C1EB-75A050907BFF}"/>
               </a:ext>
             </a:extLst>
           </p:cNvPr>
@@ -9442,8 +9160,17 @@
           <a:p>
             <a:r>
               <a:rPr lang="en-US" dirty="0"/>
-              <a:t>Opening an Issue</a:t>
-            </a:r>
+              <a:t>C</a:t>
+            </a:r>
+            <a:r>
+              <a:rPr lang="en-CH" dirty="0"/>
+              <a:t>ontributi</a:t>
+            </a:r>
+            <a:r>
+              <a:rPr lang="en-US" dirty="0"/>
+              <a:t>ng to the Ecosystem</a:t>
+            </a:r>
+            <a:endParaRPr lang="en-CH" dirty="0"/>
           </a:p>
         </p:txBody>
       </p:sp>
@@ -9452,7 +9179,7 @@
           <p:cNvPr id="3" name="Content Placeholder 2">
             <a:extLst>
               <a:ext uri="{FF2B5EF4-FFF2-40B4-BE49-F238E27FC236}">
-                <a16:creationId xmlns:a16="http://schemas.microsoft.com/office/drawing/2014/main" id="{29C956F3-0D43-9F1B-25B2-95D606B5E0E2}"/>
+                <a16:creationId xmlns:a16="http://schemas.microsoft.com/office/drawing/2014/main" id="{88B5BC8D-FD02-5098-F6E0-E650FCC6A74A}"/>
               </a:ext>
             </a:extLst>
           </p:cNvPr>
@@ -9465,47 +9192,272 @@
         </p:nvSpPr>
         <p:spPr/>
         <p:txBody>
-          <a:bodyPr/>
+          <a:bodyPr>
+            <a:normAutofit/>
+          </a:bodyPr>
           <a:lstStyle/>
           <a:p>
             <a:r>
               <a:rPr lang="en-US" dirty="0"/>
-              <a:t>If you saw a discrepancy or typo in the documentation of a package used today, open an issue pointing to the documentation and what you think should be fixed</a:t>
+              <a:t>Use the packages </a:t>
+            </a:r>
+          </a:p>
+          <a:p>
+            <a:r>
+              <a:rPr lang="en-US" dirty="0"/>
+              <a:t>W</a:t>
+            </a:r>
+            <a:r>
+              <a:rPr lang="en-CH" dirty="0"/>
+              <a:t>rit</a:t>
+            </a:r>
+            <a:r>
+              <a:rPr lang="en-US" dirty="0"/>
+              <a:t>e</a:t>
+            </a:r>
+            <a:r>
+              <a:rPr lang="en-CH" dirty="0"/>
+              <a:t> blogs, </a:t>
+            </a:r>
+            <a:r>
+              <a:rPr lang="en-US" dirty="0"/>
+              <a:t>create t</a:t>
+            </a:r>
+            <a:r>
+              <a:rPr lang="en-CH" dirty="0"/>
+              <a:t>emplates</a:t>
+            </a:r>
+            <a:endParaRPr lang="en-US" dirty="0"/>
+          </a:p>
+          <a:p>
+            <a:r>
+              <a:rPr lang="en-CH" dirty="0"/>
+              <a:t>Submit </a:t>
+            </a:r>
+            <a:r>
+              <a:rPr lang="en-US" dirty="0"/>
+              <a:t>I</a:t>
+            </a:r>
+            <a:r>
+              <a:rPr lang="en-CH" dirty="0"/>
+              <a:t>ssue</a:t>
+            </a:r>
+            <a:r>
+              <a:rPr lang="en-US" dirty="0"/>
+              <a:t>s</a:t>
+            </a:r>
+            <a:r>
+              <a:rPr lang="en-CH" dirty="0"/>
+              <a:t> </a:t>
+            </a:r>
+            <a:r>
+              <a:rPr lang="en-US" dirty="0"/>
+              <a:t>and/or Code</a:t>
             </a:r>
           </a:p>
           <a:p>
             <a:pPr lvl="1"/>
             <a:r>
+              <a:rPr lang="en-CH" dirty="0"/>
+              <a:t>doc</a:t>
+            </a:r>
+            <a:r>
+              <a:rPr lang="en-US" dirty="0" err="1"/>
+              <a:t>umentation</a:t>
+            </a:r>
+            <a:r>
+              <a:rPr lang="en-CH" dirty="0"/>
+              <a:t> </a:t>
+            </a:r>
+            <a:endParaRPr lang="en-US" dirty="0"/>
+          </a:p>
+          <a:p>
+            <a:pPr lvl="1"/>
+            <a:r>
+              <a:rPr lang="en-CH" dirty="0"/>
+              <a:t>feature request</a:t>
+            </a:r>
+            <a:r>
               <a:rPr lang="en-US" dirty="0"/>
-              <a:t>Find the GitHub page for the package</a:t>
+              <a:t>s</a:t>
             </a:r>
           </a:p>
           <a:p>
             <a:pPr lvl="1"/>
             <a:r>
+              <a:rPr lang="en-CH" dirty="0"/>
+              <a:t>Bug</a:t>
+            </a:r>
+            <a:endParaRPr lang="en-US" dirty="0"/>
+          </a:p>
+          <a:p>
+            <a:r>
               <a:rPr lang="en-US" dirty="0"/>
-              <a:t>Click on “Issues” then “New issue”</a:t>
-            </a:r>
-          </a:p>
-          <a:p>
-            <a:pPr lvl="1"/>
-            <a:r>
-              <a:rPr lang="en-US" dirty="0"/>
-              <a:t>Write the location of the discrepancy and what you think might be a better solution</a:t>
-            </a:r>
+              <a:t>J</a:t>
+            </a:r>
+            <a:r>
+              <a:rPr lang="en-CH" dirty="0"/>
+              <a:t>oin as a contributor – get in touch with the maintainer</a:t>
+            </a:r>
+          </a:p>
+          <a:p>
+            <a:pPr marL="0" indent="0">
+              <a:buNone/>
+            </a:pPr>
+            <a:endParaRPr lang="en-CH" dirty="0"/>
+          </a:p>
+          <a:p>
+            <a:pPr marL="0" indent="0">
+              <a:buNone/>
+            </a:pPr>
+            <a:r>
+              <a:rPr lang="en-CH" dirty="0"/>
+              <a:t>All types of contributions are welcome!</a:t>
+            </a:r>
+          </a:p>
+          <a:p>
+            <a:endParaRPr lang="en-CH" dirty="0"/>
           </a:p>
         </p:txBody>
       </p:sp>
     </p:spTree>
     <p:extLst>
       <p:ext uri="{BB962C8B-B14F-4D97-AF65-F5344CB8AC3E}">
-        <p14:creationId xmlns:p14="http://schemas.microsoft.com/office/powerpoint/2010/main" val="3465875368"/>
+        <p14:creationId xmlns:p14="http://schemas.microsoft.com/office/powerpoint/2010/main" val="3564788154"/>
       </p:ext>
     </p:extLst>
   </p:cSld>
   <p:clrMapOvr>
     <a:masterClrMapping/>
   </p:clrMapOvr>
+  <p:timing>
+    <p:tnLst>
+      <p:par>
+        <p:cTn id="1" dur="indefinite" restart="never" nodeType="tmRoot">
+          <p:childTnLst>
+            <p:seq concurrent="1" nextAc="seek">
+              <p:cTn id="2" dur="indefinite" nodeType="mainSeq">
+                <p:childTnLst>
+                  <p:par>
+                    <p:cTn id="3" fill="hold">
+                      <p:stCondLst>
+                        <p:cond delay="indefinite"/>
+                      </p:stCondLst>
+                      <p:childTnLst>
+                        <p:par>
+                          <p:cTn id="4" fill="hold">
+                            <p:stCondLst>
+                              <p:cond delay="0"/>
+                            </p:stCondLst>
+                            <p:childTnLst>
+                              <p:par>
+                                <p:cTn id="5" presetID="1" presetClass="entr" presetSubtype="0" fill="hold" nodeType="clickEffect">
+                                  <p:stCondLst>
+                                    <p:cond delay="0"/>
+                                  </p:stCondLst>
+                                  <p:childTnLst>
+                                    <p:set>
+                                      <p:cBhvr>
+                                        <p:cTn id="6" dur="1" fill="hold">
+                                          <p:stCondLst>
+                                            <p:cond delay="0"/>
+                                          </p:stCondLst>
+                                        </p:cTn>
+                                        <p:tgtEl>
+                                          <p:spTgt spid="3">
+                                            <p:txEl>
+                                              <p:pRg st="6" end="6"/>
+                                            </p:txEl>
+                                          </p:spTgt>
+                                        </p:tgtEl>
+                                        <p:attrNameLst>
+                                          <p:attrName>style.visibility</p:attrName>
+                                        </p:attrNameLst>
+                                      </p:cBhvr>
+                                      <p:to>
+                                        <p:strVal val="visible"/>
+                                      </p:to>
+                                    </p:set>
+                                  </p:childTnLst>
+                                </p:cTn>
+                              </p:par>
+                            </p:childTnLst>
+                          </p:cTn>
+                        </p:par>
+                      </p:childTnLst>
+                    </p:cTn>
+                  </p:par>
+                  <p:par>
+                    <p:cTn id="7" fill="hold">
+                      <p:stCondLst>
+                        <p:cond delay="indefinite"/>
+                      </p:stCondLst>
+                      <p:childTnLst>
+                        <p:par>
+                          <p:cTn id="8" fill="hold">
+                            <p:stCondLst>
+                              <p:cond delay="0"/>
+                            </p:stCondLst>
+                            <p:childTnLst>
+                              <p:par>
+                                <p:cTn id="9" presetID="1" presetClass="entr" presetSubtype="0" fill="hold" nodeType="clickEffect">
+                                  <p:stCondLst>
+                                    <p:cond delay="0"/>
+                                  </p:stCondLst>
+                                  <p:childTnLst>
+                                    <p:set>
+                                      <p:cBhvr>
+                                        <p:cTn id="10" dur="1" fill="hold">
+                                          <p:stCondLst>
+                                            <p:cond delay="0"/>
+                                          </p:stCondLst>
+                                        </p:cTn>
+                                        <p:tgtEl>
+                                          <p:spTgt spid="3">
+                                            <p:txEl>
+                                              <p:pRg st="8" end="8"/>
+                                            </p:txEl>
+                                          </p:spTgt>
+                                        </p:tgtEl>
+                                        <p:attrNameLst>
+                                          <p:attrName>style.visibility</p:attrName>
+                                        </p:attrNameLst>
+                                      </p:cBhvr>
+                                      <p:to>
+                                        <p:strVal val="visible"/>
+                                      </p:to>
+                                    </p:set>
+                                  </p:childTnLst>
+                                </p:cTn>
+                              </p:par>
+                            </p:childTnLst>
+                          </p:cTn>
+                        </p:par>
+                      </p:childTnLst>
+                    </p:cTn>
+                  </p:par>
+                </p:childTnLst>
+              </p:cTn>
+              <p:prevCondLst>
+                <p:cond evt="onPrev" delay="0">
+                  <p:tgtEl>
+                    <p:sldTgt/>
+                  </p:tgtEl>
+                </p:cond>
+              </p:prevCondLst>
+              <p:nextCondLst>
+                <p:cond evt="onNext" delay="0">
+                  <p:tgtEl>
+                    <p:sldTgt/>
+                  </p:tgtEl>
+                </p:cond>
+              </p:nextCondLst>
+            </p:seq>
+          </p:childTnLst>
+        </p:cTn>
+      </p:par>
+    </p:tnLst>
+  </p:timing>
 </p:sld>
 </file>
 
@@ -9531,7 +9483,7 @@
           <p:cNvPr id="2" name="Title 1">
             <a:extLst>
               <a:ext uri="{FF2B5EF4-FFF2-40B4-BE49-F238E27FC236}">
-                <a16:creationId xmlns:a16="http://schemas.microsoft.com/office/drawing/2014/main" id="{487008A4-B3BE-6337-2C22-49AE4408EB28}"/>
+                <a16:creationId xmlns:a16="http://schemas.microsoft.com/office/drawing/2014/main" id="{1055D188-EA3A-79E8-B586-17841B93519C}"/>
               </a:ext>
             </a:extLst>
           </p:cNvPr>
@@ -9549,7 +9501,7 @@
           <a:p>
             <a:r>
               <a:rPr lang="en-US" dirty="0"/>
-              <a:t>Discussion Time!</a:t>
+              <a:t>Success of Pharmaverse/OS relies on the Community</a:t>
             </a:r>
           </a:p>
         </p:txBody>
@@ -9559,7 +9511,7 @@
           <p:cNvPr id="3" name="Content Placeholder 2">
             <a:extLst>
               <a:ext uri="{FF2B5EF4-FFF2-40B4-BE49-F238E27FC236}">
-                <a16:creationId xmlns:a16="http://schemas.microsoft.com/office/drawing/2014/main" id="{74CF2615-E0BB-1F40-7EF2-6F2B05D99222}"/>
+                <a16:creationId xmlns:a16="http://schemas.microsoft.com/office/drawing/2014/main" id="{0B52D0D3-7228-A627-22EB-6D9DC3E96140}"/>
               </a:ext>
             </a:extLst>
           </p:cNvPr>
@@ -9573,91 +9525,83 @@
         <p:spPr>
           <a:xfrm>
             <a:off x="838200" y="1825625"/>
-            <a:ext cx="9437914" cy="4351338"/>
+            <a:ext cx="5466806" cy="4351338"/>
           </a:xfrm>
         </p:spPr>
         <p:txBody>
-          <a:bodyPr>
-            <a:normAutofit/>
-          </a:bodyPr>
+          <a:bodyPr/>
           <a:lstStyle/>
           <a:p>
             <a:r>
               <a:rPr lang="en-US" dirty="0"/>
-              <a:t>Form a group of group of 4-6</a:t>
-            </a:r>
+              <a:t>🎵 we're all in this together</a:t>
+            </a:r>
+          </a:p>
+          <a:p>
+            <a:endParaRPr lang="en-US" dirty="0"/>
           </a:p>
           <a:p>
             <a:r>
               <a:rPr lang="en-US" dirty="0"/>
-              <a:t>Discuss the following questions (25 minutes)</a:t>
-            </a:r>
-          </a:p>
-          <a:p>
-            <a:pPr lvl="1"/>
+              <a:t>Its up to us to make the community we want to see</a:t>
+            </a:r>
+          </a:p>
+          <a:p>
+            <a:endParaRPr lang="en-US" dirty="0"/>
+          </a:p>
+          <a:p>
             <a:r>
               <a:rPr lang="en-US" dirty="0"/>
-              <a:t>What had you expected to learn today</a:t>
-            </a:r>
-          </a:p>
-          <a:p>
-            <a:pPr lvl="1"/>
-            <a:r>
-              <a:rPr lang="en-US" dirty="0"/>
-              <a:t>What was learned at today</a:t>
-            </a:r>
-          </a:p>
-          <a:p>
-            <a:pPr lvl="1"/>
-            <a:r>
-              <a:rPr lang="en-US" dirty="0"/>
-              <a:t>What will you be bringing back to your teams</a:t>
-            </a:r>
-          </a:p>
-          <a:p>
-            <a:pPr lvl="1"/>
-            <a:r>
-              <a:rPr lang="en-US" b="1" dirty="0"/>
-              <a:t>What do we think is the skillset that will be required in the future</a:t>
-            </a:r>
-          </a:p>
-          <a:p>
-            <a:pPr lvl="1"/>
-            <a:r>
-              <a:rPr lang="en-US" b="1" dirty="0"/>
-              <a:t>What do we see as benefits of ARDs</a:t>
-            </a:r>
-          </a:p>
-          <a:p>
-            <a:pPr lvl="1"/>
-            <a:r>
-              <a:rPr lang="en-US" b="1" dirty="0"/>
-              <a:t>If you could tell yourself something 5 years ago, what would it be?</a:t>
-            </a:r>
-          </a:p>
-          <a:p>
-            <a:r>
-              <a:rPr lang="en-US" dirty="0"/>
-              <a:t>Report Out &amp; Discussion (25 Minutes)</a:t>
-            </a:r>
-          </a:p>
-          <a:p>
-            <a:endParaRPr lang="en-US" dirty="0"/>
-          </a:p>
-          <a:p>
-            <a:endParaRPr lang="en-US" dirty="0"/>
-          </a:p>
-          <a:p>
-            <a:endParaRPr lang="en-US" sz="3600" dirty="0"/>
+              <a:t>Leaders need to select and be conscious of their impacts</a:t>
+            </a:r>
           </a:p>
         </p:txBody>
       </p:sp>
+      <p:pic>
+        <p:nvPicPr>
+          <p:cNvPr id="5" name="Picture 4" descr="A group of people jumping in front of a red curtain&#10;&#10;Description automatically generated">
+            <a:extLst>
+              <a:ext uri="{FF2B5EF4-FFF2-40B4-BE49-F238E27FC236}">
+                <a16:creationId xmlns:a16="http://schemas.microsoft.com/office/drawing/2014/main" id="{6FE9F4C0-E4F0-3936-33C5-4C2218F9EB44}"/>
+              </a:ext>
+            </a:extLst>
+          </p:cNvPr>
+          <p:cNvPicPr>
+            <a:picLocks noChangeAspect="1"/>
+          </p:cNvPicPr>
+          <p:nvPr/>
+        </p:nvPicPr>
+        <p:blipFill>
+          <a:blip r:embed="rId2">
+            <a:extLst>
+              <a:ext uri="{28A0092B-C50C-407E-A947-70E740481C1C}">
+                <a14:useLocalDpi xmlns:a14="http://schemas.microsoft.com/office/drawing/2010/main" val="0"/>
+              </a:ext>
+              <a:ext uri="{837473B0-CC2E-450A-ABE3-18F120FF3D39}">
+                <a1611:picAttrSrcUrl xmlns:a1611="http://schemas.microsoft.com/office/drawing/2016/11/main" r:id="rId3"/>
+              </a:ext>
+            </a:extLst>
+          </a:blip>
+          <a:stretch>
+            <a:fillRect/>
+          </a:stretch>
+        </p:blipFill>
+        <p:spPr>
+          <a:xfrm>
+            <a:off x="7122794" y="1855144"/>
+            <a:ext cx="3839846" cy="4164757"/>
+          </a:xfrm>
+          <a:prstGeom prst="rect">
+            <a:avLst/>
+          </a:prstGeom>
+        </p:spPr>
+      </p:pic>
       <p:sp>
         <p:nvSpPr>
-          <p:cNvPr id="5" name="TextBox 4">
-            <a:extLst>
-              <a:ext uri="{FF2B5EF4-FFF2-40B4-BE49-F238E27FC236}">
-                <a16:creationId xmlns:a16="http://schemas.microsoft.com/office/drawing/2014/main" id="{7A861C6E-61DB-2D31-B992-222AED6C0B3E}"/>
+          <p:cNvPr id="6" name="TextBox 5">
+            <a:extLst>
+              <a:ext uri="{FF2B5EF4-FFF2-40B4-BE49-F238E27FC236}">
+                <a16:creationId xmlns:a16="http://schemas.microsoft.com/office/drawing/2014/main" id="{40B51E94-DDBA-591A-D664-2C914A41FEF4}"/>
               </a:ext>
             </a:extLst>
           </p:cNvPr>
@@ -9666,8 +9610,8 @@
         </p:nvSpPr>
         <p:spPr>
           <a:xfrm>
-            <a:off x="7794171" y="748578"/>
-            <a:ext cx="3917274" cy="1754326"/>
+            <a:off x="7122794" y="6068941"/>
+            <a:ext cx="3839846" cy="230832"/>
           </a:xfrm>
           <a:prstGeom prst="rect">
             <a:avLst/>
@@ -9675,90 +9619,35 @@
           <a:noFill/>
         </p:spPr>
         <p:txBody>
-          <a:bodyPr wrap="square" numCol="2">
+          <a:bodyPr wrap="square" rtlCol="0">
             <a:spAutoFit/>
           </a:bodyPr>
           <a:lstStyle/>
           <a:p>
             <a:r>
-              <a:rPr lang="en-US" sz="2400" dirty="0"/>
-              <a:t>Packages we worked with today:</a:t>
-            </a:r>
-          </a:p>
-          <a:p>
-            <a:endParaRPr lang="en-US" sz="2400" dirty="0">
-              <a:hlinkClick r:id="rId2"/>
-            </a:endParaRPr>
-          </a:p>
-          <a:p>
-            <a:pPr marL="285750" indent="-285750">
-              <a:buFont typeface="Arial" panose="020B0604020202020204" pitchFamily="34" charset="0"/>
-              <a:buChar char="•"/>
-            </a:pPr>
-            <a:r>
-              <a:rPr lang="en-US" dirty="0"/>
-              <a:t>Admiral</a:t>
-            </a:r>
-          </a:p>
-          <a:p>
-            <a:pPr marL="285750" indent="-285750">
-              <a:buFont typeface="Arial" panose="020B0604020202020204" pitchFamily="34" charset="0"/>
-              <a:buChar char="•"/>
-            </a:pPr>
-            <a:r>
-              <a:rPr lang="en-US" dirty="0" err="1"/>
-              <a:t>Xportr</a:t>
-            </a:r>
-            <a:endParaRPr lang="en-US" dirty="0"/>
-          </a:p>
-          <a:p>
-            <a:pPr marL="285750" indent="-285750">
-              <a:buFont typeface="Arial" panose="020B0604020202020204" pitchFamily="34" charset="0"/>
-              <a:buChar char="•"/>
-            </a:pPr>
-            <a:r>
-              <a:rPr lang="en-US" dirty="0" err="1"/>
-              <a:t>gtsummary</a:t>
-            </a:r>
-            <a:endParaRPr lang="en-US" dirty="0"/>
-          </a:p>
-          <a:p>
-            <a:pPr marL="285750" indent="-285750">
-              <a:buFont typeface="Arial" panose="020B0604020202020204" pitchFamily="34" charset="0"/>
-              <a:buChar char="•"/>
-            </a:pPr>
-            <a:r>
-              <a:rPr lang="en-US" dirty="0"/>
-              <a:t>Cards</a:t>
-            </a:r>
-          </a:p>
-          <a:p>
-            <a:pPr marL="285750" indent="-285750">
-              <a:buFont typeface="Arial" panose="020B0604020202020204" pitchFamily="34" charset="0"/>
-              <a:buChar char="•"/>
-            </a:pPr>
-            <a:r>
-              <a:rPr lang="en-US" dirty="0"/>
-              <a:t>Tfrmt</a:t>
-            </a:r>
-          </a:p>
-          <a:p>
-            <a:pPr marL="285750" indent="-285750">
-              <a:buFont typeface="Arial" panose="020B0604020202020204" pitchFamily="34" charset="0"/>
-              <a:buChar char="•"/>
-            </a:pPr>
-            <a:r>
-              <a:rPr lang="en-US" dirty="0" err="1"/>
-              <a:t>tfrmtbuilder</a:t>
-            </a:r>
-            <a:endParaRPr lang="en-US" dirty="0"/>
+              <a:rPr lang="en-US" sz="900" dirty="0">
+                <a:hlinkClick r:id="rId3" tooltip="https://ericojohee.blogspot.com/2007/04/hsm-were-all-in-this-together.html"/>
+              </a:rPr>
+              <a:t>This Photo</a:t>
+            </a:r>
+            <a:r>
+              <a:rPr lang="en-US" sz="900" dirty="0"/>
+              <a:t> by Unknown Author is licensed under </a:t>
+            </a:r>
+            <a:r>
+              <a:rPr lang="en-US" sz="900" dirty="0">
+                <a:hlinkClick r:id="rId4" tooltip="https://creativecommons.org/licenses/by-nc-nd/3.0/"/>
+              </a:rPr>
+              <a:t>CC BY-NC-ND</a:t>
+            </a:r>
+            <a:endParaRPr lang="en-US" sz="900" dirty="0"/>
           </a:p>
         </p:txBody>
       </p:sp>
     </p:spTree>
     <p:extLst>
       <p:ext uri="{BB962C8B-B14F-4D97-AF65-F5344CB8AC3E}">
-        <p14:creationId xmlns:p14="http://schemas.microsoft.com/office/powerpoint/2010/main" val="1033892165"/>
+        <p14:creationId xmlns:p14="http://schemas.microsoft.com/office/powerpoint/2010/main" val="3728798367"/>
       </p:ext>
     </p:extLst>
   </p:cSld>
@@ -9790,7 +9679,7 @@
           <p:cNvPr id="2" name="Title 1">
             <a:extLst>
               <a:ext uri="{FF2B5EF4-FFF2-40B4-BE49-F238E27FC236}">
-                <a16:creationId xmlns:a16="http://schemas.microsoft.com/office/drawing/2014/main" id="{487008A4-B3BE-6337-2C22-49AE4408EB28}"/>
+                <a16:creationId xmlns:a16="http://schemas.microsoft.com/office/drawing/2014/main" id="{51DBAFEB-6319-A397-EA82-D82E2A7C6B55}"/>
               </a:ext>
             </a:extLst>
           </p:cNvPr>
@@ -9808,7 +9697,7 @@
           <a:p>
             <a:r>
               <a:rPr lang="en-US" dirty="0"/>
-              <a:t>Q&amp;A/Panel Time</a:t>
+              <a:t>Opening an Issue</a:t>
             </a:r>
           </a:p>
         </p:txBody>
@@ -9818,7 +9707,7 @@
           <p:cNvPr id="3" name="Content Placeholder 2">
             <a:extLst>
               <a:ext uri="{FF2B5EF4-FFF2-40B4-BE49-F238E27FC236}">
-                <a16:creationId xmlns:a16="http://schemas.microsoft.com/office/drawing/2014/main" id="{74CF2615-E0BB-1F40-7EF2-6F2B05D99222}"/>
+                <a16:creationId xmlns:a16="http://schemas.microsoft.com/office/drawing/2014/main" id="{29C956F3-0D43-9F1B-25B2-95D606B5E0E2}"/>
               </a:ext>
             </a:extLst>
           </p:cNvPr>
@@ -9829,32 +9718,43 @@
             <p:ph idx="1"/>
           </p:nvPr>
         </p:nvSpPr>
-        <p:spPr>
-          <a:xfrm>
-            <a:off x="838200" y="1825625"/>
-            <a:ext cx="9437914" cy="4351338"/>
-          </a:xfrm>
-        </p:spPr>
+        <p:spPr/>
         <p:txBody>
-          <a:bodyPr>
-            <a:normAutofit/>
-          </a:bodyPr>
+          <a:bodyPr/>
           <a:lstStyle/>
           <a:p>
-            <a:endParaRPr lang="en-US" dirty="0"/>
-          </a:p>
-          <a:p>
-            <a:endParaRPr lang="en-US" dirty="0"/>
-          </a:p>
-          <a:p>
-            <a:endParaRPr lang="en-US" sz="3600" dirty="0"/>
+            <a:r>
+              <a:rPr lang="en-US" dirty="0"/>
+              <a:t>If you saw a discrepancy or typo in the documentation of a package used today, open an issue pointing to the documentation and what you think should be fixed</a:t>
+            </a:r>
+          </a:p>
+          <a:p>
+            <a:pPr lvl="1"/>
+            <a:r>
+              <a:rPr lang="en-US" dirty="0"/>
+              <a:t>Find the GitHub page for the package</a:t>
+            </a:r>
+          </a:p>
+          <a:p>
+            <a:pPr lvl="1"/>
+            <a:r>
+              <a:rPr lang="en-US" dirty="0"/>
+              <a:t>Click on “Issues” then “New issue”</a:t>
+            </a:r>
+          </a:p>
+          <a:p>
+            <a:pPr lvl="1"/>
+            <a:r>
+              <a:rPr lang="en-US" dirty="0"/>
+              <a:t>Write the location of the discrepancy and what you think might be a better solution</a:t>
+            </a:r>
           </a:p>
         </p:txBody>
       </p:sp>
     </p:spTree>
     <p:extLst>
       <p:ext uri="{BB962C8B-B14F-4D97-AF65-F5344CB8AC3E}">
-        <p14:creationId xmlns:p14="http://schemas.microsoft.com/office/powerpoint/2010/main" val="1637611548"/>
+        <p14:creationId xmlns:p14="http://schemas.microsoft.com/office/powerpoint/2010/main" val="3465875368"/>
       </p:ext>
     </p:extLst>
   </p:cSld>
@@ -9886,6 +9786,361 @@
           <p:cNvPr id="2" name="Title 1">
             <a:extLst>
               <a:ext uri="{FF2B5EF4-FFF2-40B4-BE49-F238E27FC236}">
+                <a16:creationId xmlns:a16="http://schemas.microsoft.com/office/drawing/2014/main" id="{487008A4-B3BE-6337-2C22-49AE4408EB28}"/>
+              </a:ext>
+            </a:extLst>
+          </p:cNvPr>
+          <p:cNvSpPr>
+            <a:spLocks noGrp="1"/>
+          </p:cNvSpPr>
+          <p:nvPr>
+            <p:ph type="title"/>
+          </p:nvPr>
+        </p:nvSpPr>
+        <p:spPr/>
+        <p:txBody>
+          <a:bodyPr/>
+          <a:lstStyle/>
+          <a:p>
+            <a:r>
+              <a:rPr lang="en-US" dirty="0"/>
+              <a:t>Discussion Time!</a:t>
+            </a:r>
+          </a:p>
+        </p:txBody>
+      </p:sp>
+      <p:sp>
+        <p:nvSpPr>
+          <p:cNvPr id="3" name="Content Placeholder 2">
+            <a:extLst>
+              <a:ext uri="{FF2B5EF4-FFF2-40B4-BE49-F238E27FC236}">
+                <a16:creationId xmlns:a16="http://schemas.microsoft.com/office/drawing/2014/main" id="{74CF2615-E0BB-1F40-7EF2-6F2B05D99222}"/>
+              </a:ext>
+            </a:extLst>
+          </p:cNvPr>
+          <p:cNvSpPr>
+            <a:spLocks noGrp="1"/>
+          </p:cNvSpPr>
+          <p:nvPr>
+            <p:ph idx="1"/>
+          </p:nvPr>
+        </p:nvSpPr>
+        <p:spPr>
+          <a:xfrm>
+            <a:off x="838200" y="1825625"/>
+            <a:ext cx="9437914" cy="4351338"/>
+          </a:xfrm>
+        </p:spPr>
+        <p:txBody>
+          <a:bodyPr>
+            <a:normAutofit/>
+          </a:bodyPr>
+          <a:lstStyle/>
+          <a:p>
+            <a:r>
+              <a:rPr lang="en-US" dirty="0"/>
+              <a:t>Form a group of group of 4-6</a:t>
+            </a:r>
+          </a:p>
+          <a:p>
+            <a:r>
+              <a:rPr lang="en-US" dirty="0"/>
+              <a:t>Discuss the following questions (25 minutes)</a:t>
+            </a:r>
+          </a:p>
+          <a:p>
+            <a:pPr lvl="1"/>
+            <a:r>
+              <a:rPr lang="en-US" dirty="0"/>
+              <a:t>What had you expected to learn today</a:t>
+            </a:r>
+          </a:p>
+          <a:p>
+            <a:pPr lvl="1"/>
+            <a:r>
+              <a:rPr lang="en-US" dirty="0"/>
+              <a:t>What was learned at today</a:t>
+            </a:r>
+          </a:p>
+          <a:p>
+            <a:pPr lvl="1"/>
+            <a:r>
+              <a:rPr lang="en-US" dirty="0"/>
+              <a:t>What will you be bringing back to your teams</a:t>
+            </a:r>
+          </a:p>
+          <a:p>
+            <a:pPr lvl="1"/>
+            <a:r>
+              <a:rPr lang="en-US" b="1" dirty="0"/>
+              <a:t>What do we think is the skillset that will be required in the future</a:t>
+            </a:r>
+          </a:p>
+          <a:p>
+            <a:pPr lvl="1"/>
+            <a:r>
+              <a:rPr lang="en-US" b="1" dirty="0"/>
+              <a:t>What do we see as benefits of ARDs</a:t>
+            </a:r>
+          </a:p>
+          <a:p>
+            <a:pPr lvl="1"/>
+            <a:r>
+              <a:rPr lang="en-US" b="1" dirty="0"/>
+              <a:t>If you could tell yourself something 5 years ago, what would it be?</a:t>
+            </a:r>
+          </a:p>
+          <a:p>
+            <a:r>
+              <a:rPr lang="en-US" dirty="0"/>
+              <a:t>Report Out &amp; Discussion (25 Minutes)</a:t>
+            </a:r>
+          </a:p>
+          <a:p>
+            <a:endParaRPr lang="en-US" dirty="0"/>
+          </a:p>
+          <a:p>
+            <a:endParaRPr lang="en-US" dirty="0"/>
+          </a:p>
+          <a:p>
+            <a:endParaRPr lang="en-US" sz="3600" dirty="0"/>
+          </a:p>
+        </p:txBody>
+      </p:sp>
+      <p:sp>
+        <p:nvSpPr>
+          <p:cNvPr id="5" name="TextBox 4">
+            <a:extLst>
+              <a:ext uri="{FF2B5EF4-FFF2-40B4-BE49-F238E27FC236}">
+                <a16:creationId xmlns:a16="http://schemas.microsoft.com/office/drawing/2014/main" id="{7A861C6E-61DB-2D31-B992-222AED6C0B3E}"/>
+              </a:ext>
+            </a:extLst>
+          </p:cNvPr>
+          <p:cNvSpPr txBox="1"/>
+          <p:nvPr/>
+        </p:nvSpPr>
+        <p:spPr>
+          <a:xfrm>
+            <a:off x="7794171" y="748578"/>
+            <a:ext cx="3917274" cy="1754326"/>
+          </a:xfrm>
+          <a:prstGeom prst="rect">
+            <a:avLst/>
+          </a:prstGeom>
+          <a:noFill/>
+        </p:spPr>
+        <p:txBody>
+          <a:bodyPr wrap="square" numCol="2">
+            <a:spAutoFit/>
+          </a:bodyPr>
+          <a:lstStyle/>
+          <a:p>
+            <a:r>
+              <a:rPr lang="en-US" sz="2400" dirty="0"/>
+              <a:t>Packages we worked with today:</a:t>
+            </a:r>
+          </a:p>
+          <a:p>
+            <a:endParaRPr lang="en-US" sz="2400" dirty="0">
+              <a:hlinkClick r:id="rId2"/>
+            </a:endParaRPr>
+          </a:p>
+          <a:p>
+            <a:pPr marL="285750" indent="-285750">
+              <a:buFont typeface="Arial" panose="020B0604020202020204" pitchFamily="34" charset="0"/>
+              <a:buChar char="•"/>
+            </a:pPr>
+            <a:r>
+              <a:rPr lang="en-US" dirty="0"/>
+              <a:t>Admiral</a:t>
+            </a:r>
+          </a:p>
+          <a:p>
+            <a:pPr marL="285750" indent="-285750">
+              <a:buFont typeface="Arial" panose="020B0604020202020204" pitchFamily="34" charset="0"/>
+              <a:buChar char="•"/>
+            </a:pPr>
+            <a:r>
+              <a:rPr lang="en-US" dirty="0" err="1"/>
+              <a:t>Xportr</a:t>
+            </a:r>
+            <a:endParaRPr lang="en-US" dirty="0"/>
+          </a:p>
+          <a:p>
+            <a:pPr marL="285750" indent="-285750">
+              <a:buFont typeface="Arial" panose="020B0604020202020204" pitchFamily="34" charset="0"/>
+              <a:buChar char="•"/>
+            </a:pPr>
+            <a:r>
+              <a:rPr lang="en-US" dirty="0" err="1"/>
+              <a:t>gtsummary</a:t>
+            </a:r>
+            <a:endParaRPr lang="en-US" dirty="0"/>
+          </a:p>
+          <a:p>
+            <a:pPr marL="285750" indent="-285750">
+              <a:buFont typeface="Arial" panose="020B0604020202020204" pitchFamily="34" charset="0"/>
+              <a:buChar char="•"/>
+            </a:pPr>
+            <a:r>
+              <a:rPr lang="en-US" dirty="0"/>
+              <a:t>Cards</a:t>
+            </a:r>
+          </a:p>
+          <a:p>
+            <a:pPr marL="285750" indent="-285750">
+              <a:buFont typeface="Arial" panose="020B0604020202020204" pitchFamily="34" charset="0"/>
+              <a:buChar char="•"/>
+            </a:pPr>
+            <a:r>
+              <a:rPr lang="en-US" dirty="0"/>
+              <a:t>Tfrmt</a:t>
+            </a:r>
+          </a:p>
+          <a:p>
+            <a:pPr marL="285750" indent="-285750">
+              <a:buFont typeface="Arial" panose="020B0604020202020204" pitchFamily="34" charset="0"/>
+              <a:buChar char="•"/>
+            </a:pPr>
+            <a:r>
+              <a:rPr lang="en-US" dirty="0" err="1"/>
+              <a:t>tfrmtbuilder</a:t>
+            </a:r>
+            <a:endParaRPr lang="en-US" dirty="0"/>
+          </a:p>
+        </p:txBody>
+      </p:sp>
+    </p:spTree>
+    <p:extLst>
+      <p:ext uri="{BB962C8B-B14F-4D97-AF65-F5344CB8AC3E}">
+        <p14:creationId xmlns:p14="http://schemas.microsoft.com/office/powerpoint/2010/main" val="1033892165"/>
+      </p:ext>
+    </p:extLst>
+  </p:cSld>
+  <p:clrMapOvr>
+    <a:masterClrMapping/>
+  </p:clrMapOvr>
+</p:sld>
+</file>
+
+<file path=ppt/slides/slide25.xml><?xml version="1.0" encoding="utf-8"?>
+<p:sld xmlns:a="http://schemas.openxmlformats.org/drawingml/2006/main" xmlns:r="http://schemas.openxmlformats.org/officeDocument/2006/relationships" xmlns:p="http://schemas.openxmlformats.org/presentationml/2006/main">
+  <p:cSld>
+    <p:spTree>
+      <p:nvGrpSpPr>
+        <p:cNvPr id="1" name=""/>
+        <p:cNvGrpSpPr/>
+        <p:nvPr/>
+      </p:nvGrpSpPr>
+      <p:grpSpPr>
+        <a:xfrm>
+          <a:off x="0" y="0"/>
+          <a:ext cx="0" cy="0"/>
+          <a:chOff x="0" y="0"/>
+          <a:chExt cx="0" cy="0"/>
+        </a:xfrm>
+      </p:grpSpPr>
+      <p:sp>
+        <p:nvSpPr>
+          <p:cNvPr id="2" name="Title 1">
+            <a:extLst>
+              <a:ext uri="{FF2B5EF4-FFF2-40B4-BE49-F238E27FC236}">
+                <a16:creationId xmlns:a16="http://schemas.microsoft.com/office/drawing/2014/main" id="{487008A4-B3BE-6337-2C22-49AE4408EB28}"/>
+              </a:ext>
+            </a:extLst>
+          </p:cNvPr>
+          <p:cNvSpPr>
+            <a:spLocks noGrp="1"/>
+          </p:cNvSpPr>
+          <p:nvPr>
+            <p:ph type="title"/>
+          </p:nvPr>
+        </p:nvSpPr>
+        <p:spPr/>
+        <p:txBody>
+          <a:bodyPr/>
+          <a:lstStyle/>
+          <a:p>
+            <a:r>
+              <a:rPr lang="en-US" dirty="0"/>
+              <a:t>Q&amp;A/Panel Time</a:t>
+            </a:r>
+          </a:p>
+        </p:txBody>
+      </p:sp>
+      <p:sp>
+        <p:nvSpPr>
+          <p:cNvPr id="3" name="Content Placeholder 2">
+            <a:extLst>
+              <a:ext uri="{FF2B5EF4-FFF2-40B4-BE49-F238E27FC236}">
+                <a16:creationId xmlns:a16="http://schemas.microsoft.com/office/drawing/2014/main" id="{74CF2615-E0BB-1F40-7EF2-6F2B05D99222}"/>
+              </a:ext>
+            </a:extLst>
+          </p:cNvPr>
+          <p:cNvSpPr>
+            <a:spLocks noGrp="1"/>
+          </p:cNvSpPr>
+          <p:nvPr>
+            <p:ph idx="1"/>
+          </p:nvPr>
+        </p:nvSpPr>
+        <p:spPr>
+          <a:xfrm>
+            <a:off x="838200" y="1825625"/>
+            <a:ext cx="9437914" cy="4351338"/>
+          </a:xfrm>
+        </p:spPr>
+        <p:txBody>
+          <a:bodyPr>
+            <a:normAutofit/>
+          </a:bodyPr>
+          <a:lstStyle/>
+          <a:p>
+            <a:endParaRPr lang="en-US" dirty="0"/>
+          </a:p>
+          <a:p>
+            <a:endParaRPr lang="en-US" dirty="0"/>
+          </a:p>
+          <a:p>
+            <a:endParaRPr lang="en-US" sz="3600" dirty="0"/>
+          </a:p>
+        </p:txBody>
+      </p:sp>
+    </p:spTree>
+    <p:extLst>
+      <p:ext uri="{BB962C8B-B14F-4D97-AF65-F5344CB8AC3E}">
+        <p14:creationId xmlns:p14="http://schemas.microsoft.com/office/powerpoint/2010/main" val="1637611548"/>
+      </p:ext>
+    </p:extLst>
+  </p:cSld>
+  <p:clrMapOvr>
+    <a:masterClrMapping/>
+  </p:clrMapOvr>
+</p:sld>
+</file>
+
+<file path=ppt/slides/slide26.xml><?xml version="1.0" encoding="utf-8"?>
+<p:sld xmlns:a="http://schemas.openxmlformats.org/drawingml/2006/main" xmlns:r="http://schemas.openxmlformats.org/officeDocument/2006/relationships" xmlns:p="http://schemas.openxmlformats.org/presentationml/2006/main">
+  <p:cSld>
+    <p:spTree>
+      <p:nvGrpSpPr>
+        <p:cNvPr id="1" name=""/>
+        <p:cNvGrpSpPr/>
+        <p:nvPr/>
+      </p:nvGrpSpPr>
+      <p:grpSpPr>
+        <a:xfrm>
+          <a:off x="0" y="0"/>
+          <a:ext cx="0" cy="0"/>
+          <a:chOff x="0" y="0"/>
+          <a:chExt cx="0" cy="0"/>
+        </a:xfrm>
+      </p:grpSpPr>
+      <p:sp>
+        <p:nvSpPr>
+          <p:cNvPr id="2" name="Title 1">
+            <a:extLst>
+              <a:ext uri="{FF2B5EF4-FFF2-40B4-BE49-F238E27FC236}">
                 <a16:creationId xmlns:a16="http://schemas.microsoft.com/office/drawing/2014/main" id="{20F2E90E-225D-206C-8CD1-368E2A8A55E6}"/>
               </a:ext>
             </a:extLst>
@@ -9967,7 +10222,7 @@
 </p:sld>
 </file>
 
-<file path=ppt/slides/slide25.xml><?xml version="1.0" encoding="utf-8"?>
+<file path=ppt/slides/slide27.xml><?xml version="1.0" encoding="utf-8"?>
 <p:sld xmlns:a="http://schemas.openxmlformats.org/drawingml/2006/main" xmlns:r="http://schemas.openxmlformats.org/officeDocument/2006/relationships" xmlns:p="http://schemas.openxmlformats.org/presentationml/2006/main">
   <p:cSld>
     <p:spTree>
@@ -12746,60 +13001,72 @@
           <a:chExt cx="0" cy="0"/>
         </a:xfrm>
       </p:grpSpPr>
-      <p:sp>
-        <p:nvSpPr>
-          <p:cNvPr id="2" name="Rectangle 1">
-            <a:extLst>
-              <a:ext uri="{FF2B5EF4-FFF2-40B4-BE49-F238E27FC236}">
-                <a16:creationId xmlns:a16="http://schemas.microsoft.com/office/drawing/2014/main" id="{DA9DEED6-F0A8-3298-B209-98FF42171A26}"/>
-              </a:ext>
-            </a:extLst>
-          </p:cNvPr>
-          <p:cNvSpPr/>
+      <p:pic>
+        <p:nvPicPr>
+          <p:cNvPr id="3" name="Picture 2" descr="A screenshot of a computer program&#10;&#10;Description automatically generated">
+            <a:extLst>
+              <a:ext uri="{FF2B5EF4-FFF2-40B4-BE49-F238E27FC236}">
+                <a16:creationId xmlns:a16="http://schemas.microsoft.com/office/drawing/2014/main" id="{B9C1B9AE-38FF-2C38-20ED-68DE9435F9C7}"/>
+              </a:ext>
+            </a:extLst>
+          </p:cNvPr>
+          <p:cNvPicPr>
+            <a:picLocks noChangeAspect="1"/>
+          </p:cNvPicPr>
           <p:nvPr/>
-        </p:nvSpPr>
+        </p:nvPicPr>
+        <p:blipFill>
+          <a:blip r:embed="rId2">
+            <a:extLst>
+              <a:ext uri="{28A0092B-C50C-407E-A947-70E740481C1C}">
+                <a14:useLocalDpi xmlns:a14="http://schemas.microsoft.com/office/drawing/2010/main" val="0"/>
+              </a:ext>
+            </a:extLst>
+          </a:blip>
+          <a:stretch>
+            <a:fillRect/>
+          </a:stretch>
+        </p:blipFill>
         <p:spPr>
           <a:xfrm>
-            <a:off x="0" y="0"/>
-            <a:ext cx="12192000" cy="6858000"/>
+            <a:off x="2857180" y="0"/>
+            <a:ext cx="6477640" cy="6858000"/>
           </a:xfrm>
           <a:prstGeom prst="rect">
             <a:avLst/>
           </a:prstGeom>
-          <a:solidFill>
-            <a:schemeClr val="bg1"/>
-          </a:solidFill>
-          <a:ln>
-            <a:solidFill>
-              <a:schemeClr val="bg1"/>
-            </a:solidFill>
-          </a:ln>
-        </p:spPr>
-        <p:style>
-          <a:lnRef idx="2">
-            <a:schemeClr val="accent1">
-              <a:shade val="15000"/>
-            </a:schemeClr>
-          </a:lnRef>
-          <a:fillRef idx="1">
-            <a:schemeClr val="accent1"/>
-          </a:fillRef>
-          <a:effectRef idx="0">
-            <a:schemeClr val="accent1"/>
-          </a:effectRef>
-          <a:fontRef idx="minor">
-            <a:schemeClr val="lt1"/>
-          </a:fontRef>
-        </p:style>
-        <p:txBody>
-          <a:bodyPr rtlCol="0" anchor="ctr"/>
-          <a:lstStyle/>
-          <a:p>
-            <a:pPr algn="ctr"/>
-            <a:endParaRPr lang="en-US"/>
-          </a:p>
-        </p:txBody>
-      </p:sp>
+        </p:spPr>
+      </p:pic>
+    </p:spTree>
+    <p:extLst>
+      <p:ext uri="{BB962C8B-B14F-4D97-AF65-F5344CB8AC3E}">
+        <p14:creationId xmlns:p14="http://schemas.microsoft.com/office/powerpoint/2010/main" val="2066184736"/>
+      </p:ext>
+    </p:extLst>
+  </p:cSld>
+  <p:clrMapOvr>
+    <a:masterClrMapping/>
+  </p:clrMapOvr>
+</p:sld>
+</file>
+
+<file path=ppt/slides/slide7.xml><?xml version="1.0" encoding="utf-8"?>
+<p:sld xmlns:a="http://schemas.openxmlformats.org/drawingml/2006/main" xmlns:r="http://schemas.openxmlformats.org/officeDocument/2006/relationships" xmlns:p="http://schemas.openxmlformats.org/presentationml/2006/main">
+  <p:cSld>
+    <p:spTree>
+      <p:nvGrpSpPr>
+        <p:cNvPr id="1" name=""/>
+        <p:cNvGrpSpPr/>
+        <p:nvPr/>
+      </p:nvGrpSpPr>
+      <p:grpSpPr>
+        <a:xfrm>
+          <a:off x="0" y="0"/>
+          <a:ext cx="0" cy="0"/>
+          <a:chOff x="0" y="0"/>
+          <a:chExt cx="0" cy="0"/>
+        </a:xfrm>
+      </p:grpSpPr>
       <p:sp>
         <p:nvSpPr>
           <p:cNvPr id="4" name="Slide Number Placeholder 3">
@@ -12823,7 +13090,7 @@
           <a:p>
             <a:fld id="{CA0BE942-4744-4F63-8605-0679E048D036}" type="slidenum">
               <a:rPr lang="en-US" smtClean="0"/>
-              <a:t>6</a:t>
+              <a:t>7</a:t>
             </a:fld>
             <a:endParaRPr lang="en-US"/>
           </a:p>
@@ -12946,7 +13213,7 @@
         </p:blipFill>
         <p:spPr>
           <a:xfrm>
-            <a:off x="5734575" y="3317312"/>
+            <a:off x="5998958" y="1959343"/>
             <a:ext cx="914400" cy="914400"/>
           </a:xfrm>
           <a:prstGeom prst="rect">
@@ -14005,7 +14272,37 @@
 </p:sld>
 </file>
 
-<file path=ppt/slides/slide7.xml><?xml version="1.0" encoding="utf-8"?>
+<file path=ppt/slides/slide8.xml><?xml version="1.0" encoding="utf-8"?>
+<p:sld xmlns:a="http://schemas.openxmlformats.org/drawingml/2006/main" xmlns:r="http://schemas.openxmlformats.org/officeDocument/2006/relationships" xmlns:p="http://schemas.openxmlformats.org/presentationml/2006/main">
+  <p:cSld>
+    <p:spTree>
+      <p:nvGrpSpPr>
+        <p:cNvPr id="1" name=""/>
+        <p:cNvGrpSpPr/>
+        <p:nvPr/>
+      </p:nvGrpSpPr>
+      <p:grpSpPr>
+        <a:xfrm>
+          <a:off x="0" y="0"/>
+          <a:ext cx="0" cy="0"/>
+          <a:chOff x="0" y="0"/>
+          <a:chExt cx="0" cy="0"/>
+        </a:xfrm>
+      </p:grpSpPr>
+    </p:spTree>
+    <p:extLst>
+      <p:ext uri="{BB962C8B-B14F-4D97-AF65-F5344CB8AC3E}">
+        <p14:creationId xmlns:p14="http://schemas.microsoft.com/office/powerpoint/2010/main" val="1764638715"/>
+      </p:ext>
+    </p:extLst>
+  </p:cSld>
+  <p:clrMapOvr>
+    <a:masterClrMapping/>
+  </p:clrMapOvr>
+</p:sld>
+</file>
+
+<file path=ppt/slides/slide9.xml><?xml version="1.0" encoding="utf-8"?>
 <p:sld xmlns:a="http://schemas.openxmlformats.org/drawingml/2006/main" xmlns:r="http://schemas.openxmlformats.org/officeDocument/2006/relationships" xmlns:p="http://schemas.openxmlformats.org/presentationml/2006/main">
   <p:cSld>
     <p:spTree>
@@ -14024,10 +14321,10 @@
       </p:grpSpPr>
       <p:sp>
         <p:nvSpPr>
-          <p:cNvPr id="2" name="Title 1">
-            <a:extLst>
-              <a:ext uri="{FF2B5EF4-FFF2-40B4-BE49-F238E27FC236}">
-                <a16:creationId xmlns:a16="http://schemas.microsoft.com/office/drawing/2014/main" id="{D7617219-6D95-DF28-0F72-B612825D90D7}"/>
+          <p:cNvPr id="4" name="Slide Number Placeholder 3">
+            <a:extLst>
+              <a:ext uri="{FF2B5EF4-FFF2-40B4-BE49-F238E27FC236}">
+                <a16:creationId xmlns:a16="http://schemas.microsoft.com/office/drawing/2014/main" id="{A9132241-3147-5424-79A6-25CEA54E8DDF}"/>
               </a:ext>
             </a:extLst>
           </p:cNvPr>
@@ -14035,7 +14332,7 @@
             <a:spLocks noGrp="1"/>
           </p:cNvSpPr>
           <p:nvPr>
-            <p:ph type="title"/>
+            <p:ph type="sldNum" sz="quarter" idx="12"/>
           </p:nvPr>
         </p:nvSpPr>
         <p:spPr/>
@@ -14043,81 +14340,943 @@
           <a:bodyPr/>
           <a:lstStyle/>
           <a:p>
-            <a:r>
-              <a:rPr lang="en-US" dirty="0"/>
-              <a:t>WYSHL</a:t>
-            </a:r>
-            <a:r>
-              <a:rPr lang="en-US" sz="1200" dirty="0"/>
-              <a:t>*what you should have learned</a:t>
-            </a:r>
-            <a:endParaRPr lang="en-US" dirty="0"/>
+            <a:fld id="{CA0BE942-4744-4F63-8605-0679E048D036}" type="slidenum">
+              <a:rPr lang="en-US" smtClean="0"/>
+              <a:t>9</a:t>
+            </a:fld>
+            <a:endParaRPr lang="en-US"/>
           </a:p>
         </p:txBody>
       </p:sp>
+      <p:cxnSp>
+        <p:nvCxnSpPr>
+          <p:cNvPr id="5" name="Straight Connector 4">
+            <a:extLst>
+              <a:ext uri="{FF2B5EF4-FFF2-40B4-BE49-F238E27FC236}">
+                <a16:creationId xmlns:a16="http://schemas.microsoft.com/office/drawing/2014/main" id="{F0CAE65B-8409-3C9C-686F-48406017BB1B}"/>
+              </a:ext>
+            </a:extLst>
+          </p:cNvPr>
+          <p:cNvCxnSpPr>
+            <a:cxnSpLocks/>
+          </p:cNvCxnSpPr>
+          <p:nvPr/>
+        </p:nvCxnSpPr>
+        <p:spPr>
+          <a:xfrm flipV="1">
+            <a:off x="1004997" y="3180004"/>
+            <a:ext cx="9248051" cy="41419"/>
+          </a:xfrm>
+          <a:prstGeom prst="line">
+            <a:avLst/>
+          </a:prstGeom>
+          <a:ln/>
+        </p:spPr>
+        <p:style>
+          <a:lnRef idx="1">
+            <a:schemeClr val="dk1"/>
+          </a:lnRef>
+          <a:fillRef idx="0">
+            <a:schemeClr val="dk1"/>
+          </a:fillRef>
+          <a:effectRef idx="0">
+            <a:schemeClr val="dk1"/>
+          </a:effectRef>
+          <a:fontRef idx="minor">
+            <a:schemeClr val="tx1"/>
+          </a:fontRef>
+        </p:style>
+      </p:cxnSp>
       <p:sp>
         <p:nvSpPr>
-          <p:cNvPr id="3" name="Content Placeholder 2">
-            <a:extLst>
-              <a:ext uri="{FF2B5EF4-FFF2-40B4-BE49-F238E27FC236}">
-                <a16:creationId xmlns:a16="http://schemas.microsoft.com/office/drawing/2014/main" id="{7054DCAB-56DA-3FD0-08B6-4B7AA9D67DA2}"/>
-              </a:ext>
-            </a:extLst>
-          </p:cNvPr>
-          <p:cNvSpPr>
-            <a:spLocks noGrp="1"/>
-          </p:cNvSpPr>
-          <p:nvPr>
-            <p:ph idx="1"/>
-          </p:nvPr>
+          <p:cNvPr id="7" name="TextBox 6">
+            <a:extLst>
+              <a:ext uri="{FF2B5EF4-FFF2-40B4-BE49-F238E27FC236}">
+                <a16:creationId xmlns:a16="http://schemas.microsoft.com/office/drawing/2014/main" id="{F5FA9941-B1E3-A9EC-467F-60632FC16498}"/>
+              </a:ext>
+            </a:extLst>
+          </p:cNvPr>
+          <p:cNvSpPr txBox="1"/>
+          <p:nvPr/>
         </p:nvSpPr>
-        <p:spPr/>
+        <p:spPr>
+          <a:xfrm>
+            <a:off x="7421623" y="2536112"/>
+            <a:ext cx="914400" cy="914400"/>
+          </a:xfrm>
+          <a:prstGeom prst="rect">
+            <a:avLst/>
+          </a:prstGeom>
+          <a:noFill/>
+        </p:spPr>
         <p:txBody>
-          <a:bodyPr/>
+          <a:bodyPr wrap="none" lIns="180000" tIns="180000" rIns="180000" bIns="180000" rtlCol="0">
+            <a:normAutofit/>
+          </a:bodyPr>
           <a:lstStyle/>
           <a:p>
-            <a:r>
-              <a:rPr lang="en-US" dirty="0"/>
-              <a:t>How to go from STDM -&gt; Tables</a:t>
-            </a:r>
-          </a:p>
-          <a:p>
-            <a:pPr lvl="1"/>
-            <a:r>
-              <a:rPr lang="en-US" dirty="0"/>
-              <a:t>Transforming data in R</a:t>
-            </a:r>
-          </a:p>
-          <a:p>
-            <a:pPr lvl="1"/>
-            <a:r>
-              <a:rPr lang="en-US" dirty="0"/>
-              <a:t>ARDs</a:t>
-            </a:r>
-          </a:p>
-          <a:p>
-            <a:pPr lvl="1"/>
-            <a:r>
-              <a:rPr lang="en-US" dirty="0"/>
-              <a:t>Creating Clinical Tables in R</a:t>
-            </a:r>
-          </a:p>
-          <a:p>
-            <a:pPr lvl="1"/>
-            <a:endParaRPr lang="en-US" dirty="0"/>
-          </a:p>
-          <a:p>
-            <a:r>
-              <a:rPr lang="en-US" dirty="0"/>
-              <a:t>There is no one “true” route for TLF creation</a:t>
+            <a:pPr algn="l">
+              <a:spcBef>
+                <a:spcPts val="300"/>
+              </a:spcBef>
+              <a:spcAft>
+                <a:spcPts val="300"/>
+              </a:spcAft>
+              <a:buClr>
+                <a:schemeClr val="tx2"/>
+              </a:buClr>
+              <a:buSzPct val="110000"/>
+            </a:pPr>
+            <a:r>
+              <a:rPr lang="en-GB" sz="3200" dirty="0"/>
+              <a:t>Outputs</a:t>
             </a:r>
           </a:p>
         </p:txBody>
       </p:sp>
+      <p:pic>
+        <p:nvPicPr>
+          <p:cNvPr id="8" name="Graphic 7" descr="Hike outline">
+            <a:extLst>
+              <a:ext uri="{FF2B5EF4-FFF2-40B4-BE49-F238E27FC236}">
+                <a16:creationId xmlns:a16="http://schemas.microsoft.com/office/drawing/2014/main" id="{506D1756-92F6-D5E5-BCB2-3C3638AC3A7F}"/>
+              </a:ext>
+            </a:extLst>
+          </p:cNvPr>
+          <p:cNvPicPr>
+            <a:picLocks noChangeAspect="1"/>
+          </p:cNvPicPr>
+          <p:nvPr/>
+        </p:nvPicPr>
+        <p:blipFill>
+          <a:blip r:embed="rId2">
+            <a:extLst>
+              <a:ext uri="{28A0092B-C50C-407E-A947-70E740481C1C}">
+                <a14:useLocalDpi xmlns:a14="http://schemas.microsoft.com/office/drawing/2010/main" val="0"/>
+              </a:ext>
+              <a:ext uri="{96DAC541-7B7A-43D3-8B79-37D633B846F1}">
+                <asvg:svgBlip xmlns:asvg="http://schemas.microsoft.com/office/drawing/2016/SVG/main" r:embed="rId3"/>
+              </a:ext>
+            </a:extLst>
+          </a:blip>
+          <a:stretch>
+            <a:fillRect/>
+          </a:stretch>
+        </p:blipFill>
+        <p:spPr>
+          <a:xfrm>
+            <a:off x="9684286" y="2291447"/>
+            <a:ext cx="914400" cy="914400"/>
+          </a:xfrm>
+          <a:prstGeom prst="rect">
+            <a:avLst/>
+          </a:prstGeom>
+        </p:spPr>
+      </p:pic>
+      <p:pic>
+        <p:nvPicPr>
+          <p:cNvPr id="10" name="Graphic 9" descr="Castle scene with solid fill">
+            <a:extLst>
+              <a:ext uri="{FF2B5EF4-FFF2-40B4-BE49-F238E27FC236}">
+                <a16:creationId xmlns:a16="http://schemas.microsoft.com/office/drawing/2014/main" id="{104FF219-5892-559D-FDC2-6FE11D651482}"/>
+              </a:ext>
+            </a:extLst>
+          </p:cNvPr>
+          <p:cNvPicPr>
+            <a:picLocks noChangeAspect="1"/>
+          </p:cNvPicPr>
+          <p:nvPr/>
+        </p:nvPicPr>
+        <p:blipFill>
+          <a:blip r:embed="rId4">
+            <a:extLst>
+              <a:ext uri="{28A0092B-C50C-407E-A947-70E740481C1C}">
+                <a14:useLocalDpi xmlns:a14="http://schemas.microsoft.com/office/drawing/2010/main" val="0"/>
+              </a:ext>
+              <a:ext uri="{96DAC541-7B7A-43D3-8B79-37D633B846F1}">
+                <asvg:svgBlip xmlns:asvg="http://schemas.microsoft.com/office/drawing/2016/SVG/main" r:embed="rId5"/>
+              </a:ext>
+            </a:extLst>
+          </a:blip>
+          <a:stretch>
+            <a:fillRect/>
+          </a:stretch>
+        </p:blipFill>
+        <p:spPr>
+          <a:xfrm>
+            <a:off x="10253048" y="2448947"/>
+            <a:ext cx="914400" cy="914400"/>
+          </a:xfrm>
+          <a:prstGeom prst="rect">
+            <a:avLst/>
+          </a:prstGeom>
+        </p:spPr>
+      </p:pic>
+      <p:grpSp>
+        <p:nvGrpSpPr>
+          <p:cNvPr id="14" name="Group 13">
+            <a:extLst>
+              <a:ext uri="{FF2B5EF4-FFF2-40B4-BE49-F238E27FC236}">
+                <a16:creationId xmlns:a16="http://schemas.microsoft.com/office/drawing/2014/main" id="{F30A49DF-0573-2EC7-0C84-94B4436D45F5}"/>
+              </a:ext>
+            </a:extLst>
+          </p:cNvPr>
+          <p:cNvGrpSpPr/>
+          <p:nvPr/>
+        </p:nvGrpSpPr>
+        <p:grpSpPr>
+          <a:xfrm>
+            <a:off x="2324263" y="2576320"/>
+            <a:ext cx="801106" cy="785940"/>
+            <a:chOff x="7313489" y="4059253"/>
+            <a:chExt cx="914400" cy="930324"/>
+          </a:xfrm>
+        </p:grpSpPr>
+        <p:pic>
+          <p:nvPicPr>
+            <p:cNvPr id="15" name="Graphic 14" descr="Tent with solid fill">
+              <a:extLst>
+                <a:ext uri="{FF2B5EF4-FFF2-40B4-BE49-F238E27FC236}">
+                  <a16:creationId xmlns:a16="http://schemas.microsoft.com/office/drawing/2014/main" id="{DEAB565B-C1C3-6764-E0FE-96E6C0F8343C}"/>
+                </a:ext>
+              </a:extLst>
+            </p:cNvPr>
+            <p:cNvPicPr>
+              <a:picLocks noChangeAspect="1"/>
+            </p:cNvPicPr>
+            <p:nvPr/>
+          </p:nvPicPr>
+          <p:blipFill>
+            <a:blip r:embed="rId6">
+              <a:extLst>
+                <a:ext uri="{28A0092B-C50C-407E-A947-70E740481C1C}">
+                  <a14:useLocalDpi xmlns:a14="http://schemas.microsoft.com/office/drawing/2010/main" val="0"/>
+                </a:ext>
+                <a:ext uri="{96DAC541-7B7A-43D3-8B79-37D633B846F1}">
+                  <asvg:svgBlip xmlns:asvg="http://schemas.microsoft.com/office/drawing/2016/SVG/main" r:embed="rId7"/>
+                </a:ext>
+              </a:extLst>
+            </a:blip>
+            <a:stretch>
+              <a:fillRect/>
+            </a:stretch>
+          </p:blipFill>
+          <p:spPr>
+            <a:xfrm>
+              <a:off x="7313489" y="4075177"/>
+              <a:ext cx="914400" cy="914400"/>
+            </a:xfrm>
+            <a:prstGeom prst="rect">
+              <a:avLst/>
+            </a:prstGeom>
+          </p:spPr>
+        </p:pic>
+        <p:pic>
+          <p:nvPicPr>
+            <p:cNvPr id="16" name="Graphic 15" descr="Tent outline">
+              <a:extLst>
+                <a:ext uri="{FF2B5EF4-FFF2-40B4-BE49-F238E27FC236}">
+                  <a16:creationId xmlns:a16="http://schemas.microsoft.com/office/drawing/2014/main" id="{995A047B-3379-0850-D695-2EF559A0E80C}"/>
+                </a:ext>
+              </a:extLst>
+            </p:cNvPr>
+            <p:cNvPicPr>
+              <a:picLocks noChangeAspect="1"/>
+            </p:cNvPicPr>
+            <p:nvPr/>
+          </p:nvPicPr>
+          <p:blipFill>
+            <a:blip r:embed="rId8">
+              <a:extLst>
+                <a:ext uri="{28A0092B-C50C-407E-A947-70E740481C1C}">
+                  <a14:useLocalDpi xmlns:a14="http://schemas.microsoft.com/office/drawing/2010/main" val="0"/>
+                </a:ext>
+                <a:ext uri="{96DAC541-7B7A-43D3-8B79-37D633B846F1}">
+                  <asvg:svgBlip xmlns:asvg="http://schemas.microsoft.com/office/drawing/2016/SVG/main" r:embed="rId9"/>
+                </a:ext>
+              </a:extLst>
+            </a:blip>
+            <a:stretch>
+              <a:fillRect/>
+            </a:stretch>
+          </p:blipFill>
+          <p:spPr>
+            <a:xfrm>
+              <a:off x="7313489" y="4059253"/>
+              <a:ext cx="914400" cy="914400"/>
+            </a:xfrm>
+            <a:prstGeom prst="rect">
+              <a:avLst/>
+            </a:prstGeom>
+          </p:spPr>
+        </p:pic>
+      </p:grpSp>
+      <p:pic>
+        <p:nvPicPr>
+          <p:cNvPr id="20" name="Picture 2">
+            <a:extLst>
+              <a:ext uri="{FF2B5EF4-FFF2-40B4-BE49-F238E27FC236}">
+                <a16:creationId xmlns:a16="http://schemas.microsoft.com/office/drawing/2014/main" id="{0556C626-86CA-733D-19B6-6753A7895EA8}"/>
+              </a:ext>
+            </a:extLst>
+          </p:cNvPr>
+          <p:cNvPicPr>
+            <a:picLocks noChangeAspect="1" noChangeArrowheads="1"/>
+          </p:cNvPicPr>
+          <p:nvPr/>
+        </p:nvPicPr>
+        <p:blipFill>
+          <a:blip r:embed="rId10">
+            <a:extLst>
+              <a:ext uri="{28A0092B-C50C-407E-A947-70E740481C1C}">
+                <a14:useLocalDpi xmlns:a14="http://schemas.microsoft.com/office/drawing/2010/main" val="0"/>
+              </a:ext>
+            </a:extLst>
+          </a:blip>
+          <a:srcRect/>
+          <a:stretch>
+            <a:fillRect/>
+          </a:stretch>
+        </p:blipFill>
+        <p:spPr bwMode="auto">
+          <a:xfrm>
+            <a:off x="2901024" y="3709992"/>
+            <a:ext cx="1329244" cy="1543462"/>
+          </a:xfrm>
+          <a:prstGeom prst="rect">
+            <a:avLst/>
+          </a:prstGeom>
+          <a:noFill/>
+          <a:extLst>
+            <a:ext uri="{909E8E84-426E-40DD-AFC4-6F175D3DCCD1}">
+              <a14:hiddenFill xmlns:a14="http://schemas.microsoft.com/office/drawing/2010/main">
+                <a:solidFill>
+                  <a:srgbClr val="FFFFFF"/>
+                </a:solidFill>
+              </a14:hiddenFill>
+            </a:ext>
+          </a:extLst>
+        </p:spPr>
+      </p:pic>
+      <p:pic>
+        <p:nvPicPr>
+          <p:cNvPr id="21" name="Picture 6">
+            <a:extLst>
+              <a:ext uri="{FF2B5EF4-FFF2-40B4-BE49-F238E27FC236}">
+                <a16:creationId xmlns:a16="http://schemas.microsoft.com/office/drawing/2014/main" id="{0E8143CD-7697-61BF-B75F-EA67FFA00A2B}"/>
+              </a:ext>
+            </a:extLst>
+          </p:cNvPr>
+          <p:cNvPicPr>
+            <a:picLocks noChangeAspect="1" noChangeArrowheads="1"/>
+          </p:cNvPicPr>
+          <p:nvPr/>
+        </p:nvPicPr>
+        <p:blipFill>
+          <a:blip r:embed="rId11" cstate="print">
+            <a:extLst>
+              <a:ext uri="{28A0092B-C50C-407E-A947-70E740481C1C}">
+                <a14:useLocalDpi xmlns:a14="http://schemas.microsoft.com/office/drawing/2010/main" val="0"/>
+              </a:ext>
+            </a:extLst>
+          </a:blip>
+          <a:srcRect/>
+          <a:stretch>
+            <a:fillRect/>
+          </a:stretch>
+        </p:blipFill>
+        <p:spPr bwMode="auto">
+          <a:xfrm>
+            <a:off x="1557359" y="3709992"/>
+            <a:ext cx="1328400" cy="1537698"/>
+          </a:xfrm>
+          <a:prstGeom prst="rect">
+            <a:avLst/>
+          </a:prstGeom>
+          <a:noFill/>
+          <a:extLst>
+            <a:ext uri="{909E8E84-426E-40DD-AFC4-6F175D3DCCD1}">
+              <a14:hiddenFill xmlns:a14="http://schemas.microsoft.com/office/drawing/2010/main">
+                <a:solidFill>
+                  <a:srgbClr val="FFFFFF"/>
+                </a:solidFill>
+              </a14:hiddenFill>
+            </a:ext>
+          </a:extLst>
+        </p:spPr>
+      </p:pic>
+      <p:pic>
+        <p:nvPicPr>
+          <p:cNvPr id="22" name="Picture 8">
+            <a:extLst>
+              <a:ext uri="{FF2B5EF4-FFF2-40B4-BE49-F238E27FC236}">
+                <a16:creationId xmlns:a16="http://schemas.microsoft.com/office/drawing/2014/main" id="{08550B58-0EED-5D41-E94A-F60A4482B048}"/>
+              </a:ext>
+            </a:extLst>
+          </p:cNvPr>
+          <p:cNvPicPr>
+            <a:picLocks noChangeAspect="1" noChangeArrowheads="1"/>
+          </p:cNvPicPr>
+          <p:nvPr/>
+        </p:nvPicPr>
+        <p:blipFill>
+          <a:blip r:embed="rId12" cstate="print">
+            <a:extLst>
+              <a:ext uri="{28A0092B-C50C-407E-A947-70E740481C1C}">
+                <a14:useLocalDpi xmlns:a14="http://schemas.microsoft.com/office/drawing/2010/main" val="0"/>
+              </a:ext>
+            </a:extLst>
+          </a:blip>
+          <a:srcRect/>
+          <a:stretch>
+            <a:fillRect/>
+          </a:stretch>
+        </p:blipFill>
+        <p:spPr bwMode="auto">
+          <a:xfrm>
+            <a:off x="2179928" y="4900090"/>
+            <a:ext cx="1397679" cy="1617459"/>
+          </a:xfrm>
+          <a:prstGeom prst="rect">
+            <a:avLst/>
+          </a:prstGeom>
+          <a:noFill/>
+          <a:extLst>
+            <a:ext uri="{909E8E84-426E-40DD-AFC4-6F175D3DCCD1}">
+              <a14:hiddenFill xmlns:a14="http://schemas.microsoft.com/office/drawing/2010/main">
+                <a:solidFill>
+                  <a:srgbClr val="FFFFFF"/>
+                </a:solidFill>
+              </a14:hiddenFill>
+            </a:ext>
+          </a:extLst>
+        </p:spPr>
+      </p:pic>
+      <p:pic>
+        <p:nvPicPr>
+          <p:cNvPr id="24" name="Picture 23" descr="tfrmt hex, which looks a bit like a blueprint with tfrmt written over it">
+            <a:extLst>
+              <a:ext uri="{FF2B5EF4-FFF2-40B4-BE49-F238E27FC236}">
+                <a16:creationId xmlns:a16="http://schemas.microsoft.com/office/drawing/2014/main" id="{7F36D174-C0CA-5ED4-1A28-4772E93E7498}"/>
+              </a:ext>
+            </a:extLst>
+          </p:cNvPr>
+          <p:cNvPicPr>
+            <a:picLocks noChangeAspect="1"/>
+          </p:cNvPicPr>
+          <p:nvPr/>
+        </p:nvPicPr>
+        <p:blipFill>
+          <a:blip r:embed="rId13" cstate="print">
+            <a:extLst>
+              <a:ext uri="{28A0092B-C50C-407E-A947-70E740481C1C}">
+                <a14:useLocalDpi xmlns:a14="http://schemas.microsoft.com/office/drawing/2010/main" val="0"/>
+              </a:ext>
+            </a:extLst>
+          </a:blip>
+          <a:stretch>
+            <a:fillRect/>
+          </a:stretch>
+        </p:blipFill>
+        <p:spPr>
+          <a:xfrm>
+            <a:off x="7028169" y="4625581"/>
+            <a:ext cx="1891968" cy="1891968"/>
+          </a:xfrm>
+          <a:prstGeom prst="rect">
+            <a:avLst/>
+          </a:prstGeom>
+        </p:spPr>
+      </p:pic>
+      <p:pic>
+        <p:nvPicPr>
+          <p:cNvPr id="28" name="Picture 4">
+            <a:extLst>
+              <a:ext uri="{FF2B5EF4-FFF2-40B4-BE49-F238E27FC236}">
+                <a16:creationId xmlns:a16="http://schemas.microsoft.com/office/drawing/2014/main" id="{250DF687-1143-CE6D-01FB-94ADE269B8EF}"/>
+              </a:ext>
+            </a:extLst>
+          </p:cNvPr>
+          <p:cNvPicPr>
+            <a:picLocks noChangeAspect="1" noChangeArrowheads="1"/>
+          </p:cNvPicPr>
+          <p:nvPr/>
+        </p:nvPicPr>
+        <p:blipFill>
+          <a:blip r:embed="rId14">
+            <a:extLst>
+              <a:ext uri="{28A0092B-C50C-407E-A947-70E740481C1C}">
+                <a14:useLocalDpi xmlns:a14="http://schemas.microsoft.com/office/drawing/2010/main" val="0"/>
+              </a:ext>
+            </a:extLst>
+          </a:blip>
+          <a:srcRect/>
+          <a:stretch>
+            <a:fillRect/>
+          </a:stretch>
+        </p:blipFill>
+        <p:spPr bwMode="auto">
+          <a:xfrm>
+            <a:off x="2324263" y="961135"/>
+            <a:ext cx="1362945" cy="1573890"/>
+          </a:xfrm>
+          <a:prstGeom prst="rect">
+            <a:avLst/>
+          </a:prstGeom>
+          <a:noFill/>
+          <a:extLst>
+            <a:ext uri="{909E8E84-426E-40DD-AFC4-6F175D3DCCD1}">
+              <a14:hiddenFill xmlns:a14="http://schemas.microsoft.com/office/drawing/2010/main">
+                <a:solidFill>
+                  <a:srgbClr val="FFFFFF"/>
+                </a:solidFill>
+              </a14:hiddenFill>
+            </a:ext>
+          </a:extLst>
+        </p:spPr>
+      </p:pic>
+      <p:pic>
+        <p:nvPicPr>
+          <p:cNvPr id="29" name="Picture 28">
+            <a:extLst>
+              <a:ext uri="{FF2B5EF4-FFF2-40B4-BE49-F238E27FC236}">
+                <a16:creationId xmlns:a16="http://schemas.microsoft.com/office/drawing/2014/main" id="{590D599C-A923-5D76-8473-F13DE0CD4192}"/>
+              </a:ext>
+            </a:extLst>
+          </p:cNvPr>
+          <p:cNvPicPr>
+            <a:picLocks noChangeAspect="1"/>
+          </p:cNvPicPr>
+          <p:nvPr/>
+        </p:nvPicPr>
+        <p:blipFill>
+          <a:blip r:embed="rId15"/>
+          <a:stretch>
+            <a:fillRect/>
+          </a:stretch>
+        </p:blipFill>
+        <p:spPr>
+          <a:xfrm>
+            <a:off x="8561303" y="4797292"/>
+            <a:ext cx="1646223" cy="1646223"/>
+          </a:xfrm>
+          <a:prstGeom prst="rect">
+            <a:avLst/>
+          </a:prstGeom>
+        </p:spPr>
+      </p:pic>
+      <p:pic>
+        <p:nvPicPr>
+          <p:cNvPr id="30" name="Picture 4">
+            <a:extLst>
+              <a:ext uri="{FF2B5EF4-FFF2-40B4-BE49-F238E27FC236}">
+                <a16:creationId xmlns:a16="http://schemas.microsoft.com/office/drawing/2014/main" id="{B97EF664-FF40-5241-7A53-94F1DA0F39BC}"/>
+              </a:ext>
+            </a:extLst>
+          </p:cNvPr>
+          <p:cNvPicPr>
+            <a:picLocks noChangeAspect="1" noChangeArrowheads="1"/>
+          </p:cNvPicPr>
+          <p:nvPr/>
+        </p:nvPicPr>
+        <p:blipFill>
+          <a:blip r:embed="rId16">
+            <a:extLst>
+              <a:ext uri="{28A0092B-C50C-407E-A947-70E740481C1C}">
+                <a14:useLocalDpi xmlns:a14="http://schemas.microsoft.com/office/drawing/2010/main" val="0"/>
+              </a:ext>
+            </a:extLst>
+          </a:blip>
+          <a:srcRect/>
+          <a:stretch>
+            <a:fillRect/>
+          </a:stretch>
+        </p:blipFill>
+        <p:spPr bwMode="auto">
+          <a:xfrm>
+            <a:off x="6393233" y="3554112"/>
+            <a:ext cx="1641124" cy="1641124"/>
+          </a:xfrm>
+          <a:prstGeom prst="rect">
+            <a:avLst/>
+          </a:prstGeom>
+          <a:noFill/>
+          <a:extLst>
+            <a:ext uri="{909E8E84-426E-40DD-AFC4-6F175D3DCCD1}">
+              <a14:hiddenFill xmlns:a14="http://schemas.microsoft.com/office/drawing/2010/main">
+                <a:solidFill>
+                  <a:srgbClr val="FFFFFF"/>
+                </a:solidFill>
+              </a14:hiddenFill>
+            </a:ext>
+          </a:extLst>
+        </p:spPr>
+      </p:pic>
+      <p:pic>
+        <p:nvPicPr>
+          <p:cNvPr id="31" name="Picture 2">
+            <a:extLst>
+              <a:ext uri="{FF2B5EF4-FFF2-40B4-BE49-F238E27FC236}">
+                <a16:creationId xmlns:a16="http://schemas.microsoft.com/office/drawing/2014/main" id="{77EBC324-F007-87C2-E3F0-23AC53494875}"/>
+              </a:ext>
+            </a:extLst>
+          </p:cNvPr>
+          <p:cNvPicPr>
+            <a:picLocks noChangeAspect="1" noChangeArrowheads="1"/>
+          </p:cNvPicPr>
+          <p:nvPr/>
+        </p:nvPicPr>
+        <p:blipFill>
+          <a:blip r:embed="rId17">
+            <a:extLst>
+              <a:ext uri="{28A0092B-C50C-407E-A947-70E740481C1C}">
+                <a14:useLocalDpi xmlns:a14="http://schemas.microsoft.com/office/drawing/2010/main" val="0"/>
+              </a:ext>
+            </a:extLst>
+          </a:blip>
+          <a:srcRect/>
+          <a:stretch>
+            <a:fillRect/>
+          </a:stretch>
+        </p:blipFill>
+        <p:spPr bwMode="auto">
+          <a:xfrm>
+            <a:off x="7813783" y="3557084"/>
+            <a:ext cx="1649259" cy="1649259"/>
+          </a:xfrm>
+          <a:prstGeom prst="rect">
+            <a:avLst/>
+          </a:prstGeom>
+          <a:noFill/>
+          <a:extLst>
+            <a:ext uri="{909E8E84-426E-40DD-AFC4-6F175D3DCCD1}">
+              <a14:hiddenFill xmlns:a14="http://schemas.microsoft.com/office/drawing/2010/main">
+                <a:solidFill>
+                  <a:srgbClr val="FFFFFF"/>
+                </a:solidFill>
+              </a14:hiddenFill>
+            </a:ext>
+          </a:extLst>
+        </p:spPr>
+      </p:pic>
+      <p:pic>
+        <p:nvPicPr>
+          <p:cNvPr id="33" name="Picture 32">
+            <a:extLst>
+              <a:ext uri="{FF2B5EF4-FFF2-40B4-BE49-F238E27FC236}">
+                <a16:creationId xmlns:a16="http://schemas.microsoft.com/office/drawing/2014/main" id="{468D0D54-6936-0EED-5202-EFDE5DD0B250}"/>
+              </a:ext>
+            </a:extLst>
+          </p:cNvPr>
+          <p:cNvPicPr>
+            <a:picLocks noChangeAspect="1"/>
+          </p:cNvPicPr>
+          <p:nvPr/>
+        </p:nvPicPr>
+        <p:blipFill>
+          <a:blip r:embed="rId15"/>
+          <a:stretch>
+            <a:fillRect/>
+          </a:stretch>
+        </p:blipFill>
+        <p:spPr>
+          <a:xfrm>
+            <a:off x="7492278" y="667444"/>
+            <a:ext cx="1541071" cy="1541071"/>
+          </a:xfrm>
+          <a:prstGeom prst="rect">
+            <a:avLst/>
+          </a:prstGeom>
+        </p:spPr>
+      </p:pic>
+      <p:pic>
+        <p:nvPicPr>
+          <p:cNvPr id="3" name="Picture 2">
+            <a:extLst>
+              <a:ext uri="{FF2B5EF4-FFF2-40B4-BE49-F238E27FC236}">
+                <a16:creationId xmlns:a16="http://schemas.microsoft.com/office/drawing/2014/main" id="{436BDBAC-2D25-4A55-EFA8-81C379154E75}"/>
+              </a:ext>
+            </a:extLst>
+          </p:cNvPr>
+          <p:cNvPicPr>
+            <a:picLocks noChangeAspect="1"/>
+          </p:cNvPicPr>
+          <p:nvPr/>
+        </p:nvPicPr>
+        <p:blipFill>
+          <a:blip r:embed="rId18"/>
+          <a:stretch>
+            <a:fillRect/>
+          </a:stretch>
+        </p:blipFill>
+        <p:spPr>
+          <a:xfrm>
+            <a:off x="3612675" y="4893915"/>
+            <a:ext cx="1397679" cy="1617372"/>
+          </a:xfrm>
+          <a:prstGeom prst="rect">
+            <a:avLst/>
+          </a:prstGeom>
+        </p:spPr>
+      </p:pic>
+      <p:pic>
+        <p:nvPicPr>
+          <p:cNvPr id="51" name="Picture 50">
+            <a:extLst>
+              <a:ext uri="{FF2B5EF4-FFF2-40B4-BE49-F238E27FC236}">
+                <a16:creationId xmlns:a16="http://schemas.microsoft.com/office/drawing/2014/main" id="{9BCDFDB1-E74E-500E-5458-2D27FD8E914C}"/>
+              </a:ext>
+            </a:extLst>
+          </p:cNvPr>
+          <p:cNvPicPr>
+            <a:picLocks noChangeAspect="1"/>
+          </p:cNvPicPr>
+          <p:nvPr/>
+        </p:nvPicPr>
+        <p:blipFill>
+          <a:blip r:embed="rId19"/>
+          <a:stretch>
+            <a:fillRect/>
+          </a:stretch>
+        </p:blipFill>
+        <p:spPr>
+          <a:xfrm>
+            <a:off x="6191775" y="726943"/>
+            <a:ext cx="1482162" cy="1482162"/>
+          </a:xfrm>
+          <a:prstGeom prst="rect">
+            <a:avLst/>
+          </a:prstGeom>
+        </p:spPr>
+      </p:pic>
+      <p:pic>
+        <p:nvPicPr>
+          <p:cNvPr id="52" name="Picture 51">
+            <a:extLst>
+              <a:ext uri="{FF2B5EF4-FFF2-40B4-BE49-F238E27FC236}">
+                <a16:creationId xmlns:a16="http://schemas.microsoft.com/office/drawing/2014/main" id="{EC027FC5-D6CC-D304-B0A4-2F337767E6C8}"/>
+              </a:ext>
+            </a:extLst>
+          </p:cNvPr>
+          <p:cNvPicPr>
+            <a:picLocks noChangeAspect="1"/>
+          </p:cNvPicPr>
+          <p:nvPr/>
+        </p:nvPicPr>
+        <p:blipFill>
+          <a:blip r:embed="rId20"/>
+          <a:stretch>
+            <a:fillRect/>
+          </a:stretch>
+        </p:blipFill>
+        <p:spPr>
+          <a:xfrm>
+            <a:off x="8831778" y="696097"/>
+            <a:ext cx="1421270" cy="1423639"/>
+          </a:xfrm>
+          <a:prstGeom prst="rect">
+            <a:avLst/>
+          </a:prstGeom>
+        </p:spPr>
+      </p:pic>
+      <p:grpSp>
+        <p:nvGrpSpPr>
+          <p:cNvPr id="54" name="Group 53">
+            <a:extLst>
+              <a:ext uri="{FF2B5EF4-FFF2-40B4-BE49-F238E27FC236}">
+                <a16:creationId xmlns:a16="http://schemas.microsoft.com/office/drawing/2014/main" id="{DD2407FC-C0B3-DFB4-4A9D-27A9D43B4EEA}"/>
+              </a:ext>
+            </a:extLst>
+          </p:cNvPr>
+          <p:cNvGrpSpPr/>
+          <p:nvPr/>
+        </p:nvGrpSpPr>
+        <p:grpSpPr>
+          <a:xfrm>
+            <a:off x="6786618" y="2554170"/>
+            <a:ext cx="801106" cy="785940"/>
+            <a:chOff x="7313489" y="4059253"/>
+            <a:chExt cx="914400" cy="930324"/>
+          </a:xfrm>
+        </p:grpSpPr>
+        <p:pic>
+          <p:nvPicPr>
+            <p:cNvPr id="55" name="Graphic 54" descr="Tent with solid fill">
+              <a:extLst>
+                <a:ext uri="{FF2B5EF4-FFF2-40B4-BE49-F238E27FC236}">
+                  <a16:creationId xmlns:a16="http://schemas.microsoft.com/office/drawing/2014/main" id="{1FE4BB8C-5C41-130D-7C07-70C62EEC6915}"/>
+                </a:ext>
+              </a:extLst>
+            </p:cNvPr>
+            <p:cNvPicPr>
+              <a:picLocks noChangeAspect="1"/>
+            </p:cNvPicPr>
+            <p:nvPr/>
+          </p:nvPicPr>
+          <p:blipFill>
+            <a:blip r:embed="rId6">
+              <a:extLst>
+                <a:ext uri="{28A0092B-C50C-407E-A947-70E740481C1C}">
+                  <a14:useLocalDpi xmlns:a14="http://schemas.microsoft.com/office/drawing/2010/main" val="0"/>
+                </a:ext>
+                <a:ext uri="{96DAC541-7B7A-43D3-8B79-37D633B846F1}">
+                  <asvg:svgBlip xmlns:asvg="http://schemas.microsoft.com/office/drawing/2016/SVG/main" r:embed="rId7"/>
+                </a:ext>
+              </a:extLst>
+            </a:blip>
+            <a:stretch>
+              <a:fillRect/>
+            </a:stretch>
+          </p:blipFill>
+          <p:spPr>
+            <a:xfrm>
+              <a:off x="7313489" y="4075177"/>
+              <a:ext cx="914400" cy="914400"/>
+            </a:xfrm>
+            <a:prstGeom prst="rect">
+              <a:avLst/>
+            </a:prstGeom>
+          </p:spPr>
+        </p:pic>
+        <p:pic>
+          <p:nvPicPr>
+            <p:cNvPr id="56" name="Graphic 55" descr="Tent outline">
+              <a:extLst>
+                <a:ext uri="{FF2B5EF4-FFF2-40B4-BE49-F238E27FC236}">
+                  <a16:creationId xmlns:a16="http://schemas.microsoft.com/office/drawing/2014/main" id="{9F701B7D-CC47-27F3-5EE2-DAE66B60B7EB}"/>
+                </a:ext>
+              </a:extLst>
+            </p:cNvPr>
+            <p:cNvPicPr>
+              <a:picLocks noChangeAspect="1"/>
+            </p:cNvPicPr>
+            <p:nvPr/>
+          </p:nvPicPr>
+          <p:blipFill>
+            <a:blip r:embed="rId8">
+              <a:extLst>
+                <a:ext uri="{28A0092B-C50C-407E-A947-70E740481C1C}">
+                  <a14:useLocalDpi xmlns:a14="http://schemas.microsoft.com/office/drawing/2010/main" val="0"/>
+                </a:ext>
+                <a:ext uri="{96DAC541-7B7A-43D3-8B79-37D633B846F1}">
+                  <asvg:svgBlip xmlns:asvg="http://schemas.microsoft.com/office/drawing/2016/SVG/main" r:embed="rId9"/>
+                </a:ext>
+              </a:extLst>
+            </a:blip>
+            <a:stretch>
+              <a:fillRect/>
+            </a:stretch>
+          </p:blipFill>
+          <p:spPr>
+            <a:xfrm>
+              <a:off x="7313489" y="4059253"/>
+              <a:ext cx="914400" cy="914400"/>
+            </a:xfrm>
+            <a:prstGeom prst="rect">
+              <a:avLst/>
+            </a:prstGeom>
+          </p:spPr>
+        </p:pic>
+      </p:grpSp>
+      <p:sp>
+        <p:nvSpPr>
+          <p:cNvPr id="57" name="TextBox 56">
+            <a:extLst>
+              <a:ext uri="{FF2B5EF4-FFF2-40B4-BE49-F238E27FC236}">
+                <a16:creationId xmlns:a16="http://schemas.microsoft.com/office/drawing/2014/main" id="{1C4396B0-B1F6-D3A0-9A24-DB63C86735FB}"/>
+              </a:ext>
+            </a:extLst>
+          </p:cNvPr>
+          <p:cNvSpPr txBox="1"/>
+          <p:nvPr/>
+        </p:nvSpPr>
+        <p:spPr>
+          <a:xfrm>
+            <a:off x="3042319" y="2567481"/>
+            <a:ext cx="914400" cy="914400"/>
+          </a:xfrm>
+          <a:prstGeom prst="rect">
+            <a:avLst/>
+          </a:prstGeom>
+          <a:noFill/>
+        </p:spPr>
+        <p:txBody>
+          <a:bodyPr wrap="none" lIns="180000" tIns="180000" rIns="180000" bIns="180000" rtlCol="0">
+            <a:normAutofit/>
+          </a:bodyPr>
+          <a:lstStyle/>
+          <a:p>
+            <a:pPr algn="l">
+              <a:spcBef>
+                <a:spcPts val="300"/>
+              </a:spcBef>
+              <a:spcAft>
+                <a:spcPts val="300"/>
+              </a:spcAft>
+              <a:buClr>
+                <a:schemeClr val="tx2"/>
+              </a:buClr>
+              <a:buSzPct val="110000"/>
+            </a:pPr>
+            <a:r>
+              <a:rPr lang="en-GB" sz="3200" dirty="0" err="1"/>
+              <a:t>ADaMs</a:t>
+            </a:r>
+            <a:endParaRPr lang="en-GB" sz="2800" dirty="0"/>
+          </a:p>
+        </p:txBody>
+      </p:sp>
+      <p:pic>
+        <p:nvPicPr>
+          <p:cNvPr id="2050" name="Picture 2">
+            <a:extLst>
+              <a:ext uri="{FF2B5EF4-FFF2-40B4-BE49-F238E27FC236}">
+                <a16:creationId xmlns:a16="http://schemas.microsoft.com/office/drawing/2014/main" id="{51207915-3DCE-FF75-60A7-16C61EEAAADB}"/>
+              </a:ext>
+            </a:extLst>
+          </p:cNvPr>
+          <p:cNvPicPr>
+            <a:picLocks noChangeAspect="1" noChangeArrowheads="1"/>
+          </p:cNvPicPr>
+          <p:nvPr/>
+        </p:nvPicPr>
+        <p:blipFill>
+          <a:blip r:embed="rId21">
+            <a:extLst>
+              <a:ext uri="{28A0092B-C50C-407E-A947-70E740481C1C}">
+                <a14:useLocalDpi xmlns:a14="http://schemas.microsoft.com/office/drawing/2010/main" val="0"/>
+              </a:ext>
+            </a:extLst>
+          </a:blip>
+          <a:srcRect/>
+          <a:stretch>
+            <a:fillRect/>
+          </a:stretch>
+        </p:blipFill>
+        <p:spPr bwMode="auto">
+          <a:xfrm>
+            <a:off x="10141486" y="713616"/>
+            <a:ext cx="1212314" cy="1399570"/>
+          </a:xfrm>
+          <a:prstGeom prst="rect">
+            <a:avLst/>
+          </a:prstGeom>
+          <a:noFill/>
+          <a:extLst>
+            <a:ext uri="{909E8E84-426E-40DD-AFC4-6F175D3DCCD1}">
+              <a14:hiddenFill xmlns:a14="http://schemas.microsoft.com/office/drawing/2010/main">
+                <a:solidFill>
+                  <a:srgbClr val="FFFFFF"/>
+                </a:solidFill>
+              </a14:hiddenFill>
+            </a:ext>
+          </a:extLst>
+        </p:spPr>
+      </p:pic>
     </p:spTree>
     <p:extLst>
       <p:ext uri="{BB962C8B-B14F-4D97-AF65-F5344CB8AC3E}">
-        <p14:creationId xmlns:p14="http://schemas.microsoft.com/office/powerpoint/2010/main" val="1606825831"/>
+        <p14:creationId xmlns:p14="http://schemas.microsoft.com/office/powerpoint/2010/main" val="3515574494"/>
       </p:ext>
     </p:extLst>
   </p:cSld>
@@ -14145,33 +15304,192 @@
                             </p:stCondLst>
                             <p:childTnLst>
                               <p:par>
-                                <p:cTn id="5" presetID="1" presetClass="entr" presetSubtype="0" fill="hold" nodeType="clickEffect">
+                                <p:cTn id="5" presetID="63" presetClass="path" presetSubtype="0" accel="50000" decel="50000" fill="hold" nodeType="clickEffect">
                                   <p:stCondLst>
                                     <p:cond delay="0"/>
                                   </p:stCondLst>
                                   <p:childTnLst>
-                                    <p:set>
+                                    <p:animMotion origin="layout" path="M -1.875E-6 -7.40741E-7 L 0.09636 -7.40741E-7 " pathEditMode="relative" rAng="0" ptsTypes="AA">
                                       <p:cBhvr>
-                                        <p:cTn id="6" dur="1" fill="hold">
+                                        <p:cTn id="6" dur="2000" fill="hold"/>
+                                        <p:tgtEl>
+                                          <p:spTgt spid="8"/>
+                                        </p:tgtEl>
+                                        <p:attrNameLst>
+                                          <p:attrName>ppt_x</p:attrName>
+                                          <p:attrName>ppt_y</p:attrName>
+                                        </p:attrNameLst>
+                                      </p:cBhvr>
+                                      <p:rCtr x="4818" y="0"/>
+                                    </p:animMotion>
+                                  </p:childTnLst>
+                                </p:cTn>
+                              </p:par>
+                              <p:par>
+                                <p:cTn id="7" presetID="32" presetClass="emph" presetSubtype="0" fill="hold" nodeType="withEffect">
+                                  <p:stCondLst>
+                                    <p:cond delay="750"/>
+                                  </p:stCondLst>
+                                  <p:childTnLst>
+                                    <p:animRot by="120000">
+                                      <p:cBhvr>
+                                        <p:cTn id="8" dur="100" fill="hold">
                                           <p:stCondLst>
                                             <p:cond delay="0"/>
                                           </p:stCondLst>
                                         </p:cTn>
                                         <p:tgtEl>
-                                          <p:spTgt spid="3">
-                                            <p:txEl>
-                                              <p:pRg st="5" end="5"/>
-                                            </p:txEl>
-                                          </p:spTgt>
+                                          <p:spTgt spid="20"/>
                                         </p:tgtEl>
                                         <p:attrNameLst>
-                                          <p:attrName>style.visibility</p:attrName>
+                                          <p:attrName>r</p:attrName>
                                         </p:attrNameLst>
                                       </p:cBhvr>
-                                      <p:to>
-                                        <p:strVal val="visible"/>
-                                      </p:to>
-                                    </p:set>
+                                    </p:animRot>
+                                    <p:animRot by="-240000">
+                                      <p:cBhvr>
+                                        <p:cTn id="9" dur="200" fill="hold">
+                                          <p:stCondLst>
+                                            <p:cond delay="200"/>
+                                          </p:stCondLst>
+                                        </p:cTn>
+                                        <p:tgtEl>
+                                          <p:spTgt spid="20"/>
+                                        </p:tgtEl>
+                                        <p:attrNameLst>
+                                          <p:attrName>r</p:attrName>
+                                        </p:attrNameLst>
+                                      </p:cBhvr>
+                                    </p:animRot>
+                                    <p:animRot by="240000">
+                                      <p:cBhvr>
+                                        <p:cTn id="10" dur="200" fill="hold">
+                                          <p:stCondLst>
+                                            <p:cond delay="400"/>
+                                          </p:stCondLst>
+                                        </p:cTn>
+                                        <p:tgtEl>
+                                          <p:spTgt spid="20"/>
+                                        </p:tgtEl>
+                                        <p:attrNameLst>
+                                          <p:attrName>r</p:attrName>
+                                        </p:attrNameLst>
+                                      </p:cBhvr>
+                                    </p:animRot>
+                                    <p:animRot by="-240000">
+                                      <p:cBhvr>
+                                        <p:cTn id="11" dur="200" fill="hold">
+                                          <p:stCondLst>
+                                            <p:cond delay="600"/>
+                                          </p:stCondLst>
+                                        </p:cTn>
+                                        <p:tgtEl>
+                                          <p:spTgt spid="20"/>
+                                        </p:tgtEl>
+                                        <p:attrNameLst>
+                                          <p:attrName>r</p:attrName>
+                                        </p:attrNameLst>
+                                      </p:cBhvr>
+                                    </p:animRot>
+                                    <p:animRot by="120000">
+                                      <p:cBhvr>
+                                        <p:cTn id="12" dur="200" fill="hold">
+                                          <p:stCondLst>
+                                            <p:cond delay="800"/>
+                                          </p:stCondLst>
+                                        </p:cTn>
+                                        <p:tgtEl>
+                                          <p:spTgt spid="20"/>
+                                        </p:tgtEl>
+                                        <p:attrNameLst>
+                                          <p:attrName>r</p:attrName>
+                                        </p:attrNameLst>
+                                      </p:cBhvr>
+                                    </p:animRot>
+                                  </p:childTnLst>
+                                </p:cTn>
+                              </p:par>
+                              <p:par>
+                                <p:cTn id="13" presetID="32" presetClass="emph" presetSubtype="0" fill="hold" nodeType="withEffect">
+                                  <p:stCondLst>
+                                    <p:cond delay="750"/>
+                                  </p:stCondLst>
+                                  <p:childTnLst>
+                                    <p:animRot by="120000">
+                                      <p:cBhvr>
+                                        <p:cTn id="14" dur="100" fill="hold">
+                                          <p:stCondLst>
+                                            <p:cond delay="0"/>
+                                          </p:stCondLst>
+                                        </p:cTn>
+                                        <p:tgtEl>
+                                          <p:spTgt spid="3"/>
+                                        </p:tgtEl>
+                                        <p:attrNameLst>
+                                          <p:attrName>r</p:attrName>
+                                        </p:attrNameLst>
+                                      </p:cBhvr>
+                                    </p:animRot>
+                                    <p:animRot by="-240000">
+                                      <p:cBhvr>
+                                        <p:cTn id="15" dur="200" fill="hold">
+                                          <p:stCondLst>
+                                            <p:cond delay="200"/>
+                                          </p:stCondLst>
+                                        </p:cTn>
+                                        <p:tgtEl>
+                                          <p:spTgt spid="3"/>
+                                        </p:tgtEl>
+                                        <p:attrNameLst>
+                                          <p:attrName>r</p:attrName>
+                                        </p:attrNameLst>
+                                      </p:cBhvr>
+                                    </p:animRot>
+                                    <p:animRot by="240000">
+                                      <p:cBhvr>
+                                        <p:cTn id="16" dur="200" fill="hold">
+                                          <p:stCondLst>
+                                            <p:cond delay="400"/>
+                                          </p:stCondLst>
+                                        </p:cTn>
+                                        <p:tgtEl>
+                                          <p:spTgt spid="3"/>
+                                        </p:tgtEl>
+                                        <p:attrNameLst>
+                                          <p:attrName>r</p:attrName>
+                                        </p:attrNameLst>
+                                      </p:cBhvr>
+                                    </p:animRot>
+                                    <p:animRot by="-240000">
+                                      <p:cBhvr>
+                                        <p:cTn id="17" dur="200" fill="hold">
+                                          <p:stCondLst>
+                                            <p:cond delay="600"/>
+                                          </p:stCondLst>
+                                        </p:cTn>
+                                        <p:tgtEl>
+                                          <p:spTgt spid="3"/>
+                                        </p:tgtEl>
+                                        <p:attrNameLst>
+                                          <p:attrName>r</p:attrName>
+                                        </p:attrNameLst>
+                                      </p:cBhvr>
+                                    </p:animRot>
+                                    <p:animRot by="120000">
+                                      <p:cBhvr>
+                                        <p:cTn id="18" dur="200" fill="hold">
+                                          <p:stCondLst>
+                                            <p:cond delay="800"/>
+                                          </p:stCondLst>
+                                        </p:cTn>
+                                        <p:tgtEl>
+                                          <p:spTgt spid="3"/>
+                                        </p:tgtEl>
+                                        <p:attrNameLst>
+                                          <p:attrName>r</p:attrName>
+                                        </p:attrNameLst>
+                                      </p:cBhvr>
+                                    </p:animRot>
                                   </p:childTnLst>
                                 </p:cTn>
                               </p:par>
@@ -14203,259 +15521,6 @@
       </p:par>
     </p:tnLst>
   </p:timing>
-</p:sld>
-</file>
-
-<file path=ppt/slides/slide8.xml><?xml version="1.0" encoding="utf-8"?>
-<p:sld xmlns:a="http://schemas.openxmlformats.org/drawingml/2006/main" xmlns:r="http://schemas.openxmlformats.org/officeDocument/2006/relationships" xmlns:p="http://schemas.openxmlformats.org/presentationml/2006/main">
-  <p:cSld>
-    <p:spTree>
-      <p:nvGrpSpPr>
-        <p:cNvPr id="1" name=""/>
-        <p:cNvGrpSpPr/>
-        <p:nvPr/>
-      </p:nvGrpSpPr>
-      <p:grpSpPr>
-        <a:xfrm>
-          <a:off x="0" y="0"/>
-          <a:ext cx="0" cy="0"/>
-          <a:chOff x="0" y="0"/>
-          <a:chExt cx="0" cy="0"/>
-        </a:xfrm>
-      </p:grpSpPr>
-      <p:sp>
-        <p:nvSpPr>
-          <p:cNvPr id="2" name="Title 1">
-            <a:extLst>
-              <a:ext uri="{FF2B5EF4-FFF2-40B4-BE49-F238E27FC236}">
-                <a16:creationId xmlns:a16="http://schemas.microsoft.com/office/drawing/2014/main" id="{A26D4FEF-E44E-D21B-4EEC-EC323565B181}"/>
-              </a:ext>
-            </a:extLst>
-          </p:cNvPr>
-          <p:cNvSpPr>
-            <a:spLocks noGrp="1"/>
-          </p:cNvSpPr>
-          <p:nvPr>
-            <p:ph type="title"/>
-          </p:nvPr>
-        </p:nvSpPr>
-        <p:spPr/>
-        <p:txBody>
-          <a:bodyPr/>
-          <a:lstStyle/>
-          <a:p>
-            <a:r>
-              <a:rPr lang="en-US" b="1" dirty="0"/>
-              <a:t>What</a:t>
-            </a:r>
-            <a:r>
-              <a:rPr lang="en-US" dirty="0"/>
-              <a:t> is the </a:t>
-            </a:r>
-            <a:r>
-              <a:rPr lang="en-US" dirty="0" err="1"/>
-              <a:t>pharmaverse</a:t>
-            </a:r>
-            <a:r>
-              <a:rPr lang="en-US" dirty="0"/>
-              <a:t>?</a:t>
-            </a:r>
-          </a:p>
-        </p:txBody>
-      </p:sp>
-      <p:pic>
-        <p:nvPicPr>
-          <p:cNvPr id="6" name="Picture 5">
-            <a:extLst>
-              <a:ext uri="{FF2B5EF4-FFF2-40B4-BE49-F238E27FC236}">
-                <a16:creationId xmlns:a16="http://schemas.microsoft.com/office/drawing/2014/main" id="{10922FF6-20D7-F1EE-5261-D14A88453568}"/>
-              </a:ext>
-            </a:extLst>
-          </p:cNvPr>
-          <p:cNvPicPr>
-            <a:picLocks noChangeAspect="1"/>
-          </p:cNvPicPr>
-          <p:nvPr/>
-        </p:nvPicPr>
-        <p:blipFill>
-          <a:blip r:embed="rId2"/>
-          <a:stretch>
-            <a:fillRect/>
-          </a:stretch>
-        </p:blipFill>
-        <p:spPr>
-          <a:xfrm>
-            <a:off x="985349" y="1690688"/>
-            <a:ext cx="10221301" cy="4159608"/>
-          </a:xfrm>
-          <a:prstGeom prst="rect">
-            <a:avLst/>
-          </a:prstGeom>
-        </p:spPr>
-      </p:pic>
-      <p:sp>
-        <p:nvSpPr>
-          <p:cNvPr id="7" name="TextBox 6">
-            <a:extLst>
-              <a:ext uri="{FF2B5EF4-FFF2-40B4-BE49-F238E27FC236}">
-                <a16:creationId xmlns:a16="http://schemas.microsoft.com/office/drawing/2014/main" id="{C51DA10B-8153-0985-3A2A-D9A8E7F31221}"/>
-              </a:ext>
-            </a:extLst>
-          </p:cNvPr>
-          <p:cNvSpPr txBox="1"/>
-          <p:nvPr/>
-        </p:nvSpPr>
-        <p:spPr>
-          <a:xfrm>
-            <a:off x="9101259" y="5850296"/>
-            <a:ext cx="2252540" cy="369332"/>
-          </a:xfrm>
-          <a:prstGeom prst="rect">
-            <a:avLst/>
-          </a:prstGeom>
-          <a:noFill/>
-        </p:spPr>
-        <p:txBody>
-          <a:bodyPr wrap="none" rtlCol="0">
-            <a:spAutoFit/>
-          </a:bodyPr>
-          <a:lstStyle/>
-          <a:p>
-            <a:r>
-              <a:rPr lang="en-US" dirty="0" err="1">
-                <a:latin typeface="Andale Mono" panose="020B0509000000000004" pitchFamily="49" charset="0"/>
-              </a:rPr>
-              <a:t>pharmaverse.org</a:t>
-            </a:r>
-            <a:endParaRPr lang="en-US" dirty="0">
-              <a:latin typeface="Andale Mono" panose="020B0509000000000004" pitchFamily="49" charset="0"/>
-            </a:endParaRPr>
-          </a:p>
-        </p:txBody>
-      </p:sp>
-    </p:spTree>
-    <p:extLst>
-      <p:ext uri="{BB962C8B-B14F-4D97-AF65-F5344CB8AC3E}">
-        <p14:creationId xmlns:p14="http://schemas.microsoft.com/office/powerpoint/2010/main" val="620648208"/>
-      </p:ext>
-    </p:extLst>
-  </p:cSld>
-  <p:clrMapOvr>
-    <a:masterClrMapping/>
-  </p:clrMapOvr>
-</p:sld>
-</file>
-
-<file path=ppt/slides/slide9.xml><?xml version="1.0" encoding="utf-8"?>
-<p:sld xmlns:a="http://schemas.openxmlformats.org/drawingml/2006/main" xmlns:r="http://schemas.openxmlformats.org/officeDocument/2006/relationships" xmlns:p="http://schemas.openxmlformats.org/presentationml/2006/main">
-  <p:cSld>
-    <p:spTree>
-      <p:nvGrpSpPr>
-        <p:cNvPr id="1" name=""/>
-        <p:cNvGrpSpPr/>
-        <p:nvPr/>
-      </p:nvGrpSpPr>
-      <p:grpSpPr>
-        <a:xfrm>
-          <a:off x="0" y="0"/>
-          <a:ext cx="0" cy="0"/>
-          <a:chOff x="0" y="0"/>
-          <a:chExt cx="0" cy="0"/>
-        </a:xfrm>
-      </p:grpSpPr>
-      <p:sp>
-        <p:nvSpPr>
-          <p:cNvPr id="2" name="Title 1">
-            <a:extLst>
-              <a:ext uri="{FF2B5EF4-FFF2-40B4-BE49-F238E27FC236}">
-                <a16:creationId xmlns:a16="http://schemas.microsoft.com/office/drawing/2014/main" id="{E58AE648-FA28-847D-A131-A1A2935F70FF}"/>
-              </a:ext>
-            </a:extLst>
-          </p:cNvPr>
-          <p:cNvSpPr>
-            <a:spLocks noGrp="1"/>
-          </p:cNvSpPr>
-          <p:nvPr>
-            <p:ph type="title"/>
-          </p:nvPr>
-        </p:nvSpPr>
-        <p:spPr/>
-        <p:txBody>
-          <a:bodyPr/>
-          <a:lstStyle/>
-          <a:p>
-            <a:r>
-              <a:rPr lang="en-US" b="1" dirty="0"/>
-              <a:t>Why use</a:t>
-            </a:r>
-            <a:r>
-              <a:rPr lang="en-US" dirty="0"/>
-              <a:t> the </a:t>
-            </a:r>
-            <a:r>
-              <a:rPr lang="en-US" dirty="0" err="1"/>
-              <a:t>pharmaverse</a:t>
-            </a:r>
-            <a:r>
-              <a:rPr lang="en-US" dirty="0"/>
-              <a:t>?</a:t>
-            </a:r>
-          </a:p>
-        </p:txBody>
-      </p:sp>
-      <p:sp>
-        <p:nvSpPr>
-          <p:cNvPr id="3" name="Content Placeholder 2">
-            <a:extLst>
-              <a:ext uri="{FF2B5EF4-FFF2-40B4-BE49-F238E27FC236}">
-                <a16:creationId xmlns:a16="http://schemas.microsoft.com/office/drawing/2014/main" id="{38BB1909-46AC-B4E2-694D-3739C5DCE06D}"/>
-              </a:ext>
-            </a:extLst>
-          </p:cNvPr>
-          <p:cNvSpPr>
-            <a:spLocks noGrp="1"/>
-          </p:cNvSpPr>
-          <p:nvPr>
-            <p:ph idx="1"/>
-          </p:nvPr>
-        </p:nvSpPr>
-        <p:spPr/>
-        <p:txBody>
-          <a:bodyPr/>
-          <a:lstStyle/>
-          <a:p>
-            <a:r>
-              <a:rPr lang="en-US" dirty="0"/>
-              <a:t>Leverage what others have build</a:t>
-            </a:r>
-          </a:p>
-          <a:p>
-            <a:r>
-              <a:rPr lang="en-US" dirty="0"/>
-              <a:t>Avoid mistakes when coding from scratch</a:t>
-            </a:r>
-          </a:p>
-          <a:p>
-            <a:r>
-              <a:rPr lang="en-US" dirty="0"/>
-              <a:t>Support the open-source revolution in pharma</a:t>
-            </a:r>
-          </a:p>
-          <a:p>
-            <a:endParaRPr lang="en-US" dirty="0"/>
-          </a:p>
-        </p:txBody>
-      </p:sp>
-    </p:spTree>
-    <p:extLst>
-      <p:ext uri="{BB962C8B-B14F-4D97-AF65-F5344CB8AC3E}">
-        <p14:creationId xmlns:p14="http://schemas.microsoft.com/office/powerpoint/2010/main" val="1309209726"/>
-      </p:ext>
-    </p:extLst>
-  </p:cSld>
-  <p:clrMapOvr>
-    <a:masterClrMapping/>
-  </p:clrMapOvr>
 </p:sld>
 </file>
 
